--- a/pages/2023-07-05-pwr-sim/parameters.pptx
+++ b/pages/2023-07-05-pwr-sim/parameters.pptx
@@ -105,7 +105,1686 @@
       </a:defRPr>
     </a:lvl9pPr>
   </p:defaultTextStyle>
+  <p:extLst>
+    <p:ext uri="{EFAFB233-063F-42B5-8137-9DF3F51BA10A}">
+      <p15:sldGuideLst xmlns:p15="http://schemas.microsoft.com/office/powerpoint/2012/main"/>
+    </p:ext>
+  </p:extLst>
 </p:presentation>
+</file>
+
+<file path=ppt/ink/ink1.xml><?xml version="1.0" encoding="utf-8"?>
+<inkml:ink xmlns:inkml="http://www.w3.org/2003/InkML">
+  <inkml:definitions>
+    <inkml:context xml:id="ctx0">
+      <inkml:inkSource xml:id="inkSrc0">
+        <inkml:traceFormat>
+          <inkml:channel name="X" type="integer" min="-2.14748E9" max="2.14748E9" units="cm"/>
+          <inkml:channel name="Y" type="integer" min="-2.14748E9" max="2.14748E9" units="cm"/>
+          <inkml:channel name="F" type="integer" max="32767" units="dev"/>
+          <inkml:channel name="OA" type="integer" max="360" units="deg"/>
+          <inkml:channel name="OE" type="integer" max="90" units="deg"/>
+        </inkml:traceFormat>
+        <inkml:channelProperties>
+          <inkml:channelProperty channel="X" name="resolution" value="1000" units="1/cm"/>
+          <inkml:channelProperty channel="Y" name="resolution" value="1000" units="1/cm"/>
+          <inkml:channelProperty channel="F" name="resolution" value="0" units="1/dev"/>
+          <inkml:channelProperty channel="OA" name="resolution" value="1000" units="1/deg"/>
+          <inkml:channelProperty channel="OE" name="resolution" value="1000" units="1/deg"/>
+        </inkml:channelProperties>
+      </inkml:inkSource>
+      <inkml:timestamp xml:id="ts0" timeString="2023-07-05T16:06:45.862"/>
+    </inkml:context>
+    <inkml:brush xml:id="br0">
+      <inkml:brushProperty name="width" value="0.1" units="cm"/>
+      <inkml:brushProperty name="height" value="0.1" units="cm"/>
+    </inkml:brush>
+  </inkml:definitions>
+  <inkml:trace contextRef="#ctx0" brushRef="#br0">263 0 6451 0 0,'0'0'7225'0'0,"0"11"-6521"0"0,-3 10-490 0 0,0 0 1 0 0,-1-1-1 0 0,-1 0 1 0 0,-2 0-1 0 0,1 0 1 0 0,-11 19-1 0 0,5-9 243 0 0,-112 234 1307 0 0,57-127-1420 0 0,65-133-357 0 0,0-2-3 0 0,1 0 0 0 0,-1 1 0 0 0,1-1-1 0 0,0 1 1 0 0,0-1 0 0 0,0 1 0 0 0,0-1-1 0 0,0 1 1 0 0,1 0 0 0 0,-1 0 0 0 0,1-1 0 0 0,-1 1-1 0 0,1 0 1 0 0,0 0 0 0 0,1 4 0 0 0,1-7-396 0 0,0 1 0 0 0,0-1 0 0 0,1 1 0 0 0,-1-1 0 0 0,0 0 0 0 0,0 0 0 0 0,1 0 0 0 0,-1 0 0 0 0,0-1 0 0 0,0 1 0 0 0,0-1 0 0 0,0 1 0 0 0,1-1 0 0 0,-1 0 0 0 0,0 1 0 0 0,0-1 0 0 0,0 0 0 0 0,0 0 0 0 0,0-1 0 0 0,1 0 0 0 0,6-15-5252 0 0</inkml:trace>
+</inkml:ink>
+</file>
+
+<file path=ppt/ink/ink10.xml><?xml version="1.0" encoding="utf-8"?>
+<inkml:ink xmlns:inkml="http://www.w3.org/2003/InkML">
+  <inkml:definitions>
+    <inkml:context xml:id="ctx0">
+      <inkml:inkSource xml:id="inkSrc0">
+        <inkml:traceFormat>
+          <inkml:channel name="X" type="integer" min="-2.14748E9" max="2.14748E9" units="cm"/>
+          <inkml:channel name="Y" type="integer" min="-2.14748E9" max="2.14748E9" units="cm"/>
+          <inkml:channel name="F" type="integer" max="32767" units="dev"/>
+          <inkml:channel name="OA" type="integer" max="360" units="deg"/>
+          <inkml:channel name="OE" type="integer" max="90" units="deg"/>
+        </inkml:traceFormat>
+        <inkml:channelProperties>
+          <inkml:channelProperty channel="X" name="resolution" value="1000" units="1/cm"/>
+          <inkml:channelProperty channel="Y" name="resolution" value="1000" units="1/cm"/>
+          <inkml:channelProperty channel="F" name="resolution" value="0" units="1/dev"/>
+          <inkml:channelProperty channel="OA" name="resolution" value="1000" units="1/deg"/>
+          <inkml:channelProperty channel="OE" name="resolution" value="1000" units="1/deg"/>
+        </inkml:channelProperties>
+      </inkml:inkSource>
+      <inkml:timestamp xml:id="ts0" timeString="2023-07-05T16:06:44.957"/>
+    </inkml:context>
+    <inkml:brush xml:id="br0">
+      <inkml:brushProperty name="width" value="0.1" units="cm"/>
+      <inkml:brushProperty name="height" value="0.1" units="cm"/>
+    </inkml:brush>
+  </inkml:definitions>
+  <inkml:trace contextRef="#ctx0" brushRef="#br0">0 0 6819 0 0,'0'0'2311'0'0,"13"3"-1159"0"0,120 19 853 0 0,-90-18-1778 0 0,-1 2 0 0 0,1 3 0 0 0,81 26 0 0 0,-121-34-234 0 0,1 1 0 0 0,-1-1 0 0 0,0 1 0 0 0,1 0 0 0 0,-1 0 0 0 0,0 0 0 0 0,0 0 0 0 0,0 0 0 0 0,-1 1 1 0 0,1 0-1 0 0,0-1 0 0 0,-1 1 0 0 0,0 0 0 0 0,0 0 0 0 0,1 0 0 0 0,-2 0 0 0 0,1 1 0 0 0,0-1 0 0 0,-1 1 0 0 0,0-1 0 0 0,1 1 0 0 0,-1-1 0 0 0,-1 1 0 0 0,1-1 0 0 0,0 1 0 0 0,-1 0 0 0 0,0 0 0 0 0,0-1 0 0 0,0 1 0 0 0,0 0 0 0 0,-1-1 0 0 0,1 1 0 0 0,-1 0 0 0 0,0-1 0 0 0,-2 5 0 0 0,-1 4 27 0 0,0-1 1 0 0,-2 0-1 0 0,1 0 0 0 0,-1 0 1 0 0,-1 0-1 0 0,0-1 0 0 0,-1 0 1 0 0,1-1-1 0 0,-12 10 0 0 0,7-6 16 0 0,-23 19 203 0 0,34-29-254 0 0,1 0 0 0 0,0 1-1 0 0,0-1 1 0 0,0 0 0 0 0,0 0-1 0 0,0 1 1 0 0,1-1 0 0 0,-1 0 0 0 0,1 1-1 0 0,1 2 1 0 0,3 6 64 0 0,12 44 911 0 0,-17-54-892 0 0,1 1 0 0 0,0 0 1 0 0,-1 0-1 0 0,0 0 0 0 0,0 0 1 0 0,0-1-1 0 0,0 1 0 0 0,0 0 1 0 0,-1 0-1 0 0,1 0 0 0 0,-1-1 1 0 0,0 1-1 0 0,0 0 0 0 0,0 0 0 0 0,0-1 1 0 0,0 1-1 0 0,-2 2 0 0 0,-3 1-14 0 0,1-2-1 0 0,-1 1 1 0 0,0-1-1 0 0,-1 0 1 0 0,1 0-1 0 0,-1 0 1 0 0,0-1-1 0 0,1 0 1 0 0,-2 0-1 0 0,1-1 1 0 0,-10 2-1 0 0,-87 15 196 0 0,-40-11-2551 0 0</inkml:trace>
+</inkml:ink>
+</file>
+
+<file path=ppt/ink/ink11.xml><?xml version="1.0" encoding="utf-8"?>
+<inkml:ink xmlns:inkml="http://www.w3.org/2003/InkML">
+  <inkml:definitions>
+    <inkml:context xml:id="ctx0">
+      <inkml:inkSource xml:id="inkSrc0">
+        <inkml:traceFormat>
+          <inkml:channel name="X" type="integer" min="-2.14748E9" max="2.14748E9" units="cm"/>
+          <inkml:channel name="Y" type="integer" min="-2.14748E9" max="2.14748E9" units="cm"/>
+          <inkml:channel name="F" type="integer" max="32767" units="dev"/>
+          <inkml:channel name="OA" type="integer" max="360" units="deg"/>
+          <inkml:channel name="OE" type="integer" max="90" units="deg"/>
+        </inkml:traceFormat>
+        <inkml:channelProperties>
+          <inkml:channelProperty channel="X" name="resolution" value="1000" units="1/cm"/>
+          <inkml:channelProperty channel="Y" name="resolution" value="1000" units="1/cm"/>
+          <inkml:channelProperty channel="F" name="resolution" value="0" units="1/dev"/>
+          <inkml:channelProperty channel="OA" name="resolution" value="1000" units="1/deg"/>
+          <inkml:channelProperty channel="OE" name="resolution" value="1000" units="1/deg"/>
+        </inkml:channelProperties>
+      </inkml:inkSource>
+      <inkml:timestamp xml:id="ts0" timeString="2023-07-05T16:07:25.463"/>
+    </inkml:context>
+    <inkml:brush xml:id="br0">
+      <inkml:brushProperty name="width" value="0.1" units="cm"/>
+      <inkml:brushProperty name="height" value="0.1" units="cm"/>
+    </inkml:brush>
+  </inkml:definitions>
+  <inkml:trace contextRef="#ctx0" brushRef="#br0">388 1 3506 0 0,'-8'4'382'0'0,"1"0"0"0"0,0 1 0 0 0,1 0 0 0 0,-1 0 1 0 0,1 0-1 0 0,0 1 0 0 0,0 0 0 0 0,0 1 0 0 0,1-1 1 0 0,0 1-1 0 0,0 0 0 0 0,1 0 0 0 0,0 0 0 0 0,0 1 1 0 0,1 0-1 0 0,0-1 0 0 0,0 1 0 0 0,1 0 0 0 0,0 1 1 0 0,0-1-1 0 0,1 0 0 0 0,-1 15 0 0 0,-7 194 584 0 0,-4 39-139 0 0,-65 182-227 0 0,14-104 75 0 0,50-239-472 0 0,-1 149 0 0 0,15-218-185 0 0,-1 37 183 0 0,3 1 0 0 0,15 97 1 0 0,-8-123-160 0 0,-2 0 0 0 0,-2 1 0 0 0,-1-1 0 0 0,-2 1 1 0 0,-6 73-1 0 0,0-100-34 0 0,1-1 0 0 0,-1 0 0 0 0,-1 0 0 0 0,0 0 0 0 0,-1 0 0 0 0,0 0 0 0 0,-9 11 0 0 0,7-9-11 0 0,0-1-1 0 0,1 1 1 0 0,0 1 0 0 0,-7 19 0 0 0,4 3 11 0 0,1 0 0 0 0,2 0 0 0 0,1 1 0 0 0,-1 71 0 0 0,7-38-16 0 0,1-70 23 0 0,0 0-1 0 0,0 0 1 0 0,0 0-1 0 0,0 0 1 0 0,0 0 0 0 0,0-1-1 0 0,0 1 1 0 0,0 0-1 0 0,0 0 1 0 0,0-1 0 0 0,0 1-1 0 0,0 0 1 0 0,0-1-1 0 0,0 1 1 0 0,0-1 0 0 0,2-1-1 0 0,34-41 199 0 0,-34 37-233 0 0,1 1-1 0 0,-1 0 1 0 0,1 0-1 0 0,0 1 1 0 0,0-1 0 0 0,1 1-1 0 0,-1 0 1 0 0,1 0 0 0 0,0 0-1 0 0,0 1 1 0 0,0 0-1 0 0,0 0 1 0 0,1 0 0 0 0,-1 1-1 0 0,1-1 1 0 0,0 1-1 0 0,0 0 1 0 0,0 1 0 0 0,11-2-1 0 0,79-11-175 0 0,-64 8 207 0 0,0 1-1 0 0,37 0 0 0 0,230 23-86 0 0,-12 1 117 0 0,325-24 25 0 0,-114 0-12 0 0,123-14-6 0 0,-2 0-133 0 0,-123 27 67 0 0,239-4 63 0 0,-601-8-383 0 0,1 5 0 0 0,219 30 0 0 0,-350-30 289 0 0,179 36-2920 0 0</inkml:trace>
+</inkml:ink>
+</file>
+
+<file path=ppt/ink/ink12.xml><?xml version="1.0" encoding="utf-8"?>
+<inkml:ink xmlns:inkml="http://www.w3.org/2003/InkML">
+  <inkml:definitions>
+    <inkml:context xml:id="ctx0">
+      <inkml:inkSource xml:id="inkSrc0">
+        <inkml:traceFormat>
+          <inkml:channel name="X" type="integer" min="-2.14748E9" max="2.14748E9" units="cm"/>
+          <inkml:channel name="Y" type="integer" min="-2.14748E9" max="2.14748E9" units="cm"/>
+          <inkml:channel name="F" type="integer" max="32767" units="dev"/>
+          <inkml:channel name="OA" type="integer" max="360" units="deg"/>
+          <inkml:channel name="OE" type="integer" max="90" units="deg"/>
+        </inkml:traceFormat>
+        <inkml:channelProperties>
+          <inkml:channelProperty channel="X" name="resolution" value="1000" units="1/cm"/>
+          <inkml:channelProperty channel="Y" name="resolution" value="1000" units="1/cm"/>
+          <inkml:channelProperty channel="F" name="resolution" value="0" units="1/dev"/>
+          <inkml:channelProperty channel="OA" name="resolution" value="1000" units="1/deg"/>
+          <inkml:channelProperty channel="OE" name="resolution" value="1000" units="1/deg"/>
+        </inkml:channelProperties>
+      </inkml:inkSource>
+      <inkml:timestamp xml:id="ts0" timeString="2023-07-05T16:07:26.804"/>
+    </inkml:context>
+    <inkml:brush xml:id="br0">
+      <inkml:brushProperty name="width" value="0.1" units="cm"/>
+      <inkml:brushProperty name="height" value="0.1" units="cm"/>
+    </inkml:brush>
+  </inkml:definitions>
+  <inkml:trace contextRef="#ctx0" brushRef="#br0">82 114 0 0 0,'-1'-4'48'0'0,"0"-2"225"0"0,-1 1 0 0 0,1 0 0 0 0,-1-1 1 0 0,0 1-1 0 0,0 0 0 0 0,0 0 0 0 0,-6-8 0 0 0,7 13-166 0 0,1-1 0 0 0,-1 0 0 0 0,0 0 0 0 0,1 1-1 0 0,-1-1 1 0 0,0 0 0 0 0,0 1 0 0 0,1-1 0 0 0,-1 0 0 0 0,0 1-1 0 0,0-1 1 0 0,0 1 0 0 0,0 0 0 0 0,0-1 0 0 0,0 1 0 0 0,0 0 0 0 0,0 0-1 0 0,0-1 1 0 0,0 1 0 0 0,-1 0 0 0 0,0 0-96 0 0,0 1-1 0 0,1-1 1 0 0,-1 1 0 0 0,0 0-1 0 0,1-1 1 0 0,-1 1 0 0 0,1 0-1 0 0,-1 0 1 0 0,1 0 0 0 0,-1 0-1 0 0,1 0 1 0 0,0 0-1 0 0,-1 1 1 0 0,1-1 0 0 0,0 0-1 0 0,-2 3 1 0 0,2-3 74 0 0,0 0-1 0 0,0 0 1 0 0,0 0-1 0 0,0 0 1 0 0,0 0-1 0 0,0 1 1 0 0,0-1-1 0 0,1 0 1 0 0,-1 1-1 0 0,0-1 1 0 0,1 0 0 0 0,-1 1-1 0 0,1-1 1 0 0,-1 1-1 0 0,1-1 1 0 0,0 1-1 0 0,-1-1 1 0 0,1 1-1 0 0,0 0 1 0 0,0-1-1 0 0,0 1 1 0 0,0-1-1 0 0,1 1 1 0 0,-1-1 0 0 0,1 3-1 0 0,0-3 2 0 0,0 0-1 0 0,0 0 1 0 0,1 1 0 0 0,-1-1-1 0 0,0 0 1 0 0,1 0-1 0 0,-1-1 1 0 0,1 1 0 0 0,-1 0-1 0 0,1 0 1 0 0,-1-1 0 0 0,1 1-1 0 0,0-1 1 0 0,-1 1 0 0 0,1-1-1 0 0,0 0 1 0 0,-1 1-1 0 0,1-1 1 0 0,0 0 0 0 0,-1 0-1 0 0,4-1 1 0 0,3 1 40 0 0,-1 0 0 0 0,1 0 0 0 0,0-1 0 0 0,0-1 0 0 0,0 1 0 0 0,12-6 0 0 0,-18 7-119 0 0,-1-1 0 0 0,1 1 0 0 0,0-1 0 0 0,-1 0 0 0 0,1 0 0 0 0,-1 0 1 0 0,0 0-1 0 0,1 0 0 0 0,-1 0 0 0 0,0 0 0 0 0,0 0 0 0 0,1-1 0 0 0,-1 1 0 0 0,0 0 0 0 0,0-1 0 0 0,0 1 0 0 0,-1-1 0 0 0,1 1 0 0 0,0-1 0 0 0,0 0 0 0 0,-1 1 0 0 0,1-1 0 0 0,-1 1 0 0 0,0-1 0 0 0,1 0 0 0 0,-1 0 0 0 0,0 1 0 0 0,0-1 0 0 0,0 0 1 0 0,0 1-1 0 0,0-1 0 0 0,-1 0 0 0 0,1 1 0 0 0,0-1 0 0 0,-1 0 0 0 0,1 1 0 0 0,-2-4 0 0 0,1 4-7 0 0,0 0 1 0 0,-1-1-1 0 0,1 1 1 0 0,0 0-1 0 0,-1 0 0 0 0,1 0 1 0 0,0 0-1 0 0,-1 1 1 0 0,1-1-1 0 0,-1 0 1 0 0,1 0-1 0 0,-1 1 0 0 0,1-1 1 0 0,-1 1-1 0 0,0 0 1 0 0,1-1-1 0 0,-1 1 1 0 0,0 0-1 0 0,1 0 0 0 0,-1 0 1 0 0,-2 0-1 0 0,-41 2 82 0 0,42-2-74 0 0,1 0 13 0 0,-1 1 0 0 0,1-1 0 0 0,0 1 0 0 0,0 0 0 0 0,-1-1 0 0 0,1 1 1 0 0,0 0-1 0 0,0 0 0 0 0,0 1 0 0 0,0-1 0 0 0,0 0 0 0 0,0 1 0 0 0,0-1 1 0 0,1 1-1 0 0,-1-1 0 0 0,0 1 0 0 0,1 0 0 0 0,-1 0 0 0 0,1 0 1 0 0,0 0-1 0 0,0 0 0 0 0,0 0 0 0 0,0 0 0 0 0,0 0 0 0 0,0 0 0 0 0,0 1 1 0 0,1-1-1 0 0,-1 0 0 0 0,1 0 0 0 0,-1 1 0 0 0,1-1 0 0 0,0 0 0 0 0,0 1 1 0 0,0-1-1 0 0,0 1 0 0 0,1-1 0 0 0,-1 0 0 0 0,1 0 0 0 0,-1 1 0 0 0,2 2 1 0 0,0-4 20 0 0,0 1 0 0 0,-1-1 0 0 0,1 0 0 0 0,0 0 0 0 0,0 0 0 0 0,0 0 0 0 0,1 0-1 0 0,-1 0 1 0 0,0 0 0 0 0,0-1 0 0 0,0 1 0 0 0,1-1 0 0 0,-1 0 0 0 0,0 0 0 0 0,0 1 0 0 0,1-1 0 0 0,-1-1 0 0 0,4 1 0 0 0,43-7 492 0 0,-46 6-526 0 0,1-1-1 0 0,0 1 1 0 0,-1-1 0 0 0,0 1 0 0 0,1-1-1 0 0,-1 0 1 0 0,0 0 0 0 0,0-1 0 0 0,0 1-1 0 0,0-1 1 0 0,0 1 0 0 0,-1-1 0 0 0,1 0-1 0 0,-1 0 1 0 0,0 0 0 0 0,1 0 0 0 0,-2-1-1 0 0,1 1 1 0 0,0 0 0 0 0,-1-1 0 0 0,1 0-1 0 0,-1 1 1 0 0,0-1 0 0 0,0 0 0 0 0,0 1-1 0 0,-1-1 1 0 0,0 0 0 0 0,1 0 0 0 0,-1 0-1 0 0,-1-7 1 0 0,0 10-12 0 0,0-1-1 0 0,0 0 1 0 0,0 1 0 0 0,0-1-1 0 0,-1 1 1 0 0,1 0 0 0 0,-1-1-1 0 0,1 1 1 0 0,0 0 0 0 0,-1 0-1 0 0,0 0 1 0 0,1 0 0 0 0,-1 0-1 0 0,0 0 1 0 0,1 0 0 0 0,-1 1-1 0 0,0-1 1 0 0,0 0 0 0 0,0 1-1 0 0,0 0 1 0 0,0-1 0 0 0,0 1-1 0 0,1 0 1 0 0,-1 0 0 0 0,0 0-1 0 0,0 0 1 0 0,0 0 0 0 0,-4 2-1 0 0,3-2 8 0 0,-1 0-1 0 0,1 0 1 0 0,-1 1-1 0 0,0 0 1 0 0,1 0-1 0 0,-1 0 1 0 0,1 0-1 0 0,0 0 1 0 0,-1 1-1 0 0,1-1 1 0 0,0 1-1 0 0,0 0 1 0 0,0 0-1 0 0,-6 5 1 0 0,7-3 56 0 0,-1 1-1 0 0,1 0 1 0 0,-1-1-1 0 0,1 1 1 0 0,1 0-1 0 0,-1 0 1 0 0,1 0-1 0 0,0 1 1 0 0,0-1-1 0 0,0 0 1 0 0,1 0-1 0 0,-1 1 1 0 0,2-1-1 0 0,-1 0 1 0 0,1 6-1 0 0,-1-8-35 0 0,1 0-1 0 0,-1 0 0 0 0,1 0 1 0 0,0 0-1 0 0,0 0 0 0 0,0 0 1 0 0,0 0-1 0 0,1-1 0 0 0,-1 1 1 0 0,1 0-1 0 0,-1-1 0 0 0,1 1 1 0 0,0-1-1 0 0,0 0 0 0 0,0 1 1 0 0,1-1-1 0 0,-1 0 0 0 0,0 0 1 0 0,1-1-1 0 0,-1 1 0 0 0,1 0 1 0 0,0-1-1 0 0,-1 1 0 0 0,1-1 1 0 0,0 0-1 0 0,3 1 0 0 0,0-1-24 0 0,0 0 0 0 0,-1 0 0 0 0,1 0 0 0 0,0-1 0 0 0,0 1-1 0 0,0-1 1 0 0,-1-1 0 0 0,1 1 0 0 0,0-1 0 0 0,-1 0 0 0 0,1-1 0 0 0,0 1-1 0 0,-1-1 1 0 0,0 0 0 0 0,1-1 0 0 0,4-2 0 0 0,-6 2-330 0 0,0 0-1 0 0,0 0 1 0 0,0 0 0 0 0,0 0 0 0 0,-1-1-1 0 0,1 0 1 0 0,2-4 0 0 0,14-25-4449 0 0</inkml:trace>
+</inkml:ink>
+</file>
+
+<file path=ppt/ink/ink13.xml><?xml version="1.0" encoding="utf-8"?>
+<inkml:ink xmlns:inkml="http://www.w3.org/2003/InkML">
+  <inkml:definitions>
+    <inkml:context xml:id="ctx0">
+      <inkml:inkSource xml:id="inkSrc0">
+        <inkml:traceFormat>
+          <inkml:channel name="X" type="integer" min="-2.14748E9" max="2.14748E9" units="cm"/>
+          <inkml:channel name="Y" type="integer" min="-2.14748E9" max="2.14748E9" units="cm"/>
+          <inkml:channel name="F" type="integer" max="32767" units="dev"/>
+          <inkml:channel name="OA" type="integer" max="360" units="deg"/>
+          <inkml:channel name="OE" type="integer" max="90" units="deg"/>
+        </inkml:traceFormat>
+        <inkml:channelProperties>
+          <inkml:channelProperty channel="X" name="resolution" value="1000" units="1/cm"/>
+          <inkml:channelProperty channel="Y" name="resolution" value="1000" units="1/cm"/>
+          <inkml:channelProperty channel="F" name="resolution" value="0" units="1/dev"/>
+          <inkml:channelProperty channel="OA" name="resolution" value="1000" units="1/deg"/>
+          <inkml:channelProperty channel="OE" name="resolution" value="1000" units="1/deg"/>
+        </inkml:channelProperties>
+      </inkml:inkSource>
+      <inkml:timestamp xml:id="ts0" timeString="2023-07-05T16:07:28.044"/>
+    </inkml:context>
+    <inkml:brush xml:id="br0">
+      <inkml:brushProperty name="width" value="0.1" units="cm"/>
+      <inkml:brushProperty name="height" value="0.1" units="cm"/>
+    </inkml:brush>
+  </inkml:definitions>
+  <inkml:trace contextRef="#ctx0" brushRef="#br0">47 75 2177 0 0,'0'0'2615'0'0,"7"1"-1698"0"0,-5-1-867 0 0,0 0 0 0 0,0 0-1 0 0,0 0 1 0 0,0 0 0 0 0,0 0 0 0 0,0 0-1 0 0,0-1 1 0 0,0 1 0 0 0,0-1 0 0 0,0 1-1 0 0,0-1 1 0 0,0 0 0 0 0,0 0-1 0 0,0 0 1 0 0,0 0 0 0 0,0 0 0 0 0,0 0-1 0 0,-1 0 1 0 0,1-1 0 0 0,2-2 0 0 0,-2 1 44 0 0,0 0 0 0 0,0 0 0 0 0,0 0 0 0 0,-1 0 0 0 0,1-1 0 0 0,-1 1 0 0 0,0-1 0 0 0,0 1 0 0 0,0-1 0 0 0,-1 1 0 0 0,1-1 0 0 0,-1 1 0 0 0,0-1 0 0 0,0-4 0 0 0,0 7-39 0 0,0 1 0 0 0,-1 0 1 0 0,1-1-1 0 0,-1 1 0 0 0,1 0 0 0 0,0-1 1 0 0,-1 1-1 0 0,1 0 0 0 0,-1-1 0 0 0,1 1 1 0 0,-1 0-1 0 0,1 0 0 0 0,-1 0 1 0 0,1-1-1 0 0,-1 1 0 0 0,0 0 0 0 0,1 0 1 0 0,-1 0-1 0 0,1 0 0 0 0,-1 0 1 0 0,1 0-1 0 0,-1 0 0 0 0,1 0 0 0 0,-1 0 1 0 0,1 0-1 0 0,-1 1 0 0 0,1-1 0 0 0,-1 0 1 0 0,0 0-1 0 0,1 0 0 0 0,-1 1 1 0 0,-20 5-233 0 0,16-2 193 0 0,0-1-1 0 0,0 1 0 0 0,1-1 0 0 0,-1 2 0 0 0,1-1 0 0 0,0 0 1 0 0,1 1-1 0 0,-1-1 0 0 0,1 1 0 0 0,0 0 0 0 0,0 1 0 0 0,0-1 0 0 0,0 0 1 0 0,1 1-1 0 0,0-1 0 0 0,1 1 0 0 0,-1 0 0 0 0,1 0 0 0 0,0-1 1 0 0,0 1-1 0 0,1 0 0 0 0,0 0 0 0 0,0 0 0 0 0,1 7 0 0 0,-1-12 13 0 0,0 0 0 0 0,1-1 1 0 0,-1 1-1 0 0,1 0 0 0 0,-1 0 0 0 0,1 0 0 0 0,-1-1 0 0 0,1 1 0 0 0,-1 0 0 0 0,1 0 0 0 0,0-1 0 0 0,0 1 0 0 0,-1-1 0 0 0,1 1 0 0 0,0-1 1 0 0,0 1-1 0 0,0-1 0 0 0,-1 1 0 0 0,1-1 0 0 0,0 0 0 0 0,0 1 0 0 0,0-1 0 0 0,0 0 0 0 0,0 0 0 0 0,0 0 0 0 0,0 1 0 0 0,0-1 1 0 0,0 0-1 0 0,0 0 0 0 0,0 0 0 0 0,-1-1 0 0 0,1 1 0 0 0,2 0 0 0 0,36-9 434 0 0,-35 7-444 0 0,0-1 0 0 0,0 0 0 0 0,0 0 0 0 0,0 0 0 0 0,-1-1 0 0 0,0 1-1 0 0,0-1 1 0 0,0 0 0 0 0,0 0 0 0 0,0 0 0 0 0,-1 0 0 0 0,0 0 0 0 0,0-1 0 0 0,0 1 0 0 0,0-1 0 0 0,-1 1 0 0 0,1-1 0 0 0,-1 0 0 0 0,0 0 0 0 0,-1 0-1 0 0,1 1 1 0 0,-1-1 0 0 0,0 0 0 0 0,-1-8 0 0 0,1 12-18 0 0,-1 0 1 0 0,1-1-1 0 0,0 1 0 0 0,-1 0 1 0 0,1 0-1 0 0,-1-1 0 0 0,1 1 1 0 0,-1 0-1 0 0,0 0 0 0 0,1 0 1 0 0,-1 0-1 0 0,0 0 0 0 0,0 0 1 0 0,0 0-1 0 0,0 0 0 0 0,0 0 1 0 0,0 0-1 0 0,0 0 0 0 0,0 1 1 0 0,0-1-1 0 0,0 0 0 0 0,-1 1 1 0 0,1-1-1 0 0,0 1 0 0 0,0 0 1 0 0,-1-1-1 0 0,1 1 0 0 0,0 0 1 0 0,0-1-1 0 0,-1 1 0 0 0,1 0 1 0 0,0 0-1 0 0,-1 0 0 0 0,1 0 1 0 0,0 0-1 0 0,-1 1 0 0 0,1-1 1 0 0,0 0-1 0 0,-3 2 0 0 0,-1-2-25 0 0,1 1 0 0 0,-1 0-1 0 0,0 0 1 0 0,1 0-1 0 0,-1 1 1 0 0,1-1-1 0 0,-1 1 1 0 0,1 1-1 0 0,0-1 1 0 0,-6 5-1 0 0,6-5 39 0 0,1 1-1 0 0,0 1 0 0 0,1-1 0 0 0,-1 0 0 0 0,1 1 1 0 0,-1 0-1 0 0,1-1 0 0 0,0 1 0 0 0,0 0 1 0 0,1 0-1 0 0,-1 0 0 0 0,1 0 0 0 0,0 0 1 0 0,0 1-1 0 0,0-1 0 0 0,0 0 0 0 0,1 0 0 0 0,0 1 1 0 0,0-1-1 0 0,0 0 0 0 0,0 1 0 0 0,1-1 1 0 0,0 0-1 0 0,0 0 0 0 0,1 6 0 0 0,0-7 50 0 0,-1 0-1 0 0,1 0 0 0 0,0 1 1 0 0,0-1-1 0 0,0 0 0 0 0,1 0 1 0 0,-1-1-1 0 0,1 1 0 0 0,-1-1 1 0 0,1 1-1 0 0,0-1 0 0 0,0 0 1 0 0,0 0-1 0 0,0 0 0 0 0,0 0 1 0 0,1 0-1 0 0,-1-1 0 0 0,0 1 1 0 0,1-1-1 0 0,0 0 1 0 0,-1 0-1 0 0,1-1 0 0 0,-1 1 1 0 0,1-1-1 0 0,0 1 0 0 0,-1-1 1 0 0,1 0-1 0 0,0-1 0 0 0,4 0 1 0 0,-6 1-42 0 0,1-1 0 0 0,0 0 0 0 0,0 0 0 0 0,0 0 0 0 0,-1 0 0 0 0,1 0 0 0 0,-1 0 0 0 0,1-1 0 0 0,-1 1 0 0 0,1-1 0 0 0,-1 0 1 0 0,0 0-1 0 0,0 0 0 0 0,1 0 0 0 0,-2 0 0 0 0,1 0 0 0 0,0-1 0 0 0,0 1 0 0 0,-1 0 0 0 0,1-1 0 0 0,-1 0 0 0 0,0 1 0 0 0,0-1 0 0 0,1-3 1 0 0,0 1-36 0 0,0-1 0 0 0,-1 1 0 0 0,0-1 1 0 0,0 0-1 0 0,0 1 0 0 0,-1-1 1 0 0,0 0-1 0 0,0 1 0 0 0,0-1 1 0 0,-1 0-1 0 0,-1-8 0 0 0,2 13 11 0 0,0 1 1 0 0,0 0-1 0 0,0 0 0 0 0,0 0 0 0 0,0-1 1 0 0,0 1-1 0 0,0 0 0 0 0,0 0 0 0 0,0-1 1 0 0,0 1-1 0 0,0 0 0 0 0,0 0 0 0 0,0 0 1 0 0,0-1-1 0 0,0 1 0 0 0,0 0 0 0 0,0 0 0 0 0,0-1 1 0 0,0 1-1 0 0,-1 0 0 0 0,1 0 0 0 0,0 0 1 0 0,0-1-1 0 0,0 1 0 0 0,0 0 0 0 0,0 0 1 0 0,0 0-1 0 0,-1-1 0 0 0,1 1 0 0 0,0 0 1 0 0,0 0-1 0 0,0 0 0 0 0,-1 0 0 0 0,1 0 1 0 0,0 0-1 0 0,0-1 0 0 0,0 1 0 0 0,-1 0 0 0 0,1 0 1 0 0,0 0-1 0 0,0 0 0 0 0,-1 0 0 0 0,1 0 1 0 0,0 0-1 0 0,0 0 0 0 0,0 0 0 0 0,-1 0 1 0 0,1 0-1 0 0,0 0 0 0 0,0 0 0 0 0,-1 0 1 0 0,1 0-1 0 0,0 0 0 0 0,0 0 0 0 0,0 1 1 0 0,-1-1-1 0 0,1 0 0 0 0,0 0 0 0 0,0 0 0 0 0,0 0 1 0 0,-1 0-1 0 0,1 0 0 0 0,0 1 0 0 0,0-1 1 0 0,0 0-1 0 0,0 0 0 0 0,-1 0 0 0 0,1 0 1 0 0,0 1-1 0 0,-6 15-317 0 0,6-7 208 0 0,0-1 123 0 0,0 0 1 0 0,0 0-1 0 0,1-1 0 0 0,0 1 1 0 0,0 0-1 0 0,3 8 0 0 0,-3-15-34 0 0,-1 1-1 0 0,1-1 1 0 0,-1 0-1 0 0,1 0 1 0 0,0 1-1 0 0,0-1 1 0 0,0 0-1 0 0,0 0 1 0 0,0 0-1 0 0,0 0 1 0 0,0 0-1 0 0,0 0 1 0 0,0 0-1 0 0,0 0 1 0 0,0-1-1 0 0,0 1 1 0 0,1 0-1 0 0,-1-1 1 0 0,0 1-1 0 0,1-1 1 0 0,-1 1-1 0 0,0-1 1 0 0,1 1-1 0 0,-1-1 1 0 0,1 0-1 0 0,-1 0 1 0 0,0 0-1 0 0,1 0 1 0 0,-1 0-1 0 0,1 0 1 0 0,-1 0-1 0 0,1-1 1 0 0,-1 1-1 0 0,0 0 1 0 0,1-1-1 0 0,-1 1 1 0 0,0-1-1 0 0,1 1 1 0 0,-1-1-1 0 0,0 0 1 0 0,2-1-1 0 0,12-12-2709 0 0,-5-12-2309 0 0</inkml:trace>
+</inkml:ink>
+</file>
+
+<file path=ppt/ink/ink14.xml><?xml version="1.0" encoding="utf-8"?>
+<inkml:ink xmlns:inkml="http://www.w3.org/2003/InkML">
+  <inkml:definitions>
+    <inkml:context xml:id="ctx0">
+      <inkml:inkSource xml:id="inkSrc0">
+        <inkml:traceFormat>
+          <inkml:channel name="X" type="integer" min="-2.14748E9" max="2.14748E9" units="cm"/>
+          <inkml:channel name="Y" type="integer" min="-2.14748E9" max="2.14748E9" units="cm"/>
+          <inkml:channel name="F" type="integer" max="32767" units="dev"/>
+          <inkml:channel name="OA" type="integer" max="360" units="deg"/>
+          <inkml:channel name="OE" type="integer" max="90" units="deg"/>
+        </inkml:traceFormat>
+        <inkml:channelProperties>
+          <inkml:channelProperty channel="X" name="resolution" value="1000" units="1/cm"/>
+          <inkml:channelProperty channel="Y" name="resolution" value="1000" units="1/cm"/>
+          <inkml:channelProperty channel="F" name="resolution" value="0" units="1/dev"/>
+          <inkml:channelProperty channel="OA" name="resolution" value="1000" units="1/deg"/>
+          <inkml:channelProperty channel="OE" name="resolution" value="1000" units="1/deg"/>
+        </inkml:channelProperties>
+      </inkml:inkSource>
+      <inkml:timestamp xml:id="ts0" timeString="2023-07-05T16:07:29.206"/>
+    </inkml:context>
+    <inkml:brush xml:id="br0">
+      <inkml:brushProperty name="width" value="0.1" units="cm"/>
+      <inkml:brushProperty name="height" value="0.1" units="cm"/>
+    </inkml:brush>
+  </inkml:definitions>
+  <inkml:trace contextRef="#ctx0" brushRef="#br0">43 92 336 0 0,'0'0'254'0'0,"2"-11"-46"0"0,5-39 780 0 0,-6 31 4245 0 0,-2 35-3730 0 0,2 13 168 0 0,0-28-1648 0 0,-1 0 1 0 0,0-1-1 0 0,1 1 0 0 0,-1 0 0 0 0,1 0 1 0 0,-1-1-1 0 0,1 1 0 0 0,0 0 0 0 0,-1-1 1 0 0,1 1-1 0 0,0 0 0 0 0,-1-1 0 0 0,1 1 1 0 0,0-1-1 0 0,-1 1 0 0 0,1-1 0 0 0,0 0 0 0 0,0 1 1 0 0,0-1-1 0 0,0 0 0 0 0,0 1 0 0 0,-1-1 1 0 0,1 0-1 0 0,0 0 0 0 0,0 0 0 0 0,0 0 1 0 0,0 0-1 0 0,0 0 0 0 0,1 0 0 0 0,78-7 863 0 0,-75 6-875 0 0,1 0-1 0 0,-1 0 0 0 0,1-1 0 0 0,-1 0 1 0 0,0 0-1 0 0,0 0 0 0 0,0 0 0 0 0,0-1 0 0 0,0 0 1 0 0,0 0-1 0 0,-1-1 0 0 0,6-4 0 0 0,-9 7-8 0 0,-1 1 0 0 0,1 0-1 0 0,-1-1 1 0 0,0 1-1 0 0,1-1 1 0 0,-1 1 0 0 0,1 0-1 0 0,-1-1 1 0 0,0 1-1 0 0,1-1 1 0 0,-1 0 0 0 0,0 1-1 0 0,0-1 1 0 0,1 1-1 0 0,-1-1 1 0 0,0 1 0 0 0,0-1-1 0 0,0 1 1 0 0,0-1-1 0 0,0 0 1 0 0,0 1 0 0 0,0-1-1 0 0,0 1 1 0 0,0-1-1 0 0,0 0 1 0 0,0 1 0 0 0,0-1-1 0 0,0 1 1 0 0,0-1-1 0 0,0 0 1 0 0,-1 1 0 0 0,1-1-1 0 0,0 1 1 0 0,0-1-1 0 0,-1 1 1 0 0,1-1-1 0 0,0 1 1 0 0,-1-1 0 0 0,1 1-1 0 0,-1-1 1 0 0,1 1-1 0 0,0 0 1 0 0,-1-1 0 0 0,1 1-1 0 0,-1 0 1 0 0,1-1-1 0 0,-1 1 1 0 0,0 0 0 0 0,1-1-1 0 0,-1 1 1 0 0,1 0-1 0 0,-1 0 1 0 0,1 0 0 0 0,-1 0-1 0 0,0 0 1 0 0,1-1-1 0 0,-1 1 1 0 0,1 0 0 0 0,-1 0-1 0 0,0 1 1 0 0,-42-5-49 0 0,40 4 39 0 0,-9 0-6 0 0,-1 0 0 0 0,1 1 1 0 0,0 1-1 0 0,0 0 0 0 0,0 0 0 0 0,0 1 0 0 0,-17 6 1 0 0,25-7 51 0 0,1 0 1 0 0,-1 0 0 0 0,1 0-1 0 0,-1 0 1 0 0,1 0 0 0 0,0 1-1 0 0,0-1 1 0 0,0 1 0 0 0,0 0-1 0 0,0 0 1 0 0,1 0 0 0 0,-1 1-1 0 0,1-1 1 0 0,0 0 0 0 0,0 1-1 0 0,0-1 1 0 0,1 1 0 0 0,-1 0-1 0 0,1 0 1 0 0,0 0 0 0 0,0 0 0 0 0,0-1-1 0 0,0 1 1 0 0,1 1 0 0 0,-1-1-1 0 0,1 5 1 0 0,1-7-20 0 0,-1-1 1 0 0,1 0 0 0 0,0 1-1 0 0,-1-1 1 0 0,1 0-1 0 0,0 1 1 0 0,0-1 0 0 0,0 0-1 0 0,0 0 1 0 0,0 0-1 0 0,0 0 1 0 0,0 0 0 0 0,0 0-1 0 0,0 0 1 0 0,1 0-1 0 0,-1 0 1 0 0,0-1 0 0 0,1 1-1 0 0,-1 0 1 0 0,0-1-1 0 0,1 1 1 0 0,-1-1-1 0 0,1 1 1 0 0,-1-1 0 0 0,1 0-1 0 0,-1 0 1 0 0,1 0-1 0 0,-1 1 1 0 0,1-2 0 0 0,-1 1-1 0 0,1 0 1 0 0,1 0-1 0 0,55-3 271 0 0,-50 1-263 0 0,1 0 1 0 0,0-1-1 0 0,-1 1 0 0 0,1-2 0 0 0,-1 1 0 0 0,0-2 0 0 0,0 1 0 0 0,13-10 1 0 0,-18 12-59 0 0,0 1 1 0 0,-1-1 0 0 0,0 0 0 0 0,1 0-1 0 0,-1 0 1 0 0,0 0 0 0 0,0 0 0 0 0,0 0-1 0 0,0 0 1 0 0,-1-1 0 0 0,1 1-1 0 0,0-1 1 0 0,-1 1 0 0 0,0-1 0 0 0,0 0-1 0 0,0 0 1 0 0,0 1 0 0 0,0-1 0 0 0,0 0-1 0 0,-1 0 1 0 0,1 0 0 0 0,-1 0 0 0 0,0 0-1 0 0,0 0 1 0 0,0 0 0 0 0,0 0 0 0 0,0 0-1 0 0,-1 1 1 0 0,1-1 0 0 0,-3-5 0 0 0,2 7 26 0 0,0 0 0 0 0,1 0 1 0 0,-1 0-1 0 0,0 1 1 0 0,0-1-1 0 0,-1 0 1 0 0,1 1-1 0 0,0-1 0 0 0,0 1 1 0 0,0 0-1 0 0,0-1 1 0 0,0 1-1 0 0,0 0 0 0 0,-1-1 1 0 0,1 1-1 0 0,0 0 1 0 0,0 0-1 0 0,0 0 0 0 0,-1 0 1 0 0,1 0-1 0 0,0 0 1 0 0,0 1-1 0 0,0-1 1 0 0,-1 0-1 0 0,0 1 0 0 0,-1 0-10 0 0,0-1 0 0 0,0 1-1 0 0,0 0 1 0 0,1 0-1 0 0,-1 0 1 0 0,0 0-1 0 0,0 1 1 0 0,1-1 0 0 0,-5 4-1 0 0,4-1 87 0 0,0 1-1 0 0,0 0 1 0 0,0 0-1 0 0,1 0 1 0 0,0 0-1 0 0,0 1 1 0 0,0-1-1 0 0,0 1 1 0 0,0 5-1 0 0,1-9-39 0 0,1 0 0 0 0,-1 0 0 0 0,1-1 0 0 0,0 1 0 0 0,-1 0 0 0 0,1 0 0 0 0,0 0 0 0 0,0 0-1 0 0,0-1 1 0 0,0 1 0 0 0,0 0 0 0 0,1 0 0 0 0,-1 0 0 0 0,0 0 0 0 0,1-1 0 0 0,0 1 0 0 0,-1 0 0 0 0,1-1 0 0 0,0 1 0 0 0,0 0 0 0 0,0-1 0 0 0,0 1 0 0 0,0-1-1 0 0,0 1 1 0 0,0-1 0 0 0,1 0 0 0 0,-1 1 0 0 0,0-1 0 0 0,1 0 0 0 0,2 2 0 0 0,2-1-6 0 0,0 0 0 0 0,0-1 0 0 0,1 0 0 0 0,-1 0 1 0 0,0-1-1 0 0,1 0 0 0 0,-1 0 0 0 0,0 0 0 0 0,0 0 0 0 0,1-1 0 0 0,-1 0 0 0 0,0-1 1 0 0,0 0-1 0 0,8-2 0 0 0,-11 2-307 0 0,0 0 0 0 0,0 1 0 0 0,0-1 0 0 0,0 0 1 0 0,0 0-1 0 0,0-1 0 0 0,-1 1 0 0 0,1-1 0 0 0,-1 1 1 0 0,3-5-1 0 0,7-15-4559 0 0</inkml:trace>
+</inkml:ink>
+</file>
+
+<file path=ppt/ink/ink15.xml><?xml version="1.0" encoding="utf-8"?>
+<inkml:ink xmlns:inkml="http://www.w3.org/2003/InkML">
+  <inkml:definitions>
+    <inkml:context xml:id="ctx0">
+      <inkml:inkSource xml:id="inkSrc0">
+        <inkml:traceFormat>
+          <inkml:channel name="X" type="integer" min="-2.14748E9" max="2.14748E9" units="cm"/>
+          <inkml:channel name="Y" type="integer" min="-2.14748E9" max="2.14748E9" units="cm"/>
+          <inkml:channel name="F" type="integer" max="32767" units="dev"/>
+          <inkml:channel name="OA" type="integer" max="360" units="deg"/>
+          <inkml:channel name="OE" type="integer" max="90" units="deg"/>
+        </inkml:traceFormat>
+        <inkml:channelProperties>
+          <inkml:channelProperty channel="X" name="resolution" value="1000" units="1/cm"/>
+          <inkml:channelProperty channel="Y" name="resolution" value="1000" units="1/cm"/>
+          <inkml:channelProperty channel="F" name="resolution" value="0" units="1/dev"/>
+          <inkml:channelProperty channel="OA" name="resolution" value="1000" units="1/deg"/>
+          <inkml:channelProperty channel="OE" name="resolution" value="1000" units="1/deg"/>
+        </inkml:channelProperties>
+      </inkml:inkSource>
+      <inkml:timestamp xml:id="ts0" timeString="2023-07-05T16:07:30.115"/>
+    </inkml:context>
+    <inkml:brush xml:id="br0">
+      <inkml:brushProperty name="width" value="0.1" units="cm"/>
+      <inkml:brushProperty name="height" value="0.1" units="cm"/>
+    </inkml:brush>
+  </inkml:definitions>
+  <inkml:trace contextRef="#ctx0" brushRef="#br0">91 0 4450 0 0,'0'0'4367'0'0,"-13"14"-2918"0"0,-40 43-299 0 0,50-55-1071 0 0,1 0 1 0 0,0 1-1 0 0,0-1 1 0 0,0 0-1 0 0,1 1 1 0 0,-1-1-1 0 0,0 1 1 0 0,1-1-1 0 0,0 1 1 0 0,-1 0 0 0 0,1 0-1 0 0,0-1 1 0 0,0 1-1 0 0,1 0 1 0 0,-1 0-1 0 0,1 0 1 0 0,-1 5-1 0 0,2-7-63 0 0,-1 0 0 0 0,1 0 1 0 0,-1 1-1 0 0,1-1 0 0 0,0 0 0 0 0,0 0 0 0 0,0 0 0 0 0,-1 0 0 0 0,1 0 1 0 0,0 0-1 0 0,0 0 0 0 0,0 0 0 0 0,0 0 0 0 0,1-1 0 0 0,-1 1 1 0 0,0 0-1 0 0,0-1 0 0 0,0 1 0 0 0,1-1 0 0 0,-1 1 0 0 0,0-1 1 0 0,1 0-1 0 0,-1 1 0 0 0,0-1 0 0 0,3 0 0 0 0,6 1 5 0 0,1 0-1 0 0,0-1 1 0 0,0-1 0 0 0,0 0-1 0 0,0 0 1 0 0,17-5-1 0 0,-16 3-168 0 0,-1-1-1 0 0,0 0 0 0 0,0-1 0 0 0,0 0 1 0 0,11-8-1 0 0,-19 12 138 0 0,-1-1 1 0 0,0 1-1 0 0,0 0 1 0 0,0-1 0 0 0,0 1-1 0 0,0-1 1 0 0,-1 1-1 0 0,1-1 1 0 0,0 0-1 0 0,-1 0 1 0 0,1 0-1 0 0,-1 0 1 0 0,0 0-1 0 0,1 0 1 0 0,-1 0-1 0 0,0 0 1 0 0,0-1 0 0 0,-1 1-1 0 0,1 0 1 0 0,0-1-1 0 0,-1 1 1 0 0,1 0-1 0 0,-1-1 1 0 0,0 1-1 0 0,0-1 1 0 0,0 1-1 0 0,0-1 1 0 0,0 1-1 0 0,-1 0 1 0 0,1-1-1 0 0,-1 1 1 0 0,-1-4 0 0 0,1 4 30 0 0,0 1 1 0 0,0-1 0 0 0,-1 1 0 0 0,1-1 0 0 0,0 1 0 0 0,-1 0 0 0 0,1 0-1 0 0,-1 0 1 0 0,0 0 0 0 0,1 0 0 0 0,-1 0 0 0 0,0 0 0 0 0,0 0 0 0 0,0 1-1 0 0,1-1 1 0 0,-1 1 0 0 0,0-1 0 0 0,0 1 0 0 0,-4-1 0 0 0,-42-1 371 0 0,39 3-366 0 0,5-1-26 0 0,0 0 0 0 0,0 0 0 0 0,0 1 0 0 0,1-1 0 0 0,-1 1 0 0 0,0 0 1 0 0,0 0-1 0 0,1 1 0 0 0,-1-1 0 0 0,1 1 0 0 0,-1 0 0 0 0,1-1 0 0 0,0 2 0 0 0,0-1 1 0 0,0 0-1 0 0,0 1 0 0 0,0-1 0 0 0,0 1 0 0 0,1 0 0 0 0,-1 0 0 0 0,1 0 0 0 0,0 0 1 0 0,0 0-1 0 0,0 0 0 0 0,0 1 0 0 0,0-1 0 0 0,1 1 0 0 0,0-1 0 0 0,-1 1 0 0 0,2 0 1 0 0,-1 0-1 0 0,0-1 0 0 0,1 1 0 0 0,-1 0 0 0 0,1 0 0 0 0,0 0 0 0 0,0 0 0 0 0,1-1 1 0 0,-1 1-1 0 0,1 0 0 0 0,1 6 0 0 0,0-7 15 0 0,-1 0 0 0 0,1-1 1 0 0,0 1-1 0 0,0 0 0 0 0,0-1 0 0 0,0 1 1 0 0,0-1-1 0 0,0 0 0 0 0,1 0 0 0 0,-1 0 1 0 0,1 0-1 0 0,-1 0 0 0 0,1 0 0 0 0,0-1 1 0 0,0 1-1 0 0,0-1 0 0 0,0 0 0 0 0,0 0 1 0 0,0 0-1 0 0,0 0 0 0 0,0 0 0 0 0,0-1 1 0 0,6 1-1 0 0,11 1 56 0 0,-1 0 0 0 0,31-2 1 0 0,-42 0-57 0 0,-6 0-8 0 0,0 0 1 0 0,0 0 0 0 0,-1-1-1 0 0,1 1 1 0 0,0 0-1 0 0,0-1 1 0 0,0 1-1 0 0,-1-1 1 0 0,1 1-1 0 0,0-1 1 0 0,0 0-1 0 0,-1 0 1 0 0,1 0-1 0 0,-1 0 1 0 0,1 0-1 0 0,-1 0 1 0 0,1 0 0 0 0,-1 0-1 0 0,0-1 1 0 0,1 1-1 0 0,-1 0 1 0 0,0-1-1 0 0,0 1 1 0 0,0-1-1 0 0,1-2 1 0 0,-2 3-6 0 0,1-1 0 0 0,-1 1 1 0 0,0 0-1 0 0,0-1 0 0 0,0 1 1 0 0,0-1-1 0 0,0 1 0 0 0,0-1 1 0 0,0 1-1 0 0,0 0 0 0 0,-1-1 1 0 0,1 1-1 0 0,0-1 0 0 0,-1 1 0 0 0,0 0 1 0 0,1-1-1 0 0,-1 1 0 0 0,0 0 1 0 0,1 0-1 0 0,-1-1 0 0 0,0 1 1 0 0,0 0-1 0 0,0 0 0 0 0,0 0 1 0 0,0 0-1 0 0,0 0 0 0 0,0 0 0 0 0,0 0 1 0 0,-1 1-1 0 0,1-1 0 0 0,0 0 1 0 0,-2 0-1 0 0,-5-4 100 0 0,0 1-1 0 0,0 0 1 0 0,-1 1-1 0 0,0 0 1 0 0,1 0 0 0 0,-1 1-1 0 0,0 0 1 0 0,0 0-1 0 0,-1 1 1 0 0,1 0 0 0 0,-16 1-1 0 0,24 1-100 0 0,0-1-1 0 0,1 1 1 0 0,-1 0-1 0 0,1 0 1 0 0,-1 0-1 0 0,1 0 1 0 0,-1 0 0 0 0,1 0-1 0 0,-1 0 1 0 0,1 0-1 0 0,0 0 1 0 0,0 0-1 0 0,-1 0 1 0 0,1 0-1 0 0,0 0 1 0 0,0 0-1 0 0,0 0 1 0 0,0 0-1 0 0,0 0 1 0 0,0 0-1 0 0,1 0 1 0 0,-1 0 0 0 0,0 0-1 0 0,0 0 1 0 0,1 0-1 0 0,-1 0 1 0 0,1 0-1 0 0,-1 0 1 0 0,1-1-1 0 0,-1 1 1 0 0,1 0-1 0 0,-1 0 1 0 0,1 0-1 0 0,1 0 1 0 0,2 3 9 0 0,0-1-1 0 0,1 1 1 0 0,0-1 0 0 0,0 0-1 0 0,0-1 1 0 0,0 1 0 0 0,1-1 0 0 0,-1 0-1 0 0,0-1 1 0 0,1 1 0 0 0,-1-1-1 0 0,12 1 1 0 0,70 1-1953 0 0,-41-6-2139 0 0</inkml:trace>
+</inkml:ink>
+</file>
+
+<file path=ppt/ink/ink16.xml><?xml version="1.0" encoding="utf-8"?>
+<inkml:ink xmlns:inkml="http://www.w3.org/2003/InkML">
+  <inkml:definitions>
+    <inkml:context xml:id="ctx0">
+      <inkml:inkSource xml:id="inkSrc0">
+        <inkml:traceFormat>
+          <inkml:channel name="X" type="integer" min="-2.14748E9" max="2.14748E9" units="cm"/>
+          <inkml:channel name="Y" type="integer" min="-2.14748E9" max="2.14748E9" units="cm"/>
+          <inkml:channel name="F" type="integer" max="32767" units="dev"/>
+          <inkml:channel name="OA" type="integer" max="360" units="deg"/>
+          <inkml:channel name="OE" type="integer" max="90" units="deg"/>
+        </inkml:traceFormat>
+        <inkml:channelProperties>
+          <inkml:channelProperty channel="X" name="resolution" value="1000" units="1/cm"/>
+          <inkml:channelProperty channel="Y" name="resolution" value="1000" units="1/cm"/>
+          <inkml:channelProperty channel="F" name="resolution" value="0" units="1/dev"/>
+          <inkml:channelProperty channel="OA" name="resolution" value="1000" units="1/deg"/>
+          <inkml:channelProperty channel="OE" name="resolution" value="1000" units="1/deg"/>
+        </inkml:channelProperties>
+      </inkml:inkSource>
+      <inkml:timestamp xml:id="ts0" timeString="2023-07-05T16:07:31.061"/>
+    </inkml:context>
+    <inkml:brush xml:id="br0">
+      <inkml:brushProperty name="width" value="0.1" units="cm"/>
+      <inkml:brushProperty name="height" value="0.1" units="cm"/>
+    </inkml:brush>
+  </inkml:definitions>
+  <inkml:trace contextRef="#ctx0" brushRef="#br0">1 683 848 0 0,'0'0'1532'0'0,"0"0"-1418"0"0,0 0-1 0 0,0 1 1 0 0,0-1 0 0 0,0 0 0 0 0,0 1 0 0 0,0-1 0 0 0,0 1-1 0 0,0-1 1 0 0,0 0 0 0 0,0 1 0 0 0,0-1 0 0 0,0 0 0 0 0,0 1-1 0 0,1-1 1 0 0,-1 0 0 0 0,0 1 0 0 0,0-1 0 0 0,0 0 0 0 0,0 0-1 0 0,1 1 229 0 0,-1-1-228 0 0,1 1 0 0 0,-1-1-1 0 0,0 0 1 0 0,1 0 0 0 0,-1 0 0 0 0,0 1 0 0 0,1-1-1 0 0,-1 0 1 0 0,0 0 0 0 0,1 0 0 0 0,-1 0 0 0 0,0 0 0 0 0,1 0-1 0 0,-1 0 1 0 0,0 0 0 0 0,1 0 0 0 0,-1 0 0 0 0,1 0 0 0 0,-1 0-1 0 0,0 0 1 0 0,1 0 0 0 0,-1 0 0 0 0,0 0 0 0 0,1 0 0 0 0,29-12 631 0 0,-1-1 0 0 0,0-1 0 0 0,38-25 0 0 0,-17 9-380 0 0,255-149 551 0 0,-87 47-2241 0 0,242-105 0 0 0,-383 208-2621 0 0,-57 23 1030 0 0</inkml:trace>
+</inkml:ink>
+</file>
+
+<file path=ppt/ink/ink17.xml><?xml version="1.0" encoding="utf-8"?>
+<inkml:ink xmlns:inkml="http://www.w3.org/2003/InkML">
+  <inkml:definitions>
+    <inkml:context xml:id="ctx0">
+      <inkml:inkSource xml:id="inkSrc0">
+        <inkml:traceFormat>
+          <inkml:channel name="X" type="integer" min="-2.14748E9" max="2.14748E9" units="cm"/>
+          <inkml:channel name="Y" type="integer" min="-2.14748E9" max="2.14748E9" units="cm"/>
+          <inkml:channel name="F" type="integer" max="32767" units="dev"/>
+          <inkml:channel name="OA" type="integer" max="360" units="deg"/>
+          <inkml:channel name="OE" type="integer" max="90" units="deg"/>
+        </inkml:traceFormat>
+        <inkml:channelProperties>
+          <inkml:channelProperty channel="X" name="resolution" value="1000" units="1/cm"/>
+          <inkml:channelProperty channel="Y" name="resolution" value="1000" units="1/cm"/>
+          <inkml:channelProperty channel="F" name="resolution" value="0" units="1/dev"/>
+          <inkml:channelProperty channel="OA" name="resolution" value="1000" units="1/deg"/>
+          <inkml:channelProperty channel="OE" name="resolution" value="1000" units="1/deg"/>
+        </inkml:channelProperties>
+      </inkml:inkSource>
+      <inkml:timestamp xml:id="ts0" timeString="2023-07-05T16:07:31.758"/>
+    </inkml:context>
+    <inkml:brush xml:id="br0">
+      <inkml:brushProperty name="width" value="0.1" units="cm"/>
+      <inkml:brushProperty name="height" value="0.1" units="cm"/>
+    </inkml:brush>
+  </inkml:definitions>
+  <inkml:trace contextRef="#ctx0" brushRef="#br0">36 446 3025 0 0,'0'0'2007'0'0,"-6"0"-1991"0"0,-23 2 4247 0 0,40-4-4074 0 0,-1 1-1 0 0,1-1 1 0 0,0-1 0 0 0,-1 0 0 0 0,1 0-1 0 0,15-9 1 0 0,12-2 3 0 0,-28 10-216 0 0,673-231 1455 0 0,-453 159-3366 0 0,-2 3-3545 0 0,-165 53 664 0 0</inkml:trace>
+</inkml:ink>
+</file>
+
+<file path=ppt/ink/ink18.xml><?xml version="1.0" encoding="utf-8"?>
+<inkml:ink xmlns:inkml="http://www.w3.org/2003/InkML">
+  <inkml:definitions>
+    <inkml:context xml:id="ctx0">
+      <inkml:inkSource xml:id="inkSrc0">
+        <inkml:traceFormat>
+          <inkml:channel name="X" type="integer" min="-2.14748E9" max="2.14748E9" units="cm"/>
+          <inkml:channel name="Y" type="integer" min="-2.14748E9" max="2.14748E9" units="cm"/>
+          <inkml:channel name="F" type="integer" max="32767" units="dev"/>
+          <inkml:channel name="OA" type="integer" max="360" units="deg"/>
+          <inkml:channel name="OE" type="integer" max="90" units="deg"/>
+        </inkml:traceFormat>
+        <inkml:channelProperties>
+          <inkml:channelProperty channel="X" name="resolution" value="1000" units="1/cm"/>
+          <inkml:channelProperty channel="Y" name="resolution" value="1000" units="1/cm"/>
+          <inkml:channelProperty channel="F" name="resolution" value="0" units="1/dev"/>
+          <inkml:channelProperty channel="OA" name="resolution" value="1000" units="1/deg"/>
+          <inkml:channelProperty channel="OE" name="resolution" value="1000" units="1/deg"/>
+        </inkml:channelProperties>
+      </inkml:inkSource>
+      <inkml:timestamp xml:id="ts0" timeString="2023-07-05T16:07:32.586"/>
+    </inkml:context>
+    <inkml:brush xml:id="br0">
+      <inkml:brushProperty name="width" value="0.1" units="cm"/>
+      <inkml:brushProperty name="height" value="0.1" units="cm"/>
+    </inkml:brush>
+  </inkml:definitions>
+  <inkml:trace contextRef="#ctx0" brushRef="#br0">1 232 2417 0 0,'5'0'7337'0'0,"81"-8"-6356"0"0,135-29 1 0 0,-115 16-488 0 0,66-9-132 0 0,178-35-286 0 0,-121 10-6367 0 0,-181 39 1550 0 0</inkml:trace>
+</inkml:ink>
+</file>
+
+<file path=ppt/ink/ink19.xml><?xml version="1.0" encoding="utf-8"?>
+<inkml:ink xmlns:inkml="http://www.w3.org/2003/InkML">
+  <inkml:definitions>
+    <inkml:context xml:id="ctx0">
+      <inkml:inkSource xml:id="inkSrc0">
+        <inkml:traceFormat>
+          <inkml:channel name="X" type="integer" min="-2.14748E9" max="2.14748E9" units="cm"/>
+          <inkml:channel name="Y" type="integer" min="-2.14748E9" max="2.14748E9" units="cm"/>
+          <inkml:channel name="F" type="integer" max="32767" units="dev"/>
+          <inkml:channel name="OA" type="integer" max="360" units="deg"/>
+          <inkml:channel name="OE" type="integer" max="90" units="deg"/>
+        </inkml:traceFormat>
+        <inkml:channelProperties>
+          <inkml:channelProperty channel="X" name="resolution" value="1000" units="1/cm"/>
+          <inkml:channelProperty channel="Y" name="resolution" value="1000" units="1/cm"/>
+          <inkml:channelProperty channel="F" name="resolution" value="0" units="1/dev"/>
+          <inkml:channelProperty channel="OA" name="resolution" value="1000" units="1/deg"/>
+          <inkml:channelProperty channel="OE" name="resolution" value="1000" units="1/deg"/>
+        </inkml:channelProperties>
+      </inkml:inkSource>
+      <inkml:timestamp xml:id="ts0" timeString="2023-07-05T16:06:41.018"/>
+    </inkml:context>
+    <inkml:brush xml:id="br0">
+      <inkml:brushProperty name="width" value="0.1" units="cm"/>
+      <inkml:brushProperty name="height" value="0.1" units="cm"/>
+    </inkml:brush>
+  </inkml:definitions>
+  <inkml:trace contextRef="#ctx0" brushRef="#br0">38 1 2625 0 0,'0'0'2022'0'0,"-12"32"1665"0"0,3 15-2117 0 0,2 0-1 0 0,-3 78 0 0 0,10 77-2028 0 0,1-160-2127 0 0,-1-71-4642 0 0</inkml:trace>
+</inkml:ink>
+</file>
+
+<file path=ppt/ink/ink2.xml><?xml version="1.0" encoding="utf-8"?>
+<inkml:ink xmlns:inkml="http://www.w3.org/2003/InkML">
+  <inkml:definitions>
+    <inkml:context xml:id="ctx0">
+      <inkml:inkSource xml:id="inkSrc0">
+        <inkml:traceFormat>
+          <inkml:channel name="X" type="integer" min="-2.14748E9" max="2.14748E9" units="cm"/>
+          <inkml:channel name="Y" type="integer" min="-2.14748E9" max="2.14748E9" units="cm"/>
+          <inkml:channel name="F" type="integer" max="32767" units="dev"/>
+          <inkml:channel name="OA" type="integer" max="360" units="deg"/>
+          <inkml:channel name="OE" type="integer" max="90" units="deg"/>
+        </inkml:traceFormat>
+        <inkml:channelProperties>
+          <inkml:channelProperty channel="X" name="resolution" value="1000" units="1/cm"/>
+          <inkml:channelProperty channel="Y" name="resolution" value="1000" units="1/cm"/>
+          <inkml:channelProperty channel="F" name="resolution" value="0" units="1/dev"/>
+          <inkml:channelProperty channel="OA" name="resolution" value="1000" units="1/deg"/>
+          <inkml:channelProperty channel="OE" name="resolution" value="1000" units="1/deg"/>
+        </inkml:channelProperties>
+      </inkml:inkSource>
+      <inkml:timestamp xml:id="ts0" timeString="2023-07-05T16:06:46.380"/>
+    </inkml:context>
+    <inkml:brush xml:id="br0">
+      <inkml:brushProperty name="width" value="0.1" units="cm"/>
+      <inkml:brushProperty name="height" value="0.1" units="cm"/>
+    </inkml:brush>
+  </inkml:definitions>
+  <inkml:trace contextRef="#ctx0" brushRef="#br0">161 62 6019 0 0,'0'0'4335'0'0,"7"-9"-3081"0"0,24-29 32 0 0,-29 36-1208 0 0,0 1 1 0 0,1-1-1 0 0,-1 1 1 0 0,1-1-1 0 0,-1 1 1 0 0,1 0-1 0 0,-1 0 1 0 0,1 0-1 0 0,0 0 1 0 0,-1 1-1 0 0,1-1 1 0 0,0 1-1 0 0,0-1 1 0 0,0 1-1 0 0,-1 0 1 0 0,1 0-1 0 0,0 0 1 0 0,0 1-1 0 0,0-1 1 0 0,-1 1-1 0 0,1-1 1 0 0,3 2-1 0 0,0 0-34 0 0,23 5 43 0 0,-1 1-1 0 0,-1 2 1 0 0,1 0 0 0 0,-2 2 0 0 0,1 2 0 0 0,-2 0 0 0 0,0 1 0 0 0,27 22-1 0 0,-45-30-23 0 0,0-1 1 0 0,0 1-1 0 0,0 1 0 0 0,-1-1 0 0 0,-1 1 0 0 0,1 0 0 0 0,-1 0 0 0 0,0 1 0 0 0,-1 0 0 0 0,0-1 0 0 0,-1 1 0 0 0,1 1 0 0 0,-2-1 0 0 0,1 0 0 0 0,-2 1 0 0 0,1 0 0 0 0,-1-1 0 0 0,0 1 0 0 0,-1 0 0 0 0,0-1 1 0 0,-1 1-1 0 0,0 0 0 0 0,0-1 0 0 0,-1 1 0 0 0,-1-1 0 0 0,1 0 0 0 0,-1 1 0 0 0,-1-1 0 0 0,-6 12 0 0 0,5-11-46 0 0,0-1 0 0 0,0 0 0 0 0,-1 0 0 0 0,0-1 0 0 0,-1 0 1 0 0,0 0-1 0 0,0 0 0 0 0,-1-1 0 0 0,0 0 0 0 0,0-1 0 0 0,0 0 0 0 0,-1 0 0 0 0,0 0 0 0 0,0-1 0 0 0,-1-1 1 0 0,1 1-1 0 0,-1-2 0 0 0,0 1 0 0 0,0-1 0 0 0,0-1 0 0 0,-14 2 0 0 0,-99 9 189 0 0,-153-2-1 0 0,298-17-3972 0 0,8-4 85 0 0,8 0-1325 0 0</inkml:trace>
+</inkml:ink>
+</file>
+
+<file path=ppt/ink/ink20.xml><?xml version="1.0" encoding="utf-8"?>
+<inkml:ink xmlns:inkml="http://www.w3.org/2003/InkML">
+  <inkml:definitions>
+    <inkml:context xml:id="ctx0">
+      <inkml:inkSource xml:id="inkSrc0">
+        <inkml:traceFormat>
+          <inkml:channel name="X" type="integer" min="-2.14748E9" max="2.14748E9" units="cm"/>
+          <inkml:channel name="Y" type="integer" min="-2.14748E9" max="2.14748E9" units="cm"/>
+          <inkml:channel name="F" type="integer" max="32767" units="dev"/>
+          <inkml:channel name="OA" type="integer" max="360" units="deg"/>
+          <inkml:channel name="OE" type="integer" max="90" units="deg"/>
+        </inkml:traceFormat>
+        <inkml:channelProperties>
+          <inkml:channelProperty channel="X" name="resolution" value="1000" units="1/cm"/>
+          <inkml:channelProperty channel="Y" name="resolution" value="1000" units="1/cm"/>
+          <inkml:channelProperty channel="F" name="resolution" value="0" units="1/dev"/>
+          <inkml:channelProperty channel="OA" name="resolution" value="1000" units="1/deg"/>
+          <inkml:channelProperty channel="OE" name="resolution" value="1000" units="1/deg"/>
+        </inkml:channelProperties>
+      </inkml:inkSource>
+      <inkml:timestamp xml:id="ts0" timeString="2023-07-05T16:06:41.776"/>
+    </inkml:context>
+    <inkml:brush xml:id="br0">
+      <inkml:brushProperty name="width" value="0.1" units="cm"/>
+      <inkml:brushProperty name="height" value="0.1" units="cm"/>
+    </inkml:brush>
+  </inkml:definitions>
+  <inkml:trace contextRef="#ctx0" brushRef="#br0">4 1 3009 0 0,'0'0'2714'0'0,"0"0"-2653"0"0,0 0 1 0 0,-1 0-1 0 0,1 0 1 0 0,0 0-1 0 0,0 0 0 0 0,0 0 1 0 0,0 0-1 0 0,-1 0 1 0 0,1 1-1 0 0,-1-1 370 0 0,1 1-370 0 0,0-1 1 0 0,0 0-1 0 0,0 0 0 0 0,0 0 1 0 0,0 0-1 0 0,0 0 1 0 0,-1 1-1 0 0,1-1 1 0 0,0 0-1 0 0,0 0 1 0 0,0 0-1 0 0,0 1 1 0 0,0-1-1 0 0,0 0 1 0 0,0 0-1 0 0,0 0 1 0 0,0 1-1 0 0,0-1 1 0 0,0 0-1 0 0,0 0 0 0 0,0 0 1 0 0,0 0-1 0 0,0 1 1 0 0,1-1-1 0 0,-1 0 1 0 0,0 0-1 0 0,0 0 1 0 0,0 0-1 0 0,0 1 1 0 0,0-1-1 0 0,0 0 1 0 0,13 7 51 0 0,0-1 0 0 0,0 0 0 0 0,0-1 0 0 0,22 5 0 0 0,11 4 7 0 0,9 5-78 0 0,97 40 893 0 0,-135-51-825 0 0,-1 0 0 0 0,1 2-1 0 0,-1 0 1 0 0,-1 0 0 0 0,0 2-1 0 0,19 18 1 0 0,-30-27-37 0 0,-1 0 1 0 0,0 1-1 0 0,0 0 0 0 0,0-1 0 0 0,-1 1 0 0 0,1 0 1 0 0,-1 0-1 0 0,0 0 0 0 0,0 0 0 0 0,0 1 0 0 0,-1-1 1 0 0,1 0-1 0 0,-1 1 0 0 0,0 0 0 0 0,0-1 0 0 0,-1 1 1 0 0,1-1-1 0 0,-1 1 0 0 0,0 0 0 0 0,0-1 0 0 0,-1 1 1 0 0,0-1-1 0 0,-1 9 0 0 0,-2-5 59 0 0,1-1 1 0 0,-1 1-1 0 0,0-1 0 0 0,0 0 0 0 0,-1-1 1 0 0,0 1-1 0 0,0-1 0 0 0,0 0 0 0 0,-1 0 1 0 0,0 0-1 0 0,0-1 0 0 0,-10 7 0 0 0,-34 19-10 0 0,0-1-1 0 0,-2-3 1 0 0,-103 38-1 0 0,134-61-950 0 0</inkml:trace>
+</inkml:ink>
+</file>
+
+<file path=ppt/ink/ink21.xml><?xml version="1.0" encoding="utf-8"?>
+<inkml:ink xmlns:inkml="http://www.w3.org/2003/InkML">
+  <inkml:definitions>
+    <inkml:context xml:id="ctx0">
+      <inkml:inkSource xml:id="inkSrc0">
+        <inkml:traceFormat>
+          <inkml:channel name="X" type="integer" min="-2.14748E9" max="2.14748E9" units="cm"/>
+          <inkml:channel name="Y" type="integer" min="-2.14748E9" max="2.14748E9" units="cm"/>
+          <inkml:channel name="F" type="integer" max="32767" units="dev"/>
+          <inkml:channel name="OA" type="integer" max="360" units="deg"/>
+          <inkml:channel name="OE" type="integer" max="90" units="deg"/>
+        </inkml:traceFormat>
+        <inkml:channelProperties>
+          <inkml:channelProperty channel="X" name="resolution" value="1000" units="1/cm"/>
+          <inkml:channelProperty channel="Y" name="resolution" value="1000" units="1/cm"/>
+          <inkml:channelProperty channel="F" name="resolution" value="0" units="1/dev"/>
+          <inkml:channelProperty channel="OA" name="resolution" value="1000" units="1/deg"/>
+          <inkml:channelProperty channel="OE" name="resolution" value="1000" units="1/deg"/>
+        </inkml:channelProperties>
+      </inkml:inkSource>
+      <inkml:timestamp xml:id="ts0" timeString="2023-07-05T16:06:42.512"/>
+    </inkml:context>
+    <inkml:brush xml:id="br0">
+      <inkml:brushProperty name="width" value="0.1" units="cm"/>
+      <inkml:brushProperty name="height" value="0.1" units="cm"/>
+    </inkml:brush>
+  </inkml:definitions>
+  <inkml:trace contextRef="#ctx0" brushRef="#br0">0 1 5058 0 0,'0'0'3351'0'0,"4"7"-2353"0"0,11 1-707 0 0,0-2-1 0 0,0 1 1 0 0,17 4 0 0 0,34 13 790 0 0,-54-18-1024 0 0,0 0 0 0 0,-1 1 0 0 0,0 0 0 0 0,0 1 0 0 0,0 1 0 0 0,-1-1 1 0 0,0 1-1 0 0,-1 1 0 0 0,10 11 0 0 0,-15-15-19 0 0,0 0 0 0 0,0 1 0 0 0,-1-1 0 0 0,0 1 0 0 0,0 0 0 0 0,0 0 0 0 0,-1 0 0 0 0,0 0 0 0 0,0 0 0 0 0,-1 1 0 0 0,0-1 0 0 0,0 1 0 0 0,0-1 0 0 0,-1 0 0 0 0,-1 1 0 0 0,1-1 1 0 0,-1 1-1 0 0,-2 7 0 0 0,1-9 1 0 0,0 0 1 0 0,0 0 0 0 0,0 0 0 0 0,-1 0 0 0 0,0-1 0 0 0,0 1 0 0 0,-1-1 0 0 0,0 1 0 0 0,0-1-1 0 0,0-1 1 0 0,0 1 0 0 0,-1 0 0 0 0,0-1 0 0 0,-7 5 0 0 0,-8 5 78 0 0,0-1 1 0 0,-33 15-1 0 0,28-16 89 0 0,24-12 140 0 0,12 1 971 0 0,63 5-1011 0 0,42 4 141 0 0,124 26 0 0 0,-235-35-674 0 0,26 8 434 0 0,-20 0-3143 0 0</inkml:trace>
+</inkml:ink>
+</file>
+
+<file path=ppt/ink/ink22.xml><?xml version="1.0" encoding="utf-8"?>
+<inkml:ink xmlns:inkml="http://www.w3.org/2003/InkML">
+  <inkml:definitions>
+    <inkml:context xml:id="ctx0">
+      <inkml:inkSource xml:id="inkSrc0">
+        <inkml:traceFormat>
+          <inkml:channel name="X" type="integer" min="-2.14748E9" max="2.14748E9" units="cm"/>
+          <inkml:channel name="Y" type="integer" min="-2.14748E9" max="2.14748E9" units="cm"/>
+          <inkml:channel name="F" type="integer" max="32767" units="dev"/>
+          <inkml:channel name="OA" type="integer" max="360" units="deg"/>
+          <inkml:channel name="OE" type="integer" max="90" units="deg"/>
+        </inkml:traceFormat>
+        <inkml:channelProperties>
+          <inkml:channelProperty channel="X" name="resolution" value="1000" units="1/cm"/>
+          <inkml:channelProperty channel="Y" name="resolution" value="1000" units="1/cm"/>
+          <inkml:channelProperty channel="F" name="resolution" value="0" units="1/dev"/>
+          <inkml:channelProperty channel="OA" name="resolution" value="1000" units="1/deg"/>
+          <inkml:channelProperty channel="OE" name="resolution" value="1000" units="1/deg"/>
+        </inkml:channelProperties>
+      </inkml:inkSource>
+      <inkml:timestamp xml:id="ts0" timeString="2023-07-05T16:07:43.430"/>
+    </inkml:context>
+    <inkml:brush xml:id="br0">
+      <inkml:brushProperty name="width" value="0.1" units="cm"/>
+      <inkml:brushProperty name="height" value="0.1" units="cm"/>
+    </inkml:brush>
+  </inkml:definitions>
+  <inkml:trace contextRef="#ctx0" brushRef="#br0">16 17 3570 0 0,'-1'0'99'0'0,"1"0"0"0"0,0 0 1 0 0,-1 0-1 0 0,1 0 0 0 0,-1 0 0 0 0,1 0 1 0 0,0 0-1 0 0,-1 0 0 0 0,1 0 1 0 0,-1 0-1 0 0,1 0 0 0 0,0 0 0 0 0,-1 0 1 0 0,1 0-1 0 0,0 0 0 0 0,-1-1 1 0 0,1 1-1 0 0,0 0 0 0 0,-1 0 0 0 0,1 0 1 0 0,0-1-1 0 0,-1 1 0 0 0,1 0 1 0 0,0 0-1 0 0,-1-1 0 0 0,1 1 0 0 0,0 0 1 0 0,0-1-1 0 0,0 1 0 0 0,-1 0 1 0 0,1-1-1 0 0,0 1 0 0 0,0 0 0 0 0,0-1 1 0 0,0 1-1 0 0,-1 0 0 0 0,1-1 1 0 0,0 1-1 0 0,0-1 0 0 0,0 1 1 0 0,0 0-1 0 0,0-1 0 0 0,0 1 0 0 0,0-1 1 0 0,0 1-1 0 0,0 0 0 0 0,0-1 1 0 0,1 1-1 0 0,-1 0 0 0 0,0-1 0 0 0,0-3 515 0 0,-3 41-94 0 0,3-31-475 0 0,0 29 14 0 0,-1-1-14 0 0,1 0 0 0 0,2 0 0 0 0,1 0 0 0 0,1 0 0 0 0,15 53 0 0 0,5-14-27 0 0,-3 2 0 0 0,-4 0 0 0 0,8 81 0 0 0,11 98 375 0 0,-27-215-313 0 0,1-1 1 0 0,2 0 0 0 0,1-1 0 0 0,28 52 0 0 0,-17-43-22 0 0,29 53 152 0 0,54 140 0 0 0,-67-137 360 0 0,5-3-1 0 0,66 109 1 0 0,60 131-453 0 0,-144-283-10 0 0,3-1-1 0 0,42 58 1 0 0,-44-75-23 0 0,-3 2 0 0 0,-1 1 0 0 0,-2 0 0 0 0,-2 2-1 0 0,17 53 1 0 0,-10-17 335 0 0,3-2 0 0 0,72 130-1 0 0,12 28-520 0 0,-106-217 134 0 0,32 76 45 0 0,-5 1 0 0 0,26 109 0 0 0,-40-116-56 0 0,-4 2 1 0 0,-4 0 0 0 0,2 98 0 0 0,-12-139 162 0 0,2-1 0 0 0,19 85 0 0 0,-13-85-7 0 0,-3 0 1 0 0,5 87 0 0 0,-13-98-180 0 0,1-14 1 0 0,-1 0-1 0 0,-1 0 1 0 0,-1 0-1 0 0,-7 32 1 0 0,6-40-141 0 0,1 1-1 0 0,0 0 1 0 0,1-1 0 0 0,1 18 0 0 0,0-21-687 0 0,0-12 784 0 0,0 0 0 0 0,0 0-1 0 0,0 0 1 0 0,0 0 0 0 0,1 1 0 0 0,-1-1-1 0 0,0 0 1 0 0,0 0 0 0 0,0 0 0 0 0,0 0 0 0 0,0 0-1 0 0,0 1 1 0 0,-1-1 0 0 0,1 0 0 0 0,0 0-1 0 0,0 0 1 0 0,0 0 0 0 0,0 0 0 0 0,0 1 0 0 0,0-1-1 0 0,0 0 1 0 0,0 0 0 0 0,0 0 0 0 0,0 0-1 0 0,0 0 1 0 0,0 0 0 0 0,-1 1 0 0 0,1-1 0 0 0,0 0-1 0 0,0 0 1 0 0,0 0 0 0 0,0 0 0 0 0,0 0-1 0 0,0 0 1 0 0,0 0 0 0 0,-1 0 0 0 0,1 0 0 0 0,0 0-1 0 0,0 0 1 0 0,0 0 0 0 0,0 0 0 0 0,-1 0-1 0 0,1 0 1 0 0,0 0 0 0 0,0 0 0 0 0,0 0 0 0 0,0 0-1 0 0,0 0 1 0 0,-1 0 0 0 0,1 0 0 0 0,0 0-1 0 0,0 0 1 0 0,0 0 0 0 0,0 0 0 0 0,-11-8-1504 0 0,-7-13-1264 0 0,-10-15-3602 0 0</inkml:trace>
+</inkml:ink>
+</file>
+
+<file path=ppt/ink/ink23.xml><?xml version="1.0" encoding="utf-8"?>
+<inkml:ink xmlns:inkml="http://www.w3.org/2003/InkML">
+  <inkml:definitions>
+    <inkml:context xml:id="ctx0">
+      <inkml:inkSource xml:id="inkSrc0">
+        <inkml:traceFormat>
+          <inkml:channel name="X" type="integer" min="-2.14748E9" max="2.14748E9" units="cm"/>
+          <inkml:channel name="Y" type="integer" min="-2.14748E9" max="2.14748E9" units="cm"/>
+          <inkml:channel name="F" type="integer" max="32767" units="dev"/>
+          <inkml:channel name="OA" type="integer" max="360" units="deg"/>
+          <inkml:channel name="OE" type="integer" max="90" units="deg"/>
+        </inkml:traceFormat>
+        <inkml:channelProperties>
+          <inkml:channelProperty channel="X" name="resolution" value="1000" units="1/cm"/>
+          <inkml:channelProperty channel="Y" name="resolution" value="1000" units="1/cm"/>
+          <inkml:channelProperty channel="F" name="resolution" value="0" units="1/dev"/>
+          <inkml:channelProperty channel="OA" name="resolution" value="1000" units="1/deg"/>
+          <inkml:channelProperty channel="OE" name="resolution" value="1000" units="1/deg"/>
+        </inkml:channelProperties>
+      </inkml:inkSource>
+      <inkml:timestamp xml:id="ts0" timeString="2023-07-05T16:07:46.059"/>
+    </inkml:context>
+    <inkml:brush xml:id="br0">
+      <inkml:brushProperty name="width" value="0.1" units="cm"/>
+      <inkml:brushProperty name="height" value="0.1" units="cm"/>
+    </inkml:brush>
+  </inkml:definitions>
+  <inkml:trace contextRef="#ctx0" brushRef="#br0">392 1 784 0 0,'3'0'6615'0'0,"5"0"-3455"0"0,42 0-3194 0 0,-42 2 79 0 0,0-1 0 0 0,0 1 0 0 0,0 0-1 0 0,13 6 1 0 0,-19-7-44 0 0,0 0 1 0 0,-1 0-1 0 0,1 0 0 0 0,-1 0 0 0 0,1 0 0 0 0,-1 0 0 0 0,1 1 0 0 0,-1-1 0 0 0,0 0 0 0 0,1 1 1 0 0,-1-1-1 0 0,0 1 0 0 0,0-1 0 0 0,0 1 0 0 0,0 0 0 0 0,0-1 0 0 0,-1 1 0 0 0,1 0 0 0 0,0 0 1 0 0,-1 0-1 0 0,1 0 0 0 0,-1-1 0 0 0,0 1 0 0 0,0 0 0 0 0,0 2 0 0 0,0 5 10 0 0,-2-1 1 0 0,1 1-1 0 0,-1-1 0 0 0,0 0 0 0 0,-1 1 1 0 0,0-1-1 0 0,0 0 0 0 0,-1-1 0 0 0,0 1 1 0 0,0-1-1 0 0,-1 1 0 0 0,0-1 0 0 0,-6 6 1 0 0,2-1 6 0 0,1 1 1 0 0,0 0 0 0 0,-7 16-1 0 0,12-21 139 0 0,1 0-1 0 0,0 0 0 0 0,0 0 0 0 0,1 0 0 0 0,0 1 1 0 0,1-1-1 0 0,-1 0 0 0 0,2 0 0 0 0,-1 1 0 0 0,3 11 0 0 0,-2-19-136 0 0,-1 1 0 0 0,1-1 0 0 0,-1 0 0 0 0,1 1-1 0 0,0-1 1 0 0,0 0 0 0 0,-1 0 0 0 0,1 0-1 0 0,0 1 1 0 0,0-1 0 0 0,0 0 0 0 0,0 0-1 0 0,1 0 1 0 0,-1-1 0 0 0,0 1 0 0 0,0 0-1 0 0,0 0 1 0 0,1-1 0 0 0,-1 1 0 0 0,0-1-1 0 0,1 1 1 0 0,-1-1 0 0 0,1 1 0 0 0,-1-1-1 0 0,1 0 1 0 0,-1 0 0 0 0,0 0 0 0 0,1 1-1 0 0,2-2 1 0 0,1 1 42 0 0,-1 0 0 0 0,1-1 0 0 0,-1 1 0 0 0,1-1 0 0 0,-1-1 0 0 0,1 1 0 0 0,-1 0-1 0 0,5-3 1 0 0,-9 4-96 0 0,-50 3-537 0 0,24-1 635 0 0,20-2-77 0 0,0 0 1 0 0,0 0-1 0 0,0 1 0 0 0,0 0 0 0 0,0 0 0 0 0,1 0 1 0 0,-7 3-1 0 0,10-3 0 0 0,1 0 1 0 0,-1 0 0 0 0,0 0-1 0 0,1 1 1 0 0,-1-1 0 0 0,1 0 0 0 0,-1 1-1 0 0,1-1 1 0 0,0 1 0 0 0,0-1-1 0 0,0 1 1 0 0,-1 0 0 0 0,2-1-1 0 0,-1 1 1 0 0,0 0 0 0 0,0 0-1 0 0,0 0 1 0 0,1 0 0 0 0,-1 0-1 0 0,1 0 1 0 0,0 0 0 0 0,-1 0-1 0 0,1 0 1 0 0,0 0 0 0 0,0 0-1 0 0,1 2 1 0 0,1 99-20 0 0,1 1 227 0 0,-3-103-188 0 0,-1 1 0 0 0,1-1-1 0 0,0 0 1 0 0,-1 1 0 0 0,0-1 0 0 0,1 0 0 0 0,-1 0 0 0 0,0 1 0 0 0,1-1 0 0 0,-1 0 0 0 0,0 0 0 0 0,0 0 0 0 0,0 0 0 0 0,0 0 0 0 0,0 0 0 0 0,0 0 0 0 0,0 0 0 0 0,-1 0 0 0 0,1-1 0 0 0,0 1 0 0 0,0 0 0 0 0,-1-1-1 0 0,1 1 1 0 0,0-1 0 0 0,-3 1 0 0 0,-42 11 135 0 0,31-9-107 0 0,-53 18-147 0 0,41-12 406 0 0,-49 10 0 0 0,67-17-356 0 0,0-1-1 0 0,0 0 1 0 0,0-1 0 0 0,-1 0 0 0 0,1-1-1 0 0,0 0 1 0 0,0 0 0 0 0,0-1 0 0 0,-13-4-1 0 0,19 6-256 0 0,0-1-346 0 0</inkml:trace>
+</inkml:ink>
+</file>
+
+<file path=ppt/ink/ink24.xml><?xml version="1.0" encoding="utf-8"?>
+<inkml:ink xmlns:inkml="http://www.w3.org/2003/InkML">
+  <inkml:definitions>
+    <inkml:context xml:id="ctx0">
+      <inkml:inkSource xml:id="inkSrc0">
+        <inkml:traceFormat>
+          <inkml:channel name="X" type="integer" min="-2.14748E9" max="2.14748E9" units="cm"/>
+          <inkml:channel name="Y" type="integer" min="-2.14748E9" max="2.14748E9" units="cm"/>
+          <inkml:channel name="F" type="integer" max="32767" units="dev"/>
+          <inkml:channel name="OA" type="integer" max="360" units="deg"/>
+          <inkml:channel name="OE" type="integer" max="90" units="deg"/>
+        </inkml:traceFormat>
+        <inkml:channelProperties>
+          <inkml:channelProperty channel="X" name="resolution" value="1000" units="1/cm"/>
+          <inkml:channelProperty channel="Y" name="resolution" value="1000" units="1/cm"/>
+          <inkml:channelProperty channel="F" name="resolution" value="0" units="1/dev"/>
+          <inkml:channelProperty channel="OA" name="resolution" value="1000" units="1/deg"/>
+          <inkml:channelProperty channel="OE" name="resolution" value="1000" units="1/deg"/>
+        </inkml:channelProperties>
+      </inkml:inkSource>
+      <inkml:timestamp xml:id="ts0" timeString="2023-07-05T16:07:47.818"/>
+    </inkml:context>
+    <inkml:brush xml:id="br0">
+      <inkml:brushProperty name="width" value="0.1" units="cm"/>
+      <inkml:brushProperty name="height" value="0.1" units="cm"/>
+    </inkml:brush>
+  </inkml:definitions>
+  <inkml:trace contextRef="#ctx0" brushRef="#br0">1227 58 3970 0 0,'-46'-23'1325'0'0,"38"18"-1015"0"0,0 0 0 0 0,0 1-1 0 0,0 0 1 0 0,-1 1 0 0 0,1 0 0 0 0,-1 0 0 0 0,0 1-1 0 0,0 0 1 0 0,0 0 0 0 0,-10 1 0 0 0,-54 1-310 0 0,-1 3 0 0 0,1 4 0 0 0,0 3 0 0 0,1 3 0 0 0,0 3 0 0 0,1 4 0 0 0,1 2 0 0 0,1 3 0 0 0,1 4 0 0 0,1 2 0 0 0,-77 50 0 0 0,128-71 117 0 0,0 1 1 0 0,1 1 0 0 0,0 0 0 0 0,1 0-1 0 0,1 2 1 0 0,0 0 0 0 0,-11 15-1 0 0,21-25-93 0 0,0-1 0 0 0,1 1-1 0 0,0 0 1 0 0,-1 0 0 0 0,1-1-1 0 0,1 2 1 0 0,-1-1 0 0 0,1 0-1 0 0,-1 0 1 0 0,1 0-1 0 0,0 1 1 0 0,1-1 0 0 0,-1 0-1 0 0,1 1 1 0 0,0-1 0 0 0,0 1-1 0 0,0-1 1 0 0,1 1 0 0 0,-1-1-1 0 0,1 0 1 0 0,0 1-1 0 0,0-1 1 0 0,1 0 0 0 0,-1 0-1 0 0,1 0 1 0 0,0 0 0 0 0,0 0-1 0 0,0 0 1 0 0,1 0 0 0 0,-1-1-1 0 0,1 1 1 0 0,0-1 0 0 0,0 0-1 0 0,0 0 1 0 0,5 4-1 0 0,33 23 119 0 0,0-2 0 0 0,2-1-1 0 0,79 36 1 0 0,18 10-76 0 0,-43-11-54 0 0,-65-39-6 0 0,2-1-1 0 0,0-2 1 0 0,1-2-1 0 0,54 21 1 0 0,-65-33 29 0 0,-1-1 1 0 0,1-1-1 0 0,0-1 0 0 0,0-1 1 0 0,0-2-1 0 0,0 0 1 0 0,0-1-1 0 0,0-2 0 0 0,40-8 1 0 0,-3-4 14 0 0,-1-4 0 0 0,86-36 0 0 0,-106 38-24 0 0,0-1-1 0 0,-2-2 1 0 0,0-2-1 0 0,69-52 1 0 0,-102 71-3 0 0,-2-1 0 0 0,1 1-1 0 0,0-1 1 0 0,-1 0 0 0 0,0 0 0 0 0,0 0-1 0 0,0-1 1 0 0,0 1 0 0 0,-1-1 0 0 0,1 1 0 0 0,-1-1-1 0 0,0 0 1 0 0,-1 0 0 0 0,1 0 0 0 0,-1 0-1 0 0,0 0 1 0 0,0 0 0 0 0,-1 0 0 0 0,1 0 0 0 0,-1-1-1 0 0,0 1 1 0 0,-1 0 0 0 0,1 0 0 0 0,-1 0-1 0 0,0 0 1 0 0,0 0 0 0 0,-1 0 0 0 0,1 0 0 0 0,-1 0-1 0 0,0 0 1 0 0,-1 1 0 0 0,1-1 0 0 0,-1 1-1 0 0,0-1 1 0 0,0 1 0 0 0,0 0 0 0 0,-1 0 0 0 0,1 0-1 0 0,-1 1 1 0 0,-5-5 0 0 0,-86-74 293 0 0,-3 3-1 0 0,-139-83 1 0 0,213 144-122 0 0,24 18-269 0 0,-1-1 0 0 0,0 1 1 0 0,1-1-1 0 0,-1 0 0 0 0,1 1 1 0 0,-1-1-1 0 0,1 0 0 0 0,-1 1 1 0 0,1-1-1 0 0,-1 0 0 0 0,1 0 1 0 0,0 1-1 0 0,-1-1 0 0 0,1 0 1 0 0,0 0-1 0 0,0 0 0 0 0,0 0 1 0 0,0 0-1 0 0,0 1 0 0 0,0-1 1 0 0,0 0-1 0 0,0 0 0 0 0,0 0 1 0 0,0 0-1 0 0,0 0 0 0 0,0 1 1 0 0,0-1-1 0 0,1 0 0 0 0,-1 0 1 0 0,0 0-1 0 0,1-1 0 0 0</inkml:trace>
+</inkml:ink>
+</file>
+
+<file path=ppt/ink/ink25.xml><?xml version="1.0" encoding="utf-8"?>
+<inkml:ink xmlns:inkml="http://www.w3.org/2003/InkML">
+  <inkml:definitions>
+    <inkml:context xml:id="ctx0">
+      <inkml:inkSource xml:id="inkSrc0">
+        <inkml:traceFormat>
+          <inkml:channel name="X" type="integer" min="-2.14748E9" max="2.14748E9" units="cm"/>
+          <inkml:channel name="Y" type="integer" min="-2.14748E9" max="2.14748E9" units="cm"/>
+          <inkml:channel name="F" type="integer" max="32767" units="dev"/>
+          <inkml:channel name="OA" type="integer" max="360" units="deg"/>
+          <inkml:channel name="OE" type="integer" max="90" units="deg"/>
+        </inkml:traceFormat>
+        <inkml:channelProperties>
+          <inkml:channelProperty channel="X" name="resolution" value="1000" units="1/cm"/>
+          <inkml:channelProperty channel="Y" name="resolution" value="1000" units="1/cm"/>
+          <inkml:channelProperty channel="F" name="resolution" value="0" units="1/dev"/>
+          <inkml:channelProperty channel="OA" name="resolution" value="1000" units="1/deg"/>
+          <inkml:channelProperty channel="OE" name="resolution" value="1000" units="1/deg"/>
+        </inkml:channelProperties>
+      </inkml:inkSource>
+      <inkml:timestamp xml:id="ts0" timeString="2023-07-05T16:07:49.049"/>
+    </inkml:context>
+    <inkml:brush xml:id="br0">
+      <inkml:brushProperty name="width" value="0.1" units="cm"/>
+      <inkml:brushProperty name="height" value="0.1" units="cm"/>
+    </inkml:brush>
+  </inkml:definitions>
+  <inkml:trace contextRef="#ctx0" brushRef="#br0">1 0 1201 0 0,'0'0'557'0'0,"0"2"-433"0"0,0-1 0 0 0,0 1 1 0 0,0-1-1 0 0,0 0 0 0 0,0 1 0 0 0,1-1 0 0 0,-1 1 0 0 0,0-1 0 0 0,1 0 1 0 0,-1 1-1 0 0,1-1 0 0 0,-1 0 0 0 0,1 0 0 0 0,1 3 0 0 0,22 17 698 0 0,-1 1 0 0 0,-1 2-1 0 0,38 51 1 0 0,-33-38-588 0 0,34 33-1 0 0,-23-32-4 0 0,-3 2-1 0 0,59 83 1 0 0,-77-96-105 0 0,-2 0 0 0 0,-1 1 1 0 0,-1 1-1 0 0,-1 0 0 0 0,-2 1 0 0 0,9 41 0 0 0,-10-15-98 0 0,4 103 0 0 0,-11-109-22 0 0,2 1 0 0 0,19 89 0 0 0,25 14-8 0 0,-30-105 9 0 0,-3 2 0 0 0,-1-1 0 0 0,-3 2 1 0 0,7 71-1 0 0,-14-53 7 0 0,3 0 1 0 0,3-1 0 0 0,36 124-1 0 0,-7-65 32 0 0,-5 2 0 0 0,25 204-1 0 0,-49-200 32 0 0,9 76-230 0 0,-13-177 437 0 0,0 0 0 0 0,2 0-1 0 0,2-1 1 0 0,16 38 0 0 0,24 35 294 0 0,-27-61-486 0 0,-2 0 1 0 0,-2 2 0 0 0,26 93 0 0 0,-25-37-113 0 0,-4-16 821 0 0,3-1 0 0 0,55 148-1 0 0,-47-175-649 0 0,2-1 0 0 0,41 60 0 0 0,82 97 813 0 0,-148-209-898 0 0,1 2 44 0 0,0-1-74 0 0,0-1 0 0 0,-1 1-1 0 0,0 0 1 0 0,0 1 0 0 0,0-1-1 0 0,-1 1 1 0 0,0 0 0 0 0,0 0-1 0 0,-1 0 1 0 0,1 0 0 0 0,1 12-1 0 0,-5-17-118 0 0,1-1 1 0 0,-1 0-1 0 0,1 0 0 0 0,-1 0 0 0 0,0 0 1 0 0,0 0-1 0 0,0 0 0 0 0,0 0 0 0 0,1 0 1 0 0,-1 0-1 0 0,0 0 0 0 0,0-1 0 0 0,-1 1 1 0 0,1 0-1 0 0,0-1 0 0 0,0 1 0 0 0,0-1 1 0 0,0 1-1 0 0,-1-1 0 0 0,1 1 0 0 0,0-1 1 0 0,0 0-1 0 0,-1 0 0 0 0,1 1 0 0 0,0-1 1 0 0,-1 0-1 0 0,1 0 0 0 0,0 0 0 0 0,0-1 1 0 0,-2 1-1 0 0,1 0-103 0 0,0 0-1 0 0,0 0 1 0 0,-1 0-1 0 0,1 0 1 0 0,0 1 0 0 0,0-1-1 0 0,0 1 1 0 0,0-1 0 0 0,0 1-1 0 0,0 0 1 0 0,0-1 0 0 0,0 1-1 0 0,0 0 1 0 0,0 1 0 0 0,0-1-1 0 0,1 0 1 0 0,-1 0 0 0 0,0 1-1 0 0,1-1 1 0 0,-1 1-1 0 0,-2 3 1 0 0,-5 30-3899 0 0,4-15 1539 0 0</inkml:trace>
+</inkml:ink>
+</file>
+
+<file path=ppt/ink/ink26.xml><?xml version="1.0" encoding="utf-8"?>
+<inkml:ink xmlns:inkml="http://www.w3.org/2003/InkML">
+  <inkml:definitions>
+    <inkml:context xml:id="ctx0">
+      <inkml:inkSource xml:id="inkSrc0">
+        <inkml:traceFormat>
+          <inkml:channel name="X" type="integer" min="-2.14748E9" max="2.14748E9" units="cm"/>
+          <inkml:channel name="Y" type="integer" min="-2.14748E9" max="2.14748E9" units="cm"/>
+          <inkml:channel name="F" type="integer" max="32767" units="dev"/>
+          <inkml:channel name="OA" type="integer" max="360" units="deg"/>
+          <inkml:channel name="OE" type="integer" max="90" units="deg"/>
+        </inkml:traceFormat>
+        <inkml:channelProperties>
+          <inkml:channelProperty channel="X" name="resolution" value="1000" units="1/cm"/>
+          <inkml:channelProperty channel="Y" name="resolution" value="1000" units="1/cm"/>
+          <inkml:channelProperty channel="F" name="resolution" value="0" units="1/dev"/>
+          <inkml:channelProperty channel="OA" name="resolution" value="1000" units="1/deg"/>
+          <inkml:channelProperty channel="OE" name="resolution" value="1000" units="1/deg"/>
+        </inkml:channelProperties>
+      </inkml:inkSource>
+      <inkml:timestamp xml:id="ts0" timeString="2023-07-05T16:07:50.109"/>
+    </inkml:context>
+    <inkml:brush xml:id="br0">
+      <inkml:brushProperty name="width" value="0.1" units="cm"/>
+      <inkml:brushProperty name="height" value="0.1" units="cm"/>
+    </inkml:brush>
+  </inkml:definitions>
+  <inkml:trace contextRef="#ctx0" brushRef="#br0">0 1 2225 0 0,'0'0'1313'0'0,"0"2"-2194"0"0,0 0 897 0 0,0 1 48 0 0</inkml:trace>
+</inkml:ink>
+</file>
+
+<file path=ppt/ink/ink27.xml><?xml version="1.0" encoding="utf-8"?>
+<inkml:ink xmlns:inkml="http://www.w3.org/2003/InkML">
+  <inkml:definitions>
+    <inkml:context xml:id="ctx0">
+      <inkml:inkSource xml:id="inkSrc0">
+        <inkml:traceFormat>
+          <inkml:channel name="X" type="integer" min="-2.14748E9" max="2.14748E9" units="cm"/>
+          <inkml:channel name="Y" type="integer" min="-2.14748E9" max="2.14748E9" units="cm"/>
+          <inkml:channel name="F" type="integer" max="32767" units="dev"/>
+          <inkml:channel name="OA" type="integer" max="360" units="deg"/>
+          <inkml:channel name="OE" type="integer" max="90" units="deg"/>
+        </inkml:traceFormat>
+        <inkml:channelProperties>
+          <inkml:channelProperty channel="X" name="resolution" value="1000" units="1/cm"/>
+          <inkml:channelProperty channel="Y" name="resolution" value="1000" units="1/cm"/>
+          <inkml:channelProperty channel="F" name="resolution" value="0" units="1/dev"/>
+          <inkml:channelProperty channel="OA" name="resolution" value="1000" units="1/deg"/>
+          <inkml:channelProperty channel="OE" name="resolution" value="1000" units="1/deg"/>
+        </inkml:channelProperties>
+      </inkml:inkSource>
+      <inkml:timestamp xml:id="ts0" timeString="2023-07-05T16:07:51.229"/>
+    </inkml:context>
+    <inkml:brush xml:id="br0">
+      <inkml:brushProperty name="width" value="0.1" units="cm"/>
+      <inkml:brushProperty name="height" value="0.1" units="cm"/>
+    </inkml:brush>
+  </inkml:definitions>
+  <inkml:trace contextRef="#ctx0" brushRef="#br0">3 0 1617 0 0,'-1'3'4442'0'0,"-1"2"-5640"0"0</inkml:trace>
+</inkml:ink>
+</file>
+
+<file path=ppt/ink/ink28.xml><?xml version="1.0" encoding="utf-8"?>
+<inkml:ink xmlns:inkml="http://www.w3.org/2003/InkML">
+  <inkml:definitions>
+    <inkml:context xml:id="ctx0">
+      <inkml:inkSource xml:id="inkSrc0">
+        <inkml:traceFormat>
+          <inkml:channel name="X" type="integer" min="-2.14748E9" max="2.14748E9" units="cm"/>
+          <inkml:channel name="Y" type="integer" min="-2.14748E9" max="2.14748E9" units="cm"/>
+          <inkml:channel name="F" type="integer" max="32767" units="dev"/>
+          <inkml:channel name="OA" type="integer" max="360" units="deg"/>
+          <inkml:channel name="OE" type="integer" max="90" units="deg"/>
+        </inkml:traceFormat>
+        <inkml:channelProperties>
+          <inkml:channelProperty channel="X" name="resolution" value="1000" units="1/cm"/>
+          <inkml:channelProperty channel="Y" name="resolution" value="1000" units="1/cm"/>
+          <inkml:channelProperty channel="F" name="resolution" value="0" units="1/dev"/>
+          <inkml:channelProperty channel="OA" name="resolution" value="1000" units="1/deg"/>
+          <inkml:channelProperty channel="OE" name="resolution" value="1000" units="1/deg"/>
+        </inkml:channelProperties>
+      </inkml:inkSource>
+      <inkml:timestamp xml:id="ts0" timeString="2023-07-05T16:07:53.442"/>
+    </inkml:context>
+    <inkml:brush xml:id="br0">
+      <inkml:brushProperty name="width" value="0.1" units="cm"/>
+      <inkml:brushProperty name="height" value="0.1" units="cm"/>
+    </inkml:brush>
+  </inkml:definitions>
+  <inkml:trace contextRef="#ctx0" brushRef="#br0">302 1 3169 0 0,'0'0'3888'0'0,"-15"10"-3005"0"0,14 0-678 0 0,1-8-129 0 0,-1 0 0 0 0,1 1 0 0 0,0-1 0 0 0,0 0 0 0 0,0 0 0 0 0,0 1 0 0 0,0-1 0 0 0,0 0 0 0 0,0 0 0 0 0,1 1 0 0 0,-1-1 0 0 0,1 0 0 0 0,0 0 0 0 0,0 0 0 0 0,-1 0-1 0 0,1 0 1 0 0,1 0 0 0 0,-1 0 0 0 0,0 0 0 0 0,0 0 0 0 0,1 0 0 0 0,-1-1 0 0 0,1 1 0 0 0,-1 0 0 0 0,1-1 0 0 0,0 1 0 0 0,0-1 0 0 0,0 0 0 0 0,0 0 0 0 0,0 0 0 0 0,0 0 0 0 0,0 0 0 0 0,2 1 0 0 0,23 10 35 0 0,-2 1 1 0 0,0 1-1 0 0,0 1 1 0 0,-1 2 0 0 0,35 31-1 0 0,-56-44-108 0 0,-1 0-1 0 0,0 0 1 0 0,0 0 0 0 0,0 0-1 0 0,0 1 1 0 0,-1-1-1 0 0,0 1 1 0 0,0-1-1 0 0,0 1 1 0 0,0 0 0 0 0,-1-1-1 0 0,1 1 1 0 0,-1 0-1 0 0,-1 7 1 0 0,-8 68 28 0 0,7-75-18 0 0,1 0 1 0 0,0 1 0 0 0,-1-1 0 0 0,0 0 0 0 0,0 0 0 0 0,-1 0-1 0 0,1 0 1 0 0,-1-1 0 0 0,0 1 0 0 0,0-1 0 0 0,-1 1 0 0 0,0-1-1 0 0,1 0 1 0 0,-1 0 0 0 0,0-1 0 0 0,-1 1 0 0 0,1-1-1 0 0,-1 0 1 0 0,1 0 0 0 0,-1-1 0 0 0,0 1 0 0 0,-5 1 0 0 0,-39 27 62 0 0,-65 45-12 0 0,85-50-30 0 0,22-19-21 0 0,-1 0 1 0 0,1 0-1 0 0,-1-1 1 0 0,-1 0 0 0 0,-8 4-1 0 0,16-9 19 0 0,1-1 0 0 0,-1 0 0 0 0,1 1 0 0 0,-1-1 0 0 0,1 0 0 0 0,-1 1-1 0 0,1-1 1 0 0,0 0 0 0 0,-1 1 0 0 0,1-1 0 0 0,0 1 0 0 0,-1-1 0 0 0,1 1 0 0 0,0-1 0 0 0,-1 1 0 0 0,1-1-1 0 0,0 1 1 0 0,0-1 0 0 0,0 1 0 0 0,-1-1 0 0 0,1 1 0 0 0,0-1 0 0 0,0 1 0 0 0,0-1 0 0 0,0 1 0 0 0,0 0-1 0 0,0-1 1 0 0,0 1 0 0 0,0-1 0 0 0,0 1 0 0 0,0-1 0 0 0,1 1 0 0 0,-1-1 0 0 0,0 1 0 0 0,0-1 0 0 0,0 1-1 0 0,1-1 1 0 0,-1 1 0 0 0,0-1 0 0 0,1 1 0 0 0,-1-1 0 0 0,0 1 0 0 0,1-1 0 0 0,-1 1 0 0 0,1-1 0 0 0,-1 0 0 0 0,0 1-1 0 0,1-1 1 0 0,-1 0 0 0 0,1 1 0 0 0,-1-1 0 0 0,1 0 0 0 0,-1 0 0 0 0,1 0 0 0 0,-1 1 0 0 0,2-1 0 0 0,32 19-299 0 0,-33-19 329 0 0,55 20 4 0 0,-46-17-34 0 0,0-1 1 0 0,0 2-1 0 0,-1 0 0 0 0,1 0 1 0 0,12 8-1 0 0,-19-10-26 0 0,0 1 1 0 0,0 0-1 0 0,0 0 0 0 0,0 0 1 0 0,0 0-1 0 0,0 0 0 0 0,-1 1 1 0 0,0-1-1 0 0,1 1 0 0 0,-1 0 1 0 0,-1 0-1 0 0,1 0 0 0 0,-1 0 0 0 0,1 0 1 0 0,-1 0-1 0 0,0 0 0 0 0,0 5 1 0 0,2 14 0 0 0,-2 1 0 0 0,-2 30 0 0 0,1-13-2 0 0,-1-36-3 0 0,0 0-1 0 0,1-1 0 0 0,-1 1 0 0 0,-1-1 0 0 0,1 1 0 0 0,-1-1 0 0 0,0 1 1 0 0,0-1-1 0 0,0 0 0 0 0,0 0 0 0 0,-1 0 0 0 0,0 0 0 0 0,1 0 0 0 0,-8 6 0 0 0,5-5 12 0 0,0-1 0 0 0,0 1 0 0 0,0-1-1 0 0,-1 1 1 0 0,0-1 0 0 0,0-1-1 0 0,0 1 1 0 0,0-1 0 0 0,-9 2 0 0 0,10-4-17 0 0,0 1 0 0 0,0-1 0 0 0,0 1 0 0 0,0 0 0 0 0,0 0 0 0 0,1 0 0 0 0,-1 1 1 0 0,0-1-1 0 0,1 1 0 0 0,0 0 0 0 0,0 1 0 0 0,0-1 0 0 0,0 1 0 0 0,0 0 1 0 0,1-1-1 0 0,-1 2 0 0 0,1-1 0 0 0,0 0 0 0 0,0 1 0 0 0,1-1 0 0 0,0 1 0 0 0,-1 0 1 0 0,1 0-1 0 0,1 0 0 0 0,-1 0 0 0 0,1 0 0 0 0,0 0 0 0 0,-1 11 0 0 0,2 26 11 0 0,0-36-6 0 0,1 1 0 0 0,-1-1 0 0 0,0 0 1 0 0,0 0-1 0 0,-1 1 0 0 0,0-1 0 0 0,-2 7 0 0 0,0-9 25 0 0,-1 0-1 0 0,0 0 0 0 0,1 0 0 0 0,-2 0 1 0 0,1-1-1 0 0,0 1 0 0 0,-1-1 0 0 0,1-1 0 0 0,-1 1 1 0 0,0 0-1 0 0,-7 1 0 0 0,-6 6 83 0 0,-12 11 176 0 0,24-17-248 0 0,1 1 1 0 0,-1-1-1 0 0,0 0 1 0 0,0 0 0 0 0,0-1-1 0 0,0 0 1 0 0,-1 0 0 0 0,1 0-1 0 0,-1-1 1 0 0,0 0 0 0 0,-8 1-1 0 0,14-3 26 0 0,49 3-257 0 0,-33-3-33 0 0,-8 1-377 0 0,0-1 1 0 0,0 0-1 0 0,0 0 1 0 0,0-1-1 0 0,0 0 0 0 0,0 0 1 0 0,0-1-1 0 0,11-4 1 0 0,4-9-4572 0 0</inkml:trace>
+</inkml:ink>
+</file>
+
+<file path=ppt/ink/ink29.xml><?xml version="1.0" encoding="utf-8"?>
+<inkml:ink xmlns:inkml="http://www.w3.org/2003/InkML">
+  <inkml:definitions>
+    <inkml:context xml:id="ctx0">
+      <inkml:inkSource xml:id="inkSrc0">
+        <inkml:traceFormat>
+          <inkml:channel name="X" type="integer" min="-2.14748E9" max="2.14748E9" units="cm"/>
+          <inkml:channel name="Y" type="integer" min="-2.14748E9" max="2.14748E9" units="cm"/>
+          <inkml:channel name="F" type="integer" max="32767" units="dev"/>
+          <inkml:channel name="OA" type="integer" max="360" units="deg"/>
+          <inkml:channel name="OE" type="integer" max="90" units="deg"/>
+        </inkml:traceFormat>
+        <inkml:channelProperties>
+          <inkml:channelProperty channel="X" name="resolution" value="1000" units="1/cm"/>
+          <inkml:channelProperty channel="Y" name="resolution" value="1000" units="1/cm"/>
+          <inkml:channelProperty channel="F" name="resolution" value="0" units="1/dev"/>
+          <inkml:channelProperty channel="OA" name="resolution" value="1000" units="1/deg"/>
+          <inkml:channelProperty channel="OE" name="resolution" value="1000" units="1/deg"/>
+        </inkml:channelProperties>
+      </inkml:inkSource>
+      <inkml:timestamp xml:id="ts0" timeString="2023-07-05T16:07:55.495"/>
+    </inkml:context>
+    <inkml:brush xml:id="br0">
+      <inkml:brushProperty name="width" value="0.1" units="cm"/>
+      <inkml:brushProperty name="height" value="0.1" units="cm"/>
+    </inkml:brush>
+  </inkml:definitions>
+  <inkml:trace contextRef="#ctx0" brushRef="#br0">1190 87 5539 0 0,'-74'-36'2895'0'0,"63"29"-2668"0"0,0 0 1 0 0,-1 1-1 0 0,1 0 1 0 0,-1 1-1 0 0,-1 1 1 0 0,1 0-1 0 0,-1 0 1 0 0,1 1-1 0 0,-24-2 1 0 0,-27 7-245 0 0,1 3 1 0 0,0 2 0 0 0,0 4-1 0 0,0 1 1 0 0,2 4-1 0 0,0 2 1 0 0,0 3 0 0 0,2 2-1 0 0,1 3 1 0 0,1 2-1 0 0,1 3 1 0 0,-68 50-1 0 0,111-71 40 0 0,0-1 0 0 0,0 2 0 0 0,0 0 0 0 0,2 0 0 0 0,-1 1 0 0 0,-16 25 0 0 0,22-28 56 0 0,0 1 1 0 0,0 0-1 0 0,1 0 0 0 0,1 0 0 0 0,-1 1 1 0 0,2 0-1 0 0,-1-1 0 0 0,1 1 0 0 0,1 0 1 0 0,0 19-1 0 0,1-19-35 0 0,-1 6 46 0 0,1-1-1 0 0,0 1 0 0 0,2-1 0 0 0,0 1 0 0 0,1-1 0 0 0,0 1 0 0 0,11 28 1 0 0,11 6-66 0 0,2 0 1 0 0,2-2 0 0 0,2-1-1 0 0,3-1 1 0 0,1-2 0 0 0,3-1-1 0 0,67 61 1 0 0,-81-85-20 0 0,1-1 1 0 0,1-2-1 0 0,1 0 0 0 0,0-2 0 0 0,1 0 1 0 0,1-2-1 0 0,0-1 0 0 0,1-2 0 0 0,0-1 1 0 0,0-1-1 0 0,49 6 0 0 0,-19-8-89 0 0,0-2 0 0 0,0-2 1 0 0,0-4-1 0 0,0-2 0 0 0,66-13 0 0 0,-57 4-421 0 0,0-4 0 0 0,-1-2-1 0 0,0-3 1 0 0,-2-3 0 0 0,-1-3 0 0 0,-1-3 0 0 0,-2-3 0 0 0,112-80 0 0 0,-152 98 441 0 0,-2-2 0 0 0,0 0 0 0 0,-1-1 0 0 0,-1-1 0 0 0,24-35 0 0 0,-37 48 114 0 0,-1 0 1 0 0,0 0-1 0 0,-1 0 1 0 0,0-1-1 0 0,0 1 1 0 0,0-1-1 0 0,-1 0 1 0 0,0 0-1 0 0,-1 0 0 0 0,1-10 1 0 0,-2 13 45 0 0,0 0 0 0 0,-1-1 0 0 0,0 1 1 0 0,0 0-1 0 0,0 0 0 0 0,0-1 0 0 0,-1 1 0 0 0,0 0 0 0 0,0 1 1 0 0,0-1-1 0 0,-1 0 0 0 0,1 1 0 0 0,-1-1 0 0 0,0 1 0 0 0,-1 0 1 0 0,1 0-1 0 0,-6-5 0 0 0,-7-5 168 0 0,0 0 0 0 0,-1 2 0 0 0,-1 0 0 0 0,0 0 0 0 0,-25-10 0 0 0,-107-41 763 0 0,121 51-890 0 0,-253-86 1866 0 0,-72-30-674 0 0,353 128-1355 0 0,-22-15-92 0 0,22 14-41 0 0,1 1 1 0 0,0-1-1 0 0,0 1 1 0 0,-1-1-1 0 0,1 0 1 0 0,0 1-1 0 0,0-1 1 0 0,-1 1-1 0 0,1-1 1 0 0,0 0-1 0 0,0 1 0 0 0,0-1 1 0 0,0 0-1 0 0,0 1 1 0 0,0-1-1 0 0,0 0 1 0 0,0 1-1 0 0,0-1 1 0 0,1 0-1 0 0,-1 1 1 0 0,0-1-1 0 0,0 0 1 0 0,1 1-1 0 0,-1-1 1 0 0,1 0-1 0 0</inkml:trace>
+</inkml:ink>
+</file>
+
+<file path=ppt/ink/ink3.xml><?xml version="1.0" encoding="utf-8"?>
+<inkml:ink xmlns:inkml="http://www.w3.org/2003/InkML">
+  <inkml:definitions>
+    <inkml:context xml:id="ctx0">
+      <inkml:inkSource xml:id="inkSrc0">
+        <inkml:traceFormat>
+          <inkml:channel name="X" type="integer" min="-2.14748E9" max="2.14748E9" units="cm"/>
+          <inkml:channel name="Y" type="integer" min="-2.14748E9" max="2.14748E9" units="cm"/>
+          <inkml:channel name="F" type="integer" max="32767" units="dev"/>
+          <inkml:channel name="OA" type="integer" max="360" units="deg"/>
+          <inkml:channel name="OE" type="integer" max="90" units="deg"/>
+        </inkml:traceFormat>
+        <inkml:channelProperties>
+          <inkml:channelProperty channel="X" name="resolution" value="1000" units="1/cm"/>
+          <inkml:channelProperty channel="Y" name="resolution" value="1000" units="1/cm"/>
+          <inkml:channelProperty channel="F" name="resolution" value="0" units="1/dev"/>
+          <inkml:channelProperty channel="OA" name="resolution" value="1000" units="1/deg"/>
+          <inkml:channelProperty channel="OE" name="resolution" value="1000" units="1/deg"/>
+        </inkml:channelProperties>
+      </inkml:inkSource>
+      <inkml:timestamp xml:id="ts0" timeString="2023-07-05T16:06:46.797"/>
+    </inkml:context>
+    <inkml:brush xml:id="br0">
+      <inkml:brushProperty name="width" value="0.1" units="cm"/>
+      <inkml:brushProperty name="height" value="0.1" units="cm"/>
+    </inkml:brush>
+  </inkml:definitions>
+  <inkml:trace contextRef="#ctx0" brushRef="#br0">221 0 8820 0 0,'0'0'1865'0'0,"-4"12"-422"0"0,-119 265 3512 0 0,68-163-4622 0 0,48-98-407 0 0,0 1 0 0 0,1 1-1 0 0,1-1 1 0 0,-4 26 0 0 0,5 6-9456 0 0</inkml:trace>
+</inkml:ink>
+</file>
+
+<file path=ppt/ink/ink30.xml><?xml version="1.0" encoding="utf-8"?>
+<inkml:ink xmlns:inkml="http://www.w3.org/2003/InkML">
+  <inkml:definitions>
+    <inkml:context xml:id="ctx0">
+      <inkml:inkSource xml:id="inkSrc0">
+        <inkml:traceFormat>
+          <inkml:channel name="X" type="integer" min="-2.14748E9" max="2.14748E9" units="cm"/>
+          <inkml:channel name="Y" type="integer" min="-2.14748E9" max="2.14748E9" units="cm"/>
+          <inkml:channel name="F" type="integer" max="32767" units="dev"/>
+          <inkml:channel name="OA" type="integer" max="360" units="deg"/>
+          <inkml:channel name="OE" type="integer" max="90" units="deg"/>
+        </inkml:traceFormat>
+        <inkml:channelProperties>
+          <inkml:channelProperty channel="X" name="resolution" value="1000" units="1/cm"/>
+          <inkml:channelProperty channel="Y" name="resolution" value="1000" units="1/cm"/>
+          <inkml:channelProperty channel="F" name="resolution" value="0" units="1/dev"/>
+          <inkml:channelProperty channel="OA" name="resolution" value="1000" units="1/deg"/>
+          <inkml:channelProperty channel="OE" name="resolution" value="1000" units="1/deg"/>
+        </inkml:channelProperties>
+      </inkml:inkSource>
+      <inkml:timestamp xml:id="ts0" timeString="2023-07-05T16:07:57.776"/>
+    </inkml:context>
+    <inkml:brush xml:id="br0">
+      <inkml:brushProperty name="width" value="0.1" units="cm"/>
+      <inkml:brushProperty name="height" value="0.1" units="cm"/>
+    </inkml:brush>
+  </inkml:definitions>
+  <inkml:trace contextRef="#ctx0" brushRef="#br0">350 14 3185 0 0,'-6'-4'8884'0'0,"-14"-6"-7998"0"0,24 15-874 0 0,0 0 1 0 0,1 0-1 0 0,-1-1 0 0 0,1 0 0 0 0,0 0 1 0 0,0 0-1 0 0,10 5 0 0 0,20 17 266 0 0,-27-17-236 0 0,0 0-1 0 0,-1 1 1 0 0,1 0-1 0 0,-2 0 1 0 0,0 1 0 0 0,0 0-1 0 0,-1 0 1 0 0,0 0-1 0 0,0 0 1 0 0,-2 1-1 0 0,1 0 1 0 0,-2 0-1 0 0,1 0 1 0 0,-2 0-1 0 0,0 0 1 0 0,0 1-1 0 0,-1-1 1 0 0,0 0-1 0 0,-1 0 1 0 0,-1 0-1 0 0,0 1 1 0 0,0-1-1 0 0,-1-1 1 0 0,-8 20-1 0 0,-1 4 54 0 0,7-16-45 0 0,-1-1 0 0 0,-1 1 0 0 0,0-1 0 0 0,-2-1 0 0 0,0 0 0 0 0,-1 0 0 0 0,0 0 0 0 0,-14 14-1 0 0,-25 22 44 0 0,31-36 35 0 0,0 1-1 0 0,1 1 1 0 0,1 1 0 0 0,0 0 0 0 0,2 1 0 0 0,1 1 0 0 0,-21 44 0 0 0,31-59-126 0 0,1 0 0 0 0,0-1 0 0 0,1 1 0 0 0,0 0 0 0 0,0 0 0 0 0,1 0 0 0 0,-1 0 0 0 0,1 0 0 0 0,1 0 0 0 0,-1 0 0 0 0,1 0 1 0 0,1 0-1 0 0,-1 0 0 0 0,1 0 0 0 0,0-1 0 0 0,1 1 0 0 0,0-1 0 0 0,0 1 0 0 0,0-1 0 0 0,1 0 0 0 0,-1 0 0 0 0,1-1 0 0 0,1 1 0 0 0,-1-1 1 0 0,1 0-1 0 0,10 9 0 0 0,1-3 111 0 0,1-1 0 0 0,0-1 1 0 0,0 0-1 0 0,1-1 0 0 0,0-1 0 0 0,0 0 1 0 0,0-2-1 0 0,1 0 0 0 0,0-1 1 0 0,0-1-1 0 0,1-1 0 0 0,26 0 0 0 0,-46-2-134 0 0,-50 4 77 0 0,-26 3-31 0 0,-107 24 1 0 0,181-30-38 0 0,0-1-1 0 0,1 1 1 0 0,-1 0 0 0 0,0-1 0 0 0,1 1 0 0 0,-1 0-1 0 0,1 0 1 0 0,-1 0 0 0 0,1 0 0 0 0,-1 0-1 0 0,1 1 1 0 0,0-1 0 0 0,0 0 0 0 0,0 1 0 0 0,0-1-1 0 0,0 1 1 0 0,0-1 0 0 0,0 1 0 0 0,0-1 0 0 0,0 1-1 0 0,1 0 1 0 0,-1-1 0 0 0,0 1 0 0 0,1 0 0 0 0,0 0-1 0 0,-1 3 1 0 0,2 51-44 0 0,0-52 63 0 0,-1-1-6 0 0,1 0 0 0 0,0 0 0 0 0,0-1 0 0 0,0 1 0 0 0,0-1 0 0 0,1 1 0 0 0,-1-1 0 0 0,1 1 0 0 0,-1-1 0 0 0,1 0 0 0 0,0 1 0 0 0,0-1 0 0 0,0 0 0 0 0,3 2 0 0 0,39 29 5 0 0,-13-10 16 0 0,1 6-4 0 0,-2 2 1 0 0,43 56 0 0 0,-62-72 7 0 0,0 0 0 0 0,-1 1 0 0 0,-1 1 0 0 0,-1-1 0 0 0,0 1 0 0 0,-1 1 0 0 0,-1-1 0 0 0,6 30 0 0 0,-11-44-23 0 0,-1 0-1 0 0,1 0 0 0 0,-1 0 1 0 0,0 1-1 0 0,1-1 0 0 0,-1 0 0 0 0,-1 0 1 0 0,1 0-1 0 0,0 1 0 0 0,-1-1 1 0 0,0 0-1 0 0,0 0 0 0 0,0 0 0 0 0,0 0 1 0 0,0 0-1 0 0,0 0 0 0 0,-1-1 1 0 0,1 1-1 0 0,-1 0 0 0 0,0-1 0 0 0,0 1 1 0 0,-3 3-1 0 0,-2-2 30 0 0,1 0 0 0 0,-1 0-1 0 0,0 0 1 0 0,1-1 0 0 0,-2 0 0 0 0,1 0 0 0 0,0-1-1 0 0,-12 3 1 0 0,-107 24 442 0 0,-109 33-337 0 0,230-60-137 0 0,11-23-3842 0 0,8 4-1643 0 0</inkml:trace>
+</inkml:ink>
+</file>
+
+<file path=ppt/ink/ink31.xml><?xml version="1.0" encoding="utf-8"?>
+<inkml:ink xmlns:inkml="http://www.w3.org/2003/InkML">
+  <inkml:definitions>
+    <inkml:context xml:id="ctx0">
+      <inkml:inkSource xml:id="inkSrc0">
+        <inkml:traceFormat>
+          <inkml:channel name="X" type="integer" min="-2.14748E9" max="2.14748E9" units="cm"/>
+          <inkml:channel name="Y" type="integer" min="-2.14748E9" max="2.14748E9" units="cm"/>
+          <inkml:channel name="F" type="integer" max="32767" units="dev"/>
+          <inkml:channel name="OA" type="integer" max="360" units="deg"/>
+          <inkml:channel name="OE" type="integer" max="90" units="deg"/>
+        </inkml:traceFormat>
+        <inkml:channelProperties>
+          <inkml:channelProperty channel="X" name="resolution" value="1000" units="1/cm"/>
+          <inkml:channelProperty channel="Y" name="resolution" value="1000" units="1/cm"/>
+          <inkml:channelProperty channel="F" name="resolution" value="0" units="1/dev"/>
+          <inkml:channelProperty channel="OA" name="resolution" value="1000" units="1/deg"/>
+          <inkml:channelProperty channel="OE" name="resolution" value="1000" units="1/deg"/>
+        </inkml:channelProperties>
+      </inkml:inkSource>
+      <inkml:timestamp xml:id="ts0" timeString="2023-07-05T16:08:16.567"/>
+    </inkml:context>
+    <inkml:brush xml:id="br0">
+      <inkml:brushProperty name="width" value="0.1" units="cm"/>
+      <inkml:brushProperty name="height" value="0.1" units="cm"/>
+    </inkml:brush>
+  </inkml:definitions>
+  <inkml:trace contextRef="#ctx0" brushRef="#br0">9 1391 5362 0 0,'-9'-13'8386'0'0,"9"12"-8115"0"0,14-17 2532 0 0,39-18-4167 0 0,-34 24 2271 0 0,550-442-541 0 0,-185 135-591 0 0,-297 252 110 0 0,178-145-367 0 0,-263 210 459 0 0,0-1 0 0 0,0 1 1 0 0,-1-1-1 0 0,1 1 1 0 0,-1-1-1 0 0,0 0 1 0 0,0 1-1 0 0,0-1 1 0 0,0 0-1 0 0,0 0 0 0 0,-1 0 1 0 0,1 0-1 0 0,-1 0 1 0 0,1-4-1 0 0,-2-51-510 0 0,0 37 436 0 0,1-44 185 0 0,-3 63-122 0 0,-1 1 0 0 0,0 0 0 0 0,0 0 0 0 0,0 0 0 0 0,1 1 0 0 0,-1-1 0 0 0,0 1 0 0 0,0 0 0 0 0,0 0 0 0 0,-6 1 0 0 0,3-1-8 0 0,-43 1 37 0 0,0 1-1 0 0,0 3 1 0 0,0 1 0 0 0,1 3-1 0 0,0 2 1 0 0,1 2 0 0 0,0 3-1 0 0,-48 22 1 0 0,93-37-5 0 0,1 0-1 0 0,-1 0 1 0 0,1 0-1 0 0,0 0 1 0 0,0 1-1 0 0,0-1 1 0 0,-1 1-1 0 0,1-1 1 0 0,1 1 0 0 0,-1 0-1 0 0,-2 2 1 0 0,4-3 2 0 0,0-1 1 0 0,0 1 0 0 0,0-1 0 0 0,0 0 0 0 0,0 1-1 0 0,1-1 1 0 0,-1 1 0 0 0,0-1 0 0 0,0 0 0 0 0,0 1 0 0 0,1-1-1 0 0,-1 0 1 0 0,0 1 0 0 0,0-1 0 0 0,1 0 0 0 0,-1 0-1 0 0,0 1 1 0 0,1-1 0 0 0,-1 0 0 0 0,0 0 0 0 0,1 1-1 0 0,-1-1 1 0 0,1 0 0 0 0,-1 0 0 0 0,0 0 0 0 0,1 0-1 0 0,-1 0 1 0 0,1 1 0 0 0,-1-1 0 0 0,0 0 0 0 0,1 0 0 0 0,-1 0-1 0 0,1 0 1 0 0,-1 0 0 0 0,1 0 0 0 0,-1-1 0 0 0,1 1-1 0 0,65-4-87 0 0,50-20-492 0 0,-1-6 0 0 0,149-60 0 0 0,-181 61 225 0 0,-73 25 297 0 0,31-7-3 0 0,-40 11 58 0 0,0 0 1 0 0,1 0 0 0 0,-1 0-1 0 0,0 0 1 0 0,1 1 0 0 0,-1-1 0 0 0,0 0-1 0 0,1 0 1 0 0,-1 1 0 0 0,0-1-1 0 0,1 1 1 0 0,-1 0 0 0 0,0-1-1 0 0,0 1 1 0 0,0 0 0 0 0,0 0 0 0 0,0-1-1 0 0,0 1 1 0 0,0 0 0 0 0,0 0-1 0 0,0 0 1 0 0,0 0 0 0 0,0 0 0 0 0,0 1-1 0 0,-1-1 1 0 0,2 2 0 0 0,21 48 596 0 0,-2 1 1 0 0,-3 1 0 0 0,-2 1 0 0 0,-3 1 0 0 0,12 90 0 0 0,-24-135-716 0 0,8 34 351 0 0,-8-43-342 0 0,-1 0 1 0 0,1 0 0 0 0,0 0-1 0 0,-1 0 1 0 0,1 0 0 0 0,0 0-1 0 0,0 0 1 0 0,-1 0 0 0 0,1 0-1 0 0,0-1 1 0 0,0 1 0 0 0,0 0-1 0 0,0-1 1 0 0,0 1 0 0 0,0 0-1 0 0,0-1 1 0 0,0 1 0 0 0,0-1-1 0 0,1 0 1 0 0,-1 1 0 0 0,0-1-1 0 0,0 0 1 0 0,0 0 0 0 0,0 1-1 0 0,1-1 1 0 0,-1 0 0 0 0,0 0-1 0 0,0 0 1 0 0,0-1 0 0 0,1 1-1 0 0,-1 0 1 0 0,2-1 0 0 0,13-6-3639 0 0</inkml:trace>
+</inkml:ink>
+</file>
+
+<file path=ppt/ink/ink32.xml><?xml version="1.0" encoding="utf-8"?>
+<inkml:ink xmlns:inkml="http://www.w3.org/2003/InkML">
+  <inkml:definitions>
+    <inkml:context xml:id="ctx0">
+      <inkml:inkSource xml:id="inkSrc0">
+        <inkml:traceFormat>
+          <inkml:channel name="X" type="integer" min="-2.14748E9" max="2.14748E9" units="cm"/>
+          <inkml:channel name="Y" type="integer" min="-2.14748E9" max="2.14748E9" units="cm"/>
+          <inkml:channel name="F" type="integer" max="32767" units="dev"/>
+          <inkml:channel name="OA" type="integer" max="360" units="deg"/>
+          <inkml:channel name="OE" type="integer" max="90" units="deg"/>
+        </inkml:traceFormat>
+        <inkml:channelProperties>
+          <inkml:channelProperty channel="X" name="resolution" value="1000" units="1/cm"/>
+          <inkml:channelProperty channel="Y" name="resolution" value="1000" units="1/cm"/>
+          <inkml:channelProperty channel="F" name="resolution" value="0" units="1/dev"/>
+          <inkml:channelProperty channel="OA" name="resolution" value="1000" units="1/deg"/>
+          <inkml:channelProperty channel="OE" name="resolution" value="1000" units="1/deg"/>
+        </inkml:channelProperties>
+      </inkml:inkSource>
+      <inkml:timestamp xml:id="ts0" timeString="2023-07-05T16:08:18.096"/>
+    </inkml:context>
+    <inkml:brush xml:id="br0">
+      <inkml:brushProperty name="width" value="0.1" units="cm"/>
+      <inkml:brushProperty name="height" value="0.1" units="cm"/>
+    </inkml:brush>
+  </inkml:definitions>
+  <inkml:trace contextRef="#ctx0" brushRef="#br0">2051 1 8340 0 0,'-3'1'4547'0'0,"-16"17"-4409"0"0,-59 90 330 0 0,5 3 1 0 0,5 3 0 0 0,-66 151 0 0 0,-106 387 793 0 0,107-248-161 0 0,90-294-620 0 0,-90 165-1 0 0,-35 9-76 0 0,-109 206 326 0 0,226-511-690 0 0,-48-18-513 0 0,2-4 0 0 0,-176-108 0 0 0,121 41 649 0 0,143 104-120 0 0,12 11-355 0 0,18 15-205 0 0,246 188 171 0 0,-64-54 402 0 0,-197-149-72 0 0,27 17 97 0 0,-31-22-47 0 0,0 1-1 0 0,0-1 1 0 0,0 0-1 0 0,0 0 1 0 0,0 0 0 0 0,0 0-1 0 0,0 0 1 0 0,0 0-1 0 0,0 0 1 0 0,0-1 0 0 0,0 1-1 0 0,0-1 1 0 0,0 1-1 0 0,-1-1 1 0 0,1 0 0 0 0,0 0-1 0 0,0 0 1 0 0,2-2-1 0 0,84-49 149 0 0,3 4 0 0 0,1 3 0 0 0,2 5-1 0 0,158-45 1 0 0,-189 72-1432 0 0,-42 9-917 0 0,1 0-1 0 0,-1-1 0 0 0,28-12 1 0 0,-14-1-3723 0 0</inkml:trace>
+</inkml:ink>
+</file>
+
+<file path=ppt/ink/ink33.xml><?xml version="1.0" encoding="utf-8"?>
+<inkml:ink xmlns:inkml="http://www.w3.org/2003/InkML">
+  <inkml:definitions>
+    <inkml:context xml:id="ctx0">
+      <inkml:inkSource xml:id="inkSrc0">
+        <inkml:traceFormat>
+          <inkml:channel name="X" type="integer" min="-2.14748E9" max="2.14748E9" units="cm"/>
+          <inkml:channel name="Y" type="integer" min="-2.14748E9" max="2.14748E9" units="cm"/>
+          <inkml:channel name="F" type="integer" max="32767" units="dev"/>
+          <inkml:channel name="OA" type="integer" max="360" units="deg"/>
+          <inkml:channel name="OE" type="integer" max="90" units="deg"/>
+        </inkml:traceFormat>
+        <inkml:channelProperties>
+          <inkml:channelProperty channel="X" name="resolution" value="1000" units="1/cm"/>
+          <inkml:channelProperty channel="Y" name="resolution" value="1000" units="1/cm"/>
+          <inkml:channelProperty channel="F" name="resolution" value="0" units="1/dev"/>
+          <inkml:channelProperty channel="OA" name="resolution" value="1000" units="1/deg"/>
+          <inkml:channelProperty channel="OE" name="resolution" value="1000" units="1/deg"/>
+        </inkml:channelProperties>
+      </inkml:inkSource>
+      <inkml:timestamp xml:id="ts0" timeString="2023-07-05T16:07:16.913"/>
+    </inkml:context>
+    <inkml:brush xml:id="br0">
+      <inkml:brushProperty name="width" value="0.1" units="cm"/>
+      <inkml:brushProperty name="height" value="0.1" units="cm"/>
+    </inkml:brush>
+  </inkml:definitions>
+  <inkml:trace contextRef="#ctx0" brushRef="#br0">22 3 3858 0 0,'0'0'2966'0'0,"-14"-3"583"0"0,6 6-791 0 0,9 7-2769 0 0,1 0-1 0 0,0-1 1 0 0,0 1-1 0 0,1 0 1 0 0,0-1-1 0 0,5 11 1 0 0,11 38-15 0 0,-13-16 63 0 0,1 52 1 0 0,-6-63 1 0 0,1 0-1 0 0,2 0 1 0 0,1 0 0 0 0,10 37 0 0 0,15 19 68 0 0,-4 2 0 0 0,-4 1-1 0 0,19 162 1 0 0,-31 288 640 0 0,-18-411-728 0 0,-2 38 10 0 0,16 224-18 0 0,-8-376-8 0 0,0-1 0 0 0,-1 0 0 0 0,-1 0 0 0 0,0 0 0 0 0,-1 0 0 0 0,0 0 0 0 0,-1-1 1 0 0,-1 0-1 0 0,0 0 0 0 0,-9 13 0 0 0,6-12-2 0 0,1 2 0 0 0,1-1 1 0 0,0 2-1 0 0,1-1 0 0 0,1 1 0 0 0,-7 29 0 0 0,9-7-39 0 0,0 50-1 0 0,4-88 48 0 0,0 0 0 0 0,0 0 0 0 0,0 0 1 0 0,0 0-1 0 0,0 0 0 0 0,-1 0 0 0 0,1 0 0 0 0,0 0 1 0 0,0 0-1 0 0,-1 0 0 0 0,1 0 0 0 0,0 0 0 0 0,-1 0 0 0 0,1-1 1 0 0,-1 1-1 0 0,0 0 0 0 0,1 0 0 0 0,-1 0 0 0 0,1-1 0 0 0,-1 1 1 0 0,0 0-1 0 0,0-1 0 0 0,1 1 0 0 0,-1 0 0 0 0,0-1 0 0 0,0 1 1 0 0,0-1-1 0 0,0 1 0 0 0,0-1 0 0 0,0 0 0 0 0,-1 1 0 0 0,3 27-227 0 0,1-26 216 0 0,0 0 0 0 0,1 0-1 0 0,-1-1 1 0 0,1 1 0 0 0,0-1 0 0 0,-1 0 0 0 0,1 0 0 0 0,0 0 0 0 0,-1 0 0 0 0,1 0 0 0 0,0-1 0 0 0,0 1 0 0 0,4-1 0 0 0,43 2-72 0 0,-37-1 73 0 0,639 12 209 0 0,327-8-392 0 0,-899-6 152 0 0,57 1-3 0 0,412-19 54 0 0,-401 8 89 0 0,0 6 0 0 0,0 6 1 0 0,0 7-1 0 0,245 45 0 0 0,-337-40-95 0 0,-33-6-26 0 0,1-2-1 0 0,-1-1 1 0 0,34 1 0 0 0,-60-14-1139 0 0,-20-12-1692 0 0,-16-7-3042 0 0</inkml:trace>
+</inkml:ink>
+</file>
+
+<file path=ppt/ink/ink34.xml><?xml version="1.0" encoding="utf-8"?>
+<inkml:ink xmlns:inkml="http://www.w3.org/2003/InkML">
+  <inkml:definitions>
+    <inkml:context xml:id="ctx0">
+      <inkml:inkSource xml:id="inkSrc0">
+        <inkml:traceFormat>
+          <inkml:channel name="X" type="integer" min="-2.14748E9" max="2.14748E9" units="cm"/>
+          <inkml:channel name="Y" type="integer" min="-2.14748E9" max="2.14748E9" units="cm"/>
+          <inkml:channel name="F" type="integer" max="32767" units="dev"/>
+          <inkml:channel name="OA" type="integer" max="360" units="deg"/>
+          <inkml:channel name="OE" type="integer" max="90" units="deg"/>
+        </inkml:traceFormat>
+        <inkml:channelProperties>
+          <inkml:channelProperty channel="X" name="resolution" value="1000" units="1/cm"/>
+          <inkml:channelProperty channel="Y" name="resolution" value="1000" units="1/cm"/>
+          <inkml:channelProperty channel="F" name="resolution" value="0" units="1/dev"/>
+          <inkml:channelProperty channel="OA" name="resolution" value="1000" units="1/deg"/>
+          <inkml:channelProperty channel="OE" name="resolution" value="1000" units="1/deg"/>
+        </inkml:channelProperties>
+      </inkml:inkSource>
+      <inkml:timestamp xml:id="ts0" timeString="2023-07-05T16:07:18.368"/>
+    </inkml:context>
+    <inkml:brush xml:id="br0">
+      <inkml:brushProperty name="width" value="0.1" units="cm"/>
+      <inkml:brushProperty name="height" value="0.1" units="cm"/>
+    </inkml:brush>
+  </inkml:definitions>
+  <inkml:trace contextRef="#ctx0" brushRef="#br0">22 105 672 0 0,'0'1'5557'0'0,"3"1"-5194"0"0,-2-2-309 0 0,0 0-1 0 0,0 0 1 0 0,0 1 0 0 0,0-1-1 0 0,0-1 1 0 0,0 1-1 0 0,0 0 1 0 0,0 0-1 0 0,0 0 1 0 0,0 0 0 0 0,0-1-1 0 0,0 1 1 0 0,0-1-1 0 0,0 1 1 0 0,0-1-1 0 0,0 1 1 0 0,0-1 0 0 0,0 1-1 0 0,0-1 1 0 0,-1 0-1 0 0,1 1 1 0 0,0-1-1 0 0,0 0 1 0 0,-1 0 0 0 0,2-1-1 0 0,0-25 1214 0 0,-3 12-1526 0 0,1 15 219 0 0,0 0 37 0 0,-1-1 0 0 0,1 1 0 0 0,-1 0 0 0 0,1-1 0 0 0,-1 1 0 0 0,1 0 0 0 0,-1 0 0 0 0,1-1 0 0 0,-1 1 0 0 0,1 0 0 0 0,-1 0 0 0 0,1 0 0 0 0,-1 0 0 0 0,0 0 0 0 0,1 0 0 0 0,-1 0 0 0 0,1 0 0 0 0,-1 0 0 0 0,1 0 0 0 0,-1 0 0 0 0,0 0 0 0 0,1 0 0 0 0,-1 1 0 0 0,1-1 0 0 0,-1 0 0 0 0,1 0 0 0 0,-1 0 0 0 0,1 1 0 0 0,-1-1 0 0 0,1 0-1 0 0,-1 1 1 0 0,1-1 0 0 0,-1 1 0 0 0,1-1 0 0 0,0 0 0 0 0,-1 1 0 0 0,0 0 0 0 0,-16 15-74 0 0,15-12 69 0 0,0 0 0 0 0,0 0 0 0 0,1 0-1 0 0,-1 0 1 0 0,1 0 0 0 0,0 1 0 0 0,0-1-1 0 0,0 0 1 0 0,1 0 0 0 0,-1 1 0 0 0,1 8-1 0 0,0-12 12 0 0,0 1-1 0 0,0-1 0 0 0,0 1 1 0 0,0-1-1 0 0,0 1 0 0 0,1 0 0 0 0,-1-1 1 0 0,0 1-1 0 0,1-1 0 0 0,-1 1 0 0 0,1-1 1 0 0,-1 1-1 0 0,1-1 0 0 0,0 0 1 0 0,0 1-1 0 0,-1-1 0 0 0,1 0 0 0 0,0 1 1 0 0,0-1-1 0 0,0 0 0 0 0,1 0 1 0 0,-1 0-1 0 0,0 0 0 0 0,0 0 0 0 0,1 0 1 0 0,-1 0-1 0 0,0 0 0 0 0,1-1 1 0 0,-1 1-1 0 0,1-1 0 0 0,-1 1 0 0 0,1-1 1 0 0,2 1-1 0 0,-2 0 16 0 0,0-1 1 0 0,0 0-1 0 0,1 0 0 0 0,-1 0 1 0 0,0 0-1 0 0,1-1 0 0 0,-1 1 1 0 0,0 0-1 0 0,0-1 0 0 0,0 0 1 0 0,1 1-1 0 0,-1-1 0 0 0,0 0 1 0 0,0 0-1 0 0,0 0 0 0 0,0-1 1 0 0,0 1-1 0 0,-1 0 0 0 0,1-1 1 0 0,0 1-1 0 0,-1-1 0 0 0,1 0 1 0 0,0 1-1 0 0,-1-1 0 0 0,0 0 1 0 0,0 0-1 0 0,1 0 0 0 0,-1 0 1 0 0,1-4-1 0 0,1-3 45 0 0,-1 0 0 0 0,-1-1 0 0 0,1 1 0 0 0,-2-1 0 0 0,0-18 0 0 0,0 28-65 0 0,0-1 0 0 0,0 0 0 0 0,-1 0 1 0 0,1 0-1 0 0,-1 0 0 0 0,1 0 0 0 0,-1 0 1 0 0,0 0-1 0 0,1 0 0 0 0,-1 1 0 0 0,0-1 0 0 0,0 0 1 0 0,1 0-1 0 0,-1 1 0 0 0,0-1 0 0 0,0 1 1 0 0,0-1-1 0 0,0 1 0 0 0,0-1 0 0 0,0 1 1 0 0,0-1-1 0 0,0 1 0 0 0,0 0 0 0 0,0 0 1 0 0,0-1-1 0 0,0 1 0 0 0,0 0 0 0 0,0 0 1 0 0,0 0-1 0 0,-2 0 0 0 0,-41-1-28 0 0,35 2-85 0 0,8 1 103 0 0,1-1 1 0 0,-1 1-1 0 0,1 0 0 0 0,-1 0 0 0 0,1 0 0 0 0,0 0 0 0 0,0 0 0 0 0,0 0 1 0 0,0 0-1 0 0,0 0 0 0 0,0 0 0 0 0,1 0 0 0 0,-1-1 0 0 0,0 1 0 0 0,1 0 1 0 0,0 0-1 0 0,1 3 0 0 0,4-2 21 0 0,0-1 0 0 0,0 1 1 0 0,1-1-1 0 0,-1 0 0 0 0,1 0 0 0 0,-1-1 1 0 0,1 0-1 0 0,0 0 0 0 0,0-1 0 0 0,0 1 0 0 0,-1-1 1 0 0,13-2-1 0 0,-18-1 17 0 0,0 1-1 0 0,0-1 1 0 0,0 1-1 0 0,-1-1 1 0 0,0 1 0 0 0,1-1-1 0 0,-1 1 1 0 0,0-1-1 0 0,0 1 1 0 0,0-1 0 0 0,0 0-1 0 0,-1 1 1 0 0,1-1 0 0 0,-2-2-1 0 0,0 1-30 0 0,-1-1 0 0 0,0 1 0 0 0,0 0-1 0 0,-1 0 1 0 0,1 1 0 0 0,-1-1 0 0 0,0 1-1 0 0,0 0 1 0 0,0 0 0 0 0,0 0 0 0 0,0 0 0 0 0,-1 1-1 0 0,1-1 1 0 0,-1 1 0 0 0,0 0 0 0 0,0 1 0 0 0,1-1-1 0 0,-1 1 1 0 0,0 0 0 0 0,-10-1 0 0 0,15 3-8 0 0,-1 0 1 0 0,0 0-1 0 0,1-1 1 0 0,-1 1 0 0 0,0 0-1 0 0,1 0 1 0 0,-1 0-1 0 0,1 0 1 0 0,-1 0-1 0 0,1 0 1 0 0,-1 0-1 0 0,1 0 1 0 0,0 0-1 0 0,0 0 1 0 0,-1 0 0 0 0,1 0-1 0 0,0 0 1 0 0,0 0-1 0 0,0 0 1 0 0,0 1-1 0 0,0-1 1 0 0,0 0-1 0 0,1 1 1 0 0,2 30-84 0 0,-2-28 96 0 0,0-1 0 0 0,1 1 1 0 0,0-1-1 0 0,0 0 0 0 0,0 0 1 0 0,0 1-1 0 0,0-1 0 0 0,1-1 0 0 0,-1 1 1 0 0,1 0-1 0 0,-1-1 0 0 0,1 1 0 0 0,0-1 1 0 0,0 0-1 0 0,1 0 0 0 0,-1 0 1 0 0,0 0-1 0 0,1-1 0 0 0,-1 1 0 0 0,1-1 1 0 0,-1 0-1 0 0,1 0 0 0 0,-1 0 1 0 0,1-1-1 0 0,0 1 0 0 0,0-1 0 0 0,-1 0 1 0 0,8 0-1 0 0,-10 0-21 0 0,-1-1 0 0 0,1 1 1 0 0,0 0-1 0 0,-1 0 0 0 0,1-1 0 0 0,-1 1 1 0 0,1 0-1 0 0,-1-1 0 0 0,1 1 0 0 0,-1-1 0 0 0,0 1 1 0 0,1-1-1 0 0,-1 1 0 0 0,1-1 0 0 0,-1 1 1 0 0,0-1-1 0 0,1 1 0 0 0,-1-1 0 0 0,0 1 0 0 0,0-1 1 0 0,1 0-1 0 0,-1 1 0 0 0,0-1 0 0 0,0 1 1 0 0,0-1-1 0 0,0 0 0 0 0,0 1 0 0 0,0-1 1 0 0,0-1-1 0 0,0 1-143 0 0,0 1-1 0 0,0-1 1 0 0,0 0 0 0 0,0 0 0 0 0,0 0-1 0 0,0 1 1 0 0,0-1 0 0 0,0 0 0 0 0,0 0 0 0 0,0 0-1 0 0,-1 1 1 0 0,1-1 0 0 0,0 0 0 0 0,-1 0-1 0 0,1 1 1 0 0,0-1 0 0 0,-1 0 0 0 0,1 1 0 0 0,-1-1-1 0 0,1 0 1 0 0,-1 1 0 0 0,1-1 0 0 0,-1 1-1 0 0,0-1 1 0 0,0 0 0 0 0,-14-2-2477 0 0</inkml:trace>
+</inkml:ink>
+</file>
+
+<file path=ppt/ink/ink35.xml><?xml version="1.0" encoding="utf-8"?>
+<inkml:ink xmlns:inkml="http://www.w3.org/2003/InkML">
+  <inkml:definitions>
+    <inkml:context xml:id="ctx0">
+      <inkml:inkSource xml:id="inkSrc0">
+        <inkml:traceFormat>
+          <inkml:channel name="X" type="integer" min="-2.14748E9" max="2.14748E9" units="cm"/>
+          <inkml:channel name="Y" type="integer" min="-2.14748E9" max="2.14748E9" units="cm"/>
+          <inkml:channel name="F" type="integer" max="32767" units="dev"/>
+          <inkml:channel name="OA" type="integer" max="360" units="deg"/>
+          <inkml:channel name="OE" type="integer" max="90" units="deg"/>
+        </inkml:traceFormat>
+        <inkml:channelProperties>
+          <inkml:channelProperty channel="X" name="resolution" value="1000" units="1/cm"/>
+          <inkml:channelProperty channel="Y" name="resolution" value="1000" units="1/cm"/>
+          <inkml:channelProperty channel="F" name="resolution" value="0" units="1/dev"/>
+          <inkml:channelProperty channel="OA" name="resolution" value="1000" units="1/deg"/>
+          <inkml:channelProperty channel="OE" name="resolution" value="1000" units="1/deg"/>
+        </inkml:channelProperties>
+      </inkml:inkSource>
+      <inkml:timestamp xml:id="ts0" timeString="2023-07-05T16:07:19.500"/>
+    </inkml:context>
+    <inkml:brush xml:id="br0">
+      <inkml:brushProperty name="width" value="0.1" units="cm"/>
+      <inkml:brushProperty name="height" value="0.1" units="cm"/>
+    </inkml:brush>
+  </inkml:definitions>
+  <inkml:trace contextRef="#ctx0" brushRef="#br0">18 23 2545 0 0,'0'0'795'0'0,"8"34"1195"0"0,-5-31-1865 0 0,0-1-1 0 0,0 1 0 0 0,0 0 0 0 0,-1 0 1 0 0,1 0-1 0 0,-1 0 0 0 0,0 1 0 0 0,3 6 0 0 0,12 15 119 0 0,-17-24-214 0 0,1 0-1 0 0,0 0 1 0 0,-1 0 0 0 0,1 0 0 0 0,0 0-1 0 0,0-1 1 0 0,0 1 0 0 0,-1 0-1 0 0,1-1 1 0 0,0 1 0 0 0,0 0-1 0 0,0-1 1 0 0,0 1 0 0 0,0-1-1 0 0,0 1 1 0 0,0-1 0 0 0,1 0-1 0 0,-1 1 1 0 0,0-1 0 0 0,0 0 0 0 0,0 0-1 0 0,0 0 1 0 0,0 0 0 0 0,0 0-1 0 0,1 0 1 0 0,-1 0 0 0 0,0 0-1 0 0,0 0 1 0 0,0 0 0 0 0,0-1-1 0 0,0 1 1 0 0,0-1 0 0 0,0 1 0 0 0,0 0-1 0 0,0-1 1 0 0,0 0 0 0 0,2 0-1 0 0,-1-1 47 0 0,-1 0-1 0 0,1 1 1 0 0,-1-1-1 0 0,1 0 1 0 0,-1 0-1 0 0,1 0 0 0 0,-1 0 1 0 0,0 0-1 0 0,0 0 1 0 0,0 0-1 0 0,0 0 1 0 0,-1-1-1 0 0,1 1 1 0 0,0 0-1 0 0,-1 0 1 0 0,0-1-1 0 0,1-3 1 0 0,-1 2-63 0 0,0 0 1 0 0,0 0 0 0 0,0 0 0 0 0,0 0 0 0 0,-1 0 0 0 0,0 0-1 0 0,0 0 1 0 0,0 0 0 0 0,0 0 0 0 0,0 0 0 0 0,-1 1 0 0 0,0-1 0 0 0,0 0-1 0 0,-4-6 1 0 0,3 8-5 0 0,1 0 0 0 0,-1 1 0 0 0,0-1 0 0 0,1 0-1 0 0,-1 1 1 0 0,0-1 0 0 0,0 1 0 0 0,-1 0 0 0 0,1 0 0 0 0,0 0-1 0 0,0 0 1 0 0,0 1 0 0 0,-1 0 0 0 0,1-1 0 0 0,0 1 0 0 0,0 0-1 0 0,-1 0 1 0 0,1 1 0 0 0,-6 0 0 0 0,7 0-7 0 0,0-1-1 0 0,0 1 1 0 0,0 0 0 0 0,0 0-1 0 0,0-1 1 0 0,0 1 0 0 0,0 1 0 0 0,1-1-1 0 0,-1 0 1 0 0,0 0 0 0 0,1 1-1 0 0,-1-1 1 0 0,0 1 0 0 0,1-1-1 0 0,0 1 1 0 0,-1-1 0 0 0,1 1-1 0 0,0 0 1 0 0,0 0 0 0 0,0 0 0 0 0,0 0-1 0 0,0 0 1 0 0,1 0 0 0 0,-1 0-1 0 0,1 0 1 0 0,-1 0 0 0 0,0 3-1 0 0,0 3 25 0 0,0-1 0 0 0,1 1 1 0 0,-1-1-1 0 0,1 1 0 0 0,1-1 0 0 0,1 15 0 0 0,0-19 29 0 0,-1-1-1 0 0,0 1 1 0 0,1-1 0 0 0,-1 0 0 0 0,1 1 0 0 0,0-1-1 0 0,0 0 1 0 0,0 0 0 0 0,0 0 0 0 0,0 0 0 0 0,0-1-1 0 0,0 1 1 0 0,1 0 0 0 0,-1-1 0 0 0,1 0 0 0 0,-1 1 0 0 0,1-1-1 0 0,-1 0 1 0 0,1 0 0 0 0,0 0 0 0 0,0-1 0 0 0,-1 1-1 0 0,1-1 1 0 0,5 1 0 0 0,-4-1-22 0 0,-1 1 0 0 0,1-1 0 0 0,-1 1 0 0 0,1-1 0 0 0,-1 0 0 0 0,1-1 0 0 0,-1 1 0 0 0,1 0 0 0 0,-1-1 0 0 0,1 0 0 0 0,-1 0 0 0 0,1 0 0 0 0,-1 0 0 0 0,0-1 0 0 0,0 1 0 0 0,0-1 0 0 0,0 0 0 0 0,0 0 0 0 0,4-3 0 0 0,-4 1-40 0 0,-1 0 1 0 0,1 0-1 0 0,-1 0 1 0 0,0 0-1 0 0,-1-1 1 0 0,1 1-1 0 0,-1 0 1 0 0,0-1-1 0 0,0 0 1 0 0,0 1-1 0 0,0-1 1 0 0,-1 1 0 0 0,0-1-1 0 0,-1-8 1 0 0,1 12-4 0 0,-1 0 1 0 0,1 0 0 0 0,-1 1-1 0 0,1-1 1 0 0,-1 0 0 0 0,1 0-1 0 0,-1 1 1 0 0,0-1-1 0 0,1 0 1 0 0,-1 1 0 0 0,0-1-1 0 0,0 1 1 0 0,0-1 0 0 0,1 1-1 0 0,-1-1 1 0 0,0 1 0 0 0,0-1-1 0 0,0 1 1 0 0,0 0 0 0 0,0 0-1 0 0,0-1 1 0 0,0 1 0 0 0,0 0-1 0 0,0 0 1 0 0,0 0 0 0 0,0 0-1 0 0,0 0 1 0 0,0 0 0 0 0,1 0-1 0 0,-1 1 1 0 0,0-1 0 0 0,-2 0-1 0 0,1 0 0 0 0,0 1 0 0 0,-1-1 1 0 0,1 0-1 0 0,0 1 0 0 0,-1-1 0 0 0,1 1 0 0 0,0-1 0 0 0,-1 1 0 0 0,1 0 1 0 0,0 0-1 0 0,0 0 0 0 0,0 1 0 0 0,-3 1 0 0 0,3 1 97 0 0,0 0 1 0 0,0 1-1 0 0,0 0 0 0 0,0-1 1 0 0,1 1-1 0 0,0 0 0 0 0,0 0 1 0 0,0 0-1 0 0,0 0 1 0 0,1 0-1 0 0,0 0 0 0 0,0 9 1 0 0,0-10 108 0 0,1-3-186 0 0,-1 0 1 0 0,1 0-1 0 0,-1-1 0 0 0,1 1 1 0 0,-1 0-1 0 0,1 0 0 0 0,0-1 1 0 0,-1 1-1 0 0,1 0 0 0 0,0-1 1 0 0,-1 1-1 0 0,1-1 0 0 0,0 1 1 0 0,0-1-1 0 0,0 1 0 0 0,0-1 1 0 0,-1 1-1 0 0,1-1 1 0 0,0 0-1 0 0,0 0 0 0 0,0 1 1 0 0,0-1-1 0 0,0 0 0 0 0,0 0 1 0 0,0 0-1 0 0,0 0 0 0 0,0 0 1 0 0,0 0-1 0 0,0 0 0 0 0,0 0 1 0 0,-1-1-1 0 0,1 1 0 0 0,0 0 1 0 0,0 0-1 0 0,0-1 0 0 0,1 0 1 0 0,2 1 19 0 0,-1-1 0 0 0,1 0 0 0 0,0 0 0 0 0,-1 0 1 0 0,1 0-1 0 0,-1-1 0 0 0,1 1 0 0 0,4-4 0 0 0,-6 2-33 0 0,1 0-1 0 0,-1-1 1 0 0,-1 1-1 0 0,1 0 1 0 0,0-1-1 0 0,-1 1 1 0 0,1-1-1 0 0,-1 0 1 0 0,0 1-1 0 0,0-1 1 0 0,-1 0-1 0 0,1-5 1 0 0,-1 8-1 0 0,1 0-1 0 0,-1-1 1 0 0,0 1 0 0 0,0 0 0 0 0,0-1 0 0 0,0 1-1 0 0,0-1 1 0 0,0 1 0 0 0,0 0 0 0 0,0-1 0 0 0,0 1 0 0 0,-1 0-1 0 0,1-1 1 0 0,-1 1 0 0 0,1 0 0 0 0,-1-1 0 0 0,1 1-1 0 0,-1 0 1 0 0,0 0 0 0 0,0 0 0 0 0,0 0 0 0 0,1 0 0 0 0,-1 0-1 0 0,0 0 1 0 0,0 0 0 0 0,0 0 0 0 0,0 0 0 0 0,-1 0-1 0 0,1 0 1 0 0,0 1 0 0 0,0-1 0 0 0,0 1 0 0 0,-2-2 0 0 0,1 2 5 0 0,0-1 0 0 0,1 1 0 0 0,-1 0 0 0 0,0-1 0 0 0,0 1 0 0 0,1 0 0 0 0,-1 0 0 0 0,0 0 0 0 0,0 0 0 0 0,0 0 0 0 0,1 1 0 0 0,-1-1 0 0 0,0 0 1 0 0,1 1-1 0 0,-1-1 0 0 0,0 1 0 0 0,1 0 0 0 0,-1 0 0 0 0,0-1 0 0 0,1 1 0 0 0,-1 0 0 0 0,1 0 0 0 0,0 1 0 0 0,-1-1 0 0 0,1 0 0 0 0,0 0 0 0 0,0 1 1 0 0,0-1-1 0 0,-2 2 0 0 0,2 3 3 0 0,-1-1 1 0 0,1 0 0 0 0,-1 1 0 0 0,2 0-1 0 0,-1-1 1 0 0,1 1 0 0 0,0 11 0 0 0,0-15-6 0 0,0-1 0 0 0,0 1 0 0 0,0 0 0 0 0,1 0 0 0 0,-1 0 0 0 0,0-1 0 0 0,1 1 0 0 0,-1 0 0 0 0,1 0 0 0 0,0-1 0 0 0,0 1 0 0 0,-1-1 0 0 0,1 1 0 0 0,0-1 0 0 0,0 1 0 0 0,0-1 0 0 0,1 1 0 0 0,-1-1 0 0 0,0 0 0 0 0,1 0 0 0 0,-1 1 0 0 0,3 0 0 0 0,-1 0 21 0 0,1 0 0 0 0,-1-1 0 0 0,1 0 0 0 0,0 1 0 0 0,-1-1 0 0 0,1-1 0 0 0,0 1 0 0 0,0 0 0 0 0,-1-1 0 0 0,7 0 0 0 0,-3 0-421 0 0,-1 0-1 0 0,1-1 1 0 0,0 0-1 0 0,-1 0 1 0 0,1-1-1 0 0,-1 0 1 0 0,0 0-1 0 0,1 0 1 0 0,-1 0-1 0 0,0-1 1 0 0,0 0-1 0 0,8-7 1 0 0,12-20-6850 0 0</inkml:trace>
+</inkml:ink>
+</file>
+
+<file path=ppt/ink/ink36.xml><?xml version="1.0" encoding="utf-8"?>
+<inkml:ink xmlns:inkml="http://www.w3.org/2003/InkML">
+  <inkml:definitions>
+    <inkml:context xml:id="ctx0">
+      <inkml:inkSource xml:id="inkSrc0">
+        <inkml:traceFormat>
+          <inkml:channel name="X" type="integer" min="-2.14748E9" max="2.14748E9" units="cm"/>
+          <inkml:channel name="Y" type="integer" min="-2.14748E9" max="2.14748E9" units="cm"/>
+          <inkml:channel name="F" type="integer" max="32767" units="dev"/>
+          <inkml:channel name="OA" type="integer" max="360" units="deg"/>
+          <inkml:channel name="OE" type="integer" max="90" units="deg"/>
+        </inkml:traceFormat>
+        <inkml:channelProperties>
+          <inkml:channelProperty channel="X" name="resolution" value="1000" units="1/cm"/>
+          <inkml:channelProperty channel="Y" name="resolution" value="1000" units="1/cm"/>
+          <inkml:channelProperty channel="F" name="resolution" value="0" units="1/dev"/>
+          <inkml:channelProperty channel="OA" name="resolution" value="1000" units="1/deg"/>
+          <inkml:channelProperty channel="OE" name="resolution" value="1000" units="1/deg"/>
+        </inkml:channelProperties>
+      </inkml:inkSource>
+      <inkml:timestamp xml:id="ts0" timeString="2023-07-05T16:07:20.515"/>
+    </inkml:context>
+    <inkml:brush xml:id="br0">
+      <inkml:brushProperty name="width" value="0.1" units="cm"/>
+      <inkml:brushProperty name="height" value="0.1" units="cm"/>
+    </inkml:brush>
+  </inkml:definitions>
+  <inkml:trace contextRef="#ctx0" brushRef="#br0">150 72 1905 0 0,'0'0'2486'0'0,"-1"-5"-1419"0"0,1 2-760 0 0,0 1-204 0 0,0 1-1 0 0,0-1 1 0 0,0 1-1 0 0,0-1 0 0 0,0 1 1 0 0,0-1-1 0 0,-1 1 0 0 0,1 0 1 0 0,0-1-1 0 0,-1 1 0 0 0,1-1 1 0 0,-1 1-1 0 0,0 0 0 0 0,1 0 1 0 0,-1-1-1 0 0,0 1 0 0 0,0 0 1 0 0,-2-2-1 0 0,-1 2 48 0 0,-1 0 1 0 0,0 0-1 0 0,0 1 0 0 0,1-1 0 0 0,-1 1 1 0 0,0 0-1 0 0,0 1 0 0 0,0-1 0 0 0,0 1 0 0 0,1 0 1 0 0,-1 0-1 0 0,-7 3 0 0 0,6-1-174 0 0,1 0 0 0 0,-1 1 1 0 0,1-1-1 0 0,-1 1 0 0 0,1 0 0 0 0,0 0 0 0 0,1 1 0 0 0,-9 8 0 0 0,12-11 100 0 0,-1 0-1 0 0,1 0 1 0 0,-1 0-1 0 0,1 0 0 0 0,0 0 1 0 0,0 1-1 0 0,0-1 1 0 0,0 0-1 0 0,0 0 1 0 0,0 1-1 0 0,1-1 0 0 0,-1 0 1 0 0,1 1-1 0 0,-1-1 1 0 0,1 1-1 0 0,0-1 0 0 0,0 1 1 0 0,0-1-1 0 0,0 1 1 0 0,1-1-1 0 0,-1 0 0 0 0,1 1 1 0 0,-1-1-1 0 0,1 1 1 0 0,0-1-1 0 0,0 0 1 0 0,1 3-1 0 0,1-3-35 0 0,0 1 0 0 0,0-1 0 0 0,-1 0 0 0 0,1 0 0 0 0,1 0 0 0 0,-1 0 0 0 0,0-1 0 0 0,0 1 0 0 0,1-1 0 0 0,-1 0 0 0 0,1 0 0 0 0,-1 0 0 0 0,1 0 0 0 0,-1 0 0 0 0,1-1 0 0 0,0 0 0 0 0,-1 0 0 0 0,1 0 0 0 0,0 0 0 0 0,3-1 0 0 0,3 1-16 0 0,-1-1 0 0 0,1 0 0 0 0,-1-1 0 0 0,0 0 0 0 0,0 0 0 0 0,16-7 0 0 0,-22 7-88 0 0,1 0-1 0 0,-1 0 0 0 0,0-1 0 0 0,1 1 0 0 0,-1-1 0 0 0,-1 1 0 0 0,1-1 0 0 0,0 0 0 0 0,-1 0 0 0 0,1-1 0 0 0,-1 1 1 0 0,0 0-1 0 0,0-1 0 0 0,0 1 0 0 0,-1-1 0 0 0,1 0 0 0 0,-1 1 0 0 0,1-6 0 0 0,-1 7 28 0 0,-1 0 0 0 0,0-1-1 0 0,0 1 1 0 0,0 0 0 0 0,0 0 0 0 0,0-1-1 0 0,0 1 1 0 0,0 0 0 0 0,-1 0 0 0 0,1-1-1 0 0,-1 1 1 0 0,0 0 0 0 0,0 0 0 0 0,0 0-1 0 0,0 0 1 0 0,0 0 0 0 0,0 0 0 0 0,0 0-1 0 0,-1 0 1 0 0,1 0 0 0 0,-1 1 0 0 0,1-1-1 0 0,-1 1 1 0 0,1-1 0 0 0,-1 1 0 0 0,0-1-1 0 0,0 1 1 0 0,0 0 0 0 0,0 0 0 0 0,0 0-1 0 0,0 0 1 0 0,-3-1 0 0 0,-6-2 148 0 0,0 1 0 0 0,-1 0 0 0 0,1 1 0 0 0,-1 0 0 0 0,1 0 0 0 0,-1 2 0 0 0,-23 0 0 0 0,33 1-88 0 0,1-1-1 0 0,-1 1 1 0 0,1 0-1 0 0,-1-1 0 0 0,1 1 1 0 0,-1 0-1 0 0,1 0 0 0 0,-1 0 1 0 0,1 1-1 0 0,0-1 1 0 0,-1 0-1 0 0,1 0 0 0 0,0 1 1 0 0,0-1-1 0 0,0 1 1 0 0,0-1-1 0 0,0 1 0 0 0,1-1 1 0 0,-1 1-1 0 0,0-1 1 0 0,1 1-1 0 0,-1 0 0 0 0,1 0 1 0 0,-1-1-1 0 0,1 1 0 0 0,0 0 1 0 0,0-1-1 0 0,0 1 1 0 0,0 0-1 0 0,0 0 0 0 0,1 3 1 0 0,-2-1 55 0 0,1-1-1 0 0,1 1 1 0 0,-1 0 0 0 0,0 0 0 0 0,1-1 0 0 0,0 1-1 0 0,0 0 1 0 0,0-1 0 0 0,0 1 0 0 0,1-1 0 0 0,-1 1-1 0 0,1-1 1 0 0,0 1 0 0 0,3 4 0 0 0,-1-5-23 0 0,-1-1-1 0 0,1 0 1 0 0,0 1-1 0 0,-1-1 1 0 0,1-1 0 0 0,0 1-1 0 0,0 0 1 0 0,0-1 0 0 0,1 0-1 0 0,-1 0 1 0 0,0 0-1 0 0,0-1 1 0 0,1 1 0 0 0,-1-1-1 0 0,0 0 1 0 0,0 0 0 0 0,1 0-1 0 0,-1-1 1 0 0,6-1-1 0 0,-8 2-71 0 0,1-1-1 0 0,0 0 0 0 0,-1 0 0 0 0,1 0 0 0 0,0 0 0 0 0,-1 0 0 0 0,0 0 1 0 0,1-1-1 0 0,-1 1 0 0 0,0-1 0 0 0,1 0 0 0 0,-1 0 0 0 0,0 0 0 0 0,-1 0 1 0 0,1 0-1 0 0,0 0 0 0 0,0 0 0 0 0,-1 0 0 0 0,1-1 0 0 0,-1 1 0 0 0,0-1 1 0 0,0 1-1 0 0,0-1 0 0 0,0 1 0 0 0,0-1 0 0 0,0 0 0 0 0,-1 1 0 0 0,1-1 1 0 0,-1 0-1 0 0,0-3 0 0 0,0 2 4 0 0,-1 1 1 0 0,0-1-1 0 0,0 0 0 0 0,0 1 1 0 0,0-1-1 0 0,0 1 0 0 0,-1-1 1 0 0,0 1-1 0 0,1 0 0 0 0,-1-1 1 0 0,0 1-1 0 0,-1 0 0 0 0,1 0 1 0 0,-1 0-1 0 0,1 1 1 0 0,-1-1-1 0 0,0 1 0 0 0,0-1 1 0 0,0 1-1 0 0,0 0 0 0 0,0 0 1 0 0,-1 0-1 0 0,1 1 0 0 0,0-1 1 0 0,-1 1-1 0 0,0 0 0 0 0,1 0 1 0 0,-1 0-1 0 0,0 0 0 0 0,1 0 1 0 0,-1 1-1 0 0,0 0 1 0 0,0 0-1 0 0,-6 1 0 0 0,9 4 99 0 0,0 0 0 0 0,0 1 0 0 0,0-1-1 0 0,1 1 1 0 0,0-1 0 0 0,0 1 0 0 0,0-1-1 0 0,2 6 1 0 0,-1-7-105 0 0,0-1 0 0 0,1 0 0 0 0,-1 0-1 0 0,1 0 1 0 0,0 0 0 0 0,0-1 0 0 0,0 1 0 0 0,0 0-1 0 0,0-1 1 0 0,1 1 0 0 0,-1-1 0 0 0,1 0 0 0 0,0 0-1 0 0,-1 0 1 0 0,1 0 0 0 0,0 0 0 0 0,0-1-1 0 0,0 1 1 0 0,0-1 0 0 0,1 0 0 0 0,-1 0 0 0 0,0 0-1 0 0,1 0 1 0 0,-1 0 0 0 0,0-1 0 0 0,1 0 0 0 0,-1 1-1 0 0,1-1 1 0 0,-1-1 0 0 0,0 1 0 0 0,1 0 0 0 0,5-2-1 0 0,4-6-3596 0 0</inkml:trace>
+</inkml:ink>
+</file>
+
+<file path=ppt/ink/ink37.xml><?xml version="1.0" encoding="utf-8"?>
+<inkml:ink xmlns:inkml="http://www.w3.org/2003/InkML">
+  <inkml:definitions>
+    <inkml:context xml:id="ctx0">
+      <inkml:inkSource xml:id="inkSrc0">
+        <inkml:traceFormat>
+          <inkml:channel name="X" type="integer" min="-2.14748E9" max="2.14748E9" units="cm"/>
+          <inkml:channel name="Y" type="integer" min="-2.14748E9" max="2.14748E9" units="cm"/>
+          <inkml:channel name="F" type="integer" max="32767" units="dev"/>
+          <inkml:channel name="OA" type="integer" max="360" units="deg"/>
+          <inkml:channel name="OE" type="integer" max="90" units="deg"/>
+        </inkml:traceFormat>
+        <inkml:channelProperties>
+          <inkml:channelProperty channel="X" name="resolution" value="1000" units="1/cm"/>
+          <inkml:channelProperty channel="Y" name="resolution" value="1000" units="1/cm"/>
+          <inkml:channelProperty channel="F" name="resolution" value="0" units="1/dev"/>
+          <inkml:channelProperty channel="OA" name="resolution" value="1000" units="1/deg"/>
+          <inkml:channelProperty channel="OE" name="resolution" value="1000" units="1/deg"/>
+        </inkml:channelProperties>
+      </inkml:inkSource>
+      <inkml:timestamp xml:id="ts0" timeString="2023-07-05T16:07:21.293"/>
+    </inkml:context>
+    <inkml:brush xml:id="br0">
+      <inkml:brushProperty name="width" value="0.1" units="cm"/>
+      <inkml:brushProperty name="height" value="0.1" units="cm"/>
+    </inkml:brush>
+  </inkml:definitions>
+  <inkml:trace contextRef="#ctx0" brushRef="#br0">902 0 2657 0 0,'0'0'1665'0'0,"-3"2"-1345"0"0,-133 69 1822 0 0,60-37-2082 0 0,-160 49-1 0 0,100-40 191 0 0,45-10 253 0 0,-129 38-126 0 0,220-71-423 0 0,0 0 1 0 0,0 0-1 0 0,1 0 1 0 0,-1-1-1 0 0,0 1 0 0 0,0 0 1 0 0,0 0-1 0 0,0 0 0 0 0,0-1 1 0 0,0 1-1 0 0,0 0 1 0 0,0 0-1 0 0,0-1 0 0 0,0 1 1 0 0,0 0-1 0 0,0 0 0 0 0,0 0 1 0 0,0-1-1 0 0,0 1 1 0 0,0 0-1 0 0,0 0 0 0 0,0-1 1 0 0,0 1-1 0 0,0 0 0 0 0,0 0 1 0 0,0 0-1 0 0,0-1 1 0 0,0 1-1 0 0,0 0 0 0 0,-1 0 1 0 0,1 0-1 0 0,0-1 1 0 0,0 1-1 0 0,0 0 0 0 0,0 0 1 0 0,0 0-1 0 0,-1 0 0 0 0,1-1 1 0 0,0 1-1 0 0,0 0 1 0 0,0 0-1 0 0,-1 0 0 0 0,1 0 1 0 0,0 0-1 0 0,0 0 0 0 0,0 0 1 0 0,-1 0-1 0 0,1 0 1 0 0,-1-1-1 0 0,26-16-5610 0 0</inkml:trace>
+</inkml:ink>
+</file>
+
+<file path=ppt/ink/ink38.xml><?xml version="1.0" encoding="utf-8"?>
+<inkml:ink xmlns:inkml="http://www.w3.org/2003/InkML">
+  <inkml:definitions>
+    <inkml:context xml:id="ctx0">
+      <inkml:inkSource xml:id="inkSrc0">
+        <inkml:traceFormat>
+          <inkml:channel name="X" type="integer" min="-2.14748E9" max="2.14748E9" units="cm"/>
+          <inkml:channel name="Y" type="integer" min="-2.14748E9" max="2.14748E9" units="cm"/>
+          <inkml:channel name="F" type="integer" max="32767" units="dev"/>
+          <inkml:channel name="OA" type="integer" max="360" units="deg"/>
+          <inkml:channel name="OE" type="integer" max="90" units="deg"/>
+        </inkml:traceFormat>
+        <inkml:channelProperties>
+          <inkml:channelProperty channel="X" name="resolution" value="1000" units="1/cm"/>
+          <inkml:channelProperty channel="Y" name="resolution" value="1000" units="1/cm"/>
+          <inkml:channelProperty channel="F" name="resolution" value="0" units="1/dev"/>
+          <inkml:channelProperty channel="OA" name="resolution" value="1000" units="1/deg"/>
+          <inkml:channelProperty channel="OE" name="resolution" value="1000" units="1/deg"/>
+        </inkml:channelProperties>
+      </inkml:inkSource>
+      <inkml:timestamp xml:id="ts0" timeString="2023-07-05T16:07:22.209"/>
+    </inkml:context>
+    <inkml:brush xml:id="br0">
+      <inkml:brushProperty name="width" value="0.1" units="cm"/>
+      <inkml:brushProperty name="height" value="0.1" units="cm"/>
+    </inkml:brush>
+  </inkml:definitions>
+  <inkml:trace contextRef="#ctx0" brushRef="#br0">963 0 1249 0 0,'0'0'2910'0'0,"-29"20"-1907"0"0,-48 33-297 0 0,-2-3 0 0 0,-98 45 0 0 0,60-33 47 0 0,105-55-633 0 0,-89 48 433 0 0,-156 62 1 0 0,245-113-833 0 0,-1-1 0 0 0,1 0-1 0 0,-1 0 1 0 0,1-1-1 0 0,-1-1 1 0 0,-16 0 0 0 0,29-1 211 0 0,-1 0 1 0 0,1 0 0 0 0,0 0 0 0 0,-1 0-1 0 0,1 1 1 0 0,0-1 0 0 0,-1 0-1 0 0,1 0 1 0 0,0-1 0 0 0,-1 1 0 0 0,1 0-1 0 0,0 0 1 0 0,0 0 0 0 0,-1 0 0 0 0,1 0-1 0 0,0 0 1 0 0,-1 0 0 0 0,1 0-1 0 0,0-1 1 0 0,0 1 0 0 0,-1 0 0 0 0,1 0-1 0 0,0 0 1 0 0,0 0 0 0 0,-1-1 0 0 0,1 1-1 0 0,0 0 1 0 0,0 0 0 0 0,0-1-1 0 0,-1 1 1 0 0,1 0 0 0 0,0-1 0 0 0,0 1-1 0 0,0 0 1 0 0,0 0 0 0 0,0-1 0 0 0,0 1-1 0 0,0 0 1 0 0,0-1 0 0 0,-1 1-1 0 0,1 0 1 0 0,0-1 0 0 0,0 1 0 0 0,0 0-1 0 0,1 0 1 0 0,-1-1 0 0 0,0 1 0 0 0,0 0-1 0 0,0-1 1 0 0,0 1 0 0 0,0-10-3663 0 0</inkml:trace>
+</inkml:ink>
+</file>
+
+<file path=ppt/ink/ink39.xml><?xml version="1.0" encoding="utf-8"?>
+<inkml:ink xmlns:inkml="http://www.w3.org/2003/InkML">
+  <inkml:definitions>
+    <inkml:context xml:id="ctx0">
+      <inkml:inkSource xml:id="inkSrc0">
+        <inkml:traceFormat>
+          <inkml:channel name="X" type="integer" min="-2.14748E9" max="2.14748E9" units="cm"/>
+          <inkml:channel name="Y" type="integer" min="-2.14748E9" max="2.14748E9" units="cm"/>
+          <inkml:channel name="F" type="integer" max="32767" units="dev"/>
+          <inkml:channel name="OA" type="integer" max="360" units="deg"/>
+          <inkml:channel name="OE" type="integer" max="90" units="deg"/>
+        </inkml:traceFormat>
+        <inkml:channelProperties>
+          <inkml:channelProperty channel="X" name="resolution" value="1000" units="1/cm"/>
+          <inkml:channelProperty channel="Y" name="resolution" value="1000" units="1/cm"/>
+          <inkml:channelProperty channel="F" name="resolution" value="0" units="1/dev"/>
+          <inkml:channelProperty channel="OA" name="resolution" value="1000" units="1/deg"/>
+          <inkml:channelProperty channel="OE" name="resolution" value="1000" units="1/deg"/>
+        </inkml:channelProperties>
+      </inkml:inkSource>
+      <inkml:timestamp xml:id="ts0" timeString="2023-07-05T16:08:42.918"/>
+    </inkml:context>
+    <inkml:brush xml:id="br0">
+      <inkml:brushProperty name="width" value="0.1" units="cm"/>
+      <inkml:brushProperty name="height" value="0.1" units="cm"/>
+    </inkml:brush>
+  </inkml:definitions>
+  <inkml:trace contextRef="#ctx0" brushRef="#br0">61 929 2401 0 0,'0'1'177'0'0,"-1"-1"0"0"0,0 0 0 0 0,1 0 0 0 0,-1 0 1 0 0,0 0-1 0 0,1 0 0 0 0,-1 0 0 0 0,0 0 0 0 0,1 0 0 0 0,-1 0 0 0 0,0-1 0 0 0,0 1 0 0 0,1 0 0 0 0,-1 0 1 0 0,1 0-1 0 0,-1-1 0 0 0,0 1 0 0 0,1 0 0 0 0,-1-1 0 0 0,1 1 0 0 0,-1-1 0 0 0,0 1 0 0 0,1-1 0 0 0,0 1 1 0 0,-1-1-1 0 0,1 1 0 0 0,-1-1 0 0 0,1 1 0 0 0,-1-1 0 0 0,1 0 0 0 0,0 1 0 0 0,0-1 0 0 0,-1 1 0 0 0,1-1 1 0 0,0 0-1 0 0,0 1 0 0 0,0-1 0 0 0,-1 0 0 0 0,1 1 0 0 0,0-1 0 0 0,0 0 0 0 0,0 0 0 0 0,0 1 0 0 0,0-1 1 0 0,0 0-1 0 0,1 1 0 0 0,-1-2 0 0 0,-2-18-685 0 0,-11-109 1501 0 0,5 98-945 0 0,3 14-35 0 0,1-1 1 0 0,0 0-1 0 0,2 1 0 0 0,-2-25 0 0 0,4 14-2 0 0,1-1 1 0 0,1 1-1 0 0,7-37 0 0 0,-6 55-22 0 0,0 0 1 0 0,0 1 0 0 0,0 0-1 0 0,1-1 1 0 0,1 1-1 0 0,-1 1 1 0 0,1-1 0 0 0,1 1-1 0 0,0-1 1 0 0,0 2-1 0 0,1-1 1 0 0,13-12 0 0 0,19-12-9 0 0,1 2-1 0 0,2 2 1 0 0,0 2 0 0 0,2 2 0 0 0,1 1 0 0 0,49-16 0 0 0,-27 19-43 0 0,1 3-1 0 0,0 3 1 0 0,79-5 0 0 0,-92 12 66 0 0,210-20-90 0 0,334 8 1 0 0,-468 31 44 0 0,6-1 194 0 0,-137-12-375 0 0,1-24-766 0 0,-3 13-1661 0 0</inkml:trace>
+</inkml:ink>
+</file>
+
+<file path=ppt/ink/ink4.xml><?xml version="1.0" encoding="utf-8"?>
+<inkml:ink xmlns:inkml="http://www.w3.org/2003/InkML">
+  <inkml:definitions>
+    <inkml:context xml:id="ctx0">
+      <inkml:inkSource xml:id="inkSrc0">
+        <inkml:traceFormat>
+          <inkml:channel name="X" type="integer" min="-2.14748E9" max="2.14748E9" units="cm"/>
+          <inkml:channel name="Y" type="integer" min="-2.14748E9" max="2.14748E9" units="cm"/>
+          <inkml:channel name="F" type="integer" max="32767" units="dev"/>
+          <inkml:channel name="OA" type="integer" max="360" units="deg"/>
+          <inkml:channel name="OE" type="integer" max="90" units="deg"/>
+        </inkml:traceFormat>
+        <inkml:channelProperties>
+          <inkml:channelProperty channel="X" name="resolution" value="1000" units="1/cm"/>
+          <inkml:channelProperty channel="Y" name="resolution" value="1000" units="1/cm"/>
+          <inkml:channelProperty channel="F" name="resolution" value="0" units="1/dev"/>
+          <inkml:channelProperty channel="OA" name="resolution" value="1000" units="1/deg"/>
+          <inkml:channelProperty channel="OE" name="resolution" value="1000" units="1/deg"/>
+        </inkml:channelProperties>
+      </inkml:inkSource>
+      <inkml:timestamp xml:id="ts0" timeString="2023-07-05T16:06:47.185"/>
+    </inkml:context>
+    <inkml:brush xml:id="br0">
+      <inkml:brushProperty name="width" value="0.1" units="cm"/>
+      <inkml:brushProperty name="height" value="0.1" units="cm"/>
+    </inkml:brush>
+  </inkml:definitions>
+  <inkml:trace contextRef="#ctx0" brushRef="#br0">694 702 8164 0 0,'0'0'4578'0'0,"-23"-10"-3687"0"0,-56-20 52 0 0,-136-32 0 0 0,151 49-341 0 0,20 5 129 0 0,1-2 0 0 0,0-1-1 0 0,0-3 1 0 0,-56-26-1 0 0,96 39-688 0 0,1 0 0 0 0,-1 0 0 0 0,1 0 0 0 0,0-1 0 0 0,-1 1 0 0 0,1-1 1 0 0,0 1-1 0 0,0-1 0 0 0,0 0 0 0 0,0 0 0 0 0,1 0 0 0 0,-1 0 0 0 0,0 0 0 0 0,1 0 0 0 0,0 0 0 0 0,-1 0 0 0 0,1-1 0 0 0,0 1 0 0 0,0-1 0 0 0,0 1 0 0 0,0-1 0 0 0,1 1 0 0 0,-1-1 0 0 0,1 0 0 0 0,-1 1 0 0 0,1-1 0 0 0,0 1 0 0 0,0-1 0 0 0,0 0 0 0 0,1 1 0 0 0,-1-1 0 0 0,1-3 0 0 0,2-1-15 0 0,0 1 0 0 0,0 0 1 0 0,1 0-1 0 0,-1 0 0 0 0,1 0 0 0 0,0 0 0 0 0,1 1 0 0 0,0 0 1 0 0,-1 0-1 0 0,1 0 0 0 0,9-6 0 0 0,78-52-85 0 0,2 4 0 0 0,121-57 0 0 0,-88 49-1174 0 0,-110 59 529 0 0,-13 6 326 0 0,0 1-1 0 0,0-1 1 0 0,0 0 0 0 0,-1 0-1 0 0,1-1 1 0 0,-1 1-1 0 0,1-1 1 0 0,-1 1 0 0 0,0-1-1 0 0,0 0 1 0 0,3-4-1 0 0,-4-5-4626 0 0</inkml:trace>
+</inkml:ink>
+</file>
+
+<file path=ppt/ink/ink40.xml><?xml version="1.0" encoding="utf-8"?>
+<inkml:ink xmlns:inkml="http://www.w3.org/2003/InkML">
+  <inkml:definitions>
+    <inkml:context xml:id="ctx0">
+      <inkml:inkSource xml:id="inkSrc0">
+        <inkml:traceFormat>
+          <inkml:channel name="X" type="integer" min="-2.14748E9" max="2.14748E9" units="cm"/>
+          <inkml:channel name="Y" type="integer" min="-2.14748E9" max="2.14748E9" units="cm"/>
+          <inkml:channel name="F" type="integer" max="32767" units="dev"/>
+          <inkml:channel name="OA" type="integer" max="360" units="deg"/>
+          <inkml:channel name="OE" type="integer" max="90" units="deg"/>
+        </inkml:traceFormat>
+        <inkml:channelProperties>
+          <inkml:channelProperty channel="X" name="resolution" value="1000" units="1/cm"/>
+          <inkml:channelProperty channel="Y" name="resolution" value="1000" units="1/cm"/>
+          <inkml:channelProperty channel="F" name="resolution" value="0" units="1/dev"/>
+          <inkml:channelProperty channel="OA" name="resolution" value="1000" units="1/deg"/>
+          <inkml:channelProperty channel="OE" name="resolution" value="1000" units="1/deg"/>
+        </inkml:channelProperties>
+      </inkml:inkSource>
+      <inkml:timestamp xml:id="ts0" timeString="2023-07-05T16:08:43.822"/>
+    </inkml:context>
+    <inkml:brush xml:id="br0">
+      <inkml:brushProperty name="width" value="0.1" units="cm"/>
+      <inkml:brushProperty name="height" value="0.1" units="cm"/>
+    </inkml:brush>
+  </inkml:definitions>
+  <inkml:trace contextRef="#ctx0" brushRef="#br0">434 281 1409 0 0,'0'0'656'0'0,"-5"-4"382"0"0,-8-7-398 0 0,-56-56 8765 0 0,44 33-8984 0 0,17 23-367 0 0,-1 0 0 0 0,0 0 1 0 0,-1 1-1 0 0,0 0 0 0 0,0 0 1 0 0,-1 2-1 0 0,0-1 0 0 0,-1 1 1 0 0,1 1-1 0 0,-2 0 0 0 0,-16-7 0 0 0,6 4 48 0 0,-1 1 0 0 0,0 1 0 0 0,0 1-1 0 0,-1 2 1 0 0,-33-5 0 0 0,99 33-1292 0 0,19 2 1103 0 0,-22-11-1 0 0,0 2 0 0 0,-1 2-1 0 0,-1 1 1 0 0,-1 2 0 0 0,62 47 0 0 0,-94-65 90 0 0,-1 0 0 0 0,1 1-1 0 0,-1-1 1 0 0,1 0 0 0 0,-1 1 0 0 0,0 0 0 0 0,0-1 0 0 0,-1 1 0 0 0,1 0 0 0 0,-1 0 0 0 0,2 8 0 0 0,-3-11 0 0 0,1 1-1 0 0,-1 0 1 0 0,0 0-1 0 0,1 0 1 0 0,-1 0-1 0 0,0 0 1 0 0,0-1-1 0 0,-1 1 1 0 0,1 0-1 0 0,0 0 1 0 0,-1 0 0 0 0,1 0-1 0 0,-1-1 1 0 0,1 1-1 0 0,-1 0 1 0 0,0 0-1 0 0,0-1 1 0 0,0 1-1 0 0,0-1 1 0 0,0 1-1 0 0,0-1 1 0 0,0 1 0 0 0,0-1-1 0 0,-1 1 1 0 0,1-1-1 0 0,0 0 1 0 0,-3 2-1 0 0,-19 7 47 0 0,1-1 0 0 0,-2-1 0 0 0,1-1 0 0 0,-1-1 0 0 0,-29 4 0 0 0,7-1-48 0 0,36-4 3 0 0</inkml:trace>
+</inkml:ink>
+</file>
+
+<file path=ppt/ink/ink41.xml><?xml version="1.0" encoding="utf-8"?>
+<inkml:ink xmlns:inkml="http://www.w3.org/2003/InkML">
+  <inkml:definitions>
+    <inkml:context xml:id="ctx0">
+      <inkml:inkSource xml:id="inkSrc0">
+        <inkml:traceFormat>
+          <inkml:channel name="X" type="integer" min="-2.14748E9" max="2.14748E9" units="cm"/>
+          <inkml:channel name="Y" type="integer" min="-2.14748E9" max="2.14748E9" units="cm"/>
+          <inkml:channel name="F" type="integer" max="32767" units="dev"/>
+          <inkml:channel name="OA" type="integer" max="360" units="deg"/>
+          <inkml:channel name="OE" type="integer" max="90" units="deg"/>
+        </inkml:traceFormat>
+        <inkml:channelProperties>
+          <inkml:channelProperty channel="X" name="resolution" value="1000" units="1/cm"/>
+          <inkml:channelProperty channel="Y" name="resolution" value="1000" units="1/cm"/>
+          <inkml:channelProperty channel="F" name="resolution" value="0" units="1/dev"/>
+          <inkml:channelProperty channel="OA" name="resolution" value="1000" units="1/deg"/>
+          <inkml:channelProperty channel="OE" name="resolution" value="1000" units="1/deg"/>
+        </inkml:channelProperties>
+      </inkml:inkSource>
+      <inkml:timestamp xml:id="ts0" timeString="2023-07-05T16:08:45.688"/>
+    </inkml:context>
+    <inkml:brush xml:id="br0">
+      <inkml:brushProperty name="width" value="0.1" units="cm"/>
+      <inkml:brushProperty name="height" value="0.1" units="cm"/>
+    </inkml:brush>
+  </inkml:definitions>
+  <inkml:trace contextRef="#ctx0" brushRef="#br0">355 332 1953 0 0,'-16'-4'8967'0'0,"-3"-2"-7500"0"0,2-4-1467 0 0,-1 0 1 0 0,0 1-1 0 0,0 1 0 0 0,-1 1 1 0 0,0 1-1 0 0,-32-6 0 0 0,-50-19 78 0 0,92 26 124 0 0,1-1 0 0 0,0 0 0 0 0,0 0-1 0 0,-10-12 1 0 0,10 12-800 0 0,234 109 426 0 0,-207-95 170 0 0,-15-7 45 0 0,0 0-1 0 0,0-1 1 0 0,0 1-1 0 0,0-1 1 0 0,-1 0-1 0 0,1 0 1 0 0,0 0-1 0 0,0-1 1 0 0,0 1-1 0 0,0-1 1 0 0,0 0-1 0 0,0 0 1 0 0,-1 0-1 0 0,1-1 1 0 0,0 1-1 0 0,-1-1 1 0 0,1 0-1 0 0,-1 0 1 0 0,4-3-1 0 0,13-8 390 0 0,-2-1 0 0 0,19-18 0 0 0,-12 10-206 0 0,55-46-149 0 0,62-45-226 0 0,-109 98-1145 0 0,-9 16-6888 0 0,-17 1 5199 0 0</inkml:trace>
+</inkml:ink>
+</file>
+
+<file path=ppt/ink/ink42.xml><?xml version="1.0" encoding="utf-8"?>
+<inkml:ink xmlns:inkml="http://www.w3.org/2003/InkML">
+  <inkml:definitions>
+    <inkml:context xml:id="ctx0">
+      <inkml:inkSource xml:id="inkSrc0">
+        <inkml:traceFormat>
+          <inkml:channel name="X" type="integer" min="-2.14748E9" max="2.14748E9" units="cm"/>
+          <inkml:channel name="Y" type="integer" min="-2.14748E9" max="2.14748E9" units="cm"/>
+          <inkml:channel name="F" type="integer" max="32767" units="dev"/>
+          <inkml:channel name="OA" type="integer" max="360" units="deg"/>
+          <inkml:channel name="OE" type="integer" max="90" units="deg"/>
+        </inkml:traceFormat>
+        <inkml:channelProperties>
+          <inkml:channelProperty channel="X" name="resolution" value="1000" units="1/cm"/>
+          <inkml:channelProperty channel="Y" name="resolution" value="1000" units="1/cm"/>
+          <inkml:channelProperty channel="F" name="resolution" value="0" units="1/dev"/>
+          <inkml:channelProperty channel="OA" name="resolution" value="1000" units="1/deg"/>
+          <inkml:channelProperty channel="OE" name="resolution" value="1000" units="1/deg"/>
+        </inkml:channelProperties>
+      </inkml:inkSource>
+      <inkml:timestamp xml:id="ts0" timeString="2023-07-05T16:08:54.092"/>
+    </inkml:context>
+    <inkml:brush xml:id="br0">
+      <inkml:brushProperty name="width" value="0.1" units="cm"/>
+      <inkml:brushProperty name="height" value="0.1" units="cm"/>
+    </inkml:brush>
+  </inkml:definitions>
+  <inkml:trace contextRef="#ctx0" brushRef="#br0">40 1959 4882 0 0,'-24'-3'2539'0'0,"23"3"-2419"0"0,1 0 0 0 0,-1-1 0 0 0,0 1 0 0 0,0 0 0 0 0,1 0 0 0 0,-1-1-1 0 0,0 1 1 0 0,0-1 0 0 0,1 1 0 0 0,-1 0 0 0 0,0-1 0 0 0,1 1 0 0 0,-1-1 0 0 0,1 1 0 0 0,-1-1 0 0 0,0 0-1 0 0,1 1 1 0 0,0-1 0 0 0,-1 0 0 0 0,1 1 0 0 0,-1-1 0 0 0,1 0 0 0 0,0 1 0 0 0,-1-1 0 0 0,1 0-1 0 0,0 0 1 0 0,-1-1 259 0 0,2-20 1897 0 0,3 13-2206 0 0,1-1 1 0 0,0 1-1 0 0,0 0 1 0 0,1 0-1 0 0,0 1 0 0 0,0 0 1 0 0,14-14-1 0 0,2-4 26 0 0,172-202 739 0 0,-150 183-449 0 0,204-194 257 0 0,-194 192-656 0 0,3 2 0 0 0,110-65 0 0 0,-86 67-7 0 0,151-57 0 0 0,96-6-76 0 0,-325 105 96 0 0,353-115-234 0 0,59-17-256 0 0,10 32 221 0 0,-109 39 249 0 0,184-26-16 0 0,-393 72 23 0 0,-38 6-383 0 0,102-4-1 0 0,-170 14 504 0 0,-2-40 2110 0 0,0 36-2179 0 0,0 0 0 0 0,0 0-1 0 0,-1 1 1 0 0,1-1 0 0 0,-1 0 0 0 0,0 1 0 0 0,0-1-1 0 0,0 1 1 0 0,-1 0 0 0 0,1-1 0 0 0,-5-2 0 0 0,-37-37 140 0 0,28 29-111 0 0,-151-146 120 0 0,193 179-726 0 0,51 28 1 0 0,-35-22 520 0 0,61 45 0 0 0,-93-62-3 0 0,-1 0 1 0 0,1 1-1 0 0,-2-1 0 0 0,1 2 1 0 0,-1 0-1 0 0,0 0 0 0 0,-1 0 1 0 0,0 1-1 0 0,-1 0 0 0 0,0 0 1 0 0,4 14-1 0 0,-9-24-11 0 0,-1 0 0 0 0,0 0 0 0 0,0 0 0 0 0,0 0 0 0 0,0 0 0 0 0,0 0 0 0 0,0 0 0 0 0,0 0 0 0 0,0 0 0 0 0,0 0 0 0 0,-1 0 0 0 0,1 0 0 0 0,0 0 0 0 0,-1-1 0 0 0,1 1 0 0 0,-1 0 0 0 0,1 0 0 0 0,-1 0 0 0 0,1 0 0 0 0,-1 0 0 0 0,1-1 0 0 0,-1 1-1 0 0,0 0 1 0 0,0 0 0 0 0,1-1 0 0 0,-1 1 0 0 0,0-1 0 0 0,0 1 0 0 0,0-1 0 0 0,0 1 0 0 0,1-1 0 0 0,-1 1 0 0 0,0-1 0 0 0,0 0 0 0 0,0 1 0 0 0,0-1 0 0 0,0 0 0 0 0,-2 0 0 0 0,-51 9-76 0 0,35-7 73 0 0,-27 4-41 0 0,19-4 32 0 0,1 2 0 0 0,-1 1 1 0 0,2 1-1 0 0,-1 1 0 0 0,-26 11 0 0 0,33-3-1101 0 0</inkml:trace>
+</inkml:ink>
+</file>
+
+<file path=ppt/ink/ink43.xml><?xml version="1.0" encoding="utf-8"?>
+<inkml:ink xmlns:inkml="http://www.w3.org/2003/InkML">
+  <inkml:definitions>
+    <inkml:context xml:id="ctx0">
+      <inkml:inkSource xml:id="inkSrc0">
+        <inkml:traceFormat>
+          <inkml:channel name="X" type="integer" min="-2.14748E9" max="2.14748E9" units="cm"/>
+          <inkml:channel name="Y" type="integer" min="-2.14748E9" max="2.14748E9" units="cm"/>
+          <inkml:channel name="F" type="integer" max="32767" units="dev"/>
+          <inkml:channel name="OA" type="integer" max="360" units="deg"/>
+          <inkml:channel name="OE" type="integer" max="90" units="deg"/>
+        </inkml:traceFormat>
+        <inkml:channelProperties>
+          <inkml:channelProperty channel="X" name="resolution" value="1000" units="1/cm"/>
+          <inkml:channelProperty channel="Y" name="resolution" value="1000" units="1/cm"/>
+          <inkml:channelProperty channel="F" name="resolution" value="0" units="1/dev"/>
+          <inkml:channelProperty channel="OA" name="resolution" value="1000" units="1/deg"/>
+          <inkml:channelProperty channel="OE" name="resolution" value="1000" units="1/deg"/>
+        </inkml:channelProperties>
+      </inkml:inkSource>
+      <inkml:timestamp xml:id="ts0" timeString="2023-07-05T16:08:55.182"/>
+    </inkml:context>
+    <inkml:brush xml:id="br0">
+      <inkml:brushProperty name="width" value="0.1" units="cm"/>
+      <inkml:brushProperty name="height" value="0.1" units="cm"/>
+    </inkml:brush>
+  </inkml:definitions>
+  <inkml:trace contextRef="#ctx0" brushRef="#br0">410 35 4050 0 0,'-3'-23'4981'0'0,"-17"19"-4876"0"0,-1 1 1 0 0,0 1 0 0 0,0 0-1 0 0,0 2 1 0 0,0 0-1 0 0,-33 6 1 0 0,43-4-87 0 0,-1 0 1 0 0,1 1 0 0 0,0 1-1 0 0,0 0 1 0 0,0 0-1 0 0,0 1 1 0 0,1 1 0 0 0,0 0-1 0 0,0 0 1 0 0,0 1-1 0 0,1 0 1 0 0,0 0 0 0 0,0 1-1 0 0,1 1 1 0 0,0-1-1 0 0,0 1 1 0 0,1 0-1 0 0,1 1 1 0 0,-1 0 0 0 0,1 0-1 0 0,1 1 1 0 0,0-1-1 0 0,0 1 1 0 0,1 0 0 0 0,1 0-1 0 0,0 1 1 0 0,0-1-1 0 0,1 1 1 0 0,1-1 0 0 0,0 1-1 0 0,0 20 1 0 0,2-26 88 0 0,0 0 1 0 0,0-1 0 0 0,0 1 0 0 0,1-1-1 0 0,0 1 1 0 0,0-1 0 0 0,0 0-1 0 0,1 0 1 0 0,0 0 0 0 0,0 0 0 0 0,0 0-1 0 0,0 0 1 0 0,1-1 0 0 0,6 7-1 0 0,-2-4-51 0 0,0-1 0 0 0,0 0 0 0 0,0-1 0 0 0,1 1 0 0 0,0-2-1 0 0,0 1 1 0 0,17 5 0 0 0,1-2-33 0 0,1-1-1 0 0,1-2 1 0 0,-1 0 0 0 0,57 0-1 0 0,-59-5-2 0 0,0-1 0 0 0,0-2-1 0 0,0 0 1 0 0,0-2 0 0 0,-1-1-1 0 0,47-17 1 0 0,-58 18-14 0 0,-1-1-1 0 0,0 0 1 0 0,0-1 0 0 0,0 0-1 0 0,-1-1 1 0 0,-1-1 0 0 0,1 0-1 0 0,-1 0 1 0 0,-1-1-1 0 0,1 0 1 0 0,-2-1 0 0 0,0 0-1 0 0,16-25 1 0 0,-22 32 11 0 0,-1-1 0 0 0,1 0-1 0 0,-1-1 1 0 0,0 1 0 0 0,0 0 0 0 0,0-1 0 0 0,-1 1 0 0 0,0-1 0 0 0,0 1-1 0 0,0-1 1 0 0,-1 1 0 0 0,0-1 0 0 0,0 0 0 0 0,0 1 0 0 0,-1-1 0 0 0,1 0-1 0 0,-1 1 1 0 0,-1-1 0 0 0,1 1 0 0 0,-1 0 0 0 0,0-1 0 0 0,0 1 0 0 0,-1 0-1 0 0,1 0 1 0 0,-1 0 0 0 0,0 0 0 0 0,-1 1 0 0 0,1-1 0 0 0,-1 1-1 0 0,0 0 1 0 0,0 0 0 0 0,0 0 0 0 0,0 1 0 0 0,-1-1 0 0 0,0 1 0 0 0,1 0-1 0 0,-1 0 1 0 0,-8-3 0 0 0,-16-5 37 0 0,-1 0 0 0 0,1 2 1 0 0,-1 1-1 0 0,-1 2 0 0 0,1 1 0 0 0,-1 1 0 0 0,0 2 0 0 0,0 0 0 0 0,-1 3 1 0 0,1 0-1 0 0,-37 8 0 0 0,2 9-75 0 0,62-17 14 0 0,1 1 1 0 0,0-1-1 0 0,0 1 0 0 0,0-1 1 0 0,1 1-1 0 0,-1 0 0 0 0,0 0 0 0 0,0 0 1 0 0,1 0-1 0 0,0 1 0 0 0,-1-1 0 0 0,1 1 1 0 0,0-1-1 0 0,0 1 0 0 0,0 0 1 0 0,1 0-1 0 0,-3 4 0 0 0,4-7-3 0 0,0 1-1 0 0,-1-1 1 0 0,1 0-1 0 0,0 1 1 0 0,0-1-1 0 0,0 1 1 0 0,0-1-1 0 0,0 0 1 0 0,0 1 0 0 0,0-1-1 0 0,0 0 1 0 0,0 1-1 0 0,0-1 1 0 0,0 1-1 0 0,0-1 1 0 0,0 0-1 0 0,0 1 1 0 0,0-1-1 0 0,0 0 1 0 0,1 1 0 0 0,-1-1-1 0 0,0 0 1 0 0,0 1-1 0 0,0-1 1 0 0,0 0-1 0 0,1 1 1 0 0,-1-1-1 0 0,0 0 1 0 0,0 1-1 0 0,1-1 1 0 0,-1 0 0 0 0,0 0-1 0 0,1 1 1 0 0,-1-1-1 0 0,0 0 1 0 0,1 0-1 0 0,-1 0 1 0 0,0 0-1 0 0,1 1 1 0 0,-1-1-1 0 0,0 0 1 0 0,1 0 0 0 0,-1 0-1 0 0,0 0 1 0 0,1 0-1 0 0,17 2-847 0 0,0 0-1 0 0,0-1 0 0 0,0-1 0 0 0,0-1 1 0 0,32-6-1 0 0,56-18-2784 0 0</inkml:trace>
+</inkml:ink>
+</file>
+
+<file path=ppt/ink/ink44.xml><?xml version="1.0" encoding="utf-8"?>
+<inkml:ink xmlns:inkml="http://www.w3.org/2003/InkML">
+  <inkml:definitions>
+    <inkml:context xml:id="ctx0">
+      <inkml:inkSource xml:id="inkSrc0">
+        <inkml:traceFormat>
+          <inkml:channel name="X" type="integer" min="-2.14748E9" max="2.14748E9" units="cm"/>
+          <inkml:channel name="Y" type="integer" min="-2.14748E9" max="2.14748E9" units="cm"/>
+          <inkml:channel name="F" type="integer" max="32767" units="dev"/>
+          <inkml:channel name="OA" type="integer" max="360" units="deg"/>
+          <inkml:channel name="OE" type="integer" max="90" units="deg"/>
+        </inkml:traceFormat>
+        <inkml:channelProperties>
+          <inkml:channelProperty channel="X" name="resolution" value="1000" units="1/cm"/>
+          <inkml:channelProperty channel="Y" name="resolution" value="1000" units="1/cm"/>
+          <inkml:channelProperty channel="F" name="resolution" value="0" units="1/dev"/>
+          <inkml:channelProperty channel="OA" name="resolution" value="1000" units="1/deg"/>
+          <inkml:channelProperty channel="OE" name="resolution" value="1000" units="1/deg"/>
+        </inkml:channelProperties>
+      </inkml:inkSource>
+      <inkml:timestamp xml:id="ts0" timeString="2023-07-05T16:09:08.404"/>
+    </inkml:context>
+    <inkml:brush xml:id="br0">
+      <inkml:brushProperty name="width" value="0.1" units="cm"/>
+      <inkml:brushProperty name="height" value="0.1" units="cm"/>
+    </inkml:brush>
+  </inkml:definitions>
+  <inkml:trace contextRef="#ctx0" brushRef="#br0">14 1 4194 0 0,'0'0'1878'0'0,"-13"0"-1353"0"0</inkml:trace>
+</inkml:ink>
+</file>
+
+<file path=ppt/ink/ink45.xml><?xml version="1.0" encoding="utf-8"?>
+<inkml:ink xmlns:inkml="http://www.w3.org/2003/InkML">
+  <inkml:definitions>
+    <inkml:context xml:id="ctx0">
+      <inkml:inkSource xml:id="inkSrc0">
+        <inkml:traceFormat>
+          <inkml:channel name="X" type="integer" min="-2.14748E9" max="2.14748E9" units="cm"/>
+          <inkml:channel name="Y" type="integer" min="-2.14748E9" max="2.14748E9" units="cm"/>
+          <inkml:channel name="F" type="integer" max="32767" units="dev"/>
+          <inkml:channel name="OA" type="integer" max="360" units="deg"/>
+          <inkml:channel name="OE" type="integer" max="90" units="deg"/>
+        </inkml:traceFormat>
+        <inkml:channelProperties>
+          <inkml:channelProperty channel="X" name="resolution" value="1000" units="1/cm"/>
+          <inkml:channelProperty channel="Y" name="resolution" value="1000" units="1/cm"/>
+          <inkml:channelProperty channel="F" name="resolution" value="0" units="1/dev"/>
+          <inkml:channelProperty channel="OA" name="resolution" value="1000" units="1/deg"/>
+          <inkml:channelProperty channel="OE" name="resolution" value="1000" units="1/deg"/>
+        </inkml:channelProperties>
+      </inkml:inkSource>
+      <inkml:timestamp xml:id="ts0" timeString="2023-07-05T16:09:11.003"/>
+    </inkml:context>
+    <inkml:brush xml:id="br0">
+      <inkml:brushProperty name="width" value="0.1" units="cm"/>
+      <inkml:brushProperty name="height" value="0.1" units="cm"/>
+    </inkml:brush>
+  </inkml:definitions>
+  <inkml:trace contextRef="#ctx0" brushRef="#br0">353 23 4450 0 0,'0'-23'8636'0'0,"-5"317"-7430"0"0,-10-135-398 0 0,2-36-272 0 0,7-57-385 0 0,-3-1-1 0 0,-2 0 1 0 0,-4 0-1 0 0,-32 89 1 0 0,34-109-115 0 0,1 0 1 0 0,-5 49-1 0 0,9-47 7 0 0,-25 87 0 0 0,-13 11 4 0 0,-19 55 18 0 0,55-170-60 0 0,2 2 0 0 0,1-1 0 0 0,1 1-1 0 0,2 0 1 0 0,2 1 0 0 0,2 56 200 0 0,10-89 65 0 0,219-15-54 0 0,146 24-501 0 0,-375-9 196 0 0,1 1 1 0 0,0-1 0 0 0,0 0-1 0 0,0 0 1 0 0,0 0 0 0 0,0 0 0 0 0,0 0-1 0 0,0 0 1 0 0,0 0 0 0 0,-1 0-1 0 0,1 0 1 0 0,0-1 0 0 0,0 1 0 0 0,0 0-1 0 0,0 0 1 0 0,0-1 0 0 0,-1 1 0 0 0,1-1-1 0 0,0 1 1 0 0,0-1 0 0 0,-1 1-1 0 0,1-1 1 0 0,0 1 0 0 0,-1-1 0 0 0,1 0-1 0 0,0 1 1 0 0,-1-1 0 0 0,1 0 0 0 0,-1 1-1 0 0,1-1 1 0 0,-1 0 0 0 0,1 0-1 0 0,-1 0 1 0 0,1-1 0 0 0,-1 0-497 0 0,0-1 0 0 0,0 0-1 0 0,-1 1 1 0 0,1-1 0 0 0,0 0 0 0 0,-1 1 0 0 0,0-1 0 0 0,1 1 0 0 0,-1-1-1 0 0,0 1 1 0 0,-3-5 0 0 0,-12-20-5442 0 0</inkml:trace>
+</inkml:ink>
+</file>
+
+<file path=ppt/ink/ink46.xml><?xml version="1.0" encoding="utf-8"?>
+<inkml:ink xmlns:inkml="http://www.w3.org/2003/InkML">
+  <inkml:definitions>
+    <inkml:context xml:id="ctx0">
+      <inkml:inkSource xml:id="inkSrc0">
+        <inkml:traceFormat>
+          <inkml:channel name="X" type="integer" min="-2.14748E9" max="2.14748E9" units="cm"/>
+          <inkml:channel name="Y" type="integer" min="-2.14748E9" max="2.14748E9" units="cm"/>
+          <inkml:channel name="F" type="integer" max="32767" units="dev"/>
+          <inkml:channel name="OA" type="integer" max="360" units="deg"/>
+          <inkml:channel name="OE" type="integer" max="90" units="deg"/>
+        </inkml:traceFormat>
+        <inkml:channelProperties>
+          <inkml:channelProperty channel="X" name="resolution" value="1000" units="1/cm"/>
+          <inkml:channelProperty channel="Y" name="resolution" value="1000" units="1/cm"/>
+          <inkml:channelProperty channel="F" name="resolution" value="0" units="1/dev"/>
+          <inkml:channelProperty channel="OA" name="resolution" value="1000" units="1/deg"/>
+          <inkml:channelProperty channel="OE" name="resolution" value="1000" units="1/deg"/>
+        </inkml:channelProperties>
+      </inkml:inkSource>
+      <inkml:timestamp xml:id="ts0" timeString="2023-07-05T16:09:11.736"/>
+    </inkml:context>
+    <inkml:brush xml:id="br0">
+      <inkml:brushProperty name="width" value="0.1" units="cm"/>
+      <inkml:brushProperty name="height" value="0.1" units="cm"/>
+    </inkml:brush>
+  </inkml:definitions>
+  <inkml:trace contextRef="#ctx0" brushRef="#br0">8 32 5266 0 0,'0'0'1281'0'0,"-8"-31"6752"0"0,11 33-7979 0 0,0 1 0 0 0,0-1 0 0 0,0 0 1 0 0,0 0-1 0 0,0 0 0 0 0,0 0 0 0 0,0-1 0 0 0,1 1 0 0 0,-1-1 0 0 0,1 0 0 0 0,-1 0 1 0 0,1 0-1 0 0,0 0 0 0 0,6 0 0 0 0,-1 1 84 0 0,48 7 289 0 0,1-2 1 0 0,1-3 0 0 0,88-4-1 0 0,-62-1-3725 0 0,-82 1 2835 0 0,0 0 0 0 0,-1 0 0 0 0,1 0 0 0 0,0 0 0 0 0,-1 1 0 0 0,1-1 0 0 0,0 1 0 0 0,-1 0 0 0 0,1 0 0 0 0,-1 0 0 0 0,1 0 0 0 0,-1 0-1 0 0,4 2 1 0 0,8 10-2994 0 0</inkml:trace>
+</inkml:ink>
+</file>
+
+<file path=ppt/ink/ink47.xml><?xml version="1.0" encoding="utf-8"?>
+<inkml:ink xmlns:inkml="http://www.w3.org/2003/InkML">
+  <inkml:definitions>
+    <inkml:context xml:id="ctx0">
+      <inkml:inkSource xml:id="inkSrc0">
+        <inkml:traceFormat>
+          <inkml:channel name="X" type="integer" min="-2.14748E9" max="2.14748E9" units="cm"/>
+          <inkml:channel name="Y" type="integer" min="-2.14748E9" max="2.14748E9" units="cm"/>
+          <inkml:channel name="F" type="integer" max="32767" units="dev"/>
+          <inkml:channel name="OA" type="integer" max="360" units="deg"/>
+          <inkml:channel name="OE" type="integer" max="90" units="deg"/>
+        </inkml:traceFormat>
+        <inkml:channelProperties>
+          <inkml:channelProperty channel="X" name="resolution" value="1000" units="1/cm"/>
+          <inkml:channelProperty channel="Y" name="resolution" value="1000" units="1/cm"/>
+          <inkml:channelProperty channel="F" name="resolution" value="0" units="1/dev"/>
+          <inkml:channelProperty channel="OA" name="resolution" value="1000" units="1/deg"/>
+          <inkml:channelProperty channel="OE" name="resolution" value="1000" units="1/deg"/>
+        </inkml:channelProperties>
+      </inkml:inkSource>
+      <inkml:timestamp xml:id="ts0" timeString="2023-07-05T16:09:12.437"/>
+    </inkml:context>
+    <inkml:brush xml:id="br0">
+      <inkml:brushProperty name="width" value="0.1" units="cm"/>
+      <inkml:brushProperty name="height" value="0.1" units="cm"/>
+    </inkml:brush>
+  </inkml:definitions>
+  <inkml:trace contextRef="#ctx0" brushRef="#br0">1 0 1953 0 0,'0'0'544'0'0</inkml:trace>
+</inkml:ink>
+</file>
+
+<file path=ppt/ink/ink48.xml><?xml version="1.0" encoding="utf-8"?>
+<inkml:ink xmlns:inkml="http://www.w3.org/2003/InkML">
+  <inkml:definitions>
+    <inkml:context xml:id="ctx0">
+      <inkml:inkSource xml:id="inkSrc0">
+        <inkml:traceFormat>
+          <inkml:channel name="X" type="integer" min="-2.14748E9" max="2.14748E9" units="cm"/>
+          <inkml:channel name="Y" type="integer" min="-2.14748E9" max="2.14748E9" units="cm"/>
+          <inkml:channel name="F" type="integer" max="32767" units="dev"/>
+          <inkml:channel name="OA" type="integer" max="360" units="deg"/>
+          <inkml:channel name="OE" type="integer" max="90" units="deg"/>
+        </inkml:traceFormat>
+        <inkml:channelProperties>
+          <inkml:channelProperty channel="X" name="resolution" value="1000" units="1/cm"/>
+          <inkml:channelProperty channel="Y" name="resolution" value="1000" units="1/cm"/>
+          <inkml:channelProperty channel="F" name="resolution" value="0" units="1/dev"/>
+          <inkml:channelProperty channel="OA" name="resolution" value="1000" units="1/deg"/>
+          <inkml:channelProperty channel="OE" name="resolution" value="1000" units="1/deg"/>
+        </inkml:channelProperties>
+      </inkml:inkSource>
+      <inkml:timestamp xml:id="ts0" timeString="2023-07-05T16:09:12.872"/>
+    </inkml:context>
+    <inkml:brush xml:id="br0">
+      <inkml:brushProperty name="width" value="0.1" units="cm"/>
+      <inkml:brushProperty name="height" value="0.1" units="cm"/>
+    </inkml:brush>
+  </inkml:definitions>
+  <inkml:trace contextRef="#ctx0" brushRef="#br0">1 0 2577 0 0</inkml:trace>
+</inkml:ink>
+</file>
+
+<file path=ppt/ink/ink49.xml><?xml version="1.0" encoding="utf-8"?>
+<inkml:ink xmlns:inkml="http://www.w3.org/2003/InkML">
+  <inkml:definitions>
+    <inkml:context xml:id="ctx0">
+      <inkml:inkSource xml:id="inkSrc0">
+        <inkml:traceFormat>
+          <inkml:channel name="X" type="integer" min="-2.14748E9" max="2.14748E9" units="cm"/>
+          <inkml:channel name="Y" type="integer" min="-2.14748E9" max="2.14748E9" units="cm"/>
+          <inkml:channel name="F" type="integer" max="32767" units="dev"/>
+          <inkml:channel name="OA" type="integer" max="360" units="deg"/>
+          <inkml:channel name="OE" type="integer" max="90" units="deg"/>
+        </inkml:traceFormat>
+        <inkml:channelProperties>
+          <inkml:channelProperty channel="X" name="resolution" value="1000" units="1/cm"/>
+          <inkml:channelProperty channel="Y" name="resolution" value="1000" units="1/cm"/>
+          <inkml:channelProperty channel="F" name="resolution" value="0" units="1/dev"/>
+          <inkml:channelProperty channel="OA" name="resolution" value="1000" units="1/deg"/>
+          <inkml:channelProperty channel="OE" name="resolution" value="1000" units="1/deg"/>
+        </inkml:channelProperties>
+      </inkml:inkSource>
+      <inkml:timestamp xml:id="ts0" timeString="2023-07-05T16:09:13.761"/>
+    </inkml:context>
+    <inkml:brush xml:id="br0">
+      <inkml:brushProperty name="width" value="0.1" units="cm"/>
+      <inkml:brushProperty name="height" value="0.1" units="cm"/>
+    </inkml:brush>
+  </inkml:definitions>
+  <inkml:trace contextRef="#ctx0" brushRef="#br0">109 0 2577 0 0,'-83'60'3099'0'0,"82"-59"-2914"0"0,1-1 0 0 0,0 0 0 0 0,-1 1 0 0 0,1-1 0 0 0,-1 0 0 0 0,1 0 0 0 0,-1 0 0 0 0,1 1 0 0 0,-1-1 0 0 0,1 0 0 0 0,-1 0 0 0 0,1 0 0 0 0,-1 0 0 0 0,1 0 0 0 0,-1 0 0 0 0,0 0 0 0 0,-6-1 3139 0 0,5 7-4240 0 0,-6 42 980 0 0,12-48 105 0 0,0-1-1 0 0,-1 1 0 0 0,1-1 1 0 0,-1 0-1 0 0,1 0 0 0 0,-1 0 1 0 0,1 0-1 0 0,-1-1 0 0 0,5-1 1 0 0,-5 0-215 0 0,1 1 1 0 0,-1 0-1 0 0,0-1 1 0 0,1 0-1 0 0,-1 0 1 0 0,0 0-1 0 0,-1 0 1 0 0,1 0-1 0 0,-1-1 1 0 0,1 1-1 0 0,-1-1 1 0 0,0 1-1 0 0,0-1 1 0 0,0 0 0 0 0,-1 0-1 0 0,0 0 1 0 0,1 0-1 0 0,-1 0 1 0 0,-1 0-1 0 0,1 0 1 0 0,-1-1-1 0 0,1-7 1 0 0,-25 16-1767 0 0,19 0 1878 0 0,0 1 0 0 0,1 0 0 0 0,-1 0-1 0 0,1 0 1 0 0,0 1 0 0 0,1-1 0 0 0,-1 1-1 0 0,1 0 1 0 0,0 0 0 0 0,1 0 0 0 0,-1 0-1 0 0,1 0 1 0 0,0 1 0 0 0,1-1 0 0 0,0 1 0 0 0,0-1-1 0 0,0 1 1 0 0,1-1 0 0 0,0 11 0 0 0,4-16 68 0 0,0-1 0 0 0,-1 0 1 0 0,1 1-1 0 0,0-1 1 0 0,0-1-1 0 0,0 1 1 0 0,0-1-1 0 0,0 1 1 0 0,6-3-1 0 0,-5 1-157 0 0,0-1 0 0 0,0 1 1 0 0,-1-1-1 0 0,0 0 0 0 0,1 0 0 0 0,-1-1 0 0 0,0 1 0 0 0,0-1 0 0 0,-1 0 0 0 0,1 0 0 0 0,-1 0 1 0 0,0 0-1 0 0,0-1 0 0 0,0 1 0 0 0,-1-1 0 0 0,0 0 0 0 0,1 0 0 0 0,-2 0 0 0 0,1 0 1 0 0,-1 0-1 0 0,1 0 0 0 0,-1 0 0 0 0,-1 0 0 0 0,1-1 0 0 0,-1-8 0 0 0,0 14 16 0 0,0-1-1 0 0,0 0 1 0 0,0 1-1 0 0,0-1 1 0 0,0 0-1 0 0,-1 1 1 0 0,1-1-1 0 0,0 1 1 0 0,0-1-1 0 0,-1 1 1 0 0,1-1-1 0 0,0 0 1 0 0,-1 1-1 0 0,1-1 1 0 0,0 1-1 0 0,-1-1 1 0 0,1 1-1 0 0,-1 0 1 0 0,1-1-1 0 0,-1 1 1 0 0,1-1-1 0 0,-1 1 1 0 0,1 0 0 0 0,-1-1-1 0 0,1 1 1 0 0,-1 0-1 0 0,0 0 1 0 0,1-1-1 0 0,-1 1 1 0 0,1 0-1 0 0,-1 0 1 0 0,0 0-1 0 0,1 0 1 0 0,-1 0-1 0 0,0 0 1 0 0,1 0-1 0 0,-1 0 1 0 0,1 0-1 0 0,-1 0 1 0 0,0 0-1 0 0,1 0 1 0 0,-1 0-1 0 0,1 1 1 0 0,-1-1-1 0 0,0 0 1 0 0,1 0-1 0 0,-1 1 1 0 0,1-1-1 0 0,-1 0 1 0 0,1 1-1 0 0,-1 0 1 0 0,-2 0-16 0 0,0 0 0 0 0,1 0 1 0 0,0 0-1 0 0,-1 1 0 0 0,1-1 1 0 0,0 1-1 0 0,0 0 0 0 0,-1-1 1 0 0,1 1-1 0 0,1 0 0 0 0,-4 4 1 0 0,2 1 27 0 0,1 0 1 0 0,0 0 0 0 0,0 0-1 0 0,1 0 1 0 0,0 1-1 0 0,0-1 1 0 0,1 0 0 0 0,0 11-1 0 0,0-17 10 0 0,0 0 0 0 0,0 0 0 0 0,1 0 0 0 0,-1 0 0 0 0,0 0 0 0 0,1-1 0 0 0,-1 1 0 0 0,1 0-1 0 0,-1 0 1 0 0,1 0 0 0 0,-1-1 0 0 0,1 1 0 0 0,0 0 0 0 0,-1 0 0 0 0,1-1 0 0 0,0 1 0 0 0,-1-1 0 0 0,1 1 0 0 0,0-1 0 0 0,0 1-1 0 0,0-1 1 0 0,-1 1 0 0 0,1-1 0 0 0,0 1 0 0 0,0-1 0 0 0,0 0 0 0 0,0 0 0 0 0,0 0 0 0 0,0 1 0 0 0,0-1 0 0 0,0 0-1 0 0,0 0 1 0 0,0 0 0 0 0,-1 0 0 0 0,1 0 0 0 0,0-1 0 0 0,0 1 0 0 0,0 0 0 0 0,0 0 0 0 0,0-1 0 0 0,0 1 0 0 0,1-1-1 0 0,0 1 6 0 0,1-1-1 0 0,-1 1 0 0 0,0-1 0 0 0,1 0 0 0 0,-1 0 0 0 0,0 0 0 0 0,0 0 0 0 0,0 0 0 0 0,0 0 0 0 0,0-1 0 0 0,0 1 1 0 0,0-1-1 0 0,0 1 0 0 0,0-1 0 0 0,0 0 0 0 0,2-3 0 0 0,0-33-1228 0 0,-4 30 812 0 0,-1 8 366 0 0,-1 0-1 0 0,1 0 1 0 0,-1 0 0 0 0,1 0-1 0 0,-1 0 1 0 0,1 0 0 0 0,0 0-1 0 0,-1 1 1 0 0,1-1 0 0 0,-1 0-1 0 0,1 1 1 0 0,0-1-1 0 0,-1 1 1 0 0,1 0 0 0 0,-2 0-1 0 0,0 2 14 0 0,0 0-1 0 0,0-1 0 0 0,1 1 0 0 0,-1 0 0 0 0,1 0 0 0 0,0 1 1 0 0,0-1-1 0 0,-3 7 0 0 0,1 7-2594 0 0</inkml:trace>
+</inkml:ink>
+</file>
+
+<file path=ppt/ink/ink5.xml><?xml version="1.0" encoding="utf-8"?>
+<inkml:ink xmlns:inkml="http://www.w3.org/2003/InkML">
+  <inkml:definitions>
+    <inkml:context xml:id="ctx0">
+      <inkml:inkSource xml:id="inkSrc0">
+        <inkml:traceFormat>
+          <inkml:channel name="X" type="integer" min="-2.14748E9" max="2.14748E9" units="cm"/>
+          <inkml:channel name="Y" type="integer" min="-2.14748E9" max="2.14748E9" units="cm"/>
+          <inkml:channel name="F" type="integer" max="32767" units="dev"/>
+          <inkml:channel name="OA" type="integer" max="360" units="deg"/>
+          <inkml:channel name="OE" type="integer" max="90" units="deg"/>
+        </inkml:traceFormat>
+        <inkml:channelProperties>
+          <inkml:channelProperty channel="X" name="resolution" value="1000" units="1/cm"/>
+          <inkml:channelProperty channel="Y" name="resolution" value="1000" units="1/cm"/>
+          <inkml:channelProperty channel="F" name="resolution" value="0" units="1/dev"/>
+          <inkml:channelProperty channel="OA" name="resolution" value="1000" units="1/deg"/>
+          <inkml:channelProperty channel="OE" name="resolution" value="1000" units="1/deg"/>
+        </inkml:channelProperties>
+      </inkml:inkSource>
+      <inkml:timestamp xml:id="ts0" timeString="2023-07-05T16:07:38.027"/>
+    </inkml:context>
+    <inkml:brush xml:id="br0">
+      <inkml:brushProperty name="width" value="0.1" units="cm"/>
+      <inkml:brushProperty name="height" value="0.1" units="cm"/>
+    </inkml:brush>
+  </inkml:definitions>
+  <inkml:trace contextRef="#ctx0" brushRef="#br0">1143 36 5234 0 0,'0'0'123'0'0,"-40"-3"1120"0"0,-578 8 25 0 0,594-6-1150 0 0,0-1 0 0 0,0-2 0 0 0,-28-7 0 0 0,29 5-193 0 0,0 1 1 0 0,0 2-1 0 0,-30-2 0 0 0,49 5 37 0 0,-7 0-5 0 0,1 0 0 0 0,0 1 1 0 0,-1 0-1 0 0,-16 4 0 0 0,26-5 27 0 0,-1 1-1 0 0,0-1 1 0 0,0 1-1 0 0,0 0 1 0 0,0 0-1 0 0,1 0 1 0 0,-1 0-1 0 0,0 0 1 0 0,1 0-1 0 0,-1 0 1 0 0,1 0-1 0 0,-1 1 1 0 0,1-1-1 0 0,0 1 1 0 0,-1-1-1 0 0,1 1 1 0 0,0-1-1 0 0,0 1 1 0 0,0 0-1 0 0,0-1 1 0 0,0 1-1 0 0,1 0 1 0 0,-1 0-1 0 0,0 0 1 0 0,1 0-1 0 0,-1 0 1 0 0,1-1-1 0 0,0 1 1 0 0,0 0-1 0 0,0 3 1 0 0,-2 11 29 0 0,0 0 1 0 0,0 0-1 0 0,-2-1 0 0 0,0 1 1 0 0,-7 17-1 0 0,-10 40 16 0 0,-50 239 393 0 0,65-271-319 0 0,1-1-1 0 0,3 73 1 0 0,2-104-115 0 0,0-9-167 0 0,54 6-290 0 0,867 10 698 0 0,-913-16-221 0 0,58-1-300 0 0,0-4 0 0 0,0-1 0 0 0,-1-4 0 0 0,0-3 0 0 0,0-2 1 0 0,66-26-1 0 0,-132 42 329 0 0,1-1 0 0 0,0 1 0 0 0,0 0 0 0 0,0 0 0 0 0,0 0 0 0 0,0-1 0 0 0,0 1 0 0 0,0 0 0 0 0,1 0 0 0 0,-1 0 0 0 0,0-1 0 0 0,0 1 0 0 0,1 0 0 0 0,-1 0 0 0 0,0-1 0 0 0,1 1 0 0 0,-1 0 0 0 0,1-1 0 0 0,-1 1 0 0 0,1 0 0 0 0,-1-1 0 0 0,1 1 0 0 0,-1-1 0 0 0,1 1 0 0 0,0 0 0 0 0,-1-1 0 0 0,1 0 0 0 0,0 1 0 0 0,-1-1 0 0 0,1 1 0 0 0,1-1 0 0 0,2 0 76 0 0,0-1-1 0 0,-1 1 1 0 0,1-1-1 0 0,0 0 1 0 0,0-1-1 0 0,-1 1 1 0 0,1-1-1 0 0,-1 0 0 0 0,1 1 1 0 0,-1-1-1 0 0,0-1 1 0 0,0 1-1 0 0,0 0 1 0 0,0-1-1 0 0,0 0 1 0 0,0 1-1 0 0,-1-1 1 0 0,4-5-1 0 0,6-9 935 0 0,0 0-1 0 0,11-24 0 0 0,-9 15-610 0 0,4-3-423 0 0,-5 9-28 0 0,-1-1 0 0 0,-1 0 0 0 0,-1 0 0 0 0,10-29 1 0 0,-18 43 9 0 0,-1 1 1 0 0,0-1-1 0 0,1 0 1 0 0,-2 0-1 0 0,1 0 1 0 0,-1 0-1 0 0,0 0 1 0 0,-1 0-1 0 0,0 0 1 0 0,0 0-1 0 0,0 0 1 0 0,-1 1-1 0 0,0-1 1 0 0,0 0-1 0 0,-1 1 1 0 0,1-1-1 0 0,-1 1 1 0 0,-8-12-1 0 0,0 4-583 0 0,0-1 0 0 0,2 0 0 0 0,0-1 0 0 0,0 0 0 0 0,2-1-1 0 0,0 0 1 0 0,1 0 0 0 0,0 0 0 0 0,2-1 0 0 0,0 1 0 0 0,1-1-1 0 0,-2-36 1 0 0,5 41-2565 0 0</inkml:trace>
+</inkml:ink>
+</file>
+
+<file path=ppt/ink/ink50.xml><?xml version="1.0" encoding="utf-8"?>
+<inkml:ink xmlns:inkml="http://www.w3.org/2003/InkML">
+  <inkml:definitions>
+    <inkml:context xml:id="ctx0">
+      <inkml:inkSource xml:id="inkSrc0">
+        <inkml:traceFormat>
+          <inkml:channel name="X" type="integer" min="-2.14748E9" max="2.14748E9" units="cm"/>
+          <inkml:channel name="Y" type="integer" min="-2.14748E9" max="2.14748E9" units="cm"/>
+          <inkml:channel name="F" type="integer" max="32767" units="dev"/>
+          <inkml:channel name="OA" type="integer" max="360" units="deg"/>
+          <inkml:channel name="OE" type="integer" max="90" units="deg"/>
+        </inkml:traceFormat>
+        <inkml:channelProperties>
+          <inkml:channelProperty channel="X" name="resolution" value="1000" units="1/cm"/>
+          <inkml:channelProperty channel="Y" name="resolution" value="1000" units="1/cm"/>
+          <inkml:channelProperty channel="F" name="resolution" value="0" units="1/dev"/>
+          <inkml:channelProperty channel="OA" name="resolution" value="1000" units="1/deg"/>
+          <inkml:channelProperty channel="OE" name="resolution" value="1000" units="1/deg"/>
+        </inkml:channelProperties>
+      </inkml:inkSource>
+      <inkml:timestamp xml:id="ts0" timeString="2023-07-05T16:09:15.008"/>
+    </inkml:context>
+    <inkml:brush xml:id="br0">
+      <inkml:brushProperty name="width" value="0.1" units="cm"/>
+      <inkml:brushProperty name="height" value="0.1" units="cm"/>
+    </inkml:brush>
+  </inkml:definitions>
+  <inkml:trace contextRef="#ctx0" brushRef="#br0">75 57 2145 0 0,'-7'9'9610'0'0,"27"-14"-9179"0"0,-19 5-404 0 0,-1 0 1 0 0,1 0 0 0 0,-1 0-1 0 0,0 0 1 0 0,1-1 0 0 0,-1 1-1 0 0,0 0 1 0 0,1 0 0 0 0,-1 0-1 0 0,0-1 1 0 0,0 1-1 0 0,1 0 1 0 0,-1 0 0 0 0,0 0-1 0 0,1-1 1 0 0,-1 1 0 0 0,0 0-1 0 0,0-1 1 0 0,0 1-1 0 0,1 0 1 0 0,-1-1 0 0 0,0 1-1 0 0,0 0 1 0 0,0-1 0 0 0,0 1-1 0 0,0 0 1 0 0,1-1-1 0 0,-1 1 1 0 0,0 0 0 0 0,0-1-1 0 0,0 1 1 0 0,0-1 0 0 0,0 1-1 0 0,0 0 1 0 0,0-1 0 0 0,0 1-1 0 0,0 0 1 0 0,-1-1-1 0 0,1 1 1 0 0,0 0 0 0 0,0-1-1 0 0,0 1 1 0 0,0 0 0 0 0,0-1-1 0 0,-1 1 1 0 0,1 0-1 0 0,0-1 1 0 0,0 1 0 0 0,-1 0-1 0 0,1 0 1 0 0,0-1 0 0 0,0 1-1 0 0,-1 0 1 0 0,1 0 0 0 0,0-1-1 0 0,-1 1 1 0 0,1 0-1 0 0,0 0 1 0 0,-1 0 0 0 0,0-1-35 0 0,1 0 1 0 0,-1 1 0 0 0,1-1-1 0 0,-1 1 1 0 0,1-1 0 0 0,-1 1 0 0 0,1 0-1 0 0,-1-1 1 0 0,1 1 0 0 0,-1 0-1 0 0,0-1 1 0 0,1 1 0 0 0,-1 0-1 0 0,0 0 1 0 0,1-1 0 0 0,-1 1 0 0 0,0 0-1 0 0,0 0 1 0 0,1 0 0 0 0,-1 0-1 0 0,0 0 1 0 0,1 0 0 0 0,-1 0-1 0 0,0 0 1 0 0,0 0 0 0 0,1 0 0 0 0,-1 1-1 0 0,0-1 1 0 0,1 0 0 0 0,-1 0-1 0 0,0 1 1 0 0,1-1 0 0 0,-1 0-1 0 0,1 1 1 0 0,-1-1 0 0 0,0 1 0 0 0,1-1-1 0 0,-1 0 1 0 0,1 1 0 0 0,-1 0-1 0 0,1-1 1 0 0,-1 1 0 0 0,1-1-1 0 0,0 1 1 0 0,-1-1 0 0 0,1 1-1 0 0,0 0 1 0 0,-1-1 0 0 0,1 1 0 0 0,0 0-1 0 0,0-1 1 0 0,0 1 0 0 0,0 0-1 0 0,-1 0 1 0 0,1 0 0 0 0,-4 42-280 0 0,4-41 338 0 0,0-1-48 0 0,0-1-1 0 0,1 1 1 0 0,-1 0 0 0 0,0-1 0 0 0,0 1 0 0 0,0-1-1 0 0,1 1 1 0 0,-1-1 0 0 0,0 1 0 0 0,1-1 0 0 0,-1 1-1 0 0,0-1 1 0 0,1 1 0 0 0,-1-1 0 0 0,0 1 0 0 0,1-1-1 0 0,-1 1 1 0 0,1-1 0 0 0,-1 0 0 0 0,1 1 0 0 0,-1-1 0 0 0,1 0-1 0 0,-1 0 1 0 0,1 1 0 0 0,0-1 0 0 0,-1 0 0 0 0,1 0-1 0 0,-1 0 1 0 0,2 1 0 0 0,26 0 150 0 0,-23-1-113 0 0,0 0 0 0 0,-1-1 0 0 0,1 0 0 0 0,0 0 0 0 0,0 0 0 0 0,-1-1 0 0 0,1 1 0 0 0,-1-1-1 0 0,6-3 1 0 0,-9 4-37 0 0,1-1 0 0 0,0 1 0 0 0,0-1 0 0 0,-1 0 0 0 0,1 1 0 0 0,-1-1 0 0 0,1 0 0 0 0,-1 0 0 0 0,0 0 0 0 0,0 0 0 0 0,0 0 0 0 0,0 0 0 0 0,0-1 0 0 0,-1 1 0 0 0,1 0 0 0 0,0 0 0 0 0,-1-1 0 0 0,0 1 0 0 0,1 0 0 0 0,-1-1 0 0 0,0 1 0 0 0,0 0 0 0 0,-1 0 0 0 0,1-1 0 0 0,0 1 0 0 0,-1 0 0 0 0,1-1 0 0 0,-1 1 0 0 0,0 0 0 0 0,0 0 0 0 0,0 0 0 0 0,0 0 0 0 0,-2-3 0 0 0,2 3 6 0 0,-1 0-1 0 0,0 0 1 0 0,0 0 0 0 0,0 0 0 0 0,0 0-1 0 0,0 0 1 0 0,0 1 0 0 0,-1-1 0 0 0,1 1 0 0 0,-1 0-1 0 0,1-1 1 0 0,-1 1 0 0 0,1 0 0 0 0,-1 1-1 0 0,1-1 1 0 0,-1 0 0 0 0,0 1 0 0 0,0 0-1 0 0,1-1 1 0 0,-1 1 0 0 0,0 0 0 0 0,0 0 0 0 0,1 1-1 0 0,-1-1 1 0 0,0 0 0 0 0,1 1 0 0 0,-1 0-1 0 0,-4 1 1 0 0,5-1-8 0 0,1 0 0 0 0,-1 0 0 0 0,0 1 0 0 0,1-1-1 0 0,0 0 1 0 0,-1 1 0 0 0,1-1 0 0 0,0 1 0 0 0,0-1 0 0 0,-1 1-1 0 0,1 0 1 0 0,0-1 0 0 0,1 1 0 0 0,-1 0 0 0 0,0 0 0 0 0,0 0 0 0 0,1 0-1 0 0,-1 0 1 0 0,1-1 0 0 0,0 1 0 0 0,-1 4 0 0 0,-1 47 628 0 0,3-41-359 0 0,-1-10-273 0 0,1 0 0 0 0,-1 0 1 0 0,1 0-1 0 0,0 0 0 0 0,0 0 0 0 0,0 0 1 0 0,0 0-1 0 0,0-1 0 0 0,0 1 0 0 0,0 0 1 0 0,1-1-1 0 0,-1 1 0 0 0,1-1 0 0 0,-1 1 1 0 0,1-1-1 0 0,-1 1 0 0 0,1-1 0 0 0,0 0 1 0 0,0 0-1 0 0,0 0 0 0 0,-1 0 0 0 0,1 0 1 0 0,0-1-1 0 0,0 1 0 0 0,0 0 0 0 0,1-1 1 0 0,-1 0-1 0 0,0 1 0 0 0,0-1 0 0 0,0 0 1 0 0,0 0-1 0 0,0 0 0 0 0,0 0 0 0 0,0 0 1 0 0,0-1-1 0 0,1 1 0 0 0,-1-1 0 0 0,0 1 0 0 0,0-1 1 0 0,3-2-1 0 0,-4 3-27 0 0,0-1 0 0 0,-1 1 1 0 0,1 0-1 0 0,0-1 0 0 0,-1 0 0 0 0,1 1 0 0 0,0-1 1 0 0,-1 1-1 0 0,1-1 0 0 0,-1 0 0 0 0,1 1 1 0 0,-1-1-1 0 0,1 0 0 0 0,-1 1 0 0 0,0-1 0 0 0,1 0 1 0 0,-1 0-1 0 0,0 1 0 0 0,0-1 0 0 0,1 0 0 0 0,-1 0 1 0 0,0 0-1 0 0,0 0 0 0 0,0 1 0 0 0,0-1 1 0 0,0 0-1 0 0,0 0 0 0 0,0 0 0 0 0,0 0 0 0 0,-1 1 1 0 0,1-1-1 0 0,-1-1 0 0 0,1 0 9 0 0,-1 0 0 0 0,1 1 0 0 0,-1-1 0 0 0,0 1 0 0 0,1-1 0 0 0,-1 1 0 0 0,0-1 0 0 0,0 1 0 0 0,0 0 0 0 0,-1-1 0 0 0,1 1 0 0 0,0 0 0 0 0,0 0 0 0 0,-1 0 0 0 0,-2-2 0 0 0,-3 0-4 0 0,0 0 0 0 0,0 1-1 0 0,-1-1 1 0 0,1 1 0 0 0,-1 1 0 0 0,1 0-1 0 0,-1 0 1 0 0,0 0 0 0 0,0 1 0 0 0,1 0-1 0 0,-16 3 1 0 0,22-3 42 0 0,0 1 0 0 0,0 0 1 0 0,0-1-1 0 0,0 1 0 0 0,0 0 0 0 0,0 0 0 0 0,0 0 0 0 0,0 0 0 0 0,0 0 0 0 0,1 0 1 0 0,-1 0-1 0 0,0 0 0 0 0,1 0 0 0 0,-1 1 0 0 0,1-1 0 0 0,-1 0 0 0 0,1 0 0 0 0,-1 1 1 0 0,1-1-1 0 0,0 0 0 0 0,0 2 0 0 0,-2 28-763 0 0,2-29 368 0 0</inkml:trace>
+</inkml:ink>
+</file>
+
+<file path=ppt/ink/ink51.xml><?xml version="1.0" encoding="utf-8"?>
+<inkml:ink xmlns:inkml="http://www.w3.org/2003/InkML">
+  <inkml:definitions>
+    <inkml:context xml:id="ctx0">
+      <inkml:inkSource xml:id="inkSrc0">
+        <inkml:traceFormat>
+          <inkml:channel name="X" type="integer" min="-2.14748E9" max="2.14748E9" units="cm"/>
+          <inkml:channel name="Y" type="integer" min="-2.14748E9" max="2.14748E9" units="cm"/>
+          <inkml:channel name="F" type="integer" max="32767" units="dev"/>
+          <inkml:channel name="OA" type="integer" max="360" units="deg"/>
+          <inkml:channel name="OE" type="integer" max="90" units="deg"/>
+        </inkml:traceFormat>
+        <inkml:channelProperties>
+          <inkml:channelProperty channel="X" name="resolution" value="1000" units="1/cm"/>
+          <inkml:channelProperty channel="Y" name="resolution" value="1000" units="1/cm"/>
+          <inkml:channelProperty channel="F" name="resolution" value="0" units="1/dev"/>
+          <inkml:channelProperty channel="OA" name="resolution" value="1000" units="1/deg"/>
+          <inkml:channelProperty channel="OE" name="resolution" value="1000" units="1/deg"/>
+        </inkml:channelProperties>
+      </inkml:inkSource>
+      <inkml:timestamp xml:id="ts0" timeString="2023-07-05T16:09:16.118"/>
+    </inkml:context>
+    <inkml:brush xml:id="br0">
+      <inkml:brushProperty name="width" value="0.1" units="cm"/>
+      <inkml:brushProperty name="height" value="0.1" units="cm"/>
+    </inkml:brush>
+  </inkml:definitions>
+  <inkml:trace contextRef="#ctx0" brushRef="#br0">271 1 6147 0 0,'0'0'7443'0'0,"-13"5"-5311"0"0,-41 26-1628 0 0,20-12-426 0 0,1 0 0 0 0,0 2 0 0 0,2 2 0 0 0,-35 31 0 0 0,60-42-1977 0 0,19-14-29 0 0,21-17-3252 0 0,-20 4 1525 0 0</inkml:trace>
+</inkml:ink>
+</file>
+
+<file path=ppt/ink/ink52.xml><?xml version="1.0" encoding="utf-8"?>
+<inkml:ink xmlns:inkml="http://www.w3.org/2003/InkML">
+  <inkml:definitions>
+    <inkml:context xml:id="ctx0">
+      <inkml:inkSource xml:id="inkSrc0">
+        <inkml:traceFormat>
+          <inkml:channel name="X" type="integer" min="-2.14748E9" max="2.14748E9" units="cm"/>
+          <inkml:channel name="Y" type="integer" min="-2.14748E9" max="2.14748E9" units="cm"/>
+          <inkml:channel name="F" type="integer" max="32767" units="dev"/>
+          <inkml:channel name="OA" type="integer" max="360" units="deg"/>
+          <inkml:channel name="OE" type="integer" max="90" units="deg"/>
+        </inkml:traceFormat>
+        <inkml:channelProperties>
+          <inkml:channelProperty channel="X" name="resolution" value="1000" units="1/cm"/>
+          <inkml:channelProperty channel="Y" name="resolution" value="1000" units="1/cm"/>
+          <inkml:channelProperty channel="F" name="resolution" value="0" units="1/dev"/>
+          <inkml:channelProperty channel="OA" name="resolution" value="1000" units="1/deg"/>
+          <inkml:channelProperty channel="OE" name="resolution" value="1000" units="1/deg"/>
+        </inkml:channelProperties>
+      </inkml:inkSource>
+      <inkml:timestamp xml:id="ts0" timeString="2023-07-05T16:09:16.518"/>
+    </inkml:context>
+    <inkml:brush xml:id="br0">
+      <inkml:brushProperty name="width" value="0.1" units="cm"/>
+      <inkml:brushProperty name="height" value="0.1" units="cm"/>
+    </inkml:brush>
+  </inkml:definitions>
+  <inkml:trace contextRef="#ctx0" brushRef="#br0">1 18 5186 0 0,'0'0'3615'0'0,"0"-18"310"0"0,1 25-3579 0 0,0-1 0 0 0,1 1 0 0 0,0-1 0 0 0,0 1 0 0 0,1-1 0 0 0,0 0 1 0 0,0 0-1 0 0,6 9 0 0 0,10 21 799 0 0,-13-22-1026 0 0,-1 0 0 0 0,-1 0-1 0 0,0 0 1 0 0,0 0-1 0 0,-2 1 1 0 0,2 17-1 0 0,-4-32-274 0 0,0 0 0 0 0,0 1 0 0 0,0-1 0 0 0,0 0 1 0 0,0 1-1 0 0,0-1 0 0 0,0 0 0 0 0,0 1 0 0 0</inkml:trace>
+</inkml:ink>
+</file>
+
+<file path=ppt/ink/ink53.xml><?xml version="1.0" encoding="utf-8"?>
+<inkml:ink xmlns:inkml="http://www.w3.org/2003/InkML">
+  <inkml:definitions>
+    <inkml:context xml:id="ctx0">
+      <inkml:inkSource xml:id="inkSrc0">
+        <inkml:traceFormat>
+          <inkml:channel name="X" type="integer" min="-2.14748E9" max="2.14748E9" units="cm"/>
+          <inkml:channel name="Y" type="integer" min="-2.14748E9" max="2.14748E9" units="cm"/>
+          <inkml:channel name="F" type="integer" max="32767" units="dev"/>
+          <inkml:channel name="OA" type="integer" max="360" units="deg"/>
+          <inkml:channel name="OE" type="integer" max="90" units="deg"/>
+        </inkml:traceFormat>
+        <inkml:channelProperties>
+          <inkml:channelProperty channel="X" name="resolution" value="1000" units="1/cm"/>
+          <inkml:channelProperty channel="Y" name="resolution" value="1000" units="1/cm"/>
+          <inkml:channelProperty channel="F" name="resolution" value="0" units="1/dev"/>
+          <inkml:channelProperty channel="OA" name="resolution" value="1000" units="1/deg"/>
+          <inkml:channelProperty channel="OE" name="resolution" value="1000" units="1/deg"/>
+        </inkml:channelProperties>
+      </inkml:inkSource>
+      <inkml:timestamp xml:id="ts0" timeString="2023-07-05T16:09:17.158"/>
+    </inkml:context>
+    <inkml:brush xml:id="br0">
+      <inkml:brushProperty name="width" value="0.1" units="cm"/>
+      <inkml:brushProperty name="height" value="0.1" units="cm"/>
+    </inkml:brush>
+  </inkml:definitions>
+  <inkml:trace contextRef="#ctx0" brushRef="#br0">344 3 1905 0 0,'0'0'5501'0'0,"-13"-1"-415"0"0,-15 0-3625 0 0,18 1-1386 0 0,0 1 1 0 0,0 1-1 0 0,0 0 1 0 0,1 0-1 0 0,-1 1 0 0 0,0 0 1 0 0,1 1-1 0 0,0 0 0 0 0,-11 6 1 0 0,-14 10 220 0 0,-31 26 1 0 0,26-19 146 0 0,29-20-410 0 0,3-3-21 0 0,1 0 0 0 0,0 1 0 0 0,-1 0 0 0 0,2 0 0 0 0,-1 0 0 0 0,-5 7 1 0 0,25-12-456 0 0,-1-5-425 0 0,0 0 1 0 0,0 0-1 0 0,-1-1 0 0 0,12-8 1 0 0,18-13-5043 0 0</inkml:trace>
+</inkml:ink>
+</file>
+
+<file path=ppt/ink/ink54.xml><?xml version="1.0" encoding="utf-8"?>
+<inkml:ink xmlns:inkml="http://www.w3.org/2003/InkML">
+  <inkml:definitions>
+    <inkml:context xml:id="ctx0">
+      <inkml:inkSource xml:id="inkSrc0">
+        <inkml:traceFormat>
+          <inkml:channel name="X" type="integer" min="-2.14748E9" max="2.14748E9" units="cm"/>
+          <inkml:channel name="Y" type="integer" min="-2.14748E9" max="2.14748E9" units="cm"/>
+          <inkml:channel name="F" type="integer" max="32767" units="dev"/>
+          <inkml:channel name="OA" type="integer" max="360" units="deg"/>
+          <inkml:channel name="OE" type="integer" max="90" units="deg"/>
+        </inkml:traceFormat>
+        <inkml:channelProperties>
+          <inkml:channelProperty channel="X" name="resolution" value="1000" units="1/cm"/>
+          <inkml:channelProperty channel="Y" name="resolution" value="1000" units="1/cm"/>
+          <inkml:channelProperty channel="F" name="resolution" value="0" units="1/dev"/>
+          <inkml:channelProperty channel="OA" name="resolution" value="1000" units="1/deg"/>
+          <inkml:channelProperty channel="OE" name="resolution" value="1000" units="1/deg"/>
+        </inkml:channelProperties>
+      </inkml:inkSource>
+      <inkml:timestamp xml:id="ts0" timeString="2023-07-05T16:09:17.581"/>
+    </inkml:context>
+    <inkml:brush xml:id="br0">
+      <inkml:brushProperty name="width" value="0.1" units="cm"/>
+      <inkml:brushProperty name="height" value="0.1" units="cm"/>
+    </inkml:brush>
+  </inkml:definitions>
+  <inkml:trace contextRef="#ctx0" brushRef="#br0">1 1 7219 0 0,'0'0'3282'0'0,"1"29"-251"0"0,23 46 1093 0 0,-1 0-3444 0 0,-23-74-712 0 0,1 0 0 0 0,-1 0 0 0 0,0 0 0 0 0,1 0 0 0 0,-1 0 0 0 0,0 0 0 0 0,1-1 0 0 0,0 1 0 0 0,-1 0 0 0 0,1 0-1 0 0,-1 0 1 0 0,1-1 0 0 0,0 1 0 0 0,-1 0 0 0 0,1-1 0 0 0,0 1 0 0 0,0 0 0 0 0,0-1 0 0 0,-1 1 0 0 0,3 0 0 0 0,13 1-4252 0 0,-1-2-1331 0 0</inkml:trace>
+</inkml:ink>
+</file>
+
+<file path=ppt/ink/ink6.xml><?xml version="1.0" encoding="utf-8"?>
+<inkml:ink xmlns:inkml="http://www.w3.org/2003/InkML">
+  <inkml:definitions>
+    <inkml:context xml:id="ctx0">
+      <inkml:inkSource xml:id="inkSrc0">
+        <inkml:traceFormat>
+          <inkml:channel name="X" type="integer" min="-2.14748E9" max="2.14748E9" units="cm"/>
+          <inkml:channel name="Y" type="integer" min="-2.14748E9" max="2.14748E9" units="cm"/>
+          <inkml:channel name="F" type="integer" max="32767" units="dev"/>
+          <inkml:channel name="OA" type="integer" max="360" units="deg"/>
+          <inkml:channel name="OE" type="integer" max="90" units="deg"/>
+        </inkml:traceFormat>
+        <inkml:channelProperties>
+          <inkml:channelProperty channel="X" name="resolution" value="1000" units="1/cm"/>
+          <inkml:channelProperty channel="Y" name="resolution" value="1000" units="1/cm"/>
+          <inkml:channelProperty channel="F" name="resolution" value="0" units="1/dev"/>
+          <inkml:channelProperty channel="OA" name="resolution" value="1000" units="1/deg"/>
+          <inkml:channelProperty channel="OE" name="resolution" value="1000" units="1/deg"/>
+        </inkml:channelProperties>
+      </inkml:inkSource>
+      <inkml:timestamp xml:id="ts0" timeString="2023-07-05T16:08:25.510"/>
+    </inkml:context>
+    <inkml:brush xml:id="br0">
+      <inkml:brushProperty name="width" value="0.1" units="cm"/>
+      <inkml:brushProperty name="height" value="0.1" units="cm"/>
+    </inkml:brush>
+  </inkml:definitions>
+  <inkml:trace contextRef="#ctx0" brushRef="#br0">247 29 4754 0 0,'-2'-4'-501'0'0,"-2"-20"10229"0"0,16 27-7950 0 0,-4 3-1774 0 0,-1 0 0 0 0,0 0 0 0 0,0 1 1 0 0,-1 0-1 0 0,1 0 0 0 0,-2 0 0 0 0,1 1 0 0 0,-1-1 0 0 0,0 1 0 0 0,0 1 0 0 0,-1-1 0 0 0,-1 1 0 0 0,1 0 0 0 0,-1 0 0 0 0,0 0 0 0 0,1 14 1 0 0,11 24-20 0 0,-12-38 20 0 0,1 1-1 0 0,-1-1 0 0 0,-1 1 1 0 0,0 0-1 0 0,0 0 0 0 0,0 13 1 0 0,-2 5-4 0 0,1-22 3 0 0,0 1 0 0 0,-1 0-1 0 0,0 0 1 0 0,0-1-1 0 0,0 1 1 0 0,-1 0-1 0 0,0 0 1 0 0,-1-1-1 0 0,1 1 1 0 0,-1-1 0 0 0,-1 1-1 0 0,-5 11 1 0 0,-3-3 51 0 0,-1 0 0 0 0,-1-1-1 0 0,0 0 1 0 0,-23 18 0 0 0,27-25-61 0 0,-1 2-35 0 0,0-1 0 0 0,1 1-1 0 0,-14 17 1 0 0,21-23 34 0 0,0 0 1 0 0,0 0-1 0 0,0 0 0 0 0,0 0 0 0 0,1 0 0 0 0,-1 1 1 0 0,1-1-1 0 0,0 0 0 0 0,0 1 0 0 0,0-1 1 0 0,1 1-1 0 0,-1-1 0 0 0,1 1 0 0 0,0-1 0 0 0,0 1 1 0 0,0-1-1 0 0,0 1 0 0 0,1-1 0 0 0,0 5 1 0 0,0-7 8 0 0,1 1 0 0 0,-1-1 0 0 0,0 0 1 0 0,0 0-1 0 0,1 0 0 0 0,-1 0 1 0 0,0 0-1 0 0,1 0 0 0 0,-1 0 0 0 0,1 0 1 0 0,0-1-1 0 0,-1 1 0 0 0,1 0 1 0 0,-1-1-1 0 0,1 1 0 0 0,2-1 1 0 0,32 8 81 0 0,-33-8-77 0 0,8 1 29 0 0,17 7 219 0 0,-70-6 1584 0 0,38-2-1915 0 0,1 0-1 0 0,-1 0 1 0 0,1 1-1 0 0,-1 0 1 0 0,0-1-1 0 0,1 2 1 0 0,-1-1-1 0 0,1 0 1 0 0,0 1-1 0 0,-1-1 1 0 0,1 1-1 0 0,0 0 1 0 0,-4 3-1 0 0,4 2 42 0 0,1-1-1 0 0,0 0 0 0 0,1 1 0 0 0,-1 0 1 0 0,1-1-1 0 0,1 1 0 0 0,-1 0 0 0 0,1-1 0 0 0,0 1 1 0 0,3 12-1 0 0,-2 5-75 0 0,-1-22 108 0 0,1 0 0 0 0,0 1 0 0 0,-1-1 0 0 0,1 0 0 0 0,0 0 0 0 0,0 0 1 0 0,1 0-1 0 0,-1 0 0 0 0,0 0 0 0 0,1 0 0 0 0,-1-1 0 0 0,1 1 0 0 0,0 0 0 0 0,-1-1 0 0 0,1 1 0 0 0,0-1 0 0 0,2 2 0 0 0,42 26-22 0 0,-35-23 29 0 0,17 10 34 0 0,-11-7-52 0 0,0 1 0 0 0,0 1 0 0 0,29 26 0 0 0,-42-33 13 0 0,0 0 1 0 0,0 1 0 0 0,0 0 0 0 0,0 0 0 0 0,-1 0-1 0 0,0 1 1 0 0,0-1 0 0 0,0 1 0 0 0,-1-1 0 0 0,1 1-1 0 0,-2 0 1 0 0,1 0 0 0 0,0 0 0 0 0,-1 0 0 0 0,0 0-1 0 0,-1 13 1 0 0,1-13 6 0 0,-1 1-1 0 0,0-1 1 0 0,-1 0-1 0 0,0 0 1 0 0,0 1-1 0 0,0-1 1 0 0,-1 0 0 0 0,0 0-1 0 0,0 0 1 0 0,0 0-1 0 0,-1-1 1 0 0,-4 8-1 0 0,4-7 7 0 0,0 0 0 0 0,0 0 0 0 0,0-1 0 0 0,-1 1 0 0 0,0-1 0 0 0,0 0 0 0 0,0 0 0 0 0,-1-1 0 0 0,1 1 0 0 0,-1-1 0 0 0,0 0 0 0 0,0 0 0 0 0,-1-1 0 0 0,1 1 0 0 0,-1-1 0 0 0,0 0 0 0 0,0-1 0 0 0,0 1 0 0 0,0-1 0 0 0,0 0 0 0 0,-1-1 0 0 0,1 0 0 0 0,-10 1 0 0 0,-81 10 140 0 0,46-7-148 0 0,-64 16 0 0 0,94-20-1893 0 0,3-7-3756 0 0</inkml:trace>
+</inkml:ink>
+</file>
+
+<file path=ppt/ink/ink7.xml><?xml version="1.0" encoding="utf-8"?>
+<inkml:ink xmlns:inkml="http://www.w3.org/2003/InkML">
+  <inkml:definitions>
+    <inkml:context xml:id="ctx0">
+      <inkml:inkSource xml:id="inkSrc0">
+        <inkml:traceFormat>
+          <inkml:channel name="X" type="integer" min="-2.14748E9" max="2.14748E9" units="cm"/>
+          <inkml:channel name="Y" type="integer" min="-2.14748E9" max="2.14748E9" units="cm"/>
+          <inkml:channel name="F" type="integer" max="32767" units="dev"/>
+          <inkml:channel name="OA" type="integer" max="360" units="deg"/>
+          <inkml:channel name="OE" type="integer" max="90" units="deg"/>
+        </inkml:traceFormat>
+        <inkml:channelProperties>
+          <inkml:channelProperty channel="X" name="resolution" value="1000" units="1/cm"/>
+          <inkml:channelProperty channel="Y" name="resolution" value="1000" units="1/cm"/>
+          <inkml:channelProperty channel="F" name="resolution" value="0" units="1/dev"/>
+          <inkml:channelProperty channel="OA" name="resolution" value="1000" units="1/deg"/>
+          <inkml:channelProperty channel="OE" name="resolution" value="1000" units="1/deg"/>
+        </inkml:channelProperties>
+      </inkml:inkSource>
+      <inkml:timestamp xml:id="ts0" timeString="2023-07-05T16:06:38.903"/>
+    </inkml:context>
+    <inkml:brush xml:id="br0">
+      <inkml:brushProperty name="width" value="0.1" units="cm"/>
+      <inkml:brushProperty name="height" value="0.1" units="cm"/>
+    </inkml:brush>
+  </inkml:definitions>
+  <inkml:trace contextRef="#ctx0" brushRef="#br0">49 13 3682 0 0,'-11'-9'4394'0'0,"7"6"-3702"0"0,3 11-728 0 0,2 84-443 0 0,0 62 2245 0 0,-24 194-1 0 0,18-237-1489 0 0,5-106 328 0 0,0-8 405 0 0,-3-120-745 0 0,-1 53-311 0 0,10-100 1 0 0,3 114-94 0 0,21-70 0 0 0,-12 57 78 0 0,-17 64 58 0 0,0-1-1 0 0,0 1 1 0 0,1 0 0 0 0,0 0-1 0 0,0 0 1 0 0,0 0 0 0 0,1 0-1 0 0,-1 0 1 0 0,6-6 0 0 0,-6 9-23 0 0,1 0 0 0 0,-1 0 0 0 0,1 1 1 0 0,-1-1-1 0 0,1 0 0 0 0,0 1 0 0 0,0 0 0 0 0,0 0 1 0 0,0 0-1 0 0,0 0 0 0 0,0 0 0 0 0,0 0 1 0 0,0 1-1 0 0,0-1 0 0 0,0 1 0 0 0,1 0 0 0 0,4 1 1 0 0,12-1-2 0 0,0 2 1 0 0,0 0 0 0 0,0 2 0 0 0,0 0 0 0 0,-1 1 0 0 0,1 1 0 0 0,-1 1-1 0 0,-1 0 1 0 0,31 17 0 0 0,-41-19 24 0 0,0-1 1 0 0,0 2-1 0 0,0-1 0 0 0,0 1 1 0 0,-1 0-1 0 0,0 0 0 0 0,0 1 1 0 0,-1 0-1 0 0,0 1 0 0 0,0-1 1 0 0,-1 1-1 0 0,0 0 0 0 0,0 0 0 0 0,0 1 1 0 0,-1-1-1 0 0,-1 1 0 0 0,0 0 1 0 0,0 0-1 0 0,0 0 0 0 0,-1 1 1 0 0,-1-1-1 0 0,2 14 0 0 0,-5-9 9 0 0,1 0 1 0 0,-2 0-1 0 0,0 0 1 0 0,-1 0-1 0 0,0-1 0 0 0,-1 1 1 0 0,0-1-1 0 0,-1 0 0 0 0,-1-1 1 0 0,0 0-1 0 0,0 0 1 0 0,-1 0-1 0 0,-1-1 0 0 0,0 0 1 0 0,-12 11-1 0 0,9-10 53 0 0,0 0-1 0 0,-1 0 1 0 0,-1-2 0 0 0,0 1-1 0 0,0-2 1 0 0,-1 0 0 0 0,-1-1-1 0 0,1 0 1 0 0,-1-1 0 0 0,0-1-1 0 0,-1 0 1 0 0,-21 3 0 0 0,-13-4-1807 0 0</inkml:trace>
+</inkml:ink>
+</file>
+
+<file path=ppt/ink/ink8.xml><?xml version="1.0" encoding="utf-8"?>
+<inkml:ink xmlns:inkml="http://www.w3.org/2003/InkML">
+  <inkml:definitions>
+    <inkml:context xml:id="ctx0">
+      <inkml:inkSource xml:id="inkSrc0">
+        <inkml:traceFormat>
+          <inkml:channel name="X" type="integer" min="-2.14748E9" max="2.14748E9" units="cm"/>
+          <inkml:channel name="Y" type="integer" min="-2.14748E9" max="2.14748E9" units="cm"/>
+          <inkml:channel name="F" type="integer" max="32767" units="dev"/>
+          <inkml:channel name="OA" type="integer" max="360" units="deg"/>
+          <inkml:channel name="OE" type="integer" max="90" units="deg"/>
+        </inkml:traceFormat>
+        <inkml:channelProperties>
+          <inkml:channelProperty channel="X" name="resolution" value="1000" units="1/cm"/>
+          <inkml:channelProperty channel="Y" name="resolution" value="1000" units="1/cm"/>
+          <inkml:channelProperty channel="F" name="resolution" value="0" units="1/dev"/>
+          <inkml:channelProperty channel="OA" name="resolution" value="1000" units="1/deg"/>
+          <inkml:channelProperty channel="OE" name="resolution" value="1000" units="1/deg"/>
+        </inkml:channelProperties>
+      </inkml:inkSource>
+      <inkml:timestamp xml:id="ts0" timeString="2023-07-05T16:06:40.020"/>
+    </inkml:context>
+    <inkml:brush xml:id="br0">
+      <inkml:brushProperty name="width" value="0.1" units="cm"/>
+      <inkml:brushProperty name="height" value="0.1" units="cm"/>
+    </inkml:brush>
+  </inkml:definitions>
+  <inkml:trace contextRef="#ctx0" brushRef="#br0">13 2 4514 0 0,'-10'-1'6407'0'0,"10"1"-6251"0"0,-3 452 4145 0 0,4-444-5041 0 0</inkml:trace>
+</inkml:ink>
+</file>
+
+<file path=ppt/ink/ink9.xml><?xml version="1.0" encoding="utf-8"?>
+<inkml:ink xmlns:inkml="http://www.w3.org/2003/InkML">
+  <inkml:definitions>
+    <inkml:context xml:id="ctx0">
+      <inkml:inkSource xml:id="inkSrc0">
+        <inkml:traceFormat>
+          <inkml:channel name="X" type="integer" min="-2.14748E9" max="2.14748E9" units="cm"/>
+          <inkml:channel name="Y" type="integer" min="-2.14748E9" max="2.14748E9" units="cm"/>
+          <inkml:channel name="F" type="integer" max="32767" units="dev"/>
+          <inkml:channel name="OA" type="integer" max="360" units="deg"/>
+          <inkml:channel name="OE" type="integer" max="90" units="deg"/>
+        </inkml:traceFormat>
+        <inkml:channelProperties>
+          <inkml:channelProperty channel="X" name="resolution" value="1000" units="1/cm"/>
+          <inkml:channelProperty channel="Y" name="resolution" value="1000" units="1/cm"/>
+          <inkml:channelProperty channel="F" name="resolution" value="0" units="1/dev"/>
+          <inkml:channelProperty channel="OA" name="resolution" value="1000" units="1/deg"/>
+          <inkml:channelProperty channel="OE" name="resolution" value="1000" units="1/deg"/>
+        </inkml:channelProperties>
+      </inkml:inkSource>
+      <inkml:timestamp xml:id="ts0" timeString="2023-07-05T16:06:44.084"/>
+    </inkml:context>
+    <inkml:brush xml:id="br0">
+      <inkml:brushProperty name="width" value="0.1" units="cm"/>
+      <inkml:brushProperty name="height" value="0.1" units="cm"/>
+    </inkml:brush>
+  </inkml:definitions>
+  <inkml:trace contextRef="#ctx0" brushRef="#br0">142 55 4722 0 0,'0'0'3031'0'0,"-2"4"-2001"0"0,-2 4-549 0 0,0 0 0 0 0,1 0 0 0 0,0 1 0 0 0,1 0 0 0 0,0-1 0 0 0,0 1-1 0 0,1 0 1 0 0,0 0 0 0 0,1 0 0 0 0,0 0 0 0 0,0 0 0 0 0,3 12 0 0 0,-2-8-277 0 0,-1 0-1 0 0,0 0 0 0 0,0 0 0 0 0,-2 0 1 0 0,1 0-1 0 0,-6 20 0 0 0,-34 46 155 0 0,32-65-331 0 0,1 1 0 0 0,0 0 0 0 0,1 0 1 0 0,-8 28-1 0 0,13-17-74 0 0,3-22 290 0 0,-1-16-100 0 0,1 6-154 0 0,1 0 1 0 0,0 1 0 0 0,0 0-1 0 0,0-1 1 0 0,1 1-1 0 0,-1 0 1 0 0,1 0 0 0 0,0 0-1 0 0,1 0 1 0 0,6-7 0 0 0,11-17-95 0 0,-15 13-33 0 0,0 1 0 0 0,-1-1 1 0 0,-1-1-1 0 0,0 1 0 0 0,-2 0 1 0 0,1-1-1 0 0,-2 0 0 0 0,-1-25 1 0 0,1 19 24 0 0,0-1 1 0 0,1 1-1 0 0,9-35 1 0 0,-10 53 109 0 0,0-1 0 0 0,1 1 0 0 0,0 0-1 0 0,0 0 1 0 0,1-1 0 0 0,-1 2 0 0 0,1-1 0 0 0,0 0 0 0 0,0 0 0 0 0,1 1-1 0 0,-1 0 1 0 0,1 0 0 0 0,0 0 0 0 0,5-4 0 0 0,-3 5-16 0 0,0-1 0 0 0,1 2 0 0 0,-1-1 0 0 0,0 1 0 0 0,1-1 0 0 0,0 2 0 0 0,0-1 0 0 0,-1 1 0 0 0,1 0 0 0 0,0 0 0 0 0,9 1 0 0 0,39-2 53 0 0,1 2 0 0 0,0 3 0 0 0,85 15 0 0 0,-140-17-48 0 0,1-1-1 0 0,-1 1 0 0 0,1 0 1 0 0,-1 0-1 0 0,0 0 0 0 0,0 0 1 0 0,0 1-1 0 0,1-1 0 0 0,-1 0 0 0 0,0 0 1 0 0,0 1-1 0 0,-1-1 0 0 0,1 1 1 0 0,0-1-1 0 0,0 1 0 0 0,-1-1 1 0 0,1 1-1 0 0,-1-1 0 0 0,1 3 1 0 0,10 41-5 0 0,-6-25 3 0 0,4 14 274 0 0,-1 0 0 0 0,-2 0-1 0 0,-1 0 1 0 0,0 53 0 0 0,-5-83-212 0 0,-1 1 1 0 0,0-1 0 0 0,0 1-1 0 0,0-1 1 0 0,-1 0-1 0 0,0 1 1 0 0,0-1 0 0 0,0 0-1 0 0,0 0 1 0 0,0 0-1 0 0,-1 0 1 0 0,0-1 0 0 0,0 1-1 0 0,0-1 1 0 0,0 0-1 0 0,0 1 1 0 0,-1-1 0 0 0,0-1-1 0 0,1 1 1 0 0,-8 3-1 0 0,-11 7 147 0 0,-1-1 0 0 0,-36 14 0 0 0,35-16-168 0 0,-59 35-18 0 0,65-33-19 0 0,0-2 0 0 0,0 0 0 0 0,-1-1 0 0 0,-21 7-1 0 0,19-12 70 0 0,-1-1 0 0 0,0-1 0 0 0,0-1 0 0 0,0-1 0 0 0,-24-3 0 0 0,2 2-116 0 0,37 1-3 0 0,0-1-1 0 0,0 1 0 0 0,0-1 0 0 0,0 0 1 0 0,-13-4-1 0 0</inkml:trace>
+</inkml:ink>
 </file>
 
 <file path=ppt/slideLayouts/slideLayout1.xml><?xml version="1.0" encoding="utf-8"?>
@@ -257,7 +1936,7 @@
           <a:p>
             <a:fld id="{A84139DE-1D70-44FD-9196-63240C92C472}" type="datetimeFigureOut">
               <a:rPr lang="en-GB" smtClean="0"/>
-              <a:t>22/06/2023</a:t>
+              <a:t>05/07/2023</a:t>
             </a:fld>
             <a:endParaRPr lang="en-GB"/>
           </a:p>
@@ -457,7 +2136,7 @@
           <a:p>
             <a:fld id="{A84139DE-1D70-44FD-9196-63240C92C472}" type="datetimeFigureOut">
               <a:rPr lang="en-GB" smtClean="0"/>
-              <a:t>22/06/2023</a:t>
+              <a:t>05/07/2023</a:t>
             </a:fld>
             <a:endParaRPr lang="en-GB"/>
           </a:p>
@@ -667,7 +2346,7 @@
           <a:p>
             <a:fld id="{A84139DE-1D70-44FD-9196-63240C92C472}" type="datetimeFigureOut">
               <a:rPr lang="en-GB" smtClean="0"/>
-              <a:t>22/06/2023</a:t>
+              <a:t>05/07/2023</a:t>
             </a:fld>
             <a:endParaRPr lang="en-GB"/>
           </a:p>
@@ -867,7 +2546,7 @@
           <a:p>
             <a:fld id="{A84139DE-1D70-44FD-9196-63240C92C472}" type="datetimeFigureOut">
               <a:rPr lang="en-GB" smtClean="0"/>
-              <a:t>22/06/2023</a:t>
+              <a:t>05/07/2023</a:t>
             </a:fld>
             <a:endParaRPr lang="en-GB"/>
           </a:p>
@@ -1143,7 +2822,7 @@
           <a:p>
             <a:fld id="{A84139DE-1D70-44FD-9196-63240C92C472}" type="datetimeFigureOut">
               <a:rPr lang="en-GB" smtClean="0"/>
-              <a:t>22/06/2023</a:t>
+              <a:t>05/07/2023</a:t>
             </a:fld>
             <a:endParaRPr lang="en-GB"/>
           </a:p>
@@ -1411,7 +3090,7 @@
           <a:p>
             <a:fld id="{A84139DE-1D70-44FD-9196-63240C92C472}" type="datetimeFigureOut">
               <a:rPr lang="en-GB" smtClean="0"/>
-              <a:t>22/06/2023</a:t>
+              <a:t>05/07/2023</a:t>
             </a:fld>
             <a:endParaRPr lang="en-GB"/>
           </a:p>
@@ -1826,7 +3505,7 @@
           <a:p>
             <a:fld id="{A84139DE-1D70-44FD-9196-63240C92C472}" type="datetimeFigureOut">
               <a:rPr lang="en-GB" smtClean="0"/>
-              <a:t>22/06/2023</a:t>
+              <a:t>05/07/2023</a:t>
             </a:fld>
             <a:endParaRPr lang="en-GB"/>
           </a:p>
@@ -1968,7 +3647,7 @@
           <a:p>
             <a:fld id="{A84139DE-1D70-44FD-9196-63240C92C472}" type="datetimeFigureOut">
               <a:rPr lang="en-GB" smtClean="0"/>
-              <a:t>22/06/2023</a:t>
+              <a:t>05/07/2023</a:t>
             </a:fld>
             <a:endParaRPr lang="en-GB"/>
           </a:p>
@@ -2081,7 +3760,7 @@
           <a:p>
             <a:fld id="{A84139DE-1D70-44FD-9196-63240C92C472}" type="datetimeFigureOut">
               <a:rPr lang="en-GB" smtClean="0"/>
-              <a:t>22/06/2023</a:t>
+              <a:t>05/07/2023</a:t>
             </a:fld>
             <a:endParaRPr lang="en-GB"/>
           </a:p>
@@ -2394,7 +4073,7 @@
           <a:p>
             <a:fld id="{A84139DE-1D70-44FD-9196-63240C92C472}" type="datetimeFigureOut">
               <a:rPr lang="en-GB" smtClean="0"/>
-              <a:t>22/06/2023</a:t>
+              <a:t>05/07/2023</a:t>
             </a:fld>
             <a:endParaRPr lang="en-GB"/>
           </a:p>
@@ -2683,7 +4362,7 @@
           <a:p>
             <a:fld id="{A84139DE-1D70-44FD-9196-63240C92C472}" type="datetimeFigureOut">
               <a:rPr lang="en-GB" smtClean="0"/>
-              <a:t>22/06/2023</a:t>
+              <a:t>05/07/2023</a:t>
             </a:fld>
             <a:endParaRPr lang="en-GB"/>
           </a:p>
@@ -2926,7 +4605,7 @@
           <a:p>
             <a:fld id="{A84139DE-1D70-44FD-9196-63240C92C472}" type="datetimeFigureOut">
               <a:rPr lang="en-GB" smtClean="0"/>
-              <a:t>22/06/2023</a:t>
+              <a:t>05/07/2023</a:t>
             </a:fld>
             <a:endParaRPr lang="en-GB"/>
           </a:p>
@@ -3685,6 +5364,2823 @@
           </a:graphicData>
         </a:graphic>
       </p:graphicFrame>
+      <p:grpSp>
+        <p:nvGrpSpPr>
+          <p:cNvPr id="17" name="Group 16">
+            <a:extLst>
+              <a:ext uri="{FF2B5EF4-FFF2-40B4-BE49-F238E27FC236}">
+                <a16:creationId xmlns:a16="http://schemas.microsoft.com/office/drawing/2014/main" id="{22FE401B-2BEE-C4CC-1A7C-3FA53BFDFF9A}"/>
+              </a:ext>
+            </a:extLst>
+          </p:cNvPr>
+          <p:cNvGrpSpPr/>
+          <p:nvPr/>
+        </p:nvGrpSpPr>
+        <p:grpSpPr>
+          <a:xfrm>
+            <a:off x="8266163" y="2769660"/>
+            <a:ext cx="569520" cy="330120"/>
+            <a:chOff x="8266163" y="2769660"/>
+            <a:chExt cx="569520" cy="330120"/>
+          </a:xfrm>
+        </p:grpSpPr>
+        <mc:AlternateContent xmlns:mc="http://schemas.openxmlformats.org/markup-compatibility/2006">
+          <mc:Choice xmlns:p14="http://schemas.microsoft.com/office/powerpoint/2010/main" Requires="p14">
+            <p:contentPart p14:bwMode="auto" r:id="rId2">
+              <p14:nvContentPartPr>
+                <p14:cNvPr id="10" name="Ink 9">
+                  <a:extLst>
+                    <a:ext uri="{FF2B5EF4-FFF2-40B4-BE49-F238E27FC236}">
+                      <a16:creationId xmlns:a16="http://schemas.microsoft.com/office/drawing/2014/main" id="{64C5010E-CECB-BCA9-4015-AB7A057C92DB}"/>
+                    </a:ext>
+                  </a:extLst>
+                </p14:cNvPr>
+                <p14:cNvContentPartPr/>
+                <p14:nvPr/>
+              </p14:nvContentPartPr>
+              <p14:xfrm>
+                <a:off x="8266163" y="2850660"/>
+                <a:ext cx="95040" cy="236160"/>
+              </p14:xfrm>
+            </p:contentPart>
+          </mc:Choice>
+          <mc:Fallback>
+            <p:pic>
+              <p:nvPicPr>
+                <p:cNvPr id="10" name="Ink 9">
+                  <a:extLst>
+                    <a:ext uri="{FF2B5EF4-FFF2-40B4-BE49-F238E27FC236}">
+                      <a16:creationId xmlns:a16="http://schemas.microsoft.com/office/drawing/2014/main" id="{64C5010E-CECB-BCA9-4015-AB7A057C92DB}"/>
+                    </a:ext>
+                  </a:extLst>
+                </p:cNvPr>
+                <p:cNvPicPr/>
+                <p:nvPr/>
+              </p:nvPicPr>
+              <p:blipFill>
+                <a:blip r:embed="rId3"/>
+                <a:stretch>
+                  <a:fillRect/>
+                </a:stretch>
+              </p:blipFill>
+              <p:spPr>
+                <a:xfrm>
+                  <a:off x="8248163" y="2832660"/>
+                  <a:ext cx="130680" cy="271800"/>
+                </a:xfrm>
+                <a:prstGeom prst="rect">
+                  <a:avLst/>
+                </a:prstGeom>
+              </p:spPr>
+            </p:pic>
+          </mc:Fallback>
+        </mc:AlternateContent>
+        <mc:AlternateContent xmlns:mc="http://schemas.openxmlformats.org/markup-compatibility/2006">
+          <mc:Choice xmlns:p14="http://schemas.microsoft.com/office/powerpoint/2010/main" Requires="p14">
+            <p:contentPart p14:bwMode="auto" r:id="rId4">
+              <p14:nvContentPartPr>
+                <p14:cNvPr id="14" name="Ink 13">
+                  <a:extLst>
+                    <a:ext uri="{FF2B5EF4-FFF2-40B4-BE49-F238E27FC236}">
+                      <a16:creationId xmlns:a16="http://schemas.microsoft.com/office/drawing/2014/main" id="{E0F417CF-D737-3C74-944F-C306EA0EACEA}"/>
+                    </a:ext>
+                  </a:extLst>
+                </p14:cNvPr>
+                <p14:cNvContentPartPr/>
+                <p14:nvPr/>
+              </p14:nvContentPartPr>
+              <p14:xfrm>
+                <a:off x="8274083" y="2875500"/>
+                <a:ext cx="222120" cy="205560"/>
+              </p14:xfrm>
+            </p:contentPart>
+          </mc:Choice>
+          <mc:Fallback>
+            <p:pic>
+              <p:nvPicPr>
+                <p:cNvPr id="14" name="Ink 13">
+                  <a:extLst>
+                    <a:ext uri="{FF2B5EF4-FFF2-40B4-BE49-F238E27FC236}">
+                      <a16:creationId xmlns:a16="http://schemas.microsoft.com/office/drawing/2014/main" id="{E0F417CF-D737-3C74-944F-C306EA0EACEA}"/>
+                    </a:ext>
+                  </a:extLst>
+                </p:cNvPr>
+                <p:cNvPicPr/>
+                <p:nvPr/>
+              </p:nvPicPr>
+              <p:blipFill>
+                <a:blip r:embed="rId5"/>
+                <a:stretch>
+                  <a:fillRect/>
+                </a:stretch>
+              </p:blipFill>
+              <p:spPr>
+                <a:xfrm>
+                  <a:off x="8256083" y="2857500"/>
+                  <a:ext cx="257760" cy="241200"/>
+                </a:xfrm>
+                <a:prstGeom prst="rect">
+                  <a:avLst/>
+                </a:prstGeom>
+              </p:spPr>
+            </p:pic>
+          </mc:Fallback>
+        </mc:AlternateContent>
+        <mc:AlternateContent xmlns:mc="http://schemas.openxmlformats.org/markup-compatibility/2006">
+          <mc:Choice xmlns:p14="http://schemas.microsoft.com/office/powerpoint/2010/main" Requires="p14">
+            <p:contentPart p14:bwMode="auto" r:id="rId6">
+              <p14:nvContentPartPr>
+                <p14:cNvPr id="15" name="Ink 14">
+                  <a:extLst>
+                    <a:ext uri="{FF2B5EF4-FFF2-40B4-BE49-F238E27FC236}">
+                      <a16:creationId xmlns:a16="http://schemas.microsoft.com/office/drawing/2014/main" id="{55EEDB1F-3017-2AD8-0B0C-22075A6FD378}"/>
+                    </a:ext>
+                  </a:extLst>
+                </p14:cNvPr>
+                <p14:cNvContentPartPr/>
+                <p14:nvPr/>
+              </p14:nvContentPartPr>
+              <p14:xfrm>
+                <a:off x="8713643" y="2896740"/>
+                <a:ext cx="79560" cy="203040"/>
+              </p14:xfrm>
+            </p:contentPart>
+          </mc:Choice>
+          <mc:Fallback>
+            <p:pic>
+              <p:nvPicPr>
+                <p:cNvPr id="15" name="Ink 14">
+                  <a:extLst>
+                    <a:ext uri="{FF2B5EF4-FFF2-40B4-BE49-F238E27FC236}">
+                      <a16:creationId xmlns:a16="http://schemas.microsoft.com/office/drawing/2014/main" id="{55EEDB1F-3017-2AD8-0B0C-22075A6FD378}"/>
+                    </a:ext>
+                  </a:extLst>
+                </p:cNvPr>
+                <p:cNvPicPr/>
+                <p:nvPr/>
+              </p:nvPicPr>
+              <p:blipFill>
+                <a:blip r:embed="rId7"/>
+                <a:stretch>
+                  <a:fillRect/>
+                </a:stretch>
+              </p:blipFill>
+              <p:spPr>
+                <a:xfrm>
+                  <a:off x="8696003" y="2878740"/>
+                  <a:ext cx="115200" cy="238680"/>
+                </a:xfrm>
+                <a:prstGeom prst="rect">
+                  <a:avLst/>
+                </a:prstGeom>
+              </p:spPr>
+            </p:pic>
+          </mc:Fallback>
+        </mc:AlternateContent>
+        <mc:AlternateContent xmlns:mc="http://schemas.openxmlformats.org/markup-compatibility/2006">
+          <mc:Choice xmlns:p14="http://schemas.microsoft.com/office/powerpoint/2010/main" Requires="p14">
+            <p:contentPart p14:bwMode="auto" r:id="rId8">
+              <p14:nvContentPartPr>
+                <p14:cNvPr id="16" name="Ink 15">
+                  <a:extLst>
+                    <a:ext uri="{FF2B5EF4-FFF2-40B4-BE49-F238E27FC236}">
+                      <a16:creationId xmlns:a16="http://schemas.microsoft.com/office/drawing/2014/main" id="{81D4AC4B-92B6-04D0-939F-458F87A85258}"/>
+                    </a:ext>
+                  </a:extLst>
+                </p14:cNvPr>
+                <p14:cNvContentPartPr/>
+                <p14:nvPr/>
+              </p14:nvContentPartPr>
+              <p14:xfrm>
+                <a:off x="8585483" y="2769660"/>
+                <a:ext cx="250200" cy="253080"/>
+              </p14:xfrm>
+            </p:contentPart>
+          </mc:Choice>
+          <mc:Fallback>
+            <p:pic>
+              <p:nvPicPr>
+                <p:cNvPr id="16" name="Ink 15">
+                  <a:extLst>
+                    <a:ext uri="{FF2B5EF4-FFF2-40B4-BE49-F238E27FC236}">
+                      <a16:creationId xmlns:a16="http://schemas.microsoft.com/office/drawing/2014/main" id="{81D4AC4B-92B6-04D0-939F-458F87A85258}"/>
+                    </a:ext>
+                  </a:extLst>
+                </p:cNvPr>
+                <p:cNvPicPr/>
+                <p:nvPr/>
+              </p:nvPicPr>
+              <p:blipFill>
+                <a:blip r:embed="rId9"/>
+                <a:stretch>
+                  <a:fillRect/>
+                </a:stretch>
+              </p:blipFill>
+              <p:spPr>
+                <a:xfrm>
+                  <a:off x="8567483" y="2751660"/>
+                  <a:ext cx="285840" cy="288720"/>
+                </a:xfrm>
+                <a:prstGeom prst="rect">
+                  <a:avLst/>
+                </a:prstGeom>
+              </p:spPr>
+            </p:pic>
+          </mc:Fallback>
+        </mc:AlternateContent>
+      </p:grpSp>
+      <mc:AlternateContent xmlns:mc="http://schemas.openxmlformats.org/markup-compatibility/2006">
+        <mc:Choice xmlns:p14="http://schemas.microsoft.com/office/powerpoint/2010/main" Requires="p14">
+          <p:contentPart p14:bwMode="auto" r:id="rId10">
+            <p14:nvContentPartPr>
+              <p14:cNvPr id="37" name="Ink 36">
+                <a:extLst>
+                  <a:ext uri="{FF2B5EF4-FFF2-40B4-BE49-F238E27FC236}">
+                    <a16:creationId xmlns:a16="http://schemas.microsoft.com/office/drawing/2014/main" id="{72404FBD-9998-8A8F-57C8-F1E534669487}"/>
+                  </a:ext>
+                </a:extLst>
+              </p14:cNvPr>
+              <p14:cNvContentPartPr/>
+              <p14:nvPr/>
+            </p14:nvContentPartPr>
+            <p14:xfrm>
+              <a:off x="5187803" y="1500300"/>
+              <a:ext cx="625680" cy="279720"/>
+            </p14:xfrm>
+          </p:contentPart>
+        </mc:Choice>
+        <mc:Fallback>
+          <p:pic>
+            <p:nvPicPr>
+              <p:cNvPr id="37" name="Ink 36">
+                <a:extLst>
+                  <a:ext uri="{FF2B5EF4-FFF2-40B4-BE49-F238E27FC236}">
+                    <a16:creationId xmlns:a16="http://schemas.microsoft.com/office/drawing/2014/main" id="{72404FBD-9998-8A8F-57C8-F1E534669487}"/>
+                  </a:ext>
+                </a:extLst>
+              </p:cNvPr>
+              <p:cNvPicPr/>
+              <p:nvPr/>
+            </p:nvPicPr>
+            <p:blipFill>
+              <a:blip r:embed="rId11"/>
+              <a:stretch>
+                <a:fillRect/>
+              </a:stretch>
+            </p:blipFill>
+            <p:spPr>
+              <a:xfrm>
+                <a:off x="5170163" y="1482300"/>
+                <a:ext cx="661320" cy="315360"/>
+              </a:xfrm>
+              <a:prstGeom prst="rect">
+                <a:avLst/>
+              </a:prstGeom>
+            </p:spPr>
+          </p:pic>
+        </mc:Fallback>
+      </mc:AlternateContent>
+      <mc:AlternateContent xmlns:mc="http://schemas.openxmlformats.org/markup-compatibility/2006">
+        <mc:Choice xmlns:p14="http://schemas.microsoft.com/office/powerpoint/2010/main" Requires="p14">
+          <p:contentPart p14:bwMode="auto" r:id="rId12">
+            <p14:nvContentPartPr>
+              <p14:cNvPr id="55" name="Ink 54">
+                <a:extLst>
+                  <a:ext uri="{FF2B5EF4-FFF2-40B4-BE49-F238E27FC236}">
+                    <a16:creationId xmlns:a16="http://schemas.microsoft.com/office/drawing/2014/main" id="{8F0AE27D-8E13-8CF3-FA7A-9B6683450FBD}"/>
+                  </a:ext>
+                </a:extLst>
+              </p14:cNvPr>
+              <p14:cNvContentPartPr/>
+              <p14:nvPr/>
+            </p14:nvContentPartPr>
+            <p14:xfrm>
+              <a:off x="4185563" y="3917340"/>
+              <a:ext cx="162720" cy="452880"/>
+            </p14:xfrm>
+          </p:contentPart>
+        </mc:Choice>
+        <mc:Fallback>
+          <p:pic>
+            <p:nvPicPr>
+              <p:cNvPr id="55" name="Ink 54">
+                <a:extLst>
+                  <a:ext uri="{FF2B5EF4-FFF2-40B4-BE49-F238E27FC236}">
+                    <a16:creationId xmlns:a16="http://schemas.microsoft.com/office/drawing/2014/main" id="{8F0AE27D-8E13-8CF3-FA7A-9B6683450FBD}"/>
+                  </a:ext>
+                </a:extLst>
+              </p:cNvPr>
+              <p:cNvPicPr/>
+              <p:nvPr/>
+            </p:nvPicPr>
+            <p:blipFill>
+              <a:blip r:embed="rId13"/>
+              <a:stretch>
+                <a:fillRect/>
+              </a:stretch>
+            </p:blipFill>
+            <p:spPr>
+              <a:xfrm>
+                <a:off x="4167563" y="3899700"/>
+                <a:ext cx="198360" cy="488520"/>
+              </a:xfrm>
+              <a:prstGeom prst="rect">
+                <a:avLst/>
+              </a:prstGeom>
+            </p:spPr>
+          </p:pic>
+        </mc:Fallback>
+      </mc:AlternateContent>
+      <p:grpSp>
+        <p:nvGrpSpPr>
+          <p:cNvPr id="66" name="Group 65">
+            <a:extLst>
+              <a:ext uri="{FF2B5EF4-FFF2-40B4-BE49-F238E27FC236}">
+                <a16:creationId xmlns:a16="http://schemas.microsoft.com/office/drawing/2014/main" id="{32C2DEA5-A8E4-466D-535D-C8EA8FB0E05C}"/>
+              </a:ext>
+            </a:extLst>
+          </p:cNvPr>
+          <p:cNvGrpSpPr/>
+          <p:nvPr/>
+        </p:nvGrpSpPr>
+        <p:grpSpPr>
+          <a:xfrm>
+            <a:off x="3105203" y="1419300"/>
+            <a:ext cx="4455720" cy="3056400"/>
+            <a:chOff x="3105203" y="1419300"/>
+            <a:chExt cx="4455720" cy="3056400"/>
+          </a:xfrm>
+        </p:grpSpPr>
+        <mc:AlternateContent xmlns:mc="http://schemas.openxmlformats.org/markup-compatibility/2006">
+          <mc:Choice xmlns:p14="http://schemas.microsoft.com/office/powerpoint/2010/main" Requires="p14">
+            <p:contentPart p14:bwMode="auto" r:id="rId14">
+              <p14:nvContentPartPr>
+                <p14:cNvPr id="3" name="Ink 2">
+                  <a:extLst>
+                    <a:ext uri="{FF2B5EF4-FFF2-40B4-BE49-F238E27FC236}">
+                      <a16:creationId xmlns:a16="http://schemas.microsoft.com/office/drawing/2014/main" id="{54736143-BB46-F7BC-D187-5E7AFD050A03}"/>
+                    </a:ext>
+                  </a:extLst>
+                </p14:cNvPr>
+                <p14:cNvContentPartPr/>
+                <p14:nvPr/>
+              </p14:nvContentPartPr>
+              <p14:xfrm>
+                <a:off x="3585803" y="2794500"/>
+                <a:ext cx="176400" cy="258840"/>
+              </p14:xfrm>
+            </p:contentPart>
+          </mc:Choice>
+          <mc:Fallback>
+            <p:pic>
+              <p:nvPicPr>
+                <p:cNvPr id="3" name="Ink 2">
+                  <a:extLst>
+                    <a:ext uri="{FF2B5EF4-FFF2-40B4-BE49-F238E27FC236}">
+                      <a16:creationId xmlns:a16="http://schemas.microsoft.com/office/drawing/2014/main" id="{54736143-BB46-F7BC-D187-5E7AFD050A03}"/>
+                    </a:ext>
+                  </a:extLst>
+                </p:cNvPr>
+                <p:cNvPicPr/>
+                <p:nvPr/>
+              </p:nvPicPr>
+              <p:blipFill>
+                <a:blip r:embed="rId15"/>
+                <a:stretch>
+                  <a:fillRect/>
+                </a:stretch>
+              </p:blipFill>
+              <p:spPr>
+                <a:xfrm>
+                  <a:off x="3567803" y="2776860"/>
+                  <a:ext cx="212040" cy="294480"/>
+                </a:xfrm>
+                <a:prstGeom prst="rect">
+                  <a:avLst/>
+                </a:prstGeom>
+              </p:spPr>
+            </p:pic>
+          </mc:Fallback>
+        </mc:AlternateContent>
+        <mc:AlternateContent xmlns:mc="http://schemas.openxmlformats.org/markup-compatibility/2006">
+          <mc:Choice xmlns:p14="http://schemas.microsoft.com/office/powerpoint/2010/main" Requires="p14">
+            <p:contentPart p14:bwMode="auto" r:id="rId16">
+              <p14:nvContentPartPr>
+                <p14:cNvPr id="4" name="Ink 3">
+                  <a:extLst>
+                    <a:ext uri="{FF2B5EF4-FFF2-40B4-BE49-F238E27FC236}">
+                      <a16:creationId xmlns:a16="http://schemas.microsoft.com/office/drawing/2014/main" id="{3A10A31A-794E-3DE9-F690-8682344A048B}"/>
+                    </a:ext>
+                  </a:extLst>
+                </p14:cNvPr>
+                <p14:cNvContentPartPr/>
+                <p14:nvPr/>
+              </p14:nvContentPartPr>
+              <p14:xfrm>
+                <a:off x="3875603" y="2845620"/>
+                <a:ext cx="5040" cy="166320"/>
+              </p14:xfrm>
+            </p:contentPart>
+          </mc:Choice>
+          <mc:Fallback>
+            <p:pic>
+              <p:nvPicPr>
+                <p:cNvPr id="4" name="Ink 3">
+                  <a:extLst>
+                    <a:ext uri="{FF2B5EF4-FFF2-40B4-BE49-F238E27FC236}">
+                      <a16:creationId xmlns:a16="http://schemas.microsoft.com/office/drawing/2014/main" id="{3A10A31A-794E-3DE9-F690-8682344A048B}"/>
+                    </a:ext>
+                  </a:extLst>
+                </p:cNvPr>
+                <p:cNvPicPr/>
+                <p:nvPr/>
+              </p:nvPicPr>
+              <p:blipFill>
+                <a:blip r:embed="rId17"/>
+                <a:stretch>
+                  <a:fillRect/>
+                </a:stretch>
+              </p:blipFill>
+              <p:spPr>
+                <a:xfrm>
+                  <a:off x="3857603" y="2827980"/>
+                  <a:ext cx="40680" cy="201960"/>
+                </a:xfrm>
+                <a:prstGeom prst="rect">
+                  <a:avLst/>
+                </a:prstGeom>
+              </p:spPr>
+            </p:pic>
+          </mc:Fallback>
+        </mc:AlternateContent>
+        <mc:AlternateContent xmlns:mc="http://schemas.openxmlformats.org/markup-compatibility/2006">
+          <mc:Choice xmlns:p14="http://schemas.microsoft.com/office/powerpoint/2010/main" Requires="p14">
+            <p:contentPart p14:bwMode="auto" r:id="rId18">
+              <p14:nvContentPartPr>
+                <p14:cNvPr id="8" name="Ink 7">
+                  <a:extLst>
+                    <a:ext uri="{FF2B5EF4-FFF2-40B4-BE49-F238E27FC236}">
+                      <a16:creationId xmlns:a16="http://schemas.microsoft.com/office/drawing/2014/main" id="{FE90766F-7A78-D344-C09F-9B88360B7BE8}"/>
+                    </a:ext>
+                  </a:extLst>
+                </p14:cNvPr>
+                <p14:cNvContentPartPr/>
+                <p14:nvPr/>
+              </p14:nvContentPartPr>
+              <p14:xfrm>
+                <a:off x="6898883" y="2838780"/>
+                <a:ext cx="228960" cy="213120"/>
+              </p14:xfrm>
+            </p:contentPart>
+          </mc:Choice>
+          <mc:Fallback>
+            <p:pic>
+              <p:nvPicPr>
+                <p:cNvPr id="8" name="Ink 7">
+                  <a:extLst>
+                    <a:ext uri="{FF2B5EF4-FFF2-40B4-BE49-F238E27FC236}">
+                      <a16:creationId xmlns:a16="http://schemas.microsoft.com/office/drawing/2014/main" id="{FE90766F-7A78-D344-C09F-9B88360B7BE8}"/>
+                    </a:ext>
+                  </a:extLst>
+                </p:cNvPr>
+                <p:cNvPicPr/>
+                <p:nvPr/>
+              </p:nvPicPr>
+              <p:blipFill>
+                <a:blip r:embed="rId19"/>
+                <a:stretch>
+                  <a:fillRect/>
+                </a:stretch>
+              </p:blipFill>
+              <p:spPr>
+                <a:xfrm>
+                  <a:off x="6881243" y="2820780"/>
+                  <a:ext cx="264600" cy="248760"/>
+                </a:xfrm>
+                <a:prstGeom prst="rect">
+                  <a:avLst/>
+                </a:prstGeom>
+              </p:spPr>
+            </p:pic>
+          </mc:Fallback>
+        </mc:AlternateContent>
+        <mc:AlternateContent xmlns:mc="http://schemas.openxmlformats.org/markup-compatibility/2006">
+          <mc:Choice xmlns:p14="http://schemas.microsoft.com/office/powerpoint/2010/main" Requires="p14">
+            <p:contentPart p14:bwMode="auto" r:id="rId20">
+              <p14:nvContentPartPr>
+                <p14:cNvPr id="9" name="Ink 8">
+                  <a:extLst>
+                    <a:ext uri="{FF2B5EF4-FFF2-40B4-BE49-F238E27FC236}">
+                      <a16:creationId xmlns:a16="http://schemas.microsoft.com/office/drawing/2014/main" id="{2393A274-6BB4-18FB-72CD-E149B94E3D0F}"/>
+                    </a:ext>
+                  </a:extLst>
+                </p14:cNvPr>
+                <p14:cNvContentPartPr/>
+                <p14:nvPr/>
+              </p14:nvContentPartPr>
+              <p14:xfrm>
+                <a:off x="7266803" y="2838780"/>
+                <a:ext cx="164520" cy="209880"/>
+              </p14:xfrm>
+            </p:contentPart>
+          </mc:Choice>
+          <mc:Fallback>
+            <p:pic>
+              <p:nvPicPr>
+                <p:cNvPr id="9" name="Ink 8">
+                  <a:extLst>
+                    <a:ext uri="{FF2B5EF4-FFF2-40B4-BE49-F238E27FC236}">
+                      <a16:creationId xmlns:a16="http://schemas.microsoft.com/office/drawing/2014/main" id="{2393A274-6BB4-18FB-72CD-E149B94E3D0F}"/>
+                    </a:ext>
+                  </a:extLst>
+                </p:cNvPr>
+                <p:cNvPicPr/>
+                <p:nvPr/>
+              </p:nvPicPr>
+              <p:blipFill>
+                <a:blip r:embed="rId21"/>
+                <a:stretch>
+                  <a:fillRect/>
+                </a:stretch>
+              </p:blipFill>
+              <p:spPr>
+                <a:xfrm>
+                  <a:off x="7248803" y="2820780"/>
+                  <a:ext cx="200160" cy="245520"/>
+                </a:xfrm>
+                <a:prstGeom prst="rect">
+                  <a:avLst/>
+                </a:prstGeom>
+              </p:spPr>
+            </p:pic>
+          </mc:Fallback>
+        </mc:AlternateContent>
+        <mc:AlternateContent xmlns:mc="http://schemas.openxmlformats.org/markup-compatibility/2006">
+          <mc:Choice xmlns:p14="http://schemas.microsoft.com/office/powerpoint/2010/main" Requires="p14">
+            <p:contentPart p14:bwMode="auto" r:id="rId22">
+              <p14:nvContentPartPr>
+                <p14:cNvPr id="26" name="Ink 25">
+                  <a:extLst>
+                    <a:ext uri="{FF2B5EF4-FFF2-40B4-BE49-F238E27FC236}">
+                      <a16:creationId xmlns:a16="http://schemas.microsoft.com/office/drawing/2014/main" id="{C5F3E812-64AD-FC97-B9B5-76CB9EE827D7}"/>
+                    </a:ext>
+                  </a:extLst>
+                </p14:cNvPr>
+                <p14:cNvContentPartPr/>
+                <p14:nvPr/>
+              </p14:nvContentPartPr>
+              <p14:xfrm>
+                <a:off x="5584883" y="3420900"/>
+                <a:ext cx="1933560" cy="1036440"/>
+              </p14:xfrm>
+            </p:contentPart>
+          </mc:Choice>
+          <mc:Fallback>
+            <p:pic>
+              <p:nvPicPr>
+                <p:cNvPr id="26" name="Ink 25">
+                  <a:extLst>
+                    <a:ext uri="{FF2B5EF4-FFF2-40B4-BE49-F238E27FC236}">
+                      <a16:creationId xmlns:a16="http://schemas.microsoft.com/office/drawing/2014/main" id="{C5F3E812-64AD-FC97-B9B5-76CB9EE827D7}"/>
+                    </a:ext>
+                  </a:extLst>
+                </p:cNvPr>
+                <p:cNvPicPr/>
+                <p:nvPr/>
+              </p:nvPicPr>
+              <p:blipFill>
+                <a:blip r:embed="rId23"/>
+                <a:stretch>
+                  <a:fillRect/>
+                </a:stretch>
+              </p:blipFill>
+              <p:spPr>
+                <a:xfrm>
+                  <a:off x="5567243" y="3403260"/>
+                  <a:ext cx="1969200" cy="1072080"/>
+                </a:xfrm>
+                <a:prstGeom prst="rect">
+                  <a:avLst/>
+                </a:prstGeom>
+              </p:spPr>
+            </p:pic>
+          </mc:Fallback>
+        </mc:AlternateContent>
+        <mc:AlternateContent xmlns:mc="http://schemas.openxmlformats.org/markup-compatibility/2006">
+          <mc:Choice xmlns:p14="http://schemas.microsoft.com/office/powerpoint/2010/main" Requires="p14">
+            <p:contentPart p14:bwMode="auto" r:id="rId24">
+              <p14:nvContentPartPr>
+                <p14:cNvPr id="27" name="Ink 26">
+                  <a:extLst>
+                    <a:ext uri="{FF2B5EF4-FFF2-40B4-BE49-F238E27FC236}">
+                      <a16:creationId xmlns:a16="http://schemas.microsoft.com/office/drawing/2014/main" id="{57C4FBF7-7CDF-B30F-96D7-3E75724C85B3}"/>
+                    </a:ext>
+                  </a:extLst>
+                </p14:cNvPr>
+                <p14:cNvContentPartPr/>
+                <p14:nvPr/>
+              </p14:nvContentPartPr>
+              <p14:xfrm>
+                <a:off x="5867843" y="4193460"/>
+                <a:ext cx="87120" cy="64080"/>
+              </p14:xfrm>
+            </p:contentPart>
+          </mc:Choice>
+          <mc:Fallback>
+            <p:pic>
+              <p:nvPicPr>
+                <p:cNvPr id="27" name="Ink 26">
+                  <a:extLst>
+                    <a:ext uri="{FF2B5EF4-FFF2-40B4-BE49-F238E27FC236}">
+                      <a16:creationId xmlns:a16="http://schemas.microsoft.com/office/drawing/2014/main" id="{57C4FBF7-7CDF-B30F-96D7-3E75724C85B3}"/>
+                    </a:ext>
+                  </a:extLst>
+                </p:cNvPr>
+                <p:cNvPicPr/>
+                <p:nvPr/>
+              </p:nvPicPr>
+              <p:blipFill>
+                <a:blip r:embed="rId25"/>
+                <a:stretch>
+                  <a:fillRect/>
+                </a:stretch>
+              </p:blipFill>
+              <p:spPr>
+                <a:xfrm>
+                  <a:off x="5849843" y="4175460"/>
+                  <a:ext cx="122760" cy="99720"/>
+                </a:xfrm>
+                <a:prstGeom prst="rect">
+                  <a:avLst/>
+                </a:prstGeom>
+              </p:spPr>
+            </p:pic>
+          </mc:Fallback>
+        </mc:AlternateContent>
+        <mc:AlternateContent xmlns:mc="http://schemas.openxmlformats.org/markup-compatibility/2006">
+          <mc:Choice xmlns:p14="http://schemas.microsoft.com/office/powerpoint/2010/main" Requires="p14">
+            <p:contentPart p14:bwMode="auto" r:id="rId26">
+              <p14:nvContentPartPr>
+                <p14:cNvPr id="29" name="Ink 28">
+                  <a:extLst>
+                    <a:ext uri="{FF2B5EF4-FFF2-40B4-BE49-F238E27FC236}">
+                      <a16:creationId xmlns:a16="http://schemas.microsoft.com/office/drawing/2014/main" id="{539002B0-F594-7114-D802-746C08E0C78B}"/>
+                    </a:ext>
+                  </a:extLst>
+                </p14:cNvPr>
+                <p14:cNvContentPartPr/>
+                <p14:nvPr/>
+              </p14:nvContentPartPr>
+              <p14:xfrm>
+                <a:off x="6339443" y="3875220"/>
+                <a:ext cx="81000" cy="69840"/>
+              </p14:xfrm>
+            </p:contentPart>
+          </mc:Choice>
+          <mc:Fallback>
+            <p:pic>
+              <p:nvPicPr>
+                <p:cNvPr id="29" name="Ink 28">
+                  <a:extLst>
+                    <a:ext uri="{FF2B5EF4-FFF2-40B4-BE49-F238E27FC236}">
+                      <a16:creationId xmlns:a16="http://schemas.microsoft.com/office/drawing/2014/main" id="{539002B0-F594-7114-D802-746C08E0C78B}"/>
+                    </a:ext>
+                  </a:extLst>
+                </p:cNvPr>
+                <p:cNvPicPr/>
+                <p:nvPr/>
+              </p:nvPicPr>
+              <p:blipFill>
+                <a:blip r:embed="rId27"/>
+                <a:stretch>
+                  <a:fillRect/>
+                </a:stretch>
+              </p:blipFill>
+              <p:spPr>
+                <a:xfrm>
+                  <a:off x="6321803" y="3857220"/>
+                  <a:ext cx="116640" cy="105480"/>
+                </a:xfrm>
+                <a:prstGeom prst="rect">
+                  <a:avLst/>
+                </a:prstGeom>
+              </p:spPr>
+            </p:pic>
+          </mc:Fallback>
+        </mc:AlternateContent>
+        <mc:AlternateContent xmlns:mc="http://schemas.openxmlformats.org/markup-compatibility/2006">
+          <mc:Choice xmlns:p14="http://schemas.microsoft.com/office/powerpoint/2010/main" Requires="p14">
+            <p:contentPart p14:bwMode="auto" r:id="rId28">
+              <p14:nvContentPartPr>
+                <p14:cNvPr id="30" name="Ink 29">
+                  <a:extLst>
+                    <a:ext uri="{FF2B5EF4-FFF2-40B4-BE49-F238E27FC236}">
+                      <a16:creationId xmlns:a16="http://schemas.microsoft.com/office/drawing/2014/main" id="{57584FE4-4D16-FFC6-D1B4-C915B0FCF15B}"/>
+                    </a:ext>
+                  </a:extLst>
+                </p14:cNvPr>
+                <p14:cNvContentPartPr/>
+                <p14:nvPr/>
+              </p14:nvContentPartPr>
+              <p14:xfrm>
+                <a:off x="6891683" y="3671820"/>
+                <a:ext cx="107280" cy="48600"/>
+              </p14:xfrm>
+            </p:contentPart>
+          </mc:Choice>
+          <mc:Fallback>
+            <p:pic>
+              <p:nvPicPr>
+                <p:cNvPr id="30" name="Ink 29">
+                  <a:extLst>
+                    <a:ext uri="{FF2B5EF4-FFF2-40B4-BE49-F238E27FC236}">
+                      <a16:creationId xmlns:a16="http://schemas.microsoft.com/office/drawing/2014/main" id="{57584FE4-4D16-FFC6-D1B4-C915B0FCF15B}"/>
+                    </a:ext>
+                  </a:extLst>
+                </p:cNvPr>
+                <p:cNvPicPr/>
+                <p:nvPr/>
+              </p:nvPicPr>
+              <p:blipFill>
+                <a:blip r:embed="rId29"/>
+                <a:stretch>
+                  <a:fillRect/>
+                </a:stretch>
+              </p:blipFill>
+              <p:spPr>
+                <a:xfrm>
+                  <a:off x="6873683" y="3653820"/>
+                  <a:ext cx="142920" cy="84240"/>
+                </a:xfrm>
+                <a:prstGeom prst="rect">
+                  <a:avLst/>
+                </a:prstGeom>
+              </p:spPr>
+            </p:pic>
+          </mc:Fallback>
+        </mc:AlternateContent>
+        <mc:AlternateContent xmlns:mc="http://schemas.openxmlformats.org/markup-compatibility/2006">
+          <mc:Choice xmlns:p14="http://schemas.microsoft.com/office/powerpoint/2010/main" Requires="p14">
+            <p:contentPart p14:bwMode="auto" r:id="rId30">
+              <p14:nvContentPartPr>
+                <p14:cNvPr id="32" name="Ink 31">
+                  <a:extLst>
+                    <a:ext uri="{FF2B5EF4-FFF2-40B4-BE49-F238E27FC236}">
+                      <a16:creationId xmlns:a16="http://schemas.microsoft.com/office/drawing/2014/main" id="{57F41622-23A0-7AE0-CA41-81D9C4E49886}"/>
+                    </a:ext>
+                  </a:extLst>
+                </p14:cNvPr>
+                <p14:cNvContentPartPr/>
+                <p14:nvPr/>
+              </p14:nvContentPartPr>
+              <p14:xfrm>
+                <a:off x="7351763" y="3531060"/>
+                <a:ext cx="117000" cy="62280"/>
+              </p14:xfrm>
+            </p:contentPart>
+          </mc:Choice>
+          <mc:Fallback>
+            <p:pic>
+              <p:nvPicPr>
+                <p:cNvPr id="32" name="Ink 31">
+                  <a:extLst>
+                    <a:ext uri="{FF2B5EF4-FFF2-40B4-BE49-F238E27FC236}">
+                      <a16:creationId xmlns:a16="http://schemas.microsoft.com/office/drawing/2014/main" id="{57F41622-23A0-7AE0-CA41-81D9C4E49886}"/>
+                    </a:ext>
+                  </a:extLst>
+                </p:cNvPr>
+                <p:cNvPicPr/>
+                <p:nvPr/>
+              </p:nvPicPr>
+              <p:blipFill>
+                <a:blip r:embed="rId31"/>
+                <a:stretch>
+                  <a:fillRect/>
+                </a:stretch>
+              </p:blipFill>
+              <p:spPr>
+                <a:xfrm>
+                  <a:off x="7333763" y="3513060"/>
+                  <a:ext cx="152640" cy="97920"/>
+                </a:xfrm>
+                <a:prstGeom prst="rect">
+                  <a:avLst/>
+                </a:prstGeom>
+              </p:spPr>
+            </p:pic>
+          </mc:Fallback>
+        </mc:AlternateContent>
+        <mc:AlternateContent xmlns:mc="http://schemas.openxmlformats.org/markup-compatibility/2006">
+          <mc:Choice xmlns:p14="http://schemas.microsoft.com/office/powerpoint/2010/main" Requires="p14">
+            <p:contentPart p14:bwMode="auto" r:id="rId32">
+              <p14:nvContentPartPr>
+                <p14:cNvPr id="33" name="Ink 32">
+                  <a:extLst>
+                    <a:ext uri="{FF2B5EF4-FFF2-40B4-BE49-F238E27FC236}">
+                      <a16:creationId xmlns:a16="http://schemas.microsoft.com/office/drawing/2014/main" id="{3FF2E234-62FA-6420-E9A3-F396C6CECB3A}"/>
+                    </a:ext>
+                  </a:extLst>
+                </p14:cNvPr>
+                <p14:cNvContentPartPr/>
+                <p14:nvPr/>
+              </p14:nvContentPartPr>
+              <p14:xfrm>
+                <a:off x="5935163" y="3934260"/>
+                <a:ext cx="467280" cy="249480"/>
+              </p14:xfrm>
+            </p:contentPart>
+          </mc:Choice>
+          <mc:Fallback>
+            <p:pic>
+              <p:nvPicPr>
+                <p:cNvPr id="33" name="Ink 32">
+                  <a:extLst>
+                    <a:ext uri="{FF2B5EF4-FFF2-40B4-BE49-F238E27FC236}">
+                      <a16:creationId xmlns:a16="http://schemas.microsoft.com/office/drawing/2014/main" id="{3FF2E234-62FA-6420-E9A3-F396C6CECB3A}"/>
+                    </a:ext>
+                  </a:extLst>
+                </p:cNvPr>
+                <p:cNvPicPr/>
+                <p:nvPr/>
+              </p:nvPicPr>
+              <p:blipFill>
+                <a:blip r:embed="rId33"/>
+                <a:stretch>
+                  <a:fillRect/>
+                </a:stretch>
+              </p:blipFill>
+              <p:spPr>
+                <a:xfrm>
+                  <a:off x="5917523" y="3916620"/>
+                  <a:ext cx="502920" cy="285120"/>
+                </a:xfrm>
+                <a:prstGeom prst="rect">
+                  <a:avLst/>
+                </a:prstGeom>
+              </p:spPr>
+            </p:pic>
+          </mc:Fallback>
+        </mc:AlternateContent>
+        <mc:AlternateContent xmlns:mc="http://schemas.openxmlformats.org/markup-compatibility/2006">
+          <mc:Choice xmlns:p14="http://schemas.microsoft.com/office/powerpoint/2010/main" Requires="p14">
+            <p:contentPart p14:bwMode="auto" r:id="rId34">
+              <p14:nvContentPartPr>
+                <p14:cNvPr id="34" name="Ink 33">
+                  <a:extLst>
+                    <a:ext uri="{FF2B5EF4-FFF2-40B4-BE49-F238E27FC236}">
+                      <a16:creationId xmlns:a16="http://schemas.microsoft.com/office/drawing/2014/main" id="{204D2B6D-E85E-8E67-2ACB-F2201DB2E36C}"/>
+                    </a:ext>
+                  </a:extLst>
+                </p14:cNvPr>
+                <p14:cNvContentPartPr/>
+                <p14:nvPr/>
+              </p14:nvContentPartPr>
+              <p14:xfrm>
+                <a:off x="6450323" y="3752820"/>
+                <a:ext cx="483480" cy="161280"/>
+              </p14:xfrm>
+            </p:contentPart>
+          </mc:Choice>
+          <mc:Fallback>
+            <p:pic>
+              <p:nvPicPr>
+                <p:cNvPr id="34" name="Ink 33">
+                  <a:extLst>
+                    <a:ext uri="{FF2B5EF4-FFF2-40B4-BE49-F238E27FC236}">
+                      <a16:creationId xmlns:a16="http://schemas.microsoft.com/office/drawing/2014/main" id="{204D2B6D-E85E-8E67-2ACB-F2201DB2E36C}"/>
+                    </a:ext>
+                  </a:extLst>
+                </p:cNvPr>
+                <p:cNvPicPr/>
+                <p:nvPr/>
+              </p:nvPicPr>
+              <p:blipFill>
+                <a:blip r:embed="rId35"/>
+                <a:stretch>
+                  <a:fillRect/>
+                </a:stretch>
+              </p:blipFill>
+              <p:spPr>
+                <a:xfrm>
+                  <a:off x="6432683" y="3734820"/>
+                  <a:ext cx="519120" cy="196920"/>
+                </a:xfrm>
+                <a:prstGeom prst="rect">
+                  <a:avLst/>
+                </a:prstGeom>
+              </p:spPr>
+            </p:pic>
+          </mc:Fallback>
+        </mc:AlternateContent>
+        <mc:AlternateContent xmlns:mc="http://schemas.openxmlformats.org/markup-compatibility/2006">
+          <mc:Choice xmlns:p14="http://schemas.microsoft.com/office/powerpoint/2010/main" Requires="p14">
+            <p:contentPart p14:bwMode="auto" r:id="rId36">
+              <p14:nvContentPartPr>
+                <p14:cNvPr id="35" name="Ink 34">
+                  <a:extLst>
+                    <a:ext uri="{FF2B5EF4-FFF2-40B4-BE49-F238E27FC236}">
+                      <a16:creationId xmlns:a16="http://schemas.microsoft.com/office/drawing/2014/main" id="{C5C62C9D-D8E1-B665-406D-376DF58535B3}"/>
+                    </a:ext>
+                  </a:extLst>
+                </p14:cNvPr>
+                <p14:cNvContentPartPr/>
+                <p14:nvPr/>
+              </p14:nvContentPartPr>
+              <p14:xfrm>
+                <a:off x="6994643" y="3617820"/>
+                <a:ext cx="438480" cy="83880"/>
+              </p14:xfrm>
+            </p:contentPart>
+          </mc:Choice>
+          <mc:Fallback>
+            <p:pic>
+              <p:nvPicPr>
+                <p:cNvPr id="35" name="Ink 34">
+                  <a:extLst>
+                    <a:ext uri="{FF2B5EF4-FFF2-40B4-BE49-F238E27FC236}">
+                      <a16:creationId xmlns:a16="http://schemas.microsoft.com/office/drawing/2014/main" id="{C5C62C9D-D8E1-B665-406D-376DF58535B3}"/>
+                    </a:ext>
+                  </a:extLst>
+                </p:cNvPr>
+                <p:cNvPicPr/>
+                <p:nvPr/>
+              </p:nvPicPr>
+              <p:blipFill>
+                <a:blip r:embed="rId37"/>
+                <a:stretch>
+                  <a:fillRect/>
+                </a:stretch>
+              </p:blipFill>
+              <p:spPr>
+                <a:xfrm>
+                  <a:off x="6977003" y="3599820"/>
+                  <a:ext cx="474120" cy="119520"/>
+                </a:xfrm>
+                <a:prstGeom prst="rect">
+                  <a:avLst/>
+                </a:prstGeom>
+              </p:spPr>
+            </p:pic>
+          </mc:Fallback>
+        </mc:AlternateContent>
+        <mc:AlternateContent xmlns:mc="http://schemas.openxmlformats.org/markup-compatibility/2006">
+          <mc:Choice xmlns:p14="http://schemas.microsoft.com/office/powerpoint/2010/main" Requires="p14">
+            <p:contentPart p14:bwMode="auto" r:id="rId38">
+              <p14:nvContentPartPr>
+                <p14:cNvPr id="5" name="Ink 4">
+                  <a:extLst>
+                    <a:ext uri="{FF2B5EF4-FFF2-40B4-BE49-F238E27FC236}">
+                      <a16:creationId xmlns:a16="http://schemas.microsoft.com/office/drawing/2014/main" id="{FBDA773A-0916-B1CC-D80C-6E337A8AB082}"/>
+                    </a:ext>
+                  </a:extLst>
+                </p14:cNvPr>
+                <p14:cNvContentPartPr/>
+                <p14:nvPr/>
+              </p14:nvContentPartPr>
+              <p14:xfrm>
+                <a:off x="5171603" y="2869020"/>
+                <a:ext cx="14040" cy="178560"/>
+              </p14:xfrm>
+            </p:contentPart>
+          </mc:Choice>
+          <mc:Fallback>
+            <p:pic>
+              <p:nvPicPr>
+                <p:cNvPr id="5" name="Ink 4">
+                  <a:extLst>
+                    <a:ext uri="{FF2B5EF4-FFF2-40B4-BE49-F238E27FC236}">
+                      <a16:creationId xmlns:a16="http://schemas.microsoft.com/office/drawing/2014/main" id="{FBDA773A-0916-B1CC-D80C-6E337A8AB082}"/>
+                    </a:ext>
+                  </a:extLst>
+                </p:cNvPr>
+                <p:cNvPicPr/>
+                <p:nvPr/>
+              </p:nvPicPr>
+              <p:blipFill>
+                <a:blip r:embed="rId39"/>
+                <a:stretch>
+                  <a:fillRect/>
+                </a:stretch>
+              </p:blipFill>
+              <p:spPr>
+                <a:xfrm>
+                  <a:off x="5153603" y="2851380"/>
+                  <a:ext cx="49680" cy="214200"/>
+                </a:xfrm>
+                <a:prstGeom prst="rect">
+                  <a:avLst/>
+                </a:prstGeom>
+              </p:spPr>
+            </p:pic>
+          </mc:Fallback>
+        </mc:AlternateContent>
+        <mc:AlternateContent xmlns:mc="http://schemas.openxmlformats.org/markup-compatibility/2006">
+          <mc:Choice xmlns:p14="http://schemas.microsoft.com/office/powerpoint/2010/main" Requires="p14">
+            <p:contentPart p14:bwMode="auto" r:id="rId40">
+              <p14:nvContentPartPr>
+                <p14:cNvPr id="6" name="Ink 5">
+                  <a:extLst>
+                    <a:ext uri="{FF2B5EF4-FFF2-40B4-BE49-F238E27FC236}">
+                      <a16:creationId xmlns:a16="http://schemas.microsoft.com/office/drawing/2014/main" id="{E3C20E4B-0F4B-5828-FF4F-C3D7323AA447}"/>
+                    </a:ext>
+                  </a:extLst>
+                </p14:cNvPr>
+                <p14:cNvContentPartPr/>
+                <p14:nvPr/>
+              </p14:nvContentPartPr>
+              <p14:xfrm>
+                <a:off x="5188523" y="2856780"/>
+                <a:ext cx="182880" cy="208440"/>
+              </p14:xfrm>
+            </p:contentPart>
+          </mc:Choice>
+          <mc:Fallback>
+            <p:pic>
+              <p:nvPicPr>
+                <p:cNvPr id="6" name="Ink 5">
+                  <a:extLst>
+                    <a:ext uri="{FF2B5EF4-FFF2-40B4-BE49-F238E27FC236}">
+                      <a16:creationId xmlns:a16="http://schemas.microsoft.com/office/drawing/2014/main" id="{E3C20E4B-0F4B-5828-FF4F-C3D7323AA447}"/>
+                    </a:ext>
+                  </a:extLst>
+                </p:cNvPr>
+                <p:cNvPicPr/>
+                <p:nvPr/>
+              </p:nvPicPr>
+              <p:blipFill>
+                <a:blip r:embed="rId41"/>
+                <a:stretch>
+                  <a:fillRect/>
+                </a:stretch>
+              </p:blipFill>
+              <p:spPr>
+                <a:xfrm>
+                  <a:off x="5170523" y="2839140"/>
+                  <a:ext cx="218520" cy="244080"/>
+                </a:xfrm>
+                <a:prstGeom prst="rect">
+                  <a:avLst/>
+                </a:prstGeom>
+              </p:spPr>
+            </p:pic>
+          </mc:Fallback>
+        </mc:AlternateContent>
+        <mc:AlternateContent xmlns:mc="http://schemas.openxmlformats.org/markup-compatibility/2006">
+          <mc:Choice xmlns:p14="http://schemas.microsoft.com/office/powerpoint/2010/main" Requires="p14">
+            <p:contentPart p14:bwMode="auto" r:id="rId42">
+              <p14:nvContentPartPr>
+                <p14:cNvPr id="7" name="Ink 6">
+                  <a:extLst>
+                    <a:ext uri="{FF2B5EF4-FFF2-40B4-BE49-F238E27FC236}">
+                      <a16:creationId xmlns:a16="http://schemas.microsoft.com/office/drawing/2014/main" id="{516F4983-B811-E984-B685-7EE7B7B50808}"/>
+                    </a:ext>
+                  </a:extLst>
+                </p14:cNvPr>
+                <p14:cNvContentPartPr/>
+                <p14:nvPr/>
+              </p14:nvContentPartPr>
+              <p14:xfrm>
+                <a:off x="5438003" y="2862180"/>
+                <a:ext cx="217080" cy="187200"/>
+              </p14:xfrm>
+            </p:contentPart>
+          </mc:Choice>
+          <mc:Fallback>
+            <p:pic>
+              <p:nvPicPr>
+                <p:cNvPr id="7" name="Ink 6">
+                  <a:extLst>
+                    <a:ext uri="{FF2B5EF4-FFF2-40B4-BE49-F238E27FC236}">
+                      <a16:creationId xmlns:a16="http://schemas.microsoft.com/office/drawing/2014/main" id="{516F4983-B811-E984-B685-7EE7B7B50808}"/>
+                    </a:ext>
+                  </a:extLst>
+                </p:cNvPr>
+                <p:cNvPicPr/>
+                <p:nvPr/>
+              </p:nvPicPr>
+              <p:blipFill>
+                <a:blip r:embed="rId43"/>
+                <a:stretch>
+                  <a:fillRect/>
+                </a:stretch>
+              </p:blipFill>
+              <p:spPr>
+                <a:xfrm>
+                  <a:off x="5420003" y="2844540"/>
+                  <a:ext cx="252720" cy="222840"/>
+                </a:xfrm>
+                <a:prstGeom prst="rect">
+                  <a:avLst/>
+                </a:prstGeom>
+              </p:spPr>
+            </p:pic>
+          </mc:Fallback>
+        </mc:AlternateContent>
+        <mc:AlternateContent xmlns:mc="http://schemas.openxmlformats.org/markup-compatibility/2006">
+          <mc:Choice xmlns:p14="http://schemas.microsoft.com/office/powerpoint/2010/main" Requires="p14">
+            <p:contentPart p14:bwMode="auto" r:id="rId44">
+              <p14:nvContentPartPr>
+                <p14:cNvPr id="38" name="Ink 37">
+                  <a:extLst>
+                    <a:ext uri="{FF2B5EF4-FFF2-40B4-BE49-F238E27FC236}">
+                      <a16:creationId xmlns:a16="http://schemas.microsoft.com/office/drawing/2014/main" id="{5F1C927B-F4FA-69D4-4B54-31EFA372D4FF}"/>
+                    </a:ext>
+                  </a:extLst>
+                </p14:cNvPr>
+                <p14:cNvContentPartPr/>
+                <p14:nvPr/>
+              </p14:nvContentPartPr>
+              <p14:xfrm>
+                <a:off x="5516483" y="1780380"/>
+                <a:ext cx="583560" cy="1831320"/>
+              </p14:xfrm>
+            </p:contentPart>
+          </mc:Choice>
+          <mc:Fallback>
+            <p:pic>
+              <p:nvPicPr>
+                <p:cNvPr id="38" name="Ink 37">
+                  <a:extLst>
+                    <a:ext uri="{FF2B5EF4-FFF2-40B4-BE49-F238E27FC236}">
+                      <a16:creationId xmlns:a16="http://schemas.microsoft.com/office/drawing/2014/main" id="{5F1C927B-F4FA-69D4-4B54-31EFA372D4FF}"/>
+                    </a:ext>
+                  </a:extLst>
+                </p:cNvPr>
+                <p:cNvPicPr/>
+                <p:nvPr/>
+              </p:nvPicPr>
+              <p:blipFill>
+                <a:blip r:embed="rId45"/>
+                <a:stretch>
+                  <a:fillRect/>
+                </a:stretch>
+              </p:blipFill>
+              <p:spPr>
+                <a:xfrm>
+                  <a:off x="5498843" y="1762740"/>
+                  <a:ext cx="619200" cy="1866960"/>
+                </a:xfrm>
+                <a:prstGeom prst="rect">
+                  <a:avLst/>
+                </a:prstGeom>
+              </p:spPr>
+            </p:pic>
+          </mc:Fallback>
+        </mc:AlternateContent>
+        <mc:AlternateContent xmlns:mc="http://schemas.openxmlformats.org/markup-compatibility/2006">
+          <mc:Choice xmlns:p14="http://schemas.microsoft.com/office/powerpoint/2010/main" Requires="p14">
+            <p:contentPart p14:bwMode="auto" r:id="rId46">
+              <p14:nvContentPartPr>
+                <p14:cNvPr id="40" name="Ink 39">
+                  <a:extLst>
+                    <a:ext uri="{FF2B5EF4-FFF2-40B4-BE49-F238E27FC236}">
+                      <a16:creationId xmlns:a16="http://schemas.microsoft.com/office/drawing/2014/main" id="{EDCA6FA4-DF3E-EE0F-C8B4-9B28A9133B4A}"/>
+                    </a:ext>
+                  </a:extLst>
+                </p14:cNvPr>
+                <p14:cNvContentPartPr/>
+                <p14:nvPr/>
+              </p14:nvContentPartPr>
+              <p14:xfrm>
+                <a:off x="6245843" y="4001940"/>
+                <a:ext cx="191880" cy="258120"/>
+              </p14:xfrm>
+            </p:contentPart>
+          </mc:Choice>
+          <mc:Fallback>
+            <p:pic>
+              <p:nvPicPr>
+                <p:cNvPr id="40" name="Ink 39">
+                  <a:extLst>
+                    <a:ext uri="{FF2B5EF4-FFF2-40B4-BE49-F238E27FC236}">
+                      <a16:creationId xmlns:a16="http://schemas.microsoft.com/office/drawing/2014/main" id="{EDCA6FA4-DF3E-EE0F-C8B4-9B28A9133B4A}"/>
+                    </a:ext>
+                  </a:extLst>
+                </p:cNvPr>
+                <p:cNvPicPr/>
+                <p:nvPr/>
+              </p:nvPicPr>
+              <p:blipFill>
+                <a:blip r:embed="rId47"/>
+                <a:stretch>
+                  <a:fillRect/>
+                </a:stretch>
+              </p:blipFill>
+              <p:spPr>
+                <a:xfrm>
+                  <a:off x="6227843" y="3984300"/>
+                  <a:ext cx="227520" cy="293760"/>
+                </a:xfrm>
+                <a:prstGeom prst="rect">
+                  <a:avLst/>
+                </a:prstGeom>
+              </p:spPr>
+            </p:pic>
+          </mc:Fallback>
+        </mc:AlternateContent>
+        <mc:AlternateContent xmlns:mc="http://schemas.openxmlformats.org/markup-compatibility/2006">
+          <mc:Choice xmlns:p14="http://schemas.microsoft.com/office/powerpoint/2010/main" Requires="p14">
+            <p:contentPart p14:bwMode="auto" r:id="rId48">
+              <p14:nvContentPartPr>
+                <p14:cNvPr id="42" name="Ink 41">
+                  <a:extLst>
+                    <a:ext uri="{FF2B5EF4-FFF2-40B4-BE49-F238E27FC236}">
+                      <a16:creationId xmlns:a16="http://schemas.microsoft.com/office/drawing/2014/main" id="{C7E2FDE2-9CD9-A534-58DF-A0D8FB0EEE3D}"/>
+                    </a:ext>
+                  </a:extLst>
+                </p14:cNvPr>
+                <p14:cNvContentPartPr/>
+                <p14:nvPr/>
+              </p14:nvContentPartPr>
+              <p14:xfrm>
+                <a:off x="5817443" y="1472220"/>
+                <a:ext cx="577800" cy="340200"/>
+              </p14:xfrm>
+            </p:contentPart>
+          </mc:Choice>
+          <mc:Fallback>
+            <p:pic>
+              <p:nvPicPr>
+                <p:cNvPr id="42" name="Ink 41">
+                  <a:extLst>
+                    <a:ext uri="{FF2B5EF4-FFF2-40B4-BE49-F238E27FC236}">
+                      <a16:creationId xmlns:a16="http://schemas.microsoft.com/office/drawing/2014/main" id="{C7E2FDE2-9CD9-A534-58DF-A0D8FB0EEE3D}"/>
+                    </a:ext>
+                  </a:extLst>
+                </p:cNvPr>
+                <p:cNvPicPr/>
+                <p:nvPr/>
+              </p:nvPicPr>
+              <p:blipFill>
+                <a:blip r:embed="rId49"/>
+                <a:stretch>
+                  <a:fillRect/>
+                </a:stretch>
+              </p:blipFill>
+              <p:spPr>
+                <a:xfrm>
+                  <a:off x="5799803" y="1454580"/>
+                  <a:ext cx="613440" cy="375840"/>
+                </a:xfrm>
+                <a:prstGeom prst="rect">
+                  <a:avLst/>
+                </a:prstGeom>
+              </p:spPr>
+            </p:pic>
+          </mc:Fallback>
+        </mc:AlternateContent>
+        <mc:AlternateContent xmlns:mc="http://schemas.openxmlformats.org/markup-compatibility/2006">
+          <mc:Choice xmlns:p14="http://schemas.microsoft.com/office/powerpoint/2010/main" Requires="p14">
+            <p:contentPart p14:bwMode="auto" r:id="rId50">
+              <p14:nvContentPartPr>
+                <p14:cNvPr id="43" name="Ink 42">
+                  <a:extLst>
+                    <a:ext uri="{FF2B5EF4-FFF2-40B4-BE49-F238E27FC236}">
+                      <a16:creationId xmlns:a16="http://schemas.microsoft.com/office/drawing/2014/main" id="{241E4C90-5A21-083F-5664-E68DC79A407C}"/>
+                    </a:ext>
+                  </a:extLst>
+                </p14:cNvPr>
+                <p14:cNvContentPartPr/>
+                <p14:nvPr/>
+              </p14:nvContentPartPr>
+              <p14:xfrm>
+                <a:off x="6279683" y="1742220"/>
+                <a:ext cx="564480" cy="1697400"/>
+              </p14:xfrm>
+            </p:contentPart>
+          </mc:Choice>
+          <mc:Fallback>
+            <p:pic>
+              <p:nvPicPr>
+                <p:cNvPr id="43" name="Ink 42">
+                  <a:extLst>
+                    <a:ext uri="{FF2B5EF4-FFF2-40B4-BE49-F238E27FC236}">
+                      <a16:creationId xmlns:a16="http://schemas.microsoft.com/office/drawing/2014/main" id="{241E4C90-5A21-083F-5664-E68DC79A407C}"/>
+                    </a:ext>
+                  </a:extLst>
+                </p:cNvPr>
+                <p:cNvPicPr/>
+                <p:nvPr/>
+              </p:nvPicPr>
+              <p:blipFill>
+                <a:blip r:embed="rId51"/>
+                <a:stretch>
+                  <a:fillRect/>
+                </a:stretch>
+              </p:blipFill>
+              <p:spPr>
+                <a:xfrm>
+                  <a:off x="6262043" y="1724220"/>
+                  <a:ext cx="600120" cy="1733040"/>
+                </a:xfrm>
+                <a:prstGeom prst="rect">
+                  <a:avLst/>
+                </a:prstGeom>
+              </p:spPr>
+            </p:pic>
+          </mc:Fallback>
+        </mc:AlternateContent>
+        <mc:AlternateContent xmlns:mc="http://schemas.openxmlformats.org/markup-compatibility/2006">
+          <mc:Choice xmlns:p14="http://schemas.microsoft.com/office/powerpoint/2010/main" Requires="p14">
+            <p:contentPart p14:bwMode="auto" r:id="rId52">
+              <p14:nvContentPartPr>
+                <p14:cNvPr id="45" name="Ink 44">
+                  <a:extLst>
+                    <a:ext uri="{FF2B5EF4-FFF2-40B4-BE49-F238E27FC236}">
+                      <a16:creationId xmlns:a16="http://schemas.microsoft.com/office/drawing/2014/main" id="{9EF2B1D9-F74D-2E74-2284-8BA503E516BC}"/>
+                    </a:ext>
+                  </a:extLst>
+                </p14:cNvPr>
+                <p14:cNvContentPartPr/>
+                <p14:nvPr/>
+              </p14:nvContentPartPr>
+              <p14:xfrm>
+                <a:off x="6960443" y="3817980"/>
+                <a:ext cx="360" cy="2880"/>
+              </p14:xfrm>
+            </p:contentPart>
+          </mc:Choice>
+          <mc:Fallback>
+            <p:pic>
+              <p:nvPicPr>
+                <p:cNvPr id="45" name="Ink 44">
+                  <a:extLst>
+                    <a:ext uri="{FF2B5EF4-FFF2-40B4-BE49-F238E27FC236}">
+                      <a16:creationId xmlns:a16="http://schemas.microsoft.com/office/drawing/2014/main" id="{9EF2B1D9-F74D-2E74-2284-8BA503E516BC}"/>
+                    </a:ext>
+                  </a:extLst>
+                </p:cNvPr>
+                <p:cNvPicPr/>
+                <p:nvPr/>
+              </p:nvPicPr>
+              <p:blipFill>
+                <a:blip r:embed="rId53"/>
+                <a:stretch>
+                  <a:fillRect/>
+                </a:stretch>
+              </p:blipFill>
+              <p:spPr>
+                <a:xfrm>
+                  <a:off x="6942443" y="3800340"/>
+                  <a:ext cx="36000" cy="38520"/>
+                </a:xfrm>
+                <a:prstGeom prst="rect">
+                  <a:avLst/>
+                </a:prstGeom>
+              </p:spPr>
+            </p:pic>
+          </mc:Fallback>
+        </mc:AlternateContent>
+        <mc:AlternateContent xmlns:mc="http://schemas.openxmlformats.org/markup-compatibility/2006">
+          <mc:Choice xmlns:p14="http://schemas.microsoft.com/office/powerpoint/2010/main" Requires="p14">
+            <p:contentPart p14:bwMode="auto" r:id="rId54">
+              <p14:nvContentPartPr>
+                <p14:cNvPr id="46" name="Ink 45">
+                  <a:extLst>
+                    <a:ext uri="{FF2B5EF4-FFF2-40B4-BE49-F238E27FC236}">
+                      <a16:creationId xmlns:a16="http://schemas.microsoft.com/office/drawing/2014/main" id="{B7E1D3C5-5082-4841-AAAC-606C808BFB5F}"/>
+                    </a:ext>
+                  </a:extLst>
+                </p14:cNvPr>
+                <p14:cNvContentPartPr/>
+                <p14:nvPr/>
+              </p14:nvContentPartPr>
+              <p14:xfrm>
+                <a:off x="6961523" y="3785220"/>
+                <a:ext cx="1440" cy="3240"/>
+              </p14:xfrm>
+            </p:contentPart>
+          </mc:Choice>
+          <mc:Fallback>
+            <p:pic>
+              <p:nvPicPr>
+                <p:cNvPr id="46" name="Ink 45">
+                  <a:extLst>
+                    <a:ext uri="{FF2B5EF4-FFF2-40B4-BE49-F238E27FC236}">
+                      <a16:creationId xmlns:a16="http://schemas.microsoft.com/office/drawing/2014/main" id="{B7E1D3C5-5082-4841-AAAC-606C808BFB5F}"/>
+                    </a:ext>
+                  </a:extLst>
+                </p:cNvPr>
+                <p:cNvPicPr/>
+                <p:nvPr/>
+              </p:nvPicPr>
+              <p:blipFill>
+                <a:blip r:embed="rId55"/>
+                <a:stretch>
+                  <a:fillRect/>
+                </a:stretch>
+              </p:blipFill>
+              <p:spPr>
+                <a:xfrm>
+                  <a:off x="6943523" y="3767220"/>
+                  <a:ext cx="37080" cy="38880"/>
+                </a:xfrm>
+                <a:prstGeom prst="rect">
+                  <a:avLst/>
+                </a:prstGeom>
+              </p:spPr>
+            </p:pic>
+          </mc:Fallback>
+        </mc:AlternateContent>
+        <mc:AlternateContent xmlns:mc="http://schemas.openxmlformats.org/markup-compatibility/2006">
+          <mc:Choice xmlns:p14="http://schemas.microsoft.com/office/powerpoint/2010/main" Requires="p14">
+            <p:contentPart p14:bwMode="auto" r:id="rId56">
+              <p14:nvContentPartPr>
+                <p14:cNvPr id="47" name="Ink 46">
+                  <a:extLst>
+                    <a:ext uri="{FF2B5EF4-FFF2-40B4-BE49-F238E27FC236}">
+                      <a16:creationId xmlns:a16="http://schemas.microsoft.com/office/drawing/2014/main" id="{135A7B56-CD1D-2F5D-A238-5E77E8A3B860}"/>
+                    </a:ext>
+                  </a:extLst>
+                </p14:cNvPr>
+                <p14:cNvContentPartPr/>
+                <p14:nvPr/>
+              </p14:nvContentPartPr>
+              <p14:xfrm>
+                <a:off x="6848843" y="3772260"/>
+                <a:ext cx="189000" cy="495000"/>
+              </p14:xfrm>
+            </p:contentPart>
+          </mc:Choice>
+          <mc:Fallback>
+            <p:pic>
+              <p:nvPicPr>
+                <p:cNvPr id="47" name="Ink 46">
+                  <a:extLst>
+                    <a:ext uri="{FF2B5EF4-FFF2-40B4-BE49-F238E27FC236}">
+                      <a16:creationId xmlns:a16="http://schemas.microsoft.com/office/drawing/2014/main" id="{135A7B56-CD1D-2F5D-A238-5E77E8A3B860}"/>
+                    </a:ext>
+                  </a:extLst>
+                </p:cNvPr>
+                <p:cNvPicPr/>
+                <p:nvPr/>
+              </p:nvPicPr>
+              <p:blipFill>
+                <a:blip r:embed="rId57"/>
+                <a:stretch>
+                  <a:fillRect/>
+                </a:stretch>
+              </p:blipFill>
+              <p:spPr>
+                <a:xfrm>
+                  <a:off x="6830843" y="3754620"/>
+                  <a:ext cx="224640" cy="530640"/>
+                </a:xfrm>
+                <a:prstGeom prst="rect">
+                  <a:avLst/>
+                </a:prstGeom>
+              </p:spPr>
+            </p:pic>
+          </mc:Fallback>
+        </mc:AlternateContent>
+        <mc:AlternateContent xmlns:mc="http://schemas.openxmlformats.org/markup-compatibility/2006">
+          <mc:Choice xmlns:p14="http://schemas.microsoft.com/office/powerpoint/2010/main" Requires="p14">
+            <p:contentPart p14:bwMode="auto" r:id="rId58">
+              <p14:nvContentPartPr>
+                <p14:cNvPr id="49" name="Ink 48">
+                  <a:extLst>
+                    <a:ext uri="{FF2B5EF4-FFF2-40B4-BE49-F238E27FC236}">
+                      <a16:creationId xmlns:a16="http://schemas.microsoft.com/office/drawing/2014/main" id="{37458574-20D0-667D-AE3E-6B41976022DB}"/>
+                    </a:ext>
+                  </a:extLst>
+                </p14:cNvPr>
+                <p14:cNvContentPartPr/>
+                <p14:nvPr/>
+              </p14:nvContentPartPr>
+              <p14:xfrm>
+                <a:off x="6479843" y="1419300"/>
+                <a:ext cx="733320" cy="470880"/>
+              </p14:xfrm>
+            </p:contentPart>
+          </mc:Choice>
+          <mc:Fallback>
+            <p:pic>
+              <p:nvPicPr>
+                <p:cNvPr id="49" name="Ink 48">
+                  <a:extLst>
+                    <a:ext uri="{FF2B5EF4-FFF2-40B4-BE49-F238E27FC236}">
+                      <a16:creationId xmlns:a16="http://schemas.microsoft.com/office/drawing/2014/main" id="{37458574-20D0-667D-AE3E-6B41976022DB}"/>
+                    </a:ext>
+                  </a:extLst>
+                </p:cNvPr>
+                <p:cNvPicPr/>
+                <p:nvPr/>
+              </p:nvPicPr>
+              <p:blipFill>
+                <a:blip r:embed="rId59"/>
+                <a:stretch>
+                  <a:fillRect/>
+                </a:stretch>
+              </p:blipFill>
+              <p:spPr>
+                <a:xfrm>
+                  <a:off x="6462203" y="1401300"/>
+                  <a:ext cx="768960" cy="506520"/>
+                </a:xfrm>
+                <a:prstGeom prst="rect">
+                  <a:avLst/>
+                </a:prstGeom>
+              </p:spPr>
+            </p:pic>
+          </mc:Fallback>
+        </mc:AlternateContent>
+        <mc:AlternateContent xmlns:mc="http://schemas.openxmlformats.org/markup-compatibility/2006">
+          <mc:Choice xmlns:p14="http://schemas.microsoft.com/office/powerpoint/2010/main" Requires="p14">
+            <p:contentPart p14:bwMode="auto" r:id="rId60">
+              <p14:nvContentPartPr>
+                <p14:cNvPr id="50" name="Ink 49">
+                  <a:extLst>
+                    <a:ext uri="{FF2B5EF4-FFF2-40B4-BE49-F238E27FC236}">
+                      <a16:creationId xmlns:a16="http://schemas.microsoft.com/office/drawing/2014/main" id="{FA4B7C10-E493-FA6D-DBCF-55BAA679E50B}"/>
+                    </a:ext>
+                  </a:extLst>
+                </p14:cNvPr>
+                <p14:cNvContentPartPr/>
+                <p14:nvPr/>
+              </p14:nvContentPartPr>
+              <p14:xfrm>
+                <a:off x="7386323" y="3628620"/>
+                <a:ext cx="174600" cy="667800"/>
+              </p14:xfrm>
+            </p:contentPart>
+          </mc:Choice>
+          <mc:Fallback>
+            <p:pic>
+              <p:nvPicPr>
+                <p:cNvPr id="50" name="Ink 49">
+                  <a:extLst>
+                    <a:ext uri="{FF2B5EF4-FFF2-40B4-BE49-F238E27FC236}">
+                      <a16:creationId xmlns:a16="http://schemas.microsoft.com/office/drawing/2014/main" id="{FA4B7C10-E493-FA6D-DBCF-55BAA679E50B}"/>
+                    </a:ext>
+                  </a:extLst>
+                </p:cNvPr>
+                <p:cNvPicPr/>
+                <p:nvPr/>
+              </p:nvPicPr>
+              <p:blipFill>
+                <a:blip r:embed="rId61"/>
+                <a:stretch>
+                  <a:fillRect/>
+                </a:stretch>
+              </p:blipFill>
+              <p:spPr>
+                <a:xfrm>
+                  <a:off x="7368683" y="3610620"/>
+                  <a:ext cx="210240" cy="703440"/>
+                </a:xfrm>
+                <a:prstGeom prst="rect">
+                  <a:avLst/>
+                </a:prstGeom>
+              </p:spPr>
+            </p:pic>
+          </mc:Fallback>
+        </mc:AlternateContent>
+        <mc:AlternateContent xmlns:mc="http://schemas.openxmlformats.org/markup-compatibility/2006">
+          <mc:Choice xmlns:p14="http://schemas.microsoft.com/office/powerpoint/2010/main" Requires="p14">
+            <p:contentPart p14:bwMode="auto" r:id="rId62">
+              <p14:nvContentPartPr>
+                <p14:cNvPr id="52" name="Ink 51">
+                  <a:extLst>
+                    <a:ext uri="{FF2B5EF4-FFF2-40B4-BE49-F238E27FC236}">
+                      <a16:creationId xmlns:a16="http://schemas.microsoft.com/office/drawing/2014/main" id="{F8E099DA-2397-BF95-EEC4-E0848E0840AB}"/>
+                    </a:ext>
+                  </a:extLst>
+                </p14:cNvPr>
+                <p14:cNvContentPartPr/>
+                <p14:nvPr/>
+              </p14:nvContentPartPr>
+              <p14:xfrm>
+                <a:off x="4830683" y="1888020"/>
+                <a:ext cx="629640" cy="501120"/>
+              </p14:xfrm>
+            </p:contentPart>
+          </mc:Choice>
+          <mc:Fallback>
+            <p:pic>
+              <p:nvPicPr>
+                <p:cNvPr id="52" name="Ink 51">
+                  <a:extLst>
+                    <a:ext uri="{FF2B5EF4-FFF2-40B4-BE49-F238E27FC236}">
+                      <a16:creationId xmlns:a16="http://schemas.microsoft.com/office/drawing/2014/main" id="{F8E099DA-2397-BF95-EEC4-E0848E0840AB}"/>
+                    </a:ext>
+                  </a:extLst>
+                </p:cNvPr>
+                <p:cNvPicPr/>
+                <p:nvPr/>
+              </p:nvPicPr>
+              <p:blipFill>
+                <a:blip r:embed="rId63"/>
+                <a:stretch>
+                  <a:fillRect/>
+                </a:stretch>
+              </p:blipFill>
+              <p:spPr>
+                <a:xfrm>
+                  <a:off x="4812683" y="1870020"/>
+                  <a:ext cx="665280" cy="536760"/>
+                </a:xfrm>
+                <a:prstGeom prst="rect">
+                  <a:avLst/>
+                </a:prstGeom>
+              </p:spPr>
+            </p:pic>
+          </mc:Fallback>
+        </mc:AlternateContent>
+        <mc:AlternateContent xmlns:mc="http://schemas.openxmlformats.org/markup-compatibility/2006">
+          <mc:Choice xmlns:p14="http://schemas.microsoft.com/office/powerpoint/2010/main" Requires="p14">
+            <p:contentPart p14:bwMode="auto" r:id="rId64">
+              <p14:nvContentPartPr>
+                <p14:cNvPr id="53" name="Ink 52">
+                  <a:extLst>
+                    <a:ext uri="{FF2B5EF4-FFF2-40B4-BE49-F238E27FC236}">
+                      <a16:creationId xmlns:a16="http://schemas.microsoft.com/office/drawing/2014/main" id="{00F3D148-57A4-73A2-FF3E-717D8992AA1A}"/>
+                    </a:ext>
+                  </a:extLst>
+                </p14:cNvPr>
+                <p14:cNvContentPartPr/>
+                <p14:nvPr/>
+              </p14:nvContentPartPr>
+              <p14:xfrm>
+                <a:off x="4042283" y="2726820"/>
+                <a:ext cx="738360" cy="1036440"/>
+              </p14:xfrm>
+            </p:contentPart>
+          </mc:Choice>
+          <mc:Fallback>
+            <p:pic>
+              <p:nvPicPr>
+                <p:cNvPr id="53" name="Ink 52">
+                  <a:extLst>
+                    <a:ext uri="{FF2B5EF4-FFF2-40B4-BE49-F238E27FC236}">
+                      <a16:creationId xmlns:a16="http://schemas.microsoft.com/office/drawing/2014/main" id="{00F3D148-57A4-73A2-FF3E-717D8992AA1A}"/>
+                    </a:ext>
+                  </a:extLst>
+                </p:cNvPr>
+                <p:cNvPicPr/>
+                <p:nvPr/>
+              </p:nvPicPr>
+              <p:blipFill>
+                <a:blip r:embed="rId65"/>
+                <a:stretch>
+                  <a:fillRect/>
+                </a:stretch>
+              </p:blipFill>
+              <p:spPr>
+                <a:xfrm>
+                  <a:off x="4024643" y="2709180"/>
+                  <a:ext cx="774000" cy="1072080"/>
+                </a:xfrm>
+                <a:prstGeom prst="rect">
+                  <a:avLst/>
+                </a:prstGeom>
+              </p:spPr>
+            </p:pic>
+          </mc:Fallback>
+        </mc:AlternateContent>
+        <mc:AlternateContent xmlns:mc="http://schemas.openxmlformats.org/markup-compatibility/2006">
+          <mc:Choice xmlns:p14="http://schemas.microsoft.com/office/powerpoint/2010/main" Requires="p14">
+            <p:contentPart p14:bwMode="auto" r:id="rId66">
+              <p14:nvContentPartPr>
+                <p14:cNvPr id="18" name="Ink 17">
+                  <a:extLst>
+                    <a:ext uri="{FF2B5EF4-FFF2-40B4-BE49-F238E27FC236}">
+                      <a16:creationId xmlns:a16="http://schemas.microsoft.com/office/drawing/2014/main" id="{091EC9EB-D8AB-1716-EBCF-AD44BC8056DC}"/>
+                    </a:ext>
+                  </a:extLst>
+                </p14:cNvPr>
+                <p14:cNvContentPartPr/>
+                <p14:nvPr/>
+              </p14:nvContentPartPr>
+              <p14:xfrm>
+                <a:off x="3105203" y="3469140"/>
+                <a:ext cx="1339200" cy="1006560"/>
+              </p14:xfrm>
+            </p:contentPart>
+          </mc:Choice>
+          <mc:Fallback>
+            <p:pic>
+              <p:nvPicPr>
+                <p:cNvPr id="18" name="Ink 17">
+                  <a:extLst>
+                    <a:ext uri="{FF2B5EF4-FFF2-40B4-BE49-F238E27FC236}">
+                      <a16:creationId xmlns:a16="http://schemas.microsoft.com/office/drawing/2014/main" id="{091EC9EB-D8AB-1716-EBCF-AD44BC8056DC}"/>
+                    </a:ext>
+                  </a:extLst>
+                </p:cNvPr>
+                <p:cNvPicPr/>
+                <p:nvPr/>
+              </p:nvPicPr>
+              <p:blipFill>
+                <a:blip r:embed="rId67"/>
+                <a:stretch>
+                  <a:fillRect/>
+                </a:stretch>
+              </p:blipFill>
+              <p:spPr>
+                <a:xfrm>
+                  <a:off x="3087203" y="3451140"/>
+                  <a:ext cx="1374840" cy="1042200"/>
+                </a:xfrm>
+                <a:prstGeom prst="rect">
+                  <a:avLst/>
+                </a:prstGeom>
+              </p:spPr>
+            </p:pic>
+          </mc:Fallback>
+        </mc:AlternateContent>
+        <mc:AlternateContent xmlns:mc="http://schemas.openxmlformats.org/markup-compatibility/2006">
+          <mc:Choice xmlns:p14="http://schemas.microsoft.com/office/powerpoint/2010/main" Requires="p14">
+            <p:contentPart p14:bwMode="auto" r:id="rId68">
+              <p14:nvContentPartPr>
+                <p14:cNvPr id="19" name="Ink 18">
+                  <a:extLst>
+                    <a:ext uri="{FF2B5EF4-FFF2-40B4-BE49-F238E27FC236}">
+                      <a16:creationId xmlns:a16="http://schemas.microsoft.com/office/drawing/2014/main" id="{4954889E-E57B-B91E-C878-CF84AF7BD977}"/>
+                    </a:ext>
+                  </a:extLst>
+                </p14:cNvPr>
+                <p14:cNvContentPartPr/>
+                <p14:nvPr/>
+              </p14:nvContentPartPr>
+              <p14:xfrm>
+                <a:off x="3360803" y="4191660"/>
+                <a:ext cx="43920" cy="63000"/>
+              </p14:xfrm>
+            </p:contentPart>
+          </mc:Choice>
+          <mc:Fallback>
+            <p:pic>
+              <p:nvPicPr>
+                <p:cNvPr id="19" name="Ink 18">
+                  <a:extLst>
+                    <a:ext uri="{FF2B5EF4-FFF2-40B4-BE49-F238E27FC236}">
+                      <a16:creationId xmlns:a16="http://schemas.microsoft.com/office/drawing/2014/main" id="{4954889E-E57B-B91E-C878-CF84AF7BD977}"/>
+                    </a:ext>
+                  </a:extLst>
+                </p:cNvPr>
+                <p:cNvPicPr/>
+                <p:nvPr/>
+              </p:nvPicPr>
+              <p:blipFill>
+                <a:blip r:embed="rId69"/>
+                <a:stretch>
+                  <a:fillRect/>
+                </a:stretch>
+              </p:blipFill>
+              <p:spPr>
+                <a:xfrm>
+                  <a:off x="3342803" y="4173660"/>
+                  <a:ext cx="79560" cy="98640"/>
+                </a:xfrm>
+                <a:prstGeom prst="rect">
+                  <a:avLst/>
+                </a:prstGeom>
+              </p:spPr>
+            </p:pic>
+          </mc:Fallback>
+        </mc:AlternateContent>
+        <mc:AlternateContent xmlns:mc="http://schemas.openxmlformats.org/markup-compatibility/2006">
+          <mc:Choice xmlns:p14="http://schemas.microsoft.com/office/powerpoint/2010/main" Requires="p14">
+            <p:contentPart p14:bwMode="auto" r:id="rId70">
+              <p14:nvContentPartPr>
+                <p14:cNvPr id="20" name="Ink 19">
+                  <a:extLst>
+                    <a:ext uri="{FF2B5EF4-FFF2-40B4-BE49-F238E27FC236}">
+                      <a16:creationId xmlns:a16="http://schemas.microsoft.com/office/drawing/2014/main" id="{7B95E658-EFC3-5516-7F26-7E001E85645F}"/>
+                    </a:ext>
+                  </a:extLst>
+                </p14:cNvPr>
+                <p14:cNvContentPartPr/>
+                <p14:nvPr/>
+              </p14:nvContentPartPr>
+              <p14:xfrm>
+                <a:off x="3743123" y="4005180"/>
+                <a:ext cx="97560" cy="59400"/>
+              </p14:xfrm>
+            </p:contentPart>
+          </mc:Choice>
+          <mc:Fallback>
+            <p:pic>
+              <p:nvPicPr>
+                <p:cNvPr id="20" name="Ink 19">
+                  <a:extLst>
+                    <a:ext uri="{FF2B5EF4-FFF2-40B4-BE49-F238E27FC236}">
+                      <a16:creationId xmlns:a16="http://schemas.microsoft.com/office/drawing/2014/main" id="{7B95E658-EFC3-5516-7F26-7E001E85645F}"/>
+                    </a:ext>
+                  </a:extLst>
+                </p:cNvPr>
+                <p:cNvPicPr/>
+                <p:nvPr/>
+              </p:nvPicPr>
+              <p:blipFill>
+                <a:blip r:embed="rId71"/>
+                <a:stretch>
+                  <a:fillRect/>
+                </a:stretch>
+              </p:blipFill>
+              <p:spPr>
+                <a:xfrm>
+                  <a:off x="3725123" y="3987180"/>
+                  <a:ext cx="133200" cy="95040"/>
+                </a:xfrm>
+                <a:prstGeom prst="rect">
+                  <a:avLst/>
+                </a:prstGeom>
+              </p:spPr>
+            </p:pic>
+          </mc:Fallback>
+        </mc:AlternateContent>
+        <mc:AlternateContent xmlns:mc="http://schemas.openxmlformats.org/markup-compatibility/2006">
+          <mc:Choice xmlns:p14="http://schemas.microsoft.com/office/powerpoint/2010/main" Requires="p14">
+            <p:contentPart p14:bwMode="auto" r:id="rId72">
+              <p14:nvContentPartPr>
+                <p14:cNvPr id="21" name="Ink 20">
+                  <a:extLst>
+                    <a:ext uri="{FF2B5EF4-FFF2-40B4-BE49-F238E27FC236}">
+                      <a16:creationId xmlns:a16="http://schemas.microsoft.com/office/drawing/2014/main" id="{3FFF4C03-F0CF-4358-6481-F4BBF5F18C01}"/>
+                    </a:ext>
+                  </a:extLst>
+                </p14:cNvPr>
+                <p14:cNvContentPartPr/>
+                <p14:nvPr/>
+              </p14:nvContentPartPr>
+              <p14:xfrm>
+                <a:off x="4155683" y="3841740"/>
+                <a:ext cx="75960" cy="63000"/>
+              </p14:xfrm>
+            </p:contentPart>
+          </mc:Choice>
+          <mc:Fallback>
+            <p:pic>
+              <p:nvPicPr>
+                <p:cNvPr id="21" name="Ink 20">
+                  <a:extLst>
+                    <a:ext uri="{FF2B5EF4-FFF2-40B4-BE49-F238E27FC236}">
+                      <a16:creationId xmlns:a16="http://schemas.microsoft.com/office/drawing/2014/main" id="{3FFF4C03-F0CF-4358-6481-F4BBF5F18C01}"/>
+                    </a:ext>
+                  </a:extLst>
+                </p:cNvPr>
+                <p:cNvPicPr/>
+                <p:nvPr/>
+              </p:nvPicPr>
+              <p:blipFill>
+                <a:blip r:embed="rId73"/>
+                <a:stretch>
+                  <a:fillRect/>
+                </a:stretch>
+              </p:blipFill>
+              <p:spPr>
+                <a:xfrm>
+                  <a:off x="4137683" y="3824100"/>
+                  <a:ext cx="111600" cy="98640"/>
+                </a:xfrm>
+                <a:prstGeom prst="rect">
+                  <a:avLst/>
+                </a:prstGeom>
+              </p:spPr>
+            </p:pic>
+          </mc:Fallback>
+        </mc:AlternateContent>
+        <mc:AlternateContent xmlns:mc="http://schemas.openxmlformats.org/markup-compatibility/2006">
+          <mc:Choice xmlns:p14="http://schemas.microsoft.com/office/powerpoint/2010/main" Requires="p14">
+            <p:contentPart p14:bwMode="auto" r:id="rId74">
+              <p14:nvContentPartPr>
+                <p14:cNvPr id="22" name="Ink 21">
+                  <a:extLst>
+                    <a:ext uri="{FF2B5EF4-FFF2-40B4-BE49-F238E27FC236}">
+                      <a16:creationId xmlns:a16="http://schemas.microsoft.com/office/drawing/2014/main" id="{A85F89DA-DBEC-A570-BABA-45F4C1E3264D}"/>
+                    </a:ext>
+                  </a:extLst>
+                </p14:cNvPr>
+                <p14:cNvContentPartPr/>
+                <p14:nvPr/>
+              </p14:nvContentPartPr>
+              <p14:xfrm>
+                <a:off x="3820883" y="3914820"/>
+                <a:ext cx="325080" cy="121680"/>
+              </p14:xfrm>
+            </p:contentPart>
+          </mc:Choice>
+          <mc:Fallback>
+            <p:pic>
+              <p:nvPicPr>
+                <p:cNvPr id="22" name="Ink 21">
+                  <a:extLst>
+                    <a:ext uri="{FF2B5EF4-FFF2-40B4-BE49-F238E27FC236}">
+                      <a16:creationId xmlns:a16="http://schemas.microsoft.com/office/drawing/2014/main" id="{A85F89DA-DBEC-A570-BABA-45F4C1E3264D}"/>
+                    </a:ext>
+                  </a:extLst>
+                </p:cNvPr>
+                <p:cNvPicPr/>
+                <p:nvPr/>
+              </p:nvPicPr>
+              <p:blipFill>
+                <a:blip r:embed="rId75"/>
+                <a:stretch>
+                  <a:fillRect/>
+                </a:stretch>
+              </p:blipFill>
+              <p:spPr>
+                <a:xfrm>
+                  <a:off x="3802883" y="3896820"/>
+                  <a:ext cx="360720" cy="157320"/>
+                </a:xfrm>
+                <a:prstGeom prst="rect">
+                  <a:avLst/>
+                </a:prstGeom>
+              </p:spPr>
+            </p:pic>
+          </mc:Fallback>
+        </mc:AlternateContent>
+        <mc:AlternateContent xmlns:mc="http://schemas.openxmlformats.org/markup-compatibility/2006">
+          <mc:Choice xmlns:p14="http://schemas.microsoft.com/office/powerpoint/2010/main" Requires="p14">
+            <p:contentPart p14:bwMode="auto" r:id="rId76">
+              <p14:nvContentPartPr>
+                <p14:cNvPr id="24" name="Ink 23">
+                  <a:extLst>
+                    <a:ext uri="{FF2B5EF4-FFF2-40B4-BE49-F238E27FC236}">
+                      <a16:creationId xmlns:a16="http://schemas.microsoft.com/office/drawing/2014/main" id="{FEC0E241-84E8-BA48-6577-9D51EC82B506}"/>
+                    </a:ext>
+                  </a:extLst>
+                </p14:cNvPr>
+                <p14:cNvContentPartPr/>
+                <p14:nvPr/>
+              </p14:nvContentPartPr>
+              <p14:xfrm>
+                <a:off x="3398963" y="4071420"/>
+                <a:ext cx="347040" cy="171720"/>
+              </p14:xfrm>
+            </p:contentPart>
+          </mc:Choice>
+          <mc:Fallback>
+            <p:pic>
+              <p:nvPicPr>
+                <p:cNvPr id="24" name="Ink 23">
+                  <a:extLst>
+                    <a:ext uri="{FF2B5EF4-FFF2-40B4-BE49-F238E27FC236}">
+                      <a16:creationId xmlns:a16="http://schemas.microsoft.com/office/drawing/2014/main" id="{FEC0E241-84E8-BA48-6577-9D51EC82B506}"/>
+                    </a:ext>
+                  </a:extLst>
+                </p:cNvPr>
+                <p:cNvPicPr/>
+                <p:nvPr/>
+              </p:nvPicPr>
+              <p:blipFill>
+                <a:blip r:embed="rId77"/>
+                <a:stretch>
+                  <a:fillRect/>
+                </a:stretch>
+              </p:blipFill>
+              <p:spPr>
+                <a:xfrm>
+                  <a:off x="3380963" y="4053420"/>
+                  <a:ext cx="382680" cy="207360"/>
+                </a:xfrm>
+                <a:prstGeom prst="rect">
+                  <a:avLst/>
+                </a:prstGeom>
+              </p:spPr>
+            </p:pic>
+          </mc:Fallback>
+        </mc:AlternateContent>
+        <mc:AlternateContent xmlns:mc="http://schemas.openxmlformats.org/markup-compatibility/2006">
+          <mc:Choice xmlns:p14="http://schemas.microsoft.com/office/powerpoint/2010/main" Requires="p14">
+            <p:contentPart p14:bwMode="auto" r:id="rId78">
+              <p14:nvContentPartPr>
+                <p14:cNvPr id="57" name="Ink 56">
+                  <a:extLst>
+                    <a:ext uri="{FF2B5EF4-FFF2-40B4-BE49-F238E27FC236}">
+                      <a16:creationId xmlns:a16="http://schemas.microsoft.com/office/drawing/2014/main" id="{999B4360-800B-B8AE-3C79-9629FFE1D349}"/>
+                    </a:ext>
+                  </a:extLst>
+                </p14:cNvPr>
+                <p14:cNvContentPartPr/>
+                <p14:nvPr/>
+              </p14:nvContentPartPr>
+              <p14:xfrm>
+                <a:off x="3351443" y="3804660"/>
+                <a:ext cx="709920" cy="334800"/>
+              </p14:xfrm>
+            </p:contentPart>
+          </mc:Choice>
+          <mc:Fallback>
+            <p:pic>
+              <p:nvPicPr>
+                <p:cNvPr id="57" name="Ink 56">
+                  <a:extLst>
+                    <a:ext uri="{FF2B5EF4-FFF2-40B4-BE49-F238E27FC236}">
+                      <a16:creationId xmlns:a16="http://schemas.microsoft.com/office/drawing/2014/main" id="{999B4360-800B-B8AE-3C79-9629FFE1D349}"/>
+                    </a:ext>
+                  </a:extLst>
+                </p:cNvPr>
+                <p:cNvPicPr/>
+                <p:nvPr/>
+              </p:nvPicPr>
+              <p:blipFill>
+                <a:blip r:embed="rId79"/>
+                <a:stretch>
+                  <a:fillRect/>
+                </a:stretch>
+              </p:blipFill>
+              <p:spPr>
+                <a:xfrm>
+                  <a:off x="3333443" y="3787020"/>
+                  <a:ext cx="745560" cy="370440"/>
+                </a:xfrm>
+                <a:prstGeom prst="rect">
+                  <a:avLst/>
+                </a:prstGeom>
+              </p:spPr>
+            </p:pic>
+          </mc:Fallback>
+        </mc:AlternateContent>
+        <mc:AlternateContent xmlns:mc="http://schemas.openxmlformats.org/markup-compatibility/2006">
+          <mc:Choice xmlns:p14="http://schemas.microsoft.com/office/powerpoint/2010/main" Requires="p14">
+            <p:contentPart p14:bwMode="auto" r:id="rId80">
+              <p14:nvContentPartPr>
+                <p14:cNvPr id="58" name="Ink 57">
+                  <a:extLst>
+                    <a:ext uri="{FF2B5EF4-FFF2-40B4-BE49-F238E27FC236}">
+                      <a16:creationId xmlns:a16="http://schemas.microsoft.com/office/drawing/2014/main" id="{6154A60C-DEE0-7652-DDB4-51B68CEF5523}"/>
+                    </a:ext>
+                  </a:extLst>
+                </p14:cNvPr>
+                <p14:cNvContentPartPr/>
+                <p14:nvPr/>
+              </p14:nvContentPartPr>
+              <p14:xfrm>
+                <a:off x="3930323" y="3718980"/>
+                <a:ext cx="156600" cy="132480"/>
+              </p14:xfrm>
+            </p:contentPart>
+          </mc:Choice>
+          <mc:Fallback>
+            <p:pic>
+              <p:nvPicPr>
+                <p:cNvPr id="58" name="Ink 57">
+                  <a:extLst>
+                    <a:ext uri="{FF2B5EF4-FFF2-40B4-BE49-F238E27FC236}">
+                      <a16:creationId xmlns:a16="http://schemas.microsoft.com/office/drawing/2014/main" id="{6154A60C-DEE0-7652-DDB4-51B68CEF5523}"/>
+                    </a:ext>
+                  </a:extLst>
+                </p:cNvPr>
+                <p:cNvPicPr/>
+                <p:nvPr/>
+              </p:nvPicPr>
+              <p:blipFill>
+                <a:blip r:embed="rId81"/>
+                <a:stretch>
+                  <a:fillRect/>
+                </a:stretch>
+              </p:blipFill>
+              <p:spPr>
+                <a:xfrm>
+                  <a:off x="3912683" y="3700980"/>
+                  <a:ext cx="192240" cy="168120"/>
+                </a:xfrm>
+                <a:prstGeom prst="rect">
+                  <a:avLst/>
+                </a:prstGeom>
+              </p:spPr>
+            </p:pic>
+          </mc:Fallback>
+        </mc:AlternateContent>
+        <mc:AlternateContent xmlns:mc="http://schemas.openxmlformats.org/markup-compatibility/2006">
+          <mc:Choice xmlns:p14="http://schemas.microsoft.com/office/powerpoint/2010/main" Requires="p14">
+            <p:contentPart p14:bwMode="auto" r:id="rId82">
+              <p14:nvContentPartPr>
+                <p14:cNvPr id="60" name="Ink 59">
+                  <a:extLst>
+                    <a:ext uri="{FF2B5EF4-FFF2-40B4-BE49-F238E27FC236}">
+                      <a16:creationId xmlns:a16="http://schemas.microsoft.com/office/drawing/2014/main" id="{18417C61-7CB6-F2C2-0A1E-0B2E86AB9E89}"/>
+                    </a:ext>
+                  </a:extLst>
+                </p14:cNvPr>
+                <p14:cNvContentPartPr/>
+                <p14:nvPr/>
+              </p14:nvContentPartPr>
+              <p14:xfrm>
+                <a:off x="3265763" y="4012020"/>
+                <a:ext cx="255960" cy="119520"/>
+              </p14:xfrm>
+            </p:contentPart>
+          </mc:Choice>
+          <mc:Fallback>
+            <p:pic>
+              <p:nvPicPr>
+                <p:cNvPr id="60" name="Ink 59">
+                  <a:extLst>
+                    <a:ext uri="{FF2B5EF4-FFF2-40B4-BE49-F238E27FC236}">
+                      <a16:creationId xmlns:a16="http://schemas.microsoft.com/office/drawing/2014/main" id="{18417C61-7CB6-F2C2-0A1E-0B2E86AB9E89}"/>
+                    </a:ext>
+                  </a:extLst>
+                </p:cNvPr>
+                <p:cNvPicPr/>
+                <p:nvPr/>
+              </p:nvPicPr>
+              <p:blipFill>
+                <a:blip r:embed="rId83"/>
+                <a:stretch>
+                  <a:fillRect/>
+                </a:stretch>
+              </p:blipFill>
+              <p:spPr>
+                <a:xfrm>
+                  <a:off x="3247763" y="3994020"/>
+                  <a:ext cx="291600" cy="155160"/>
+                </a:xfrm>
+                <a:prstGeom prst="rect">
+                  <a:avLst/>
+                </a:prstGeom>
+              </p:spPr>
+            </p:pic>
+          </mc:Fallback>
+        </mc:AlternateContent>
+        <mc:AlternateContent xmlns:mc="http://schemas.openxmlformats.org/markup-compatibility/2006">
+          <mc:Choice xmlns:p14="http://schemas.microsoft.com/office/powerpoint/2010/main" Requires="p14">
+            <p:contentPart p14:bwMode="auto" r:id="rId84">
+              <p14:nvContentPartPr>
+                <p14:cNvPr id="62" name="Ink 61">
+                  <a:extLst>
+                    <a:ext uri="{FF2B5EF4-FFF2-40B4-BE49-F238E27FC236}">
+                      <a16:creationId xmlns:a16="http://schemas.microsoft.com/office/drawing/2014/main" id="{C1AD615E-0A85-279D-2C77-345582A677AA}"/>
+                    </a:ext>
+                  </a:extLst>
+                </p14:cNvPr>
+                <p14:cNvContentPartPr/>
+                <p14:nvPr/>
+              </p14:nvContentPartPr>
+              <p14:xfrm>
+                <a:off x="5892323" y="3385260"/>
+                <a:ext cx="1419120" cy="705600"/>
+              </p14:xfrm>
+            </p:contentPart>
+          </mc:Choice>
+          <mc:Fallback>
+            <p:pic>
+              <p:nvPicPr>
+                <p:cNvPr id="62" name="Ink 61">
+                  <a:extLst>
+                    <a:ext uri="{FF2B5EF4-FFF2-40B4-BE49-F238E27FC236}">
+                      <a16:creationId xmlns:a16="http://schemas.microsoft.com/office/drawing/2014/main" id="{C1AD615E-0A85-279D-2C77-345582A677AA}"/>
+                    </a:ext>
+                  </a:extLst>
+                </p:cNvPr>
+                <p:cNvPicPr/>
+                <p:nvPr/>
+              </p:nvPicPr>
+              <p:blipFill>
+                <a:blip r:embed="rId85"/>
+                <a:stretch>
+                  <a:fillRect/>
+                </a:stretch>
+              </p:blipFill>
+              <p:spPr>
+                <a:xfrm>
+                  <a:off x="5874323" y="3367620"/>
+                  <a:ext cx="1454760" cy="741240"/>
+                </a:xfrm>
+                <a:prstGeom prst="rect">
+                  <a:avLst/>
+                </a:prstGeom>
+              </p:spPr>
+            </p:pic>
+          </mc:Fallback>
+        </mc:AlternateContent>
+        <mc:AlternateContent xmlns:mc="http://schemas.openxmlformats.org/markup-compatibility/2006">
+          <mc:Choice xmlns:p14="http://schemas.microsoft.com/office/powerpoint/2010/main" Requires="p14">
+            <p:contentPart p14:bwMode="auto" r:id="rId86">
+              <p14:nvContentPartPr>
+                <p14:cNvPr id="63" name="Ink 62">
+                  <a:extLst>
+                    <a:ext uri="{FF2B5EF4-FFF2-40B4-BE49-F238E27FC236}">
+                      <a16:creationId xmlns:a16="http://schemas.microsoft.com/office/drawing/2014/main" id="{DFE007FA-51C8-B557-DE83-062E14D385A4}"/>
+                    </a:ext>
+                  </a:extLst>
+                </p14:cNvPr>
+                <p14:cNvContentPartPr/>
+                <p14:nvPr/>
+              </p14:nvContentPartPr>
+              <p14:xfrm>
+                <a:off x="5793683" y="4031460"/>
+                <a:ext cx="268920" cy="162000"/>
+              </p14:xfrm>
+            </p:contentPart>
+          </mc:Choice>
+          <mc:Fallback>
+            <p:pic>
+              <p:nvPicPr>
+                <p:cNvPr id="63" name="Ink 62">
+                  <a:extLst>
+                    <a:ext uri="{FF2B5EF4-FFF2-40B4-BE49-F238E27FC236}">
+                      <a16:creationId xmlns:a16="http://schemas.microsoft.com/office/drawing/2014/main" id="{DFE007FA-51C8-B557-DE83-062E14D385A4}"/>
+                    </a:ext>
+                  </a:extLst>
+                </p:cNvPr>
+                <p:cNvPicPr/>
+                <p:nvPr/>
+              </p:nvPicPr>
+              <p:blipFill>
+                <a:blip r:embed="rId87"/>
+                <a:stretch>
+                  <a:fillRect/>
+                </a:stretch>
+              </p:blipFill>
+              <p:spPr>
+                <a:xfrm>
+                  <a:off x="5775683" y="4013820"/>
+                  <a:ext cx="304560" cy="197640"/>
+                </a:xfrm>
+                <a:prstGeom prst="rect">
+                  <a:avLst/>
+                </a:prstGeom>
+              </p:spPr>
+            </p:pic>
+          </mc:Fallback>
+        </mc:AlternateContent>
+        <mc:AlternateContent xmlns:mc="http://schemas.openxmlformats.org/markup-compatibility/2006">
+          <mc:Choice xmlns:p14="http://schemas.microsoft.com/office/powerpoint/2010/main" Requires="p14">
+            <p:contentPart p14:bwMode="auto" r:id="rId88">
+              <p14:nvContentPartPr>
+                <p14:cNvPr id="65" name="Ink 64">
+                  <a:extLst>
+                    <a:ext uri="{FF2B5EF4-FFF2-40B4-BE49-F238E27FC236}">
+                      <a16:creationId xmlns:a16="http://schemas.microsoft.com/office/drawing/2014/main" id="{9FA8AB97-AF04-F631-9A9F-3A9FB8EABD9C}"/>
+                    </a:ext>
+                  </a:extLst>
+                </p14:cNvPr>
+                <p14:cNvContentPartPr/>
+                <p14:nvPr/>
+              </p14:nvContentPartPr>
+              <p14:xfrm>
+                <a:off x="6068003" y="4285260"/>
+                <a:ext cx="5040" cy="360"/>
+              </p14:xfrm>
+            </p:contentPart>
+          </mc:Choice>
+          <mc:Fallback>
+            <p:pic>
+              <p:nvPicPr>
+                <p:cNvPr id="65" name="Ink 64">
+                  <a:extLst>
+                    <a:ext uri="{FF2B5EF4-FFF2-40B4-BE49-F238E27FC236}">
+                      <a16:creationId xmlns:a16="http://schemas.microsoft.com/office/drawing/2014/main" id="{9FA8AB97-AF04-F631-9A9F-3A9FB8EABD9C}"/>
+                    </a:ext>
+                  </a:extLst>
+                </p:cNvPr>
+                <p:cNvPicPr/>
+                <p:nvPr/>
+              </p:nvPicPr>
+              <p:blipFill>
+                <a:blip r:embed="rId89"/>
+                <a:stretch>
+                  <a:fillRect/>
+                </a:stretch>
+              </p:blipFill>
+              <p:spPr>
+                <a:xfrm>
+                  <a:off x="6050363" y="4267620"/>
+                  <a:ext cx="40680" cy="36000"/>
+                </a:xfrm>
+                <a:prstGeom prst="rect">
+                  <a:avLst/>
+                </a:prstGeom>
+              </p:spPr>
+            </p:pic>
+          </mc:Fallback>
+        </mc:AlternateContent>
+      </p:grpSp>
+      <p:grpSp>
+        <p:nvGrpSpPr>
+          <p:cNvPr id="78" name="Group 77">
+            <a:extLst>
+              <a:ext uri="{FF2B5EF4-FFF2-40B4-BE49-F238E27FC236}">
+                <a16:creationId xmlns:a16="http://schemas.microsoft.com/office/drawing/2014/main" id="{31E75D54-F47E-A3FA-6BA6-8F6E71C3E240}"/>
+              </a:ext>
+            </a:extLst>
+          </p:cNvPr>
+          <p:cNvGrpSpPr/>
+          <p:nvPr/>
+        </p:nvGrpSpPr>
+        <p:grpSpPr>
+          <a:xfrm>
+            <a:off x="7820483" y="3557340"/>
+            <a:ext cx="448200" cy="786960"/>
+            <a:chOff x="7820483" y="3557340"/>
+            <a:chExt cx="448200" cy="786960"/>
+          </a:xfrm>
+        </p:grpSpPr>
+        <mc:AlternateContent xmlns:mc="http://schemas.openxmlformats.org/markup-compatibility/2006">
+          <mc:Choice xmlns:p14="http://schemas.microsoft.com/office/powerpoint/2010/main" Requires="p14">
+            <p:contentPart p14:bwMode="auto" r:id="rId90">
+              <p14:nvContentPartPr>
+                <p14:cNvPr id="67" name="Ink 66">
+                  <a:extLst>
+                    <a:ext uri="{FF2B5EF4-FFF2-40B4-BE49-F238E27FC236}">
+                      <a16:creationId xmlns:a16="http://schemas.microsoft.com/office/drawing/2014/main" id="{C701D79E-04A3-8F8E-4920-4672E265F27B}"/>
+                    </a:ext>
+                  </a:extLst>
+                </p14:cNvPr>
+                <p14:cNvContentPartPr/>
+                <p14:nvPr/>
+              </p14:nvContentPartPr>
+              <p14:xfrm>
+                <a:off x="7931003" y="3598740"/>
+                <a:ext cx="230760" cy="713160"/>
+              </p14:xfrm>
+            </p:contentPart>
+          </mc:Choice>
+          <mc:Fallback>
+            <p:pic>
+              <p:nvPicPr>
+                <p:cNvPr id="67" name="Ink 66">
+                  <a:extLst>
+                    <a:ext uri="{FF2B5EF4-FFF2-40B4-BE49-F238E27FC236}">
+                      <a16:creationId xmlns:a16="http://schemas.microsoft.com/office/drawing/2014/main" id="{C701D79E-04A3-8F8E-4920-4672E265F27B}"/>
+                    </a:ext>
+                  </a:extLst>
+                </p:cNvPr>
+                <p:cNvPicPr/>
+                <p:nvPr/>
+              </p:nvPicPr>
+              <p:blipFill>
+                <a:blip r:embed="rId91"/>
+                <a:stretch>
+                  <a:fillRect/>
+                </a:stretch>
+              </p:blipFill>
+              <p:spPr>
+                <a:xfrm>
+                  <a:off x="7913363" y="3580740"/>
+                  <a:ext cx="266400" cy="748800"/>
+                </a:xfrm>
+                <a:prstGeom prst="rect">
+                  <a:avLst/>
+                </a:prstGeom>
+              </p:spPr>
+            </p:pic>
+          </mc:Fallback>
+        </mc:AlternateContent>
+        <mc:AlternateContent xmlns:mc="http://schemas.openxmlformats.org/markup-compatibility/2006">
+          <mc:Choice xmlns:p14="http://schemas.microsoft.com/office/powerpoint/2010/main" Requires="p14">
+            <p:contentPart p14:bwMode="auto" r:id="rId92">
+              <p14:nvContentPartPr>
+                <p14:cNvPr id="68" name="Ink 67">
+                  <a:extLst>
+                    <a:ext uri="{FF2B5EF4-FFF2-40B4-BE49-F238E27FC236}">
+                      <a16:creationId xmlns:a16="http://schemas.microsoft.com/office/drawing/2014/main" id="{2031DA2B-8C95-B569-9941-7B094910AA44}"/>
+                    </a:ext>
+                  </a:extLst>
+                </p14:cNvPr>
+                <p14:cNvContentPartPr/>
+                <p14:nvPr/>
+              </p14:nvContentPartPr>
+              <p14:xfrm>
+                <a:off x="8079323" y="3613140"/>
+                <a:ext cx="189360" cy="24840"/>
+              </p14:xfrm>
+            </p:contentPart>
+          </mc:Choice>
+          <mc:Fallback>
+            <p:pic>
+              <p:nvPicPr>
+                <p:cNvPr id="68" name="Ink 67">
+                  <a:extLst>
+                    <a:ext uri="{FF2B5EF4-FFF2-40B4-BE49-F238E27FC236}">
+                      <a16:creationId xmlns:a16="http://schemas.microsoft.com/office/drawing/2014/main" id="{2031DA2B-8C95-B569-9941-7B094910AA44}"/>
+                    </a:ext>
+                  </a:extLst>
+                </p:cNvPr>
+                <p:cNvPicPr/>
+                <p:nvPr/>
+              </p:nvPicPr>
+              <p:blipFill>
+                <a:blip r:embed="rId93"/>
+                <a:stretch>
+                  <a:fillRect/>
+                </a:stretch>
+              </p:blipFill>
+              <p:spPr>
+                <a:xfrm>
+                  <a:off x="8061323" y="3595500"/>
+                  <a:ext cx="225000" cy="60480"/>
+                </a:xfrm>
+                <a:prstGeom prst="rect">
+                  <a:avLst/>
+                </a:prstGeom>
+              </p:spPr>
+            </p:pic>
+          </mc:Fallback>
+        </mc:AlternateContent>
+        <mc:AlternateContent xmlns:mc="http://schemas.openxmlformats.org/markup-compatibility/2006">
+          <mc:Choice xmlns:p14="http://schemas.microsoft.com/office/powerpoint/2010/main" Requires="p14">
+            <p:contentPart p14:bwMode="auto" r:id="rId94">
+              <p14:nvContentPartPr>
+                <p14:cNvPr id="69" name="Ink 68">
+                  <a:extLst>
+                    <a:ext uri="{FF2B5EF4-FFF2-40B4-BE49-F238E27FC236}">
+                      <a16:creationId xmlns:a16="http://schemas.microsoft.com/office/drawing/2014/main" id="{777A3CB4-EF03-BF80-EAE2-27C338888DE2}"/>
+                    </a:ext>
+                  </a:extLst>
+                </p14:cNvPr>
+                <p14:cNvContentPartPr/>
+                <p14:nvPr/>
+              </p14:nvContentPartPr>
+              <p14:xfrm>
+                <a:off x="7859363" y="4289940"/>
+                <a:ext cx="360" cy="360"/>
+              </p14:xfrm>
+            </p:contentPart>
+          </mc:Choice>
+          <mc:Fallback>
+            <p:pic>
+              <p:nvPicPr>
+                <p:cNvPr id="69" name="Ink 68">
+                  <a:extLst>
+                    <a:ext uri="{FF2B5EF4-FFF2-40B4-BE49-F238E27FC236}">
+                      <a16:creationId xmlns:a16="http://schemas.microsoft.com/office/drawing/2014/main" id="{777A3CB4-EF03-BF80-EAE2-27C338888DE2}"/>
+                    </a:ext>
+                  </a:extLst>
+                </p:cNvPr>
+                <p:cNvPicPr/>
+                <p:nvPr/>
+              </p:nvPicPr>
+              <p:blipFill>
+                <a:blip r:embed="rId95"/>
+                <a:stretch>
+                  <a:fillRect/>
+                </a:stretch>
+              </p:blipFill>
+              <p:spPr>
+                <a:xfrm>
+                  <a:off x="7841723" y="4271940"/>
+                  <a:ext cx="36000" cy="36000"/>
+                </a:xfrm>
+                <a:prstGeom prst="rect">
+                  <a:avLst/>
+                </a:prstGeom>
+              </p:spPr>
+            </p:pic>
+          </mc:Fallback>
+        </mc:AlternateContent>
+        <mc:AlternateContent xmlns:mc="http://schemas.openxmlformats.org/markup-compatibility/2006">
+          <mc:Choice xmlns:p14="http://schemas.microsoft.com/office/powerpoint/2010/main" Requires="p14">
+            <p:contentPart p14:bwMode="auto" r:id="rId96">
+              <p14:nvContentPartPr>
+                <p14:cNvPr id="70" name="Ink 69">
+                  <a:extLst>
+                    <a:ext uri="{FF2B5EF4-FFF2-40B4-BE49-F238E27FC236}">
+                      <a16:creationId xmlns:a16="http://schemas.microsoft.com/office/drawing/2014/main" id="{30060168-DB44-4AA6-7834-B9A325B72B9A}"/>
+                    </a:ext>
+                  </a:extLst>
+                </p14:cNvPr>
+                <p14:cNvContentPartPr/>
+                <p14:nvPr/>
+              </p14:nvContentPartPr>
+              <p14:xfrm>
+                <a:off x="7859363" y="4289940"/>
+                <a:ext cx="360" cy="360"/>
+              </p14:xfrm>
+            </p:contentPart>
+          </mc:Choice>
+          <mc:Fallback>
+            <p:pic>
+              <p:nvPicPr>
+                <p:cNvPr id="70" name="Ink 69">
+                  <a:extLst>
+                    <a:ext uri="{FF2B5EF4-FFF2-40B4-BE49-F238E27FC236}">
+                      <a16:creationId xmlns:a16="http://schemas.microsoft.com/office/drawing/2014/main" id="{30060168-DB44-4AA6-7834-B9A325B72B9A}"/>
+                    </a:ext>
+                  </a:extLst>
+                </p:cNvPr>
+                <p:cNvPicPr/>
+                <p:nvPr/>
+              </p:nvPicPr>
+              <p:blipFill>
+                <a:blip r:embed="rId95"/>
+                <a:stretch>
+                  <a:fillRect/>
+                </a:stretch>
+              </p:blipFill>
+              <p:spPr>
+                <a:xfrm>
+                  <a:off x="7841723" y="4271940"/>
+                  <a:ext cx="36000" cy="36000"/>
+                </a:xfrm>
+                <a:prstGeom prst="rect">
+                  <a:avLst/>
+                </a:prstGeom>
+              </p:spPr>
+            </p:pic>
+          </mc:Fallback>
+        </mc:AlternateContent>
+        <mc:AlternateContent xmlns:mc="http://schemas.openxmlformats.org/markup-compatibility/2006">
+          <mc:Choice xmlns:p14="http://schemas.microsoft.com/office/powerpoint/2010/main" Requires="p14">
+            <p:contentPart p14:bwMode="auto" r:id="rId97">
+              <p14:nvContentPartPr>
+                <p14:cNvPr id="71" name="Ink 70">
+                  <a:extLst>
+                    <a:ext uri="{FF2B5EF4-FFF2-40B4-BE49-F238E27FC236}">
+                      <a16:creationId xmlns:a16="http://schemas.microsoft.com/office/drawing/2014/main" id="{C7824EE2-41B5-CE8E-DE3E-DC8A63A015FC}"/>
+                    </a:ext>
+                  </a:extLst>
+                </p14:cNvPr>
+                <p14:cNvContentPartPr/>
+                <p14:nvPr/>
+              </p14:nvContentPartPr>
+              <p14:xfrm>
+                <a:off x="7820483" y="4289940"/>
+                <a:ext cx="50040" cy="54360"/>
+              </p14:xfrm>
+            </p:contentPart>
+          </mc:Choice>
+          <mc:Fallback>
+            <p:pic>
+              <p:nvPicPr>
+                <p:cNvPr id="71" name="Ink 70">
+                  <a:extLst>
+                    <a:ext uri="{FF2B5EF4-FFF2-40B4-BE49-F238E27FC236}">
+                      <a16:creationId xmlns:a16="http://schemas.microsoft.com/office/drawing/2014/main" id="{C7824EE2-41B5-CE8E-DE3E-DC8A63A015FC}"/>
+                    </a:ext>
+                  </a:extLst>
+                </p:cNvPr>
+                <p:cNvPicPr/>
+                <p:nvPr/>
+              </p:nvPicPr>
+              <p:blipFill>
+                <a:blip r:embed="rId98"/>
+                <a:stretch>
+                  <a:fillRect/>
+                </a:stretch>
+              </p:blipFill>
+              <p:spPr>
+                <a:xfrm>
+                  <a:off x="7802483" y="4271940"/>
+                  <a:ext cx="85680" cy="90000"/>
+                </a:xfrm>
+                <a:prstGeom prst="rect">
+                  <a:avLst/>
+                </a:prstGeom>
+              </p:spPr>
+            </p:pic>
+          </mc:Fallback>
+        </mc:AlternateContent>
+        <mc:AlternateContent xmlns:mc="http://schemas.openxmlformats.org/markup-compatibility/2006">
+          <mc:Choice xmlns:p14="http://schemas.microsoft.com/office/powerpoint/2010/main" Requires="p14">
+            <p:contentPart p14:bwMode="auto" r:id="rId99">
+              <p14:nvContentPartPr>
+                <p14:cNvPr id="72" name="Ink 71">
+                  <a:extLst>
+                    <a:ext uri="{FF2B5EF4-FFF2-40B4-BE49-F238E27FC236}">
+                      <a16:creationId xmlns:a16="http://schemas.microsoft.com/office/drawing/2014/main" id="{5B61C7AE-EA0B-A7E4-67C0-15449C660C82}"/>
+                    </a:ext>
+                  </a:extLst>
+                </p14:cNvPr>
+                <p14:cNvContentPartPr/>
+                <p14:nvPr/>
+              </p14:nvContentPartPr>
+              <p14:xfrm>
+                <a:off x="7945403" y="3557340"/>
+                <a:ext cx="61560" cy="53640"/>
+              </p14:xfrm>
+            </p:contentPart>
+          </mc:Choice>
+          <mc:Fallback>
+            <p:pic>
+              <p:nvPicPr>
+                <p:cNvPr id="72" name="Ink 71">
+                  <a:extLst>
+                    <a:ext uri="{FF2B5EF4-FFF2-40B4-BE49-F238E27FC236}">
+                      <a16:creationId xmlns:a16="http://schemas.microsoft.com/office/drawing/2014/main" id="{5B61C7AE-EA0B-A7E4-67C0-15449C660C82}"/>
+                    </a:ext>
+                  </a:extLst>
+                </p:cNvPr>
+                <p:cNvPicPr/>
+                <p:nvPr/>
+              </p:nvPicPr>
+              <p:blipFill>
+                <a:blip r:embed="rId100"/>
+                <a:stretch>
+                  <a:fillRect/>
+                </a:stretch>
+              </p:blipFill>
+              <p:spPr>
+                <a:xfrm>
+                  <a:off x="7927763" y="3539340"/>
+                  <a:ext cx="97200" cy="89280"/>
+                </a:xfrm>
+                <a:prstGeom prst="rect">
+                  <a:avLst/>
+                </a:prstGeom>
+              </p:spPr>
+            </p:pic>
+          </mc:Fallback>
+        </mc:AlternateContent>
+        <mc:AlternateContent xmlns:mc="http://schemas.openxmlformats.org/markup-compatibility/2006">
+          <mc:Choice xmlns:p14="http://schemas.microsoft.com/office/powerpoint/2010/main" Requires="p14">
+            <p:contentPart p14:bwMode="auto" r:id="rId101">
+              <p14:nvContentPartPr>
+                <p14:cNvPr id="73" name="Ink 72">
+                  <a:extLst>
+                    <a:ext uri="{FF2B5EF4-FFF2-40B4-BE49-F238E27FC236}">
+                      <a16:creationId xmlns:a16="http://schemas.microsoft.com/office/drawing/2014/main" id="{8A565D22-174E-7C1F-B612-149540F5E226}"/>
+                    </a:ext>
+                  </a:extLst>
+                </p14:cNvPr>
+                <p14:cNvContentPartPr/>
+                <p14:nvPr/>
+              </p14:nvContentPartPr>
+              <p14:xfrm>
+                <a:off x="7882403" y="3819420"/>
+                <a:ext cx="97560" cy="66600"/>
+              </p14:xfrm>
+            </p:contentPart>
+          </mc:Choice>
+          <mc:Fallback>
+            <p:pic>
+              <p:nvPicPr>
+                <p:cNvPr id="73" name="Ink 72">
+                  <a:extLst>
+                    <a:ext uri="{FF2B5EF4-FFF2-40B4-BE49-F238E27FC236}">
+                      <a16:creationId xmlns:a16="http://schemas.microsoft.com/office/drawing/2014/main" id="{8A565D22-174E-7C1F-B612-149540F5E226}"/>
+                    </a:ext>
+                  </a:extLst>
+                </p:cNvPr>
+                <p:cNvPicPr/>
+                <p:nvPr/>
+              </p:nvPicPr>
+              <p:blipFill>
+                <a:blip r:embed="rId102"/>
+                <a:stretch>
+                  <a:fillRect/>
+                </a:stretch>
+              </p:blipFill>
+              <p:spPr>
+                <a:xfrm>
+                  <a:off x="7864763" y="3801780"/>
+                  <a:ext cx="133200" cy="102240"/>
+                </a:xfrm>
+                <a:prstGeom prst="rect">
+                  <a:avLst/>
+                </a:prstGeom>
+              </p:spPr>
+            </p:pic>
+          </mc:Fallback>
+        </mc:AlternateContent>
+        <mc:AlternateContent xmlns:mc="http://schemas.openxmlformats.org/markup-compatibility/2006">
+          <mc:Choice xmlns:p14="http://schemas.microsoft.com/office/powerpoint/2010/main" Requires="p14">
+            <p:contentPart p14:bwMode="auto" r:id="rId103">
+              <p14:nvContentPartPr>
+                <p14:cNvPr id="74" name="Ink 73">
+                  <a:extLst>
+                    <a:ext uri="{FF2B5EF4-FFF2-40B4-BE49-F238E27FC236}">
+                      <a16:creationId xmlns:a16="http://schemas.microsoft.com/office/drawing/2014/main" id="{5B166BC3-260B-B99B-0A50-694D1932FE72}"/>
+                    </a:ext>
+                  </a:extLst>
+                </p14:cNvPr>
+                <p14:cNvContentPartPr/>
+                <p14:nvPr/>
+              </p14:nvContentPartPr>
+              <p14:xfrm>
+                <a:off x="7906163" y="3821220"/>
+                <a:ext cx="27360" cy="80280"/>
+              </p14:xfrm>
+            </p:contentPart>
+          </mc:Choice>
+          <mc:Fallback>
+            <p:pic>
+              <p:nvPicPr>
+                <p:cNvPr id="74" name="Ink 73">
+                  <a:extLst>
+                    <a:ext uri="{FF2B5EF4-FFF2-40B4-BE49-F238E27FC236}">
+                      <a16:creationId xmlns:a16="http://schemas.microsoft.com/office/drawing/2014/main" id="{5B166BC3-260B-B99B-0A50-694D1932FE72}"/>
+                    </a:ext>
+                  </a:extLst>
+                </p:cNvPr>
+                <p:cNvPicPr/>
+                <p:nvPr/>
+              </p:nvPicPr>
+              <p:blipFill>
+                <a:blip r:embed="rId104"/>
+                <a:stretch>
+                  <a:fillRect/>
+                </a:stretch>
+              </p:blipFill>
+              <p:spPr>
+                <a:xfrm>
+                  <a:off x="7888523" y="3803220"/>
+                  <a:ext cx="63000" cy="115920"/>
+                </a:xfrm>
+                <a:prstGeom prst="rect">
+                  <a:avLst/>
+                </a:prstGeom>
+              </p:spPr>
+            </p:pic>
+          </mc:Fallback>
+        </mc:AlternateContent>
+        <mc:AlternateContent xmlns:mc="http://schemas.openxmlformats.org/markup-compatibility/2006">
+          <mc:Choice xmlns:p14="http://schemas.microsoft.com/office/powerpoint/2010/main" Requires="p14">
+            <p:contentPart p14:bwMode="auto" r:id="rId105">
+              <p14:nvContentPartPr>
+                <p14:cNvPr id="75" name="Ink 74">
+                  <a:extLst>
+                    <a:ext uri="{FF2B5EF4-FFF2-40B4-BE49-F238E27FC236}">
+                      <a16:creationId xmlns:a16="http://schemas.microsoft.com/office/drawing/2014/main" id="{A5D40E8A-C47D-3226-51A6-797EB33B0B70}"/>
+                    </a:ext>
+                  </a:extLst>
+                </p14:cNvPr>
+                <p14:cNvContentPartPr/>
+                <p14:nvPr/>
+              </p14:nvContentPartPr>
+              <p14:xfrm>
+                <a:off x="7821923" y="4037940"/>
+                <a:ext cx="123840" cy="61920"/>
+              </p14:xfrm>
+            </p:contentPart>
+          </mc:Choice>
+          <mc:Fallback>
+            <p:pic>
+              <p:nvPicPr>
+                <p:cNvPr id="75" name="Ink 74">
+                  <a:extLst>
+                    <a:ext uri="{FF2B5EF4-FFF2-40B4-BE49-F238E27FC236}">
+                      <a16:creationId xmlns:a16="http://schemas.microsoft.com/office/drawing/2014/main" id="{A5D40E8A-C47D-3226-51A6-797EB33B0B70}"/>
+                    </a:ext>
+                  </a:extLst>
+                </p:cNvPr>
+                <p:cNvPicPr/>
+                <p:nvPr/>
+              </p:nvPicPr>
+              <p:blipFill>
+                <a:blip r:embed="rId106"/>
+                <a:stretch>
+                  <a:fillRect/>
+                </a:stretch>
+              </p:blipFill>
+              <p:spPr>
+                <a:xfrm>
+                  <a:off x="7803923" y="4020300"/>
+                  <a:ext cx="159480" cy="97560"/>
+                </a:xfrm>
+                <a:prstGeom prst="rect">
+                  <a:avLst/>
+                </a:prstGeom>
+              </p:spPr>
+            </p:pic>
+          </mc:Fallback>
+        </mc:AlternateContent>
+        <mc:AlternateContent xmlns:mc="http://schemas.openxmlformats.org/markup-compatibility/2006">
+          <mc:Choice xmlns:p14="http://schemas.microsoft.com/office/powerpoint/2010/main" Requires="p14">
+            <p:contentPart p14:bwMode="auto" r:id="rId107">
+              <p14:nvContentPartPr>
+                <p14:cNvPr id="76" name="Ink 75">
+                  <a:extLst>
+                    <a:ext uri="{FF2B5EF4-FFF2-40B4-BE49-F238E27FC236}">
+                      <a16:creationId xmlns:a16="http://schemas.microsoft.com/office/drawing/2014/main" id="{2CE17BD1-1737-C2DF-1B24-45896DC69D56}"/>
+                    </a:ext>
+                  </a:extLst>
+                </p14:cNvPr>
+                <p14:cNvContentPartPr/>
+                <p14:nvPr/>
+              </p14:nvContentPartPr>
+              <p14:xfrm>
+                <a:off x="7862243" y="4032900"/>
+                <a:ext cx="33840" cy="71640"/>
+              </p14:xfrm>
+            </p:contentPart>
+          </mc:Choice>
+          <mc:Fallback>
+            <p:pic>
+              <p:nvPicPr>
+                <p:cNvPr id="76" name="Ink 75">
+                  <a:extLst>
+                    <a:ext uri="{FF2B5EF4-FFF2-40B4-BE49-F238E27FC236}">
+                      <a16:creationId xmlns:a16="http://schemas.microsoft.com/office/drawing/2014/main" id="{2CE17BD1-1737-C2DF-1B24-45896DC69D56}"/>
+                    </a:ext>
+                  </a:extLst>
+                </p:cNvPr>
+                <p:cNvPicPr/>
+                <p:nvPr/>
+              </p:nvPicPr>
+              <p:blipFill>
+                <a:blip r:embed="rId108"/>
+                <a:stretch>
+                  <a:fillRect/>
+                </a:stretch>
+              </p:blipFill>
+              <p:spPr>
+                <a:xfrm>
+                  <a:off x="7844603" y="4015260"/>
+                  <a:ext cx="69480" cy="107280"/>
+                </a:xfrm>
+                <a:prstGeom prst="rect">
+                  <a:avLst/>
+                </a:prstGeom>
+              </p:spPr>
+            </p:pic>
+          </mc:Fallback>
+        </mc:AlternateContent>
+      </p:grpSp>
     </p:spTree>
     <p:extLst>
       <p:ext uri="{BB962C8B-B14F-4D97-AF65-F5344CB8AC3E}">
